--- a/Unit 2/Richard_Palmer_LiveSession_2.pptx
+++ b/Unit 2/Richard_Palmer_LiveSession_2.pptx
@@ -10,6 +10,7 @@
     <p:sldId id="258" r:id="rId4"/>
     <p:sldId id="259" r:id="rId5"/>
     <p:sldId id="260" r:id="rId6"/>
+    <p:sldId id="261" r:id="rId7"/>
   </p:sldIdLst>
   <p:sldSz cx="9144000" cy="6858000" type="screen4x3"/>
   <p:notesSz cx="6858000" cy="9144000"/>
@@ -3242,85 +3243,54 @@
       </p:grpSpPr>
       <p:sp>
         <p:nvSpPr>
-          <p:cNvPr id="2" name="Title 1"/>
-          <p:cNvSpPr>
-            <a:spLocks noGrp="1"/>
-          </p:cNvSpPr>
-          <p:nvPr>
-            <p:ph type="title"/>
-          </p:nvPr>
-        </p:nvSpPr>
-        <p:spPr/>
-        <p:txBody>
-          <a:bodyPr/>
-          <a:lstStyle/>
-          <a:p>
-            <a:pPr lvl="0" marL="0" indent="0">
+          <p:cNvPr id="3" name="Content Placeholder 2"/>
+          <p:cNvSpPr>
+            <a:spLocks noGrp="1"/>
+          </p:cNvSpPr>
+          <p:nvPr>
+            <p:ph idx="1"/>
+          </p:nvPr>
+        </p:nvSpPr>
+        <p:spPr/>
+        <p:txBody>
+          <a:bodyPr/>
+          <a:lstStyle/>
+          <a:p>
+            <a:pPr lvl="0" marL="1270000" indent="0">
               <a:buNone/>
             </a:pPr>
             <a:r>
-              <a:rPr/>
-              <a:t>R</a:t>
-            </a:r>
-            <a:r>
-              <a:rPr/>
-              <a:t> </a:t>
-            </a:r>
-            <a:r>
-              <a:rPr/>
-              <a:t>Markdown</a:t>
-            </a:r>
-          </a:p>
-        </p:txBody>
-      </p:sp>
-      <p:sp>
-        <p:nvSpPr>
-          <p:cNvPr id="3" name="Content Placeholder 2"/>
-          <p:cNvSpPr>
-            <a:spLocks noGrp="1"/>
-          </p:cNvSpPr>
-          <p:nvPr>
-            <p:ph idx="1"/>
-          </p:nvPr>
-        </p:nvSpPr>
-        <p:spPr/>
-        <p:txBody>
-          <a:bodyPr/>
-          <a:lstStyle/>
-          <a:p>
-            <a:pPr lvl="0" marL="0" indent="0">
+              <a:rPr sz="1800">
+                <a:latin typeface="Courier"/>
+              </a:rPr>
+              <a:t>## 
+## Attaching package: 'dplyr'</a:t>
+            </a:r>
+          </a:p>
+          <a:p>
+            <a:pPr lvl="0" marL="1270000" indent="0">
               <a:buNone/>
             </a:pPr>
             <a:r>
-              <a:rPr/>
-              <a:t>This is an R Markdown presentation. Markdown is a simple formatting syntax for authoring HTML, PDF, and MS Word documents. For more details on using R Markdown see </a:t>
-            </a:r>
-            <a:r>
-              <a:rPr>
-                <a:hlinkClick r:id="rId2"/>
+              <a:rPr sz="1800">
+                <a:latin typeface="Courier"/>
               </a:rPr>
-              <a:t>http://rmarkdown.rstudio.com</a:t>
-            </a:r>
-            <a:r>
-              <a:rPr/>
-              <a:t>.</a:t>
-            </a:r>
-          </a:p>
-          <a:p>
-            <a:pPr lvl="0" marL="0" indent="0">
+              <a:t>## The following objects are masked from 'package:stats':
+## 
+##     filter, lag</a:t>
+            </a:r>
+          </a:p>
+          <a:p>
+            <a:pPr lvl="0" marL="1270000" indent="0">
               <a:buNone/>
             </a:pPr>
             <a:r>
-              <a:rPr/>
-              <a:t>When you click the </a:t>
-            </a:r>
-            <a:r>
-              <a:rPr b="1"/>
-              <a:t>Knit</a:t>
-            </a:r>
-            <a:r>
-              <a:rPr/>
-              <a:t> button a document will be generated that includes both content as well as the output of any embedded R code chunks within the document.</a:t>
+              <a:rPr sz="1800">
+                <a:latin typeface="Courier"/>
+              </a:rPr>
+              <a:t>## The following objects are masked from 'package:base':
+## 
+##     intersect, setdiff, setequal, union</a:t>
             </a:r>
           </a:p>
         </p:txBody>
@@ -3367,7 +3337,7 @@
             </a:pPr>
             <a:r>
               <a:rPr/>
-              <a:t>Slide</a:t>
+              <a:t>Question</a:t>
             </a:r>
             <a:r>
               <a:rPr/>
@@ -3375,56 +3345,41 @@
             </a:r>
             <a:r>
               <a:rPr/>
-              <a:t>with</a:t>
-            </a:r>
-            <a:r>
-              <a:rPr/>
-              <a:t> </a:t>
-            </a:r>
-            <a:r>
-              <a:rPr/>
-              <a:t>Bullets</a:t>
-            </a:r>
-          </a:p>
-        </p:txBody>
-      </p:sp>
-      <p:sp>
-        <p:nvSpPr>
-          <p:cNvPr id="3" name="Content Placeholder 2"/>
-          <p:cNvSpPr>
-            <a:spLocks noGrp="1"/>
-          </p:cNvSpPr>
-          <p:nvPr>
-            <p:ph idx="1"/>
-          </p:nvPr>
-        </p:nvSpPr>
-        <p:spPr/>
-        <p:txBody>
-          <a:bodyPr/>
-          <a:lstStyle/>
-          <a:p>
-            <a:pPr lvl="1"/>
-            <a:r>
-              <a:rPr/>
-              <a:t>Bullet 1</a:t>
-            </a:r>
-          </a:p>
-          <a:p>
-            <a:pPr lvl="1"/>
-            <a:r>
-              <a:rPr/>
-              <a:t>Bullet 2</a:t>
-            </a:r>
-          </a:p>
-          <a:p>
-            <a:pPr lvl="1"/>
-            <a:r>
-              <a:rPr/>
-              <a:t>Bullet 3</a:t>
-            </a:r>
-          </a:p>
-        </p:txBody>
-      </p:sp>
+              <a:t>1</a:t>
+            </a:r>
+          </a:p>
+        </p:txBody>
+      </p:sp>
+      <p:pic>
+        <p:nvPicPr>
+          <p:cNvPr descr="Richard_Palmer_LiveSession_2_files/figure-pptx/unnamed-chunk-2-1.png" id="0" name="Picture 1"/>
+          <p:cNvPicPr>
+            <a:picLocks noGrp="1" noChangeAspect="1"/>
+          </p:cNvPicPr>
+          <p:nvPr/>
+        </p:nvPicPr>
+        <p:blipFill>
+          <a:blip r:embed="rId2"/>
+          <a:stretch>
+            <a:fillRect/>
+          </a:stretch>
+        </p:blipFill>
+        <p:spPr bwMode="auto">
+          <a:xfrm>
+            <a:off x="1752600" y="1600200"/>
+            <a:ext cx="5651500" cy="4521200"/>
+          </a:xfrm>
+          <a:prstGeom prst="rect">
+            <a:avLst/>
+          </a:prstGeom>
+          <a:noFill/>
+          <a:ln w="9525">
+            <a:noFill/>
+            <a:headEnd/>
+            <a:tailEnd/>
+          </a:ln>
+        </p:spPr>
+      </p:pic>
     </p:spTree>
   </p:cSld>
 </p:sld>
@@ -3483,6 +3438,106 @@
             </a:r>
             <a:r>
               <a:rPr/>
+              <a:t>Bullets</a:t>
+            </a:r>
+          </a:p>
+        </p:txBody>
+      </p:sp>
+      <p:sp>
+        <p:nvSpPr>
+          <p:cNvPr id="3" name="Content Placeholder 2"/>
+          <p:cNvSpPr>
+            <a:spLocks noGrp="1"/>
+          </p:cNvSpPr>
+          <p:nvPr>
+            <p:ph idx="1"/>
+          </p:nvPr>
+        </p:nvSpPr>
+        <p:spPr/>
+        <p:txBody>
+          <a:bodyPr/>
+          <a:lstStyle/>
+          <a:p>
+            <a:pPr lvl="1"/>
+            <a:r>
+              <a:rPr/>
+              <a:t>Bullet 1</a:t>
+            </a:r>
+          </a:p>
+          <a:p>
+            <a:pPr lvl="1"/>
+            <a:r>
+              <a:rPr/>
+              <a:t>Bullet 2</a:t>
+            </a:r>
+          </a:p>
+          <a:p>
+            <a:pPr lvl="1"/>
+            <a:r>
+              <a:rPr/>
+              <a:t>Bullet 3</a:t>
+            </a:r>
+          </a:p>
+        </p:txBody>
+      </p:sp>
+    </p:spTree>
+  </p:cSld>
+</p:sld>
+</file>
+
+<file path=ppt/slides/slide5.xml><?xml version="1.0" encoding="utf-8"?>
+<p:sld xmlns:a="http://schemas.openxmlformats.org/drawingml/2006/main" xmlns:r="http://schemas.openxmlformats.org/officeDocument/2006/relationships" xmlns:p="http://schemas.openxmlformats.org/presentationml/2006/main">
+  <p:cSld>
+    <p:spTree>
+      <p:nvGrpSpPr>
+        <p:cNvPr id="1" name=""/>
+        <p:cNvGrpSpPr/>
+        <p:nvPr/>
+      </p:nvGrpSpPr>
+      <p:grpSpPr>
+        <a:xfrm>
+          <a:off x="0" y="0"/>
+          <a:ext cx="0" cy="0"/>
+          <a:chOff x="0" y="0"/>
+          <a:chExt cx="0" cy="0"/>
+        </a:xfrm>
+      </p:grpSpPr>
+      <p:sp>
+        <p:nvSpPr>
+          <p:cNvPr id="2" name="Title 1"/>
+          <p:cNvSpPr>
+            <a:spLocks noGrp="1"/>
+          </p:cNvSpPr>
+          <p:nvPr>
+            <p:ph type="title"/>
+          </p:nvPr>
+        </p:nvSpPr>
+        <p:spPr/>
+        <p:txBody>
+          <a:bodyPr/>
+          <a:lstStyle/>
+          <a:p>
+            <a:pPr lvl="0" marL="0" indent="0">
+              <a:buNone/>
+            </a:pPr>
+            <a:r>
+              <a:rPr/>
+              <a:t>Slide</a:t>
+            </a:r>
+            <a:r>
+              <a:rPr/>
+              <a:t> </a:t>
+            </a:r>
+            <a:r>
+              <a:rPr/>
+              <a:t>with</a:t>
+            </a:r>
+            <a:r>
+              <a:rPr/>
+              <a:t> </a:t>
+            </a:r>
+            <a:r>
+              <a:rPr/>
               <a:t>R</a:t>
             </a:r>
             <a:r>
@@ -3554,7 +3609,7 @@
 </p:sld>
 </file>
 
-<file path=ppt/slides/slide5.xml><?xml version="1.0" encoding="utf-8"?>
+<file path=ppt/slides/slide6.xml><?xml version="1.0" encoding="utf-8"?>
 <p:sld xmlns:a="http://schemas.openxmlformats.org/drawingml/2006/main" xmlns:r="http://schemas.openxmlformats.org/officeDocument/2006/relationships" xmlns:p="http://schemas.openxmlformats.org/presentationml/2006/main">
   <p:cSld>
     <p:spTree>

--- a/Unit 2/Richard_Palmer_LiveSession_2.pptx
+++ b/Unit 2/Richard_Palmer_LiveSession_2.pptx
@@ -11,6 +11,17 @@
     <p:sldId id="259" r:id="rId5"/>
     <p:sldId id="260" r:id="rId6"/>
     <p:sldId id="261" r:id="rId7"/>
+    <p:sldId id="262" r:id="rId8"/>
+    <p:sldId id="263" r:id="rId9"/>
+    <p:sldId id="264" r:id="rId10"/>
+    <p:sldId id="265" r:id="rId11"/>
+    <p:sldId id="266" r:id="rId12"/>
+    <p:sldId id="267" r:id="rId13"/>
+    <p:sldId id="268" r:id="rId14"/>
+    <p:sldId id="269" r:id="rId15"/>
+    <p:sldId id="270" r:id="rId16"/>
+    <p:sldId id="271" r:id="rId17"/>
+    <p:sldId id="272" r:id="rId18"/>
   </p:sldIdLst>
   <p:sldSz cx="9144000" cy="6858000" type="screen4x3"/>
   <p:notesSz cx="6858000" cy="9144000"/>
@@ -3224,7 +3235,7 @@
 </p:sld>
 </file>
 
-<file path=ppt/slides/slide2.xml><?xml version="1.0" encoding="utf-8"?>
+<file path=ppt/slides/slide10.xml><?xml version="1.0" encoding="utf-8"?>
 <p:sld xmlns:a="http://schemas.openxmlformats.org/drawingml/2006/main" xmlns:r="http://schemas.openxmlformats.org/officeDocument/2006/relationships" xmlns:p="http://schemas.openxmlformats.org/presentationml/2006/main">
   <p:cSld>
     <p:spTree>
@@ -3243,6 +3254,39 @@
       </p:grpSpPr>
       <p:sp>
         <p:nvSpPr>
+          <p:cNvPr id="2" name="Title 1"/>
+          <p:cNvSpPr>
+            <a:spLocks noGrp="1"/>
+          </p:cNvSpPr>
+          <p:nvPr>
+            <p:ph type="title"/>
+          </p:nvPr>
+        </p:nvSpPr>
+        <p:spPr/>
+        <p:txBody>
+          <a:bodyPr/>
+          <a:lstStyle/>
+          <a:p>
+            <a:pPr lvl="0" marL="0" indent="0">
+              <a:buNone/>
+            </a:pPr>
+            <a:r>
+              <a:rPr/>
+              <a:t>Question</a:t>
+            </a:r>
+            <a:r>
+              <a:rPr/>
+              <a:t> </a:t>
+            </a:r>
+            <a:r>
+              <a:rPr/>
+              <a:t>6</a:t>
+            </a:r>
+          </a:p>
+        </p:txBody>
+      </p:sp>
+      <p:sp>
+        <p:nvSpPr>
           <p:cNvPr id="3" name="Content Placeholder 2"/>
           <p:cNvSpPr>
             <a:spLocks noGrp="1"/>
@@ -3255,6 +3299,15 @@
         <p:txBody>
           <a:bodyPr/>
           <a:lstStyle/>
+          <a:p>
+            <a:pPr lvl="0" marL="0" indent="0">
+              <a:buNone/>
+            </a:pPr>
+            <a:r>
+              <a:rPr/>
+              <a:t>Is there any difference in height/weight relationship among positions?</a:t>
+            </a:r>
+          </a:p>
           <a:p>
             <a:pPr lvl="0" marL="1270000" indent="0">
               <a:buNone/>
@@ -3263,34 +3316,7 @@
               <a:rPr sz="1800">
                 <a:latin typeface="Courier"/>
               </a:rPr>
-              <a:t>## 
-## Attaching package: 'dplyr'</a:t>
-            </a:r>
-          </a:p>
-          <a:p>
-            <a:pPr lvl="0" marL="1270000" indent="0">
-              <a:buNone/>
-            </a:pPr>
-            <a:r>
-              <a:rPr sz="1800">
-                <a:latin typeface="Courier"/>
-              </a:rPr>
-              <a:t>## The following objects are masked from 'package:stats':
-## 
-##     filter, lag</a:t>
-            </a:r>
-          </a:p>
-          <a:p>
-            <a:pPr lvl="0" marL="1270000" indent="0">
-              <a:buNone/>
-            </a:pPr>
-            <a:r>
-              <a:rPr sz="1800">
-                <a:latin typeface="Courier"/>
-              </a:rPr>
-              <a:t>## The following objects are masked from 'package:base':
-## 
-##     intersect, setdiff, setequal, union</a:t>
+              <a:t>## Warning: Removed 6 rows containing missing values (geom_point).</a:t>
             </a:r>
           </a:p>
         </p:txBody>
@@ -3300,7 +3326,7 @@
 </p:sld>
 </file>
 
-<file path=ppt/slides/slide3.xml><?xml version="1.0" encoding="utf-8"?>
+<file path=ppt/slides/slide11.xml><?xml version="1.0" encoding="utf-8"?>
 <p:sld xmlns:a="http://schemas.openxmlformats.org/drawingml/2006/main" xmlns:r="http://schemas.openxmlformats.org/officeDocument/2006/relationships" xmlns:p="http://schemas.openxmlformats.org/presentationml/2006/main">
   <p:cSld>
     <p:spTree>
@@ -3317,42 +3343,9 @@
           <a:chExt cx="0" cy="0"/>
         </a:xfrm>
       </p:grpSpPr>
-      <p:sp>
-        <p:nvSpPr>
-          <p:cNvPr id="2" name="Title 1"/>
-          <p:cNvSpPr>
-            <a:spLocks noGrp="1"/>
-          </p:cNvSpPr>
-          <p:nvPr>
-            <p:ph type="title"/>
-          </p:nvPr>
-        </p:nvSpPr>
-        <p:spPr/>
-        <p:txBody>
-          <a:bodyPr/>
-          <a:lstStyle/>
-          <a:p>
-            <a:pPr lvl="0" marL="0" indent="0">
-              <a:buNone/>
-            </a:pPr>
-            <a:r>
-              <a:rPr/>
-              <a:t>Question</a:t>
-            </a:r>
-            <a:r>
-              <a:rPr/>
-              <a:t> </a:t>
-            </a:r>
-            <a:r>
-              <a:rPr/>
-              <a:t>1</a:t>
-            </a:r>
-          </a:p>
-        </p:txBody>
-      </p:sp>
       <p:pic>
         <p:nvPicPr>
-          <p:cNvPr descr="Richard_Palmer_LiveSession_2_files/figure-pptx/unnamed-chunk-2-1.png" id="0" name="Picture 1"/>
+          <p:cNvPr descr="Richard_Palmer_LiveSession_2_files/figure-pptx/unnamed-chunk-7-1.png" id="0" name="Picture 1"/>
           <p:cNvPicPr>
             <a:picLocks noGrp="1" noChangeAspect="1"/>
           </p:cNvPicPr>
@@ -3385,6 +3378,669 @@
 </p:sld>
 </file>
 
+<file path=ppt/slides/slide12.xml><?xml version="1.0" encoding="utf-8"?>
+<p:sld xmlns:a="http://schemas.openxmlformats.org/drawingml/2006/main" xmlns:r="http://schemas.openxmlformats.org/officeDocument/2006/relationships" xmlns:p="http://schemas.openxmlformats.org/presentationml/2006/main">
+  <p:cSld>
+    <p:spTree>
+      <p:nvGrpSpPr>
+        <p:cNvPr id="1" name=""/>
+        <p:cNvGrpSpPr/>
+        <p:nvPr/>
+      </p:nvGrpSpPr>
+      <p:grpSpPr>
+        <a:xfrm>
+          <a:off x="0" y="0"/>
+          <a:ext cx="0" cy="0"/>
+          <a:chOff x="0" y="0"/>
+          <a:chExt cx="0" cy="0"/>
+        </a:xfrm>
+      </p:grpSpPr>
+      <p:sp>
+        <p:nvSpPr>
+          <p:cNvPr id="2" name="Title 1"/>
+          <p:cNvSpPr>
+            <a:spLocks noGrp="1"/>
+          </p:cNvSpPr>
+          <p:nvPr>
+            <p:ph type="title"/>
+          </p:nvPr>
+        </p:nvSpPr>
+        <p:spPr/>
+        <p:txBody>
+          <a:bodyPr/>
+          <a:lstStyle/>
+          <a:p>
+            <a:pPr lvl="0" marL="0" indent="0">
+              <a:buNone/>
+            </a:pPr>
+            <a:r>
+              <a:rPr/>
+              <a:t>Question</a:t>
+            </a:r>
+            <a:r>
+              <a:rPr/>
+              <a:t> </a:t>
+            </a:r>
+            <a:r>
+              <a:rPr/>
+              <a:t>7</a:t>
+            </a:r>
+          </a:p>
+        </p:txBody>
+      </p:sp>
+      <p:sp>
+        <p:nvSpPr>
+          <p:cNvPr id="3" name="Content Placeholder 2"/>
+          <p:cNvSpPr>
+            <a:spLocks noGrp="1"/>
+          </p:cNvSpPr>
+          <p:nvPr>
+            <p:ph idx="1"/>
+          </p:nvPr>
+        </p:nvSpPr>
+        <p:spPr/>
+        <p:txBody>
+          <a:bodyPr/>
+          <a:lstStyle/>
+          <a:p>
+            <a:pPr lvl="0" marL="0" indent="0">
+              <a:buNone/>
+            </a:pPr>
+            <a:r>
+              <a:rPr/>
+              <a:t>Is there any evidence that height has changed over the years?</a:t>
+            </a:r>
+          </a:p>
+          <a:p>
+            <a:pPr lvl="0" marL="1270000" indent="0">
+              <a:buNone/>
+            </a:pPr>
+            <a:r>
+              <a:rPr sz="1800">
+                <a:latin typeface="Courier"/>
+              </a:rPr>
+              <a:t>## Warning: Removed 1 rows containing missing values (geom_point).</a:t>
+            </a:r>
+          </a:p>
+        </p:txBody>
+      </p:sp>
+    </p:spTree>
+  </p:cSld>
+</p:sld>
+</file>
+
+<file path=ppt/slides/slide13.xml><?xml version="1.0" encoding="utf-8"?>
+<p:sld xmlns:a="http://schemas.openxmlformats.org/drawingml/2006/main" xmlns:r="http://schemas.openxmlformats.org/officeDocument/2006/relationships" xmlns:p="http://schemas.openxmlformats.org/presentationml/2006/main">
+  <p:cSld>
+    <p:spTree>
+      <p:nvGrpSpPr>
+        <p:cNvPr id="1" name=""/>
+        <p:cNvGrpSpPr/>
+        <p:nvPr/>
+      </p:nvGrpSpPr>
+      <p:grpSpPr>
+        <a:xfrm>
+          <a:off x="0" y="0"/>
+          <a:ext cx="0" cy="0"/>
+          <a:chOff x="0" y="0"/>
+          <a:chExt cx="0" cy="0"/>
+        </a:xfrm>
+      </p:grpSpPr>
+      <p:pic>
+        <p:nvPicPr>
+          <p:cNvPr descr="Richard_Palmer_LiveSession_2_files/figure-pptx/unnamed-chunk-8-1.png" id="0" name="Picture 1"/>
+          <p:cNvPicPr>
+            <a:picLocks noGrp="1" noChangeAspect="1"/>
+          </p:cNvPicPr>
+          <p:nvPr/>
+        </p:nvPicPr>
+        <p:blipFill>
+          <a:blip r:embed="rId2"/>
+          <a:stretch>
+            <a:fillRect/>
+          </a:stretch>
+        </p:blipFill>
+        <p:spPr bwMode="auto">
+          <a:xfrm>
+            <a:off x="1752600" y="1600200"/>
+            <a:ext cx="5651500" cy="4521200"/>
+          </a:xfrm>
+          <a:prstGeom prst="rect">
+            <a:avLst/>
+          </a:prstGeom>
+          <a:noFill/>
+          <a:ln w="9525">
+            <a:noFill/>
+            <a:headEnd/>
+            <a:tailEnd/>
+          </a:ln>
+        </p:spPr>
+      </p:pic>
+    </p:spTree>
+  </p:cSld>
+</p:sld>
+</file>
+
+<file path=ppt/slides/slide14.xml><?xml version="1.0" encoding="utf-8"?>
+<p:sld xmlns:a="http://schemas.openxmlformats.org/drawingml/2006/main" xmlns:r="http://schemas.openxmlformats.org/officeDocument/2006/relationships" xmlns:p="http://schemas.openxmlformats.org/presentationml/2006/main">
+  <p:cSld>
+    <p:spTree>
+      <p:nvGrpSpPr>
+        <p:cNvPr id="1" name=""/>
+        <p:cNvGrpSpPr/>
+        <p:nvPr/>
+      </p:nvGrpSpPr>
+      <p:grpSpPr>
+        <a:xfrm>
+          <a:off x="0" y="0"/>
+          <a:ext cx="0" cy="0"/>
+          <a:chOff x="0" y="0"/>
+          <a:chExt cx="0" cy="0"/>
+        </a:xfrm>
+      </p:grpSpPr>
+      <p:sp>
+        <p:nvSpPr>
+          <p:cNvPr id="3" name="Content Placeholder 2"/>
+          <p:cNvSpPr>
+            <a:spLocks noGrp="1"/>
+          </p:cNvSpPr>
+          <p:nvPr>
+            <p:ph idx="1"/>
+          </p:nvPr>
+        </p:nvSpPr>
+        <p:spPr/>
+        <p:txBody>
+          <a:bodyPr/>
+          <a:lstStyle/>
+          <a:p>
+            <a:pPr lvl="0" marL="0" indent="0">
+              <a:buNone/>
+            </a:pPr>
+            <a:r>
+              <a:rPr/>
+              <a:t> ## Question 8 3D plot of height versus weight, colored by position</a:t>
+            </a:r>
+          </a:p>
+        </p:txBody>
+      </p:sp>
+    </p:spTree>
+  </p:cSld>
+</p:sld>
+</file>
+
+<file path=ppt/slides/slide15.xml><?xml version="1.0" encoding="utf-8"?>
+<p:sld xmlns:a="http://schemas.openxmlformats.org/drawingml/2006/main" xmlns:r="http://schemas.openxmlformats.org/officeDocument/2006/relationships" xmlns:p="http://schemas.openxmlformats.org/presentationml/2006/main">
+  <p:cSld>
+    <p:spTree>
+      <p:nvGrpSpPr>
+        <p:cNvPr id="1" name=""/>
+        <p:cNvGrpSpPr/>
+        <p:nvPr/>
+      </p:nvGrpSpPr>
+      <p:grpSpPr>
+        <a:xfrm>
+          <a:off x="0" y="0"/>
+          <a:ext cx="0" cy="0"/>
+          <a:chOff x="0" y="0"/>
+          <a:chExt cx="0" cy="0"/>
+        </a:xfrm>
+      </p:grpSpPr>
+      <p:sp>
+        <p:nvSpPr>
+          <p:cNvPr id="2" name="Title 1"/>
+          <p:cNvSpPr>
+            <a:spLocks noGrp="1"/>
+          </p:cNvSpPr>
+          <p:nvPr>
+            <p:ph type="title"/>
+          </p:nvPr>
+        </p:nvSpPr>
+        <p:spPr/>
+        <p:txBody>
+          <a:bodyPr/>
+          <a:lstStyle/>
+          <a:p>
+            <a:pPr lvl="0" marL="0" indent="0">
+              <a:buNone/>
+            </a:pPr>
+            <a:r>
+              <a:rPr/>
+              <a:t>Slide</a:t>
+            </a:r>
+            <a:r>
+              <a:rPr/>
+              <a:t> </a:t>
+            </a:r>
+            <a:r>
+              <a:rPr/>
+              <a:t>with</a:t>
+            </a:r>
+            <a:r>
+              <a:rPr/>
+              <a:t> </a:t>
+            </a:r>
+            <a:r>
+              <a:rPr/>
+              <a:t>Bullets</a:t>
+            </a:r>
+          </a:p>
+        </p:txBody>
+      </p:sp>
+      <p:sp>
+        <p:nvSpPr>
+          <p:cNvPr id="3" name="Content Placeholder 2"/>
+          <p:cNvSpPr>
+            <a:spLocks noGrp="1"/>
+          </p:cNvSpPr>
+          <p:nvPr>
+            <p:ph idx="1"/>
+          </p:nvPr>
+        </p:nvSpPr>
+        <p:spPr/>
+        <p:txBody>
+          <a:bodyPr/>
+          <a:lstStyle/>
+          <a:p>
+            <a:pPr lvl="1"/>
+            <a:r>
+              <a:rPr/>
+              <a:t>Bullet 1</a:t>
+            </a:r>
+          </a:p>
+          <a:p>
+            <a:pPr lvl="1"/>
+            <a:r>
+              <a:rPr/>
+              <a:t>Bullet 2</a:t>
+            </a:r>
+          </a:p>
+          <a:p>
+            <a:pPr lvl="1"/>
+            <a:r>
+              <a:rPr/>
+              <a:t>Bullet 3</a:t>
+            </a:r>
+          </a:p>
+        </p:txBody>
+      </p:sp>
+    </p:spTree>
+  </p:cSld>
+</p:sld>
+</file>
+
+<file path=ppt/slides/slide16.xml><?xml version="1.0" encoding="utf-8"?>
+<p:sld xmlns:a="http://schemas.openxmlformats.org/drawingml/2006/main" xmlns:r="http://schemas.openxmlformats.org/officeDocument/2006/relationships" xmlns:p="http://schemas.openxmlformats.org/presentationml/2006/main">
+  <p:cSld>
+    <p:spTree>
+      <p:nvGrpSpPr>
+        <p:cNvPr id="1" name=""/>
+        <p:cNvGrpSpPr/>
+        <p:nvPr/>
+      </p:nvGrpSpPr>
+      <p:grpSpPr>
+        <a:xfrm>
+          <a:off x="0" y="0"/>
+          <a:ext cx="0" cy="0"/>
+          <a:chOff x="0" y="0"/>
+          <a:chExt cx="0" cy="0"/>
+        </a:xfrm>
+      </p:grpSpPr>
+      <p:sp>
+        <p:nvSpPr>
+          <p:cNvPr id="2" name="Title 1"/>
+          <p:cNvSpPr>
+            <a:spLocks noGrp="1"/>
+          </p:cNvSpPr>
+          <p:nvPr>
+            <p:ph type="title"/>
+          </p:nvPr>
+        </p:nvSpPr>
+        <p:spPr/>
+        <p:txBody>
+          <a:bodyPr/>
+          <a:lstStyle/>
+          <a:p>
+            <a:pPr lvl="0" marL="0" indent="0">
+              <a:buNone/>
+            </a:pPr>
+            <a:r>
+              <a:rPr/>
+              <a:t>Slide</a:t>
+            </a:r>
+            <a:r>
+              <a:rPr/>
+              <a:t> </a:t>
+            </a:r>
+            <a:r>
+              <a:rPr/>
+              <a:t>with</a:t>
+            </a:r>
+            <a:r>
+              <a:rPr/>
+              <a:t> </a:t>
+            </a:r>
+            <a:r>
+              <a:rPr/>
+              <a:t>R</a:t>
+            </a:r>
+            <a:r>
+              <a:rPr/>
+              <a:t> </a:t>
+            </a:r>
+            <a:r>
+              <a:rPr/>
+              <a:t>Output</a:t>
+            </a:r>
+          </a:p>
+        </p:txBody>
+      </p:sp>
+      <p:sp>
+        <p:nvSpPr>
+          <p:cNvPr id="3" name="Content Placeholder 2"/>
+          <p:cNvSpPr>
+            <a:spLocks noGrp="1"/>
+          </p:cNvSpPr>
+          <p:nvPr>
+            <p:ph idx="1"/>
+          </p:nvPr>
+        </p:nvSpPr>
+        <p:spPr/>
+        <p:txBody>
+          <a:bodyPr/>
+          <a:lstStyle/>
+          <a:p>
+            <a:pPr lvl="0" marL="1270000" indent="0">
+              <a:buNone/>
+            </a:pPr>
+            <a:r>
+              <a:rPr sz="1800" b="1">
+                <a:solidFill>
+                  <a:srgbClr val="007020"/>
+                </a:solidFill>
+                <a:latin typeface="Courier"/>
+              </a:rPr>
+              <a:t>summary</a:t>
+            </a:r>
+            <a:r>
+              <a:rPr sz="1800">
+                <a:latin typeface="Courier"/>
+              </a:rPr>
+              <a:t>(cars)</a:t>
+            </a:r>
+          </a:p>
+          <a:p>
+            <a:pPr lvl="0" marL="1270000" indent="0">
+              <a:buNone/>
+            </a:pPr>
+            <a:r>
+              <a:rPr sz="1800">
+                <a:latin typeface="Courier"/>
+              </a:rPr>
+              <a:t>##      speed           dist       
+##  Min.   : 4.0   Min.   :  2.00  
+##  1st Qu.:12.0   1st Qu.: 26.00  
+##  Median :15.0   Median : 36.00  
+##  Mean   :15.4   Mean   : 42.98  
+##  3rd Qu.:19.0   3rd Qu.: 56.00  
+##  Max.   :25.0   Max.   :120.00</a:t>
+            </a:r>
+          </a:p>
+        </p:txBody>
+      </p:sp>
+    </p:spTree>
+  </p:cSld>
+</p:sld>
+</file>
+
+<file path=ppt/slides/slide17.xml><?xml version="1.0" encoding="utf-8"?>
+<p:sld xmlns:a="http://schemas.openxmlformats.org/drawingml/2006/main" xmlns:r="http://schemas.openxmlformats.org/officeDocument/2006/relationships" xmlns:p="http://schemas.openxmlformats.org/presentationml/2006/main">
+  <p:cSld>
+    <p:spTree>
+      <p:nvGrpSpPr>
+        <p:cNvPr id="1" name=""/>
+        <p:cNvGrpSpPr/>
+        <p:nvPr/>
+      </p:nvGrpSpPr>
+      <p:grpSpPr>
+        <a:xfrm>
+          <a:off x="0" y="0"/>
+          <a:ext cx="0" cy="0"/>
+          <a:chOff x="0" y="0"/>
+          <a:chExt cx="0" cy="0"/>
+        </a:xfrm>
+      </p:grpSpPr>
+      <p:sp>
+        <p:nvSpPr>
+          <p:cNvPr id="2" name="Title 1"/>
+          <p:cNvSpPr>
+            <a:spLocks noGrp="1"/>
+          </p:cNvSpPr>
+          <p:nvPr>
+            <p:ph type="title"/>
+          </p:nvPr>
+        </p:nvSpPr>
+        <p:spPr/>
+        <p:txBody>
+          <a:bodyPr/>
+          <a:lstStyle/>
+          <a:p>
+            <a:pPr lvl="0" marL="0" indent="0">
+              <a:buNone/>
+            </a:pPr>
+            <a:r>
+              <a:rPr/>
+              <a:t>Slide</a:t>
+            </a:r>
+            <a:r>
+              <a:rPr/>
+              <a:t> </a:t>
+            </a:r>
+            <a:r>
+              <a:rPr/>
+              <a:t>with</a:t>
+            </a:r>
+            <a:r>
+              <a:rPr/>
+              <a:t> </a:t>
+            </a:r>
+            <a:r>
+              <a:rPr/>
+              <a:t>Plot</a:t>
+            </a:r>
+          </a:p>
+        </p:txBody>
+      </p:sp>
+      <p:pic>
+        <p:nvPicPr>
+          <p:cNvPr descr="Richard_Palmer_LiveSession_2_files/figure-pptx/pressure-1.png" id="0" name="Picture 1"/>
+          <p:cNvPicPr>
+            <a:picLocks noGrp="1" noChangeAspect="1"/>
+          </p:cNvPicPr>
+          <p:nvPr/>
+        </p:nvPicPr>
+        <p:blipFill>
+          <a:blip r:embed="rId2"/>
+          <a:stretch>
+            <a:fillRect/>
+          </a:stretch>
+        </p:blipFill>
+        <p:spPr bwMode="auto">
+          <a:xfrm>
+            <a:off x="1752600" y="1600200"/>
+            <a:ext cx="5651500" cy="4521200"/>
+          </a:xfrm>
+          <a:prstGeom prst="rect">
+            <a:avLst/>
+          </a:prstGeom>
+          <a:noFill/>
+          <a:ln w="9525">
+            <a:noFill/>
+            <a:headEnd/>
+            <a:tailEnd/>
+          </a:ln>
+        </p:spPr>
+      </p:pic>
+    </p:spTree>
+  </p:cSld>
+</p:sld>
+</file>
+
+<file path=ppt/slides/slide2.xml><?xml version="1.0" encoding="utf-8"?>
+<p:sld xmlns:a="http://schemas.openxmlformats.org/drawingml/2006/main" xmlns:r="http://schemas.openxmlformats.org/officeDocument/2006/relationships" xmlns:p="http://schemas.openxmlformats.org/presentationml/2006/main">
+  <p:cSld>
+    <p:spTree>
+      <p:nvGrpSpPr>
+        <p:cNvPr id="1" name=""/>
+        <p:cNvGrpSpPr/>
+        <p:nvPr/>
+      </p:nvGrpSpPr>
+      <p:grpSpPr>
+        <a:xfrm>
+          <a:off x="0" y="0"/>
+          <a:ext cx="0" cy="0"/>
+          <a:chOff x="0" y="0"/>
+          <a:chExt cx="0" cy="0"/>
+        </a:xfrm>
+      </p:grpSpPr>
+      <p:sp>
+        <p:nvSpPr>
+          <p:cNvPr id="3" name="Content Placeholder 2"/>
+          <p:cNvSpPr>
+            <a:spLocks noGrp="1"/>
+          </p:cNvSpPr>
+          <p:nvPr>
+            <p:ph idx="1"/>
+          </p:nvPr>
+        </p:nvSpPr>
+        <p:spPr/>
+        <p:txBody>
+          <a:bodyPr/>
+          <a:lstStyle/>
+          <a:p>
+            <a:pPr lvl="0" marL="1270000" indent="0">
+              <a:buNone/>
+            </a:pPr>
+            <a:r>
+              <a:rPr sz="1800">
+                <a:latin typeface="Courier"/>
+              </a:rPr>
+              <a:t>## 
+## Attaching package: 'dplyr'</a:t>
+            </a:r>
+          </a:p>
+          <a:p>
+            <a:pPr lvl="0" marL="1270000" indent="0">
+              <a:buNone/>
+            </a:pPr>
+            <a:r>
+              <a:rPr sz="1800">
+                <a:latin typeface="Courier"/>
+              </a:rPr>
+              <a:t>## The following objects are masked from 'package:stats':
+## 
+##     filter, lag</a:t>
+            </a:r>
+          </a:p>
+          <a:p>
+            <a:pPr lvl="0" marL="1270000" indent="0">
+              <a:buNone/>
+            </a:pPr>
+            <a:r>
+              <a:rPr sz="1800">
+                <a:latin typeface="Courier"/>
+              </a:rPr>
+              <a:t>## The following objects are masked from 'package:base':
+## 
+##     intersect, setdiff, setequal, union</a:t>
+            </a:r>
+          </a:p>
+        </p:txBody>
+      </p:sp>
+    </p:spTree>
+  </p:cSld>
+</p:sld>
+</file>
+
+<file path=ppt/slides/slide3.xml><?xml version="1.0" encoding="utf-8"?>
+<p:sld xmlns:a="http://schemas.openxmlformats.org/drawingml/2006/main" xmlns:r="http://schemas.openxmlformats.org/officeDocument/2006/relationships" xmlns:p="http://schemas.openxmlformats.org/presentationml/2006/main">
+  <p:cSld>
+    <p:spTree>
+      <p:nvGrpSpPr>
+        <p:cNvPr id="1" name=""/>
+        <p:cNvGrpSpPr/>
+        <p:nvPr/>
+      </p:nvGrpSpPr>
+      <p:grpSpPr>
+        <a:xfrm>
+          <a:off x="0" y="0"/>
+          <a:ext cx="0" cy="0"/>
+          <a:chOff x="0" y="0"/>
+          <a:chExt cx="0" cy="0"/>
+        </a:xfrm>
+      </p:grpSpPr>
+      <p:sp>
+        <p:nvSpPr>
+          <p:cNvPr id="2" name="Title 1"/>
+          <p:cNvSpPr>
+            <a:spLocks noGrp="1"/>
+          </p:cNvSpPr>
+          <p:nvPr>
+            <p:ph type="title"/>
+          </p:nvPr>
+        </p:nvSpPr>
+        <p:spPr/>
+        <p:txBody>
+          <a:bodyPr/>
+          <a:lstStyle/>
+          <a:p>
+            <a:pPr lvl="0" marL="0" indent="0">
+              <a:buNone/>
+            </a:pPr>
+            <a:r>
+              <a:rPr/>
+              <a:t>Question</a:t>
+            </a:r>
+            <a:r>
+              <a:rPr/>
+              <a:t> </a:t>
+            </a:r>
+            <a:r>
+              <a:rPr/>
+              <a:t>1</a:t>
+            </a:r>
+          </a:p>
+        </p:txBody>
+      </p:sp>
+      <p:sp>
+        <p:nvSpPr>
+          <p:cNvPr id="3" name="Content Placeholder 2"/>
+          <p:cNvSpPr>
+            <a:spLocks noGrp="1"/>
+          </p:cNvSpPr>
+          <p:nvPr>
+            <p:ph idx="1"/>
+          </p:nvPr>
+        </p:nvSpPr>
+        <p:spPr/>
+        <p:txBody>
+          <a:bodyPr/>
+          <a:lstStyle/>
+          <a:p>
+            <a:pPr lvl="0" marL="0" indent="0">
+              <a:buNone/>
+            </a:pPr>
+            <a:r>
+              <a:rPr/>
+              <a:t>Show the number of players per position </a:t>
+            </a:r>
+          </a:p>
+        </p:txBody>
+      </p:sp>
+    </p:spTree>
+  </p:cSld>
+</p:sld>
+</file>
+
 <file path=ppt/slides/slide4.xml><?xml version="1.0" encoding="utf-8"?>
 <p:sld xmlns:a="http://schemas.openxmlformats.org/drawingml/2006/main" xmlns:r="http://schemas.openxmlformats.org/officeDocument/2006/relationships" xmlns:p="http://schemas.openxmlformats.org/presentationml/2006/main">
   <p:cSld>
@@ -3422,7 +4078,7 @@
             </a:pPr>
             <a:r>
               <a:rPr/>
-              <a:t>Slide</a:t>
+              <a:t>Question</a:t>
             </a:r>
             <a:r>
               <a:rPr/>
@@ -3430,15 +4086,7 @@
             </a:r>
             <a:r>
               <a:rPr/>
-              <a:t>with</a:t>
-            </a:r>
-            <a:r>
-              <a:rPr/>
-              <a:t> </a:t>
-            </a:r>
-            <a:r>
-              <a:rPr/>
-              <a:t>Bullets</a:t>
+              <a:t>2</a:t>
             </a:r>
           </a:p>
         </p:txBody>
@@ -3458,24 +4106,23 @@
           <a:bodyPr/>
           <a:lstStyle/>
           <a:p>
-            <a:pPr lvl="1"/>
-            <a:r>
-              <a:rPr/>
-              <a:t>Bullet 1</a:t>
-            </a:r>
-          </a:p>
-          <a:p>
-            <a:pPr lvl="1"/>
-            <a:r>
-              <a:rPr/>
-              <a:t>Bullet 2</a:t>
-            </a:r>
-          </a:p>
-          <a:p>
-            <a:pPr lvl="1"/>
-            <a:r>
-              <a:rPr/>
-              <a:t>Bullet 3</a:t>
+            <a:pPr lvl="0" marL="0" indent="0">
+              <a:buNone/>
+            </a:pPr>
+            <a:r>
+              <a:rPr/>
+              <a:t>Compare the distribution of weight of centers with that of the weight of forwards</a:t>
+            </a:r>
+          </a:p>
+          <a:p>
+            <a:pPr lvl="0" marL="1270000" indent="0">
+              <a:buNone/>
+            </a:pPr>
+            <a:r>
+              <a:rPr sz="1800">
+                <a:latin typeface="Courier"/>
+              </a:rPr>
+              <a:t>## Warning: Removed 3 rows containing non-finite values (stat_bin).</a:t>
             </a:r>
           </a:p>
         </p:txBody>
@@ -3502,108 +4149,36 @@
           <a:chExt cx="0" cy="0"/>
         </a:xfrm>
       </p:grpSpPr>
-      <p:sp>
-        <p:nvSpPr>
-          <p:cNvPr id="2" name="Title 1"/>
-          <p:cNvSpPr>
-            <a:spLocks noGrp="1"/>
-          </p:cNvSpPr>
-          <p:nvPr>
-            <p:ph type="title"/>
-          </p:nvPr>
-        </p:nvSpPr>
-        <p:spPr/>
-        <p:txBody>
-          <a:bodyPr/>
-          <a:lstStyle/>
-          <a:p>
-            <a:pPr lvl="0" marL="0" indent="0">
-              <a:buNone/>
-            </a:pPr>
-            <a:r>
-              <a:rPr/>
-              <a:t>Slide</a:t>
-            </a:r>
-            <a:r>
-              <a:rPr/>
-              <a:t> </a:t>
-            </a:r>
-            <a:r>
-              <a:rPr/>
-              <a:t>with</a:t>
-            </a:r>
-            <a:r>
-              <a:rPr/>
-              <a:t> </a:t>
-            </a:r>
-            <a:r>
-              <a:rPr/>
-              <a:t>R</a:t>
-            </a:r>
-            <a:r>
-              <a:rPr/>
-              <a:t> </a:t>
-            </a:r>
-            <a:r>
-              <a:rPr/>
-              <a:t>Output</a:t>
-            </a:r>
-          </a:p>
-        </p:txBody>
-      </p:sp>
-      <p:sp>
-        <p:nvSpPr>
-          <p:cNvPr id="3" name="Content Placeholder 2"/>
-          <p:cNvSpPr>
-            <a:spLocks noGrp="1"/>
-          </p:cNvSpPr>
-          <p:nvPr>
-            <p:ph idx="1"/>
-          </p:nvPr>
-        </p:nvSpPr>
-        <p:spPr/>
-        <p:txBody>
-          <a:bodyPr/>
-          <a:lstStyle/>
-          <a:p>
-            <a:pPr lvl="0" marL="1270000" indent="0">
-              <a:buNone/>
-            </a:pPr>
-            <a:r>
-              <a:rPr sz="1800" b="1">
-                <a:solidFill>
-                  <a:srgbClr val="007020"/>
-                </a:solidFill>
-                <a:latin typeface="Courier"/>
-              </a:rPr>
-              <a:t>summary</a:t>
-            </a:r>
-            <a:r>
-              <a:rPr sz="1800">
-                <a:latin typeface="Courier"/>
-              </a:rPr>
-              <a:t>(cars)</a:t>
-            </a:r>
-          </a:p>
-          <a:p>
-            <a:pPr lvl="0" marL="1270000" indent="0">
-              <a:buNone/>
-            </a:pPr>
-            <a:r>
-              <a:rPr sz="1800">
-                <a:latin typeface="Courier"/>
-              </a:rPr>
-              <a:t>##      speed           dist       
-##  Min.   : 4.0   Min.   :  2.00  
-##  1st Qu.:12.0   1st Qu.: 26.00  
-##  Median :15.0   Median : 36.00  
-##  Mean   :15.4   Mean   : 42.98  
-##  3rd Qu.:19.0   3rd Qu.: 56.00  
-##  Max.   :25.0   Max.   :120.00</a:t>
-            </a:r>
-          </a:p>
-        </p:txBody>
-      </p:sp>
+      <p:pic>
+        <p:nvPicPr>
+          <p:cNvPr descr="Richard_Palmer_LiveSession_2_files/figure-pptx/unnamed-chunk-3-1.png" id="0" name="Picture 1"/>
+          <p:cNvPicPr>
+            <a:picLocks noGrp="1" noChangeAspect="1"/>
+          </p:cNvPicPr>
+          <p:nvPr/>
+        </p:nvPicPr>
+        <p:blipFill>
+          <a:blip r:embed="rId2"/>
+          <a:stretch>
+            <a:fillRect/>
+          </a:stretch>
+        </p:blipFill>
+        <p:spPr bwMode="auto">
+          <a:xfrm>
+            <a:off x="1752600" y="1600200"/>
+            <a:ext cx="5651500" cy="4521200"/>
+          </a:xfrm>
+          <a:prstGeom prst="rect">
+            <a:avLst/>
+          </a:prstGeom>
+          <a:noFill/>
+          <a:ln w="9525">
+            <a:noFill/>
+            <a:headEnd/>
+            <a:tailEnd/>
+          </a:ln>
+        </p:spPr>
+      </p:pic>
     </p:spTree>
   </p:cSld>
 </p:sld>
@@ -3646,7 +4221,7 @@
             </a:pPr>
             <a:r>
               <a:rPr/>
-              <a:t>Slide</a:t>
+              <a:t>Question</a:t>
             </a:r>
             <a:r>
               <a:rPr/>
@@ -3654,7 +4229,79 @@
             </a:r>
             <a:r>
               <a:rPr/>
-              <a:t>with</a:t>
+              <a:t>3</a:t>
+            </a:r>
+          </a:p>
+        </p:txBody>
+      </p:sp>
+      <p:sp>
+        <p:nvSpPr>
+          <p:cNvPr id="3" name="Content Placeholder 2"/>
+          <p:cNvSpPr>
+            <a:spLocks noGrp="1"/>
+          </p:cNvSpPr>
+          <p:nvPr>
+            <p:ph idx="1"/>
+          </p:nvPr>
+        </p:nvSpPr>
+        <p:spPr/>
+        <p:txBody>
+          <a:bodyPr/>
+          <a:lstStyle/>
+          <a:p>
+            <a:pPr lvl="0" marL="0" indent="0">
+              <a:buNone/>
+            </a:pPr>
+            <a:r>
+              <a:rPr/>
+              <a:t>Compare the distribution of the height of centers with that of the height of forwards </a:t>
+            </a:r>
+          </a:p>
+        </p:txBody>
+      </p:sp>
+    </p:spTree>
+  </p:cSld>
+</p:sld>
+</file>
+
+<file path=ppt/slides/slide7.xml><?xml version="1.0" encoding="utf-8"?>
+<p:sld xmlns:a="http://schemas.openxmlformats.org/drawingml/2006/main" xmlns:r="http://schemas.openxmlformats.org/officeDocument/2006/relationships" xmlns:p="http://schemas.openxmlformats.org/presentationml/2006/main">
+  <p:cSld>
+    <p:spTree>
+      <p:nvGrpSpPr>
+        <p:cNvPr id="1" name=""/>
+        <p:cNvGrpSpPr/>
+        <p:nvPr/>
+      </p:nvGrpSpPr>
+      <p:grpSpPr>
+        <a:xfrm>
+          <a:off x="0" y="0"/>
+          <a:ext cx="0" cy="0"/>
+          <a:chOff x="0" y="0"/>
+          <a:chExt cx="0" cy="0"/>
+        </a:xfrm>
+      </p:grpSpPr>
+      <p:sp>
+        <p:nvSpPr>
+          <p:cNvPr id="2" name="Title 1"/>
+          <p:cNvSpPr>
+            <a:spLocks noGrp="1"/>
+          </p:cNvSpPr>
+          <p:nvPr>
+            <p:ph type="title"/>
+          </p:nvPr>
+        </p:nvSpPr>
+        <p:spPr/>
+        <p:txBody>
+          <a:bodyPr/>
+          <a:lstStyle/>
+          <a:p>
+            <a:pPr lvl="0" marL="0" indent="0">
+              <a:buNone/>
+            </a:pPr>
+            <a:r>
+              <a:rPr/>
+              <a:t>Question</a:t>
             </a:r>
             <a:r>
               <a:rPr/>
@@ -3662,14 +4309,152 @@
             </a:r>
             <a:r>
               <a:rPr/>
-              <a:t>Plot</a:t>
-            </a:r>
-          </a:p>
-        </p:txBody>
-      </p:sp>
+              <a:t>4</a:t>
+            </a:r>
+          </a:p>
+        </p:txBody>
+      </p:sp>
+      <p:sp>
+        <p:nvSpPr>
+          <p:cNvPr id="3" name="Content Placeholder 2"/>
+          <p:cNvSpPr>
+            <a:spLocks noGrp="1"/>
+          </p:cNvSpPr>
+          <p:nvPr>
+            <p:ph idx="1"/>
+          </p:nvPr>
+        </p:nvSpPr>
+        <p:spPr/>
+        <p:txBody>
+          <a:bodyPr/>
+          <a:lstStyle/>
+          <a:p>
+            <a:pPr lvl="0" marL="0" indent="0">
+              <a:buNone/>
+            </a:pPr>
+            <a:r>
+              <a:rPr/>
+              <a:t>Investigate distribution of height across all positions </a:t>
+            </a:r>
+          </a:p>
+        </p:txBody>
+      </p:sp>
+    </p:spTree>
+  </p:cSld>
+</p:sld>
+</file>
+
+<file path=ppt/slides/slide8.xml><?xml version="1.0" encoding="utf-8"?>
+<p:sld xmlns:a="http://schemas.openxmlformats.org/drawingml/2006/main" xmlns:r="http://schemas.openxmlformats.org/officeDocument/2006/relationships" xmlns:p="http://schemas.openxmlformats.org/presentationml/2006/main">
+  <p:cSld>
+    <p:spTree>
+      <p:nvGrpSpPr>
+        <p:cNvPr id="1" name=""/>
+        <p:cNvGrpSpPr/>
+        <p:nvPr/>
+      </p:nvGrpSpPr>
+      <p:grpSpPr>
+        <a:xfrm>
+          <a:off x="0" y="0"/>
+          <a:ext cx="0" cy="0"/>
+          <a:chOff x="0" y="0"/>
+          <a:chExt cx="0" cy="0"/>
+        </a:xfrm>
+      </p:grpSpPr>
+      <p:sp>
+        <p:nvSpPr>
+          <p:cNvPr id="2" name="Title 1"/>
+          <p:cNvSpPr>
+            <a:spLocks noGrp="1"/>
+          </p:cNvSpPr>
+          <p:nvPr>
+            <p:ph type="title"/>
+          </p:nvPr>
+        </p:nvSpPr>
+        <p:spPr/>
+        <p:txBody>
+          <a:bodyPr/>
+          <a:lstStyle/>
+          <a:p>
+            <a:pPr lvl="0" marL="0" indent="0">
+              <a:buNone/>
+            </a:pPr>
+            <a:r>
+              <a:rPr/>
+              <a:t>Question</a:t>
+            </a:r>
+            <a:r>
+              <a:rPr/>
+              <a:t> </a:t>
+            </a:r>
+            <a:r>
+              <a:rPr/>
+              <a:t>5</a:t>
+            </a:r>
+          </a:p>
+        </p:txBody>
+      </p:sp>
+      <p:sp>
+        <p:nvSpPr>
+          <p:cNvPr id="3" name="Content Placeholder 2"/>
+          <p:cNvSpPr>
+            <a:spLocks noGrp="1"/>
+          </p:cNvSpPr>
+          <p:nvPr>
+            <p:ph idx="1"/>
+          </p:nvPr>
+        </p:nvSpPr>
+        <p:spPr/>
+        <p:txBody>
+          <a:bodyPr/>
+          <a:lstStyle/>
+          <a:p>
+            <a:pPr lvl="0" marL="0" indent="0">
+              <a:buNone/>
+            </a:pPr>
+            <a:r>
+              <a:rPr/>
+              <a:t>Investigate how a players height is related to his weight</a:t>
+            </a:r>
+          </a:p>
+          <a:p>
+            <a:pPr lvl="0" marL="1270000" indent="0">
+              <a:buNone/>
+            </a:pPr>
+            <a:r>
+              <a:rPr sz="1800">
+                <a:latin typeface="Courier"/>
+              </a:rPr>
+              <a:t>## Warning: Removed 6 rows containing missing values (geom_point).</a:t>
+            </a:r>
+          </a:p>
+        </p:txBody>
+      </p:sp>
+    </p:spTree>
+  </p:cSld>
+</p:sld>
+</file>
+
+<file path=ppt/slides/slide9.xml><?xml version="1.0" encoding="utf-8"?>
+<p:sld xmlns:a="http://schemas.openxmlformats.org/drawingml/2006/main" xmlns:r="http://schemas.openxmlformats.org/officeDocument/2006/relationships" xmlns:p="http://schemas.openxmlformats.org/presentationml/2006/main">
+  <p:cSld>
+    <p:spTree>
+      <p:nvGrpSpPr>
+        <p:cNvPr id="1" name=""/>
+        <p:cNvGrpSpPr/>
+        <p:nvPr/>
+      </p:nvGrpSpPr>
+      <p:grpSpPr>
+        <a:xfrm>
+          <a:off x="0" y="0"/>
+          <a:ext cx="0" cy="0"/>
+          <a:chOff x="0" y="0"/>
+          <a:chExt cx="0" cy="0"/>
+        </a:xfrm>
+      </p:grpSpPr>
       <p:pic>
         <p:nvPicPr>
-          <p:cNvPr descr="Richard_Palmer_LiveSession_2_files/figure-pptx/pressure-1.png" id="0" name="Picture 1"/>
+          <p:cNvPr descr="Richard_Palmer_LiveSession_2_files/figure-pptx/unnamed-chunk-6-1.png" id="0" name="Picture 1"/>
           <p:cNvPicPr>
             <a:picLocks noGrp="1" noChangeAspect="1"/>
           </p:cNvPicPr>

--- a/Unit 2/Richard_Palmer_LiveSession_2.pptx
+++ b/Unit 2/Richard_Palmer_LiveSession_2.pptx
@@ -22,6 +22,7 @@
     <p:sldId id="270" r:id="rId16"/>
     <p:sldId id="271" r:id="rId17"/>
     <p:sldId id="272" r:id="rId18"/>
+    <p:sldId id="273" r:id="rId19"/>
   </p:sldIdLst>
   <p:sldSz cx="9144000" cy="6858000" type="screen4x3"/>
   <p:notesSz cx="6858000" cy="9144000"/>
@@ -3252,81 +3253,133 @@
           <a:chExt cx="0" cy="0"/>
         </a:xfrm>
       </p:grpSpPr>
-      <p:sp>
-        <p:nvSpPr>
-          <p:cNvPr id="2" name="Title 1"/>
-          <p:cNvSpPr>
-            <a:spLocks noGrp="1"/>
-          </p:cNvSpPr>
-          <p:nvPr>
-            <p:ph type="title"/>
-          </p:nvPr>
-        </p:nvSpPr>
-        <p:spPr/>
-        <p:txBody>
-          <a:bodyPr/>
-          <a:lstStyle/>
-          <a:p>
-            <a:pPr lvl="0" marL="0" indent="0">
-              <a:buNone/>
-            </a:pPr>
-            <a:r>
-              <a:rPr/>
-              <a:t>Question</a:t>
-            </a:r>
-            <a:r>
-              <a:rPr/>
-              <a:t> </a:t>
-            </a:r>
-            <a:r>
-              <a:rPr/>
-              <a:t>6</a:t>
-            </a:r>
-          </a:p>
-        </p:txBody>
-      </p:sp>
-      <p:sp>
-        <p:nvSpPr>
-          <p:cNvPr id="3" name="Content Placeholder 2"/>
-          <p:cNvSpPr>
-            <a:spLocks noGrp="1"/>
-          </p:cNvSpPr>
-          <p:nvPr>
-            <p:ph idx="1"/>
-          </p:nvPr>
-        </p:nvSpPr>
-        <p:spPr/>
-        <p:txBody>
-          <a:bodyPr/>
-          <a:lstStyle/>
-          <a:p>
-            <a:pPr lvl="0" marL="0" indent="0">
-              <a:buNone/>
-            </a:pPr>
-            <a:r>
-              <a:rPr/>
-              <a:t>Is there any difference in height/weight relationship among positions?</a:t>
-            </a:r>
-          </a:p>
-          <a:p>
-            <a:pPr lvl="0" marL="1270000" indent="0">
-              <a:buNone/>
-            </a:pPr>
-            <a:r>
-              <a:rPr sz="1800">
-                <a:latin typeface="Courier"/>
-              </a:rPr>
-              <a:t>## Warning: Removed 6 rows containing missing values (geom_point).</a:t>
-            </a:r>
-          </a:p>
-        </p:txBody>
-      </p:sp>
+      <p:pic>
+        <p:nvPicPr>
+          <p:cNvPr descr="Richard_Palmer_LiveSession_2_files/figure-pptx/unnamed-chunk-6-1.png" id="0" name="Picture 1"/>
+          <p:cNvPicPr>
+            <a:picLocks noGrp="1" noChangeAspect="1"/>
+          </p:cNvPicPr>
+          <p:nvPr/>
+        </p:nvPicPr>
+        <p:blipFill>
+          <a:blip r:embed="rId2"/>
+          <a:stretch>
+            <a:fillRect/>
+          </a:stretch>
+        </p:blipFill>
+        <p:spPr bwMode="auto">
+          <a:xfrm>
+            <a:off x="1752600" y="1600200"/>
+            <a:ext cx="5651500" cy="4521200"/>
+          </a:xfrm>
+          <a:prstGeom prst="rect">
+            <a:avLst/>
+          </a:prstGeom>
+          <a:noFill/>
+          <a:ln w="9525">
+            <a:noFill/>
+            <a:headEnd/>
+            <a:tailEnd/>
+          </a:ln>
+        </p:spPr>
+      </p:pic>
     </p:spTree>
   </p:cSld>
 </p:sld>
 </file>
 
 <file path=ppt/slides/slide11.xml><?xml version="1.0" encoding="utf-8"?>
+<p:sld xmlns:a="http://schemas.openxmlformats.org/drawingml/2006/main" xmlns:r="http://schemas.openxmlformats.org/officeDocument/2006/relationships" xmlns:p="http://schemas.openxmlformats.org/presentationml/2006/main">
+  <p:cSld>
+    <p:spTree>
+      <p:nvGrpSpPr>
+        <p:cNvPr id="1" name=""/>
+        <p:cNvGrpSpPr/>
+        <p:nvPr/>
+      </p:nvGrpSpPr>
+      <p:grpSpPr>
+        <a:xfrm>
+          <a:off x="0" y="0"/>
+          <a:ext cx="0" cy="0"/>
+          <a:chOff x="0" y="0"/>
+          <a:chExt cx="0" cy="0"/>
+        </a:xfrm>
+      </p:grpSpPr>
+      <p:sp>
+        <p:nvSpPr>
+          <p:cNvPr id="2" name="Title 1"/>
+          <p:cNvSpPr>
+            <a:spLocks noGrp="1"/>
+          </p:cNvSpPr>
+          <p:nvPr>
+            <p:ph type="title"/>
+          </p:nvPr>
+        </p:nvSpPr>
+        <p:spPr/>
+        <p:txBody>
+          <a:bodyPr/>
+          <a:lstStyle/>
+          <a:p>
+            <a:pPr lvl="0" marL="0" indent="0">
+              <a:buNone/>
+            </a:pPr>
+            <a:r>
+              <a:rPr/>
+              <a:t>Question</a:t>
+            </a:r>
+            <a:r>
+              <a:rPr/>
+              <a:t> </a:t>
+            </a:r>
+            <a:r>
+              <a:rPr/>
+              <a:t>6</a:t>
+            </a:r>
+          </a:p>
+        </p:txBody>
+      </p:sp>
+      <p:sp>
+        <p:nvSpPr>
+          <p:cNvPr id="3" name="Content Placeholder 2"/>
+          <p:cNvSpPr>
+            <a:spLocks noGrp="1"/>
+          </p:cNvSpPr>
+          <p:nvPr>
+            <p:ph idx="1"/>
+          </p:nvPr>
+        </p:nvSpPr>
+        <p:spPr/>
+        <p:txBody>
+          <a:bodyPr/>
+          <a:lstStyle/>
+          <a:p>
+            <a:pPr lvl="0" marL="0" indent="0">
+              <a:buNone/>
+            </a:pPr>
+            <a:r>
+              <a:rPr/>
+              <a:t>Is there any difference in height/weight relationship among positions?</a:t>
+            </a:r>
+          </a:p>
+          <a:p>
+            <a:pPr lvl="0" marL="1270000" indent="0">
+              <a:buNone/>
+            </a:pPr>
+            <a:r>
+              <a:rPr sz="1800">
+                <a:latin typeface="Courier"/>
+              </a:rPr>
+              <a:t>## Warning: Removed 6 rows containing missing values (geom_point).</a:t>
+            </a:r>
+          </a:p>
+        </p:txBody>
+      </p:sp>
+    </p:spTree>
+  </p:cSld>
+</p:sld>
+</file>
+
+<file path=ppt/slides/slide12.xml><?xml version="1.0" encoding="utf-8"?>
 <p:sld xmlns:a="http://schemas.openxmlformats.org/drawingml/2006/main" xmlns:r="http://schemas.openxmlformats.org/officeDocument/2006/relationships" xmlns:p="http://schemas.openxmlformats.org/presentationml/2006/main">
   <p:cSld>
     <p:spTree>
@@ -3378,7 +3431,7 @@
 </p:sld>
 </file>
 
-<file path=ppt/slides/slide12.xml><?xml version="1.0" encoding="utf-8"?>
+<file path=ppt/slides/slide13.xml><?xml version="1.0" encoding="utf-8"?>
 <p:sld xmlns:a="http://schemas.openxmlformats.org/drawingml/2006/main" xmlns:r="http://schemas.openxmlformats.org/officeDocument/2006/relationships" xmlns:p="http://schemas.openxmlformats.org/presentationml/2006/main">
   <p:cSld>
     <p:spTree>
@@ -3469,7 +3522,7 @@
 </p:sld>
 </file>
 
-<file path=ppt/slides/slide13.xml><?xml version="1.0" encoding="utf-8"?>
+<file path=ppt/slides/slide14.xml><?xml version="1.0" encoding="utf-8"?>
 <p:sld xmlns:a="http://schemas.openxmlformats.org/drawingml/2006/main" xmlns:r="http://schemas.openxmlformats.org/officeDocument/2006/relationships" xmlns:p="http://schemas.openxmlformats.org/presentationml/2006/main">
   <p:cSld>
     <p:spTree>
@@ -3521,53 +3574,6 @@
 </p:sld>
 </file>
 
-<file path=ppt/slides/slide14.xml><?xml version="1.0" encoding="utf-8"?>
-<p:sld xmlns:a="http://schemas.openxmlformats.org/drawingml/2006/main" xmlns:r="http://schemas.openxmlformats.org/officeDocument/2006/relationships" xmlns:p="http://schemas.openxmlformats.org/presentationml/2006/main">
-  <p:cSld>
-    <p:spTree>
-      <p:nvGrpSpPr>
-        <p:cNvPr id="1" name=""/>
-        <p:cNvGrpSpPr/>
-        <p:nvPr/>
-      </p:nvGrpSpPr>
-      <p:grpSpPr>
-        <a:xfrm>
-          <a:off x="0" y="0"/>
-          <a:ext cx="0" cy="0"/>
-          <a:chOff x="0" y="0"/>
-          <a:chExt cx="0" cy="0"/>
-        </a:xfrm>
-      </p:grpSpPr>
-      <p:sp>
-        <p:nvSpPr>
-          <p:cNvPr id="3" name="Content Placeholder 2"/>
-          <p:cNvSpPr>
-            <a:spLocks noGrp="1"/>
-          </p:cNvSpPr>
-          <p:nvPr>
-            <p:ph idx="1"/>
-          </p:nvPr>
-        </p:nvSpPr>
-        <p:spPr/>
-        <p:txBody>
-          <a:bodyPr/>
-          <a:lstStyle/>
-          <a:p>
-            <a:pPr lvl="0" marL="0" indent="0">
-              <a:buNone/>
-            </a:pPr>
-            <a:r>
-              <a:rPr/>
-              <a:t> ## Question 8 3D plot of height versus weight, colored by position</a:t>
-            </a:r>
-          </a:p>
-        </p:txBody>
-      </p:sp>
-    </p:spTree>
-  </p:cSld>
-</p:sld>
-</file>
-
 <file path=ppt/slides/slide15.xml><?xml version="1.0" encoding="utf-8"?>
 <p:sld xmlns:a="http://schemas.openxmlformats.org/drawingml/2006/main" xmlns:r="http://schemas.openxmlformats.org/officeDocument/2006/relationships" xmlns:p="http://schemas.openxmlformats.org/presentationml/2006/main">
   <p:cSld>
@@ -3587,12 +3593,12 @@
       </p:grpSpPr>
       <p:sp>
         <p:nvSpPr>
-          <p:cNvPr id="2" name="Title 1"/>
-          <p:cNvSpPr>
-            <a:spLocks noGrp="1"/>
-          </p:cNvSpPr>
-          <p:nvPr>
-            <p:ph type="title"/>
+          <p:cNvPr id="3" name="Content Placeholder 2"/>
+          <p:cNvSpPr>
+            <a:spLocks noGrp="1"/>
+          </p:cNvSpPr>
+          <p:nvPr>
+            <p:ph idx="1"/>
           </p:nvPr>
         </p:nvSpPr>
         <p:spPr/>
@@ -3605,60 +3611,7 @@
             </a:pPr>
             <a:r>
               <a:rPr/>
-              <a:t>Slide</a:t>
-            </a:r>
-            <a:r>
-              <a:rPr/>
-              <a:t> </a:t>
-            </a:r>
-            <a:r>
-              <a:rPr/>
-              <a:t>with</a:t>
-            </a:r>
-            <a:r>
-              <a:rPr/>
-              <a:t> </a:t>
-            </a:r>
-            <a:r>
-              <a:rPr/>
-              <a:t>Bullets</a:t>
-            </a:r>
-          </a:p>
-        </p:txBody>
-      </p:sp>
-      <p:sp>
-        <p:nvSpPr>
-          <p:cNvPr id="3" name="Content Placeholder 2"/>
-          <p:cNvSpPr>
-            <a:spLocks noGrp="1"/>
-          </p:cNvSpPr>
-          <p:nvPr>
-            <p:ph idx="1"/>
-          </p:nvPr>
-        </p:nvSpPr>
-        <p:spPr/>
-        <p:txBody>
-          <a:bodyPr/>
-          <a:lstStyle/>
-          <a:p>
-            <a:pPr lvl="1"/>
-            <a:r>
-              <a:rPr/>
-              <a:t>Bullet 1</a:t>
-            </a:r>
-          </a:p>
-          <a:p>
-            <a:pPr lvl="1"/>
-            <a:r>
-              <a:rPr/>
-              <a:t>Bullet 2</a:t>
-            </a:r>
-          </a:p>
-          <a:p>
-            <a:pPr lvl="1"/>
-            <a:r>
-              <a:rPr/>
-              <a:t>Bullet 3</a:t>
+              <a:t> ## Question 8 3D plot of height versus weight, colored by position</a:t>
             </a:r>
           </a:p>
         </p:txBody>
@@ -3721,6 +3674,106 @@
             </a:r>
             <a:r>
               <a:rPr/>
+              <a:t>Bullets</a:t>
+            </a:r>
+          </a:p>
+        </p:txBody>
+      </p:sp>
+      <p:sp>
+        <p:nvSpPr>
+          <p:cNvPr id="3" name="Content Placeholder 2"/>
+          <p:cNvSpPr>
+            <a:spLocks noGrp="1"/>
+          </p:cNvSpPr>
+          <p:nvPr>
+            <p:ph idx="1"/>
+          </p:nvPr>
+        </p:nvSpPr>
+        <p:spPr/>
+        <p:txBody>
+          <a:bodyPr/>
+          <a:lstStyle/>
+          <a:p>
+            <a:pPr lvl="1"/>
+            <a:r>
+              <a:rPr/>
+              <a:t>Bullet 1</a:t>
+            </a:r>
+          </a:p>
+          <a:p>
+            <a:pPr lvl="1"/>
+            <a:r>
+              <a:rPr/>
+              <a:t>Bullet 2</a:t>
+            </a:r>
+          </a:p>
+          <a:p>
+            <a:pPr lvl="1"/>
+            <a:r>
+              <a:rPr/>
+              <a:t>Bullet 3</a:t>
+            </a:r>
+          </a:p>
+        </p:txBody>
+      </p:sp>
+    </p:spTree>
+  </p:cSld>
+</p:sld>
+</file>
+
+<file path=ppt/slides/slide17.xml><?xml version="1.0" encoding="utf-8"?>
+<p:sld xmlns:a="http://schemas.openxmlformats.org/drawingml/2006/main" xmlns:r="http://schemas.openxmlformats.org/officeDocument/2006/relationships" xmlns:p="http://schemas.openxmlformats.org/presentationml/2006/main">
+  <p:cSld>
+    <p:spTree>
+      <p:nvGrpSpPr>
+        <p:cNvPr id="1" name=""/>
+        <p:cNvGrpSpPr/>
+        <p:nvPr/>
+      </p:nvGrpSpPr>
+      <p:grpSpPr>
+        <a:xfrm>
+          <a:off x="0" y="0"/>
+          <a:ext cx="0" cy="0"/>
+          <a:chOff x="0" y="0"/>
+          <a:chExt cx="0" cy="0"/>
+        </a:xfrm>
+      </p:grpSpPr>
+      <p:sp>
+        <p:nvSpPr>
+          <p:cNvPr id="2" name="Title 1"/>
+          <p:cNvSpPr>
+            <a:spLocks noGrp="1"/>
+          </p:cNvSpPr>
+          <p:nvPr>
+            <p:ph type="title"/>
+          </p:nvPr>
+        </p:nvSpPr>
+        <p:spPr/>
+        <p:txBody>
+          <a:bodyPr/>
+          <a:lstStyle/>
+          <a:p>
+            <a:pPr lvl="0" marL="0" indent="0">
+              <a:buNone/>
+            </a:pPr>
+            <a:r>
+              <a:rPr/>
+              <a:t>Slide</a:t>
+            </a:r>
+            <a:r>
+              <a:rPr/>
+              <a:t> </a:t>
+            </a:r>
+            <a:r>
+              <a:rPr/>
+              <a:t>with</a:t>
+            </a:r>
+            <a:r>
+              <a:rPr/>
+              <a:t> </a:t>
+            </a:r>
+            <a:r>
+              <a:rPr/>
               <a:t>R</a:t>
             </a:r>
             <a:r>
@@ -3792,7 +3845,7 @@
 </p:sld>
 </file>
 
-<file path=ppt/slides/slide17.xml><?xml version="1.0" encoding="utf-8"?>
+<file path=ppt/slides/slide18.xml><?xml version="1.0" encoding="utf-8"?>
 <p:sld xmlns:a="http://schemas.openxmlformats.org/drawingml/2006/main" xmlns:r="http://schemas.openxmlformats.org/officeDocument/2006/relationships" xmlns:p="http://schemas.openxmlformats.org/presentationml/2006/main">
   <p:cSld>
     <p:spTree>
@@ -4031,7 +4084,228 @@
             </a:pPr>
             <a:r>
               <a:rPr/>
-              <a:t>Show the number of players per position </a:t>
+              <a:t>Show the number of players per position</a:t>
+            </a:r>
+          </a:p>
+          <a:p>
+            <a:pPr lvl="0" marL="1270000" indent="0">
+              <a:buNone/>
+            </a:pPr>
+            <a:r>
+              <a:rPr sz="1800">
+                <a:latin typeface="Courier"/>
+              </a:rPr>
+              <a:t>BBall </a:t>
+            </a:r>
+            <a:r>
+              <a:rPr sz="1800">
+                <a:solidFill>
+                  <a:srgbClr val="666666"/>
+                </a:solidFill>
+                <a:latin typeface="Courier"/>
+              </a:rPr>
+              <a:t>%&gt;%</a:t>
+            </a:r>
+            <a:r>
+              <a:rPr sz="1800">
+                <a:solidFill>
+                  <a:srgbClr val="4070A0"/>
+                </a:solidFill>
+                <a:latin typeface="Courier"/>
+              </a:rPr>
+              <a:t> </a:t>
+            </a:r>
+            <a:r>
+              <a:rPr sz="1800" b="1">
+                <a:solidFill>
+                  <a:srgbClr val="007020"/>
+                </a:solidFill>
+                <a:latin typeface="Courier"/>
+              </a:rPr>
+              <a:t>filter</a:t>
+            </a:r>
+            <a:r>
+              <a:rPr sz="1800">
+                <a:latin typeface="Courier"/>
+              </a:rPr>
+              <a:t>(position </a:t>
+            </a:r>
+            <a:r>
+              <a:rPr sz="1800">
+                <a:solidFill>
+                  <a:srgbClr val="666666"/>
+                </a:solidFill>
+                <a:latin typeface="Courier"/>
+              </a:rPr>
+              <a:t>!=</a:t>
+            </a:r>
+            <a:r>
+              <a:rPr sz="1800">
+                <a:solidFill>
+                  <a:srgbClr val="4070A0"/>
+                </a:solidFill>
+                <a:latin typeface="Courier"/>
+              </a:rPr>
+              <a:t> ''</a:t>
+            </a:r>
+            <a:r>
+              <a:rPr sz="1800">
+                <a:latin typeface="Courier"/>
+              </a:rPr>
+              <a:t>)  </a:t>
+            </a:r>
+            <a:r>
+              <a:rPr sz="1800">
+                <a:solidFill>
+                  <a:srgbClr val="666666"/>
+                </a:solidFill>
+                <a:latin typeface="Courier"/>
+              </a:rPr>
+              <a:t>%&gt;%</a:t>
+            </a:r>
+            <a:r>
+              <a:rPr sz="1800">
+                <a:solidFill>
+                  <a:srgbClr val="4070A0"/>
+                </a:solidFill>
+                <a:latin typeface="Courier"/>
+              </a:rPr>
+              <a:t> </a:t>
+            </a:r>
+            <a:r>
+              <a:rPr sz="1800" b="1">
+                <a:solidFill>
+                  <a:srgbClr val="007020"/>
+                </a:solidFill>
+                <a:latin typeface="Courier"/>
+              </a:rPr>
+              <a:t>ggplot</a:t>
+            </a:r>
+            <a:r>
+              <a:rPr sz="1800">
+                <a:latin typeface="Courier"/>
+              </a:rPr>
+              <a:t>() </a:t>
+            </a:r>
+            <a:r>
+              <a:rPr sz="1800">
+                <a:solidFill>
+                  <a:srgbClr val="666666"/>
+                </a:solidFill>
+                <a:latin typeface="Courier"/>
+              </a:rPr>
+              <a:t>+</a:t>
+            </a:r>
+            <a:r>
+              <a:rPr sz="1800">
+                <a:solidFill>
+                  <a:srgbClr val="4070A0"/>
+                </a:solidFill>
+                <a:latin typeface="Courier"/>
+              </a:rPr>
+              <a:t> </a:t>
+            </a:r>
+            <a:r>
+              <a:rPr sz="1800" b="1">
+                <a:solidFill>
+                  <a:srgbClr val="007020"/>
+                </a:solidFill>
+                <a:latin typeface="Courier"/>
+              </a:rPr>
+              <a:t>geom_bar</a:t>
+            </a:r>
+            <a:r>
+              <a:rPr sz="1800">
+                <a:latin typeface="Courier"/>
+              </a:rPr>
+              <a:t>(</a:t>
+            </a:r>
+            <a:r>
+              <a:rPr sz="1800">
+                <a:solidFill>
+                  <a:srgbClr val="902000"/>
+                </a:solidFill>
+                <a:latin typeface="Courier"/>
+              </a:rPr>
+              <a:t>mapping=</a:t>
+            </a:r>
+            <a:r>
+              <a:rPr sz="1800" b="1">
+                <a:solidFill>
+                  <a:srgbClr val="007020"/>
+                </a:solidFill>
+                <a:latin typeface="Courier"/>
+              </a:rPr>
+              <a:t>aes</a:t>
+            </a:r>
+            <a:r>
+              <a:rPr sz="1800">
+                <a:latin typeface="Courier"/>
+              </a:rPr>
+              <a:t>(</a:t>
+            </a:r>
+            <a:r>
+              <a:rPr sz="1800">
+                <a:solidFill>
+                  <a:srgbClr val="902000"/>
+                </a:solidFill>
+                <a:latin typeface="Courier"/>
+              </a:rPr>
+              <a:t>x=</a:t>
+            </a:r>
+            <a:r>
+              <a:rPr sz="1800">
+                <a:latin typeface="Courier"/>
+              </a:rPr>
+              <a:t>position)) </a:t>
+            </a:r>
+            <a:r>
+              <a:rPr sz="1800">
+                <a:solidFill>
+                  <a:srgbClr val="666666"/>
+                </a:solidFill>
+                <a:latin typeface="Courier"/>
+              </a:rPr>
+              <a:t>+</a:t>
+            </a:r>
+            <a:r>
+              <a:rPr sz="1800">
+                <a:solidFill>
+                  <a:srgbClr val="4070A0"/>
+                </a:solidFill>
+                <a:latin typeface="Courier"/>
+              </a:rPr>
+              <a:t> </a:t>
+            </a:r>
+            <a:r>
+              <a:rPr sz="1800" b="1">
+                <a:solidFill>
+                  <a:srgbClr val="007020"/>
+                </a:solidFill>
+                <a:latin typeface="Courier"/>
+              </a:rPr>
+              <a:t>ggtitle</a:t>
+            </a:r>
+            <a:r>
+              <a:rPr sz="1800">
+                <a:latin typeface="Courier"/>
+              </a:rPr>
+              <a:t>(</a:t>
+            </a:r>
+            <a:r>
+              <a:rPr sz="1800">
+                <a:solidFill>
+                  <a:srgbClr val="4070A0"/>
+                </a:solidFill>
+                <a:latin typeface="Courier"/>
+              </a:rPr>
+              <a:t>"Count per position"</a:t>
+            </a:r>
+            <a:r>
+              <a:rPr sz="1800">
+                <a:latin typeface="Courier"/>
+              </a:rPr>
+              <a:t>)</a:t>
             </a:r>
           </a:p>
         </p:txBody>
@@ -4058,81 +4332,133 @@
           <a:chExt cx="0" cy="0"/>
         </a:xfrm>
       </p:grpSpPr>
-      <p:sp>
-        <p:nvSpPr>
-          <p:cNvPr id="2" name="Title 1"/>
-          <p:cNvSpPr>
-            <a:spLocks noGrp="1"/>
-          </p:cNvSpPr>
-          <p:nvPr>
-            <p:ph type="title"/>
-          </p:nvPr>
-        </p:nvSpPr>
-        <p:spPr/>
-        <p:txBody>
-          <a:bodyPr/>
-          <a:lstStyle/>
-          <a:p>
-            <a:pPr lvl="0" marL="0" indent="0">
-              <a:buNone/>
-            </a:pPr>
-            <a:r>
-              <a:rPr/>
-              <a:t>Question</a:t>
-            </a:r>
-            <a:r>
-              <a:rPr/>
-              <a:t> </a:t>
-            </a:r>
-            <a:r>
-              <a:rPr/>
-              <a:t>2</a:t>
-            </a:r>
-          </a:p>
-        </p:txBody>
-      </p:sp>
-      <p:sp>
-        <p:nvSpPr>
-          <p:cNvPr id="3" name="Content Placeholder 2"/>
-          <p:cNvSpPr>
-            <a:spLocks noGrp="1"/>
-          </p:cNvSpPr>
-          <p:nvPr>
-            <p:ph idx="1"/>
-          </p:nvPr>
-        </p:nvSpPr>
-        <p:spPr/>
-        <p:txBody>
-          <a:bodyPr/>
-          <a:lstStyle/>
-          <a:p>
-            <a:pPr lvl="0" marL="0" indent="0">
-              <a:buNone/>
-            </a:pPr>
-            <a:r>
-              <a:rPr/>
-              <a:t>Compare the distribution of weight of centers with that of the weight of forwards</a:t>
-            </a:r>
-          </a:p>
-          <a:p>
-            <a:pPr lvl="0" marL="1270000" indent="0">
-              <a:buNone/>
-            </a:pPr>
-            <a:r>
-              <a:rPr sz="1800">
-                <a:latin typeface="Courier"/>
-              </a:rPr>
-              <a:t>## Warning: Removed 3 rows containing non-finite values (stat_bin).</a:t>
-            </a:r>
-          </a:p>
-        </p:txBody>
-      </p:sp>
+      <p:pic>
+        <p:nvPicPr>
+          <p:cNvPr descr="Richard_Palmer_LiveSession_2_files/figure-pptx/unnamed-chunk-2-1.png" id="0" name="Picture 1"/>
+          <p:cNvPicPr>
+            <a:picLocks noGrp="1" noChangeAspect="1"/>
+          </p:cNvPicPr>
+          <p:nvPr/>
+        </p:nvPicPr>
+        <p:blipFill>
+          <a:blip r:embed="rId2"/>
+          <a:stretch>
+            <a:fillRect/>
+          </a:stretch>
+        </p:blipFill>
+        <p:spPr bwMode="auto">
+          <a:xfrm>
+            <a:off x="1752600" y="1600200"/>
+            <a:ext cx="5651500" cy="4521200"/>
+          </a:xfrm>
+          <a:prstGeom prst="rect">
+            <a:avLst/>
+          </a:prstGeom>
+          <a:noFill/>
+          <a:ln w="9525">
+            <a:noFill/>
+            <a:headEnd/>
+            <a:tailEnd/>
+          </a:ln>
+        </p:spPr>
+      </p:pic>
     </p:spTree>
   </p:cSld>
 </p:sld>
 </file>
 
 <file path=ppt/slides/slide5.xml><?xml version="1.0" encoding="utf-8"?>
+<p:sld xmlns:a="http://schemas.openxmlformats.org/drawingml/2006/main" xmlns:r="http://schemas.openxmlformats.org/officeDocument/2006/relationships" xmlns:p="http://schemas.openxmlformats.org/presentationml/2006/main">
+  <p:cSld>
+    <p:spTree>
+      <p:nvGrpSpPr>
+        <p:cNvPr id="1" name=""/>
+        <p:cNvGrpSpPr/>
+        <p:nvPr/>
+      </p:nvGrpSpPr>
+      <p:grpSpPr>
+        <a:xfrm>
+          <a:off x="0" y="0"/>
+          <a:ext cx="0" cy="0"/>
+          <a:chOff x="0" y="0"/>
+          <a:chExt cx="0" cy="0"/>
+        </a:xfrm>
+      </p:grpSpPr>
+      <p:sp>
+        <p:nvSpPr>
+          <p:cNvPr id="2" name="Title 1"/>
+          <p:cNvSpPr>
+            <a:spLocks noGrp="1"/>
+          </p:cNvSpPr>
+          <p:nvPr>
+            <p:ph type="title"/>
+          </p:nvPr>
+        </p:nvSpPr>
+        <p:spPr/>
+        <p:txBody>
+          <a:bodyPr/>
+          <a:lstStyle/>
+          <a:p>
+            <a:pPr lvl="0" marL="0" indent="0">
+              <a:buNone/>
+            </a:pPr>
+            <a:r>
+              <a:rPr/>
+              <a:t>Question</a:t>
+            </a:r>
+            <a:r>
+              <a:rPr/>
+              <a:t> </a:t>
+            </a:r>
+            <a:r>
+              <a:rPr/>
+              <a:t>2</a:t>
+            </a:r>
+          </a:p>
+        </p:txBody>
+      </p:sp>
+      <p:sp>
+        <p:nvSpPr>
+          <p:cNvPr id="3" name="Content Placeholder 2"/>
+          <p:cNvSpPr>
+            <a:spLocks noGrp="1"/>
+          </p:cNvSpPr>
+          <p:nvPr>
+            <p:ph idx="1"/>
+          </p:nvPr>
+        </p:nvSpPr>
+        <p:spPr/>
+        <p:txBody>
+          <a:bodyPr/>
+          <a:lstStyle/>
+          <a:p>
+            <a:pPr lvl="0" marL="0" indent="0">
+              <a:buNone/>
+            </a:pPr>
+            <a:r>
+              <a:rPr/>
+              <a:t>Compare the distribution of weight of centers with that of the weight of forwards</a:t>
+            </a:r>
+          </a:p>
+          <a:p>
+            <a:pPr lvl="0" marL="1270000" indent="0">
+              <a:buNone/>
+            </a:pPr>
+            <a:r>
+              <a:rPr sz="1800">
+                <a:latin typeface="Courier"/>
+              </a:rPr>
+              <a:t>## Warning: Removed 3 rows containing non-finite values (stat_bin).</a:t>
+            </a:r>
+          </a:p>
+        </p:txBody>
+      </p:sp>
+    </p:spTree>
+  </p:cSld>
+</p:sld>
+</file>
+
+<file path=ppt/slides/slide6.xml><?xml version="1.0" encoding="utf-8"?>
 <p:sld xmlns:a="http://schemas.openxmlformats.org/drawingml/2006/main" xmlns:r="http://schemas.openxmlformats.org/officeDocument/2006/relationships" xmlns:p="http://schemas.openxmlformats.org/presentationml/2006/main">
   <p:cSld>
     <p:spTree>
@@ -4184,86 +4510,6 @@
 </p:sld>
 </file>
 
-<file path=ppt/slides/slide6.xml><?xml version="1.0" encoding="utf-8"?>
-<p:sld xmlns:a="http://schemas.openxmlformats.org/drawingml/2006/main" xmlns:r="http://schemas.openxmlformats.org/officeDocument/2006/relationships" xmlns:p="http://schemas.openxmlformats.org/presentationml/2006/main">
-  <p:cSld>
-    <p:spTree>
-      <p:nvGrpSpPr>
-        <p:cNvPr id="1" name=""/>
-        <p:cNvGrpSpPr/>
-        <p:nvPr/>
-      </p:nvGrpSpPr>
-      <p:grpSpPr>
-        <a:xfrm>
-          <a:off x="0" y="0"/>
-          <a:ext cx="0" cy="0"/>
-          <a:chOff x="0" y="0"/>
-          <a:chExt cx="0" cy="0"/>
-        </a:xfrm>
-      </p:grpSpPr>
-      <p:sp>
-        <p:nvSpPr>
-          <p:cNvPr id="2" name="Title 1"/>
-          <p:cNvSpPr>
-            <a:spLocks noGrp="1"/>
-          </p:cNvSpPr>
-          <p:nvPr>
-            <p:ph type="title"/>
-          </p:nvPr>
-        </p:nvSpPr>
-        <p:spPr/>
-        <p:txBody>
-          <a:bodyPr/>
-          <a:lstStyle/>
-          <a:p>
-            <a:pPr lvl="0" marL="0" indent="0">
-              <a:buNone/>
-            </a:pPr>
-            <a:r>
-              <a:rPr/>
-              <a:t>Question</a:t>
-            </a:r>
-            <a:r>
-              <a:rPr/>
-              <a:t> </a:t>
-            </a:r>
-            <a:r>
-              <a:rPr/>
-              <a:t>3</a:t>
-            </a:r>
-          </a:p>
-        </p:txBody>
-      </p:sp>
-      <p:sp>
-        <p:nvSpPr>
-          <p:cNvPr id="3" name="Content Placeholder 2"/>
-          <p:cNvSpPr>
-            <a:spLocks noGrp="1"/>
-          </p:cNvSpPr>
-          <p:nvPr>
-            <p:ph idx="1"/>
-          </p:nvPr>
-        </p:nvSpPr>
-        <p:spPr/>
-        <p:txBody>
-          <a:bodyPr/>
-          <a:lstStyle/>
-          <a:p>
-            <a:pPr lvl="0" marL="0" indent="0">
-              <a:buNone/>
-            </a:pPr>
-            <a:r>
-              <a:rPr/>
-              <a:t>Compare the distribution of the height of centers with that of the height of forwards </a:t>
-            </a:r>
-          </a:p>
-        </p:txBody>
-      </p:sp>
-    </p:spTree>
-  </p:cSld>
-</p:sld>
-</file>
-
 <file path=ppt/slides/slide7.xml><?xml version="1.0" encoding="utf-8"?>
 <p:sld xmlns:a="http://schemas.openxmlformats.org/drawingml/2006/main" xmlns:r="http://schemas.openxmlformats.org/officeDocument/2006/relationships" xmlns:p="http://schemas.openxmlformats.org/presentationml/2006/main">
   <p:cSld>
@@ -4309,7 +4555,7 @@
             </a:r>
             <a:r>
               <a:rPr/>
-              <a:t>4</a:t>
+              <a:t>3</a:t>
             </a:r>
           </a:p>
         </p:txBody>
@@ -4334,7 +4580,7 @@
             </a:pPr>
             <a:r>
               <a:rPr/>
-              <a:t>Investigate distribution of height across all positions </a:t>
+              <a:t>Compare the distribution of the height of centers with that of the height of forwards </a:t>
             </a:r>
           </a:p>
         </p:txBody>
@@ -4389,7 +4635,7 @@
             </a:r>
             <a:r>
               <a:rPr/>
-              <a:t>5</a:t>
+              <a:t>4</a:t>
             </a:r>
           </a:p>
         </p:txBody>
@@ -4414,18 +4660,7 @@
             </a:pPr>
             <a:r>
               <a:rPr/>
-              <a:t>Investigate how a players height is related to his weight</a:t>
-            </a:r>
-          </a:p>
-          <a:p>
-            <a:pPr lvl="0" marL="1270000" indent="0">
-              <a:buNone/>
-            </a:pPr>
-            <a:r>
-              <a:rPr sz="1800">
-                <a:latin typeface="Courier"/>
-              </a:rPr>
-              <a:t>## Warning: Removed 6 rows containing missing values (geom_point).</a:t>
+              <a:t>Investigate distribution of height across all positions </a:t>
             </a:r>
           </a:p>
         </p:txBody>
@@ -4452,36 +4687,75 @@
           <a:chExt cx="0" cy="0"/>
         </a:xfrm>
       </p:grpSpPr>
-      <p:pic>
-        <p:nvPicPr>
-          <p:cNvPr descr="Richard_Palmer_LiveSession_2_files/figure-pptx/unnamed-chunk-6-1.png" id="0" name="Picture 1"/>
-          <p:cNvPicPr>
-            <a:picLocks noGrp="1" noChangeAspect="1"/>
-          </p:cNvPicPr>
-          <p:nvPr/>
-        </p:nvPicPr>
-        <p:blipFill>
-          <a:blip r:embed="rId2"/>
-          <a:stretch>
-            <a:fillRect/>
-          </a:stretch>
-        </p:blipFill>
-        <p:spPr bwMode="auto">
-          <a:xfrm>
-            <a:off x="1752600" y="1600200"/>
-            <a:ext cx="5651500" cy="4521200"/>
-          </a:xfrm>
-          <a:prstGeom prst="rect">
-            <a:avLst/>
-          </a:prstGeom>
-          <a:noFill/>
-          <a:ln w="9525">
-            <a:noFill/>
-            <a:headEnd/>
-            <a:tailEnd/>
-          </a:ln>
-        </p:spPr>
-      </p:pic>
+      <p:sp>
+        <p:nvSpPr>
+          <p:cNvPr id="2" name="Title 1"/>
+          <p:cNvSpPr>
+            <a:spLocks noGrp="1"/>
+          </p:cNvSpPr>
+          <p:nvPr>
+            <p:ph type="title"/>
+          </p:nvPr>
+        </p:nvSpPr>
+        <p:spPr/>
+        <p:txBody>
+          <a:bodyPr/>
+          <a:lstStyle/>
+          <a:p>
+            <a:pPr lvl="0" marL="0" indent="0">
+              <a:buNone/>
+            </a:pPr>
+            <a:r>
+              <a:rPr/>
+              <a:t>Question</a:t>
+            </a:r>
+            <a:r>
+              <a:rPr/>
+              <a:t> </a:t>
+            </a:r>
+            <a:r>
+              <a:rPr/>
+              <a:t>5</a:t>
+            </a:r>
+          </a:p>
+        </p:txBody>
+      </p:sp>
+      <p:sp>
+        <p:nvSpPr>
+          <p:cNvPr id="3" name="Content Placeholder 2"/>
+          <p:cNvSpPr>
+            <a:spLocks noGrp="1"/>
+          </p:cNvSpPr>
+          <p:nvPr>
+            <p:ph idx="1"/>
+          </p:nvPr>
+        </p:nvSpPr>
+        <p:spPr/>
+        <p:txBody>
+          <a:bodyPr/>
+          <a:lstStyle/>
+          <a:p>
+            <a:pPr lvl="0" marL="0" indent="0">
+              <a:buNone/>
+            </a:pPr>
+            <a:r>
+              <a:rPr/>
+              <a:t>Investigate how a players height is related to his weight</a:t>
+            </a:r>
+          </a:p>
+          <a:p>
+            <a:pPr lvl="0" marL="1270000" indent="0">
+              <a:buNone/>
+            </a:pPr>
+            <a:r>
+              <a:rPr sz="1800">
+                <a:latin typeface="Courier"/>
+              </a:rPr>
+              <a:t>## Warning: Removed 6 rows containing missing values (geom_point).</a:t>
+            </a:r>
+          </a:p>
+        </p:txBody>
+      </p:sp>
     </p:spTree>
   </p:cSld>
 </p:sld>

--- a/Unit 2/Richard_Palmer_LiveSession_2.pptx
+++ b/Unit 2/Richard_Palmer_LiveSession_2.pptx
@@ -23,6 +23,8 @@
     <p:sldId id="271" r:id="rId17"/>
     <p:sldId id="272" r:id="rId18"/>
     <p:sldId id="273" r:id="rId19"/>
+    <p:sldId id="274" r:id="rId20"/>
+    <p:sldId id="275" r:id="rId21"/>
   </p:sldIdLst>
   <p:sldSz cx="9144000" cy="6858000" type="screen4x3"/>
   <p:notesSz cx="6858000" cy="9144000"/>
@@ -3255,7 +3257,7 @@
       </p:grpSpPr>
       <p:pic>
         <p:nvPicPr>
-          <p:cNvPr descr="Richard_Palmer_LiveSession_2_files/figure-pptx/unnamed-chunk-6-1.png" id="0" name="Picture 1"/>
+          <p:cNvPr descr="Richard_Palmer_LiveSession_2_files/figure-pptx/unnamed-chunk-5-1.png" id="0" name="Picture 1"/>
           <p:cNvPicPr>
             <a:picLocks noGrp="1" noChangeAspect="1"/>
           </p:cNvPicPr>
@@ -3333,7 +3335,7 @@
             </a:r>
             <a:r>
               <a:rPr/>
-              <a:t>6</a:t>
+              <a:t>5</a:t>
             </a:r>
           </a:p>
         </p:txBody>
@@ -3358,7 +3360,177 @@
             </a:pPr>
             <a:r>
               <a:rPr/>
-              <a:t>Is there any difference in height/weight relationship among positions?</a:t>
+              <a:t>Investigate how a players height is related to his weight</a:t>
+            </a:r>
+          </a:p>
+          <a:p>
+            <a:pPr lvl="0" marL="1270000" indent="0">
+              <a:buNone/>
+            </a:pPr>
+            <a:r>
+              <a:rPr sz="1800">
+                <a:latin typeface="Courier"/>
+              </a:rPr>
+              <a:t>BBall </a:t>
+            </a:r>
+            <a:r>
+              <a:rPr sz="1800">
+                <a:solidFill>
+                  <a:srgbClr val="666666"/>
+                </a:solidFill>
+                <a:latin typeface="Courier"/>
+              </a:rPr>
+              <a:t>%&gt;%</a:t>
+            </a:r>
+            <a:r>
+              <a:rPr sz="1800">
+                <a:solidFill>
+                  <a:srgbClr val="4070A0"/>
+                </a:solidFill>
+                <a:latin typeface="Courier"/>
+              </a:rPr>
+              <a:t> </a:t>
+            </a:r>
+            <a:r>
+              <a:rPr sz="1800" b="1">
+                <a:solidFill>
+                  <a:srgbClr val="007020"/>
+                </a:solidFill>
+                <a:latin typeface="Courier"/>
+              </a:rPr>
+              <a:t>ggplot</a:t>
+            </a:r>
+            <a:r>
+              <a:rPr sz="1800">
+                <a:latin typeface="Courier"/>
+              </a:rPr>
+              <a:t>(</a:t>
+            </a:r>
+            <a:r>
+              <a:rPr sz="1800" b="1">
+                <a:solidFill>
+                  <a:srgbClr val="007020"/>
+                </a:solidFill>
+                <a:latin typeface="Courier"/>
+              </a:rPr>
+              <a:t>aes</a:t>
+            </a:r>
+            <a:r>
+              <a:rPr sz="1800">
+                <a:latin typeface="Courier"/>
+              </a:rPr>
+              <a:t>(</a:t>
+            </a:r>
+            <a:r>
+              <a:rPr sz="1800">
+                <a:solidFill>
+                  <a:srgbClr val="902000"/>
+                </a:solidFill>
+                <a:latin typeface="Courier"/>
+              </a:rPr>
+              <a:t>x=</a:t>
+            </a:r>
+            <a:r>
+              <a:rPr sz="1800">
+                <a:latin typeface="Courier"/>
+              </a:rPr>
+              <a:t>weight,</a:t>
+            </a:r>
+            <a:r>
+              <a:rPr sz="1800">
+                <a:solidFill>
+                  <a:srgbClr val="902000"/>
+                </a:solidFill>
+                <a:latin typeface="Courier"/>
+              </a:rPr>
+              <a:t>y=</a:t>
+            </a:r>
+            <a:r>
+              <a:rPr sz="1800">
+                <a:latin typeface="Courier"/>
+              </a:rPr>
+              <a:t>height_inches)) </a:t>
+            </a:r>
+            <a:r>
+              <a:rPr sz="1800">
+                <a:solidFill>
+                  <a:srgbClr val="666666"/>
+                </a:solidFill>
+                <a:latin typeface="Courier"/>
+              </a:rPr>
+              <a:t>+</a:t>
+            </a:r>
+            <a:r>
+              <a:rPr sz="1800">
+                <a:solidFill>
+                  <a:srgbClr val="4070A0"/>
+                </a:solidFill>
+                <a:latin typeface="Courier"/>
+              </a:rPr>
+              <a:t> </a:t>
+            </a:r>
+            <a:r>
+              <a:rPr sz="1800" b="1">
+                <a:solidFill>
+                  <a:srgbClr val="007020"/>
+                </a:solidFill>
+                <a:latin typeface="Courier"/>
+              </a:rPr>
+              <a:t>geom_point</a:t>
+            </a:r>
+            <a:r>
+              <a:rPr sz="1800">
+                <a:latin typeface="Courier"/>
+              </a:rPr>
+              <a:t>() </a:t>
+            </a:r>
+            <a:r>
+              <a:rPr sz="1800">
+                <a:solidFill>
+                  <a:srgbClr val="666666"/>
+                </a:solidFill>
+                <a:latin typeface="Courier"/>
+              </a:rPr>
+              <a:t>+</a:t>
+            </a:r>
+            <a:r>
+              <a:rPr sz="1800">
+                <a:solidFill>
+                  <a:srgbClr val="4070A0"/>
+                </a:solidFill>
+                <a:latin typeface="Courier"/>
+              </a:rPr>
+              <a:t> </a:t>
+            </a:r>
+            <a:r>
+              <a:rPr sz="1800" b="1">
+                <a:solidFill>
+                  <a:srgbClr val="007020"/>
+                </a:solidFill>
+                <a:latin typeface="Courier"/>
+              </a:rPr>
+              <a:t>ggtitle</a:t>
+            </a:r>
+            <a:r>
+              <a:rPr sz="1800">
+                <a:latin typeface="Courier"/>
+              </a:rPr>
+              <a:t>(</a:t>
+            </a:r>
+            <a:r>
+              <a:rPr sz="1800">
+                <a:solidFill>
+                  <a:srgbClr val="4070A0"/>
+                </a:solidFill>
+                <a:latin typeface="Courier"/>
+              </a:rPr>
+              <a:t>"Height versus Weight"</a:t>
+            </a:r>
+            <a:r>
+              <a:rPr sz="1800">
+                <a:latin typeface="Courier"/>
+              </a:rPr>
+              <a:t>);</a:t>
             </a:r>
           </a:p>
           <a:p>
@@ -3380,6 +3552,334 @@
 </file>
 
 <file path=ppt/slides/slide12.xml><?xml version="1.0" encoding="utf-8"?>
+<p:sld xmlns:a="http://schemas.openxmlformats.org/drawingml/2006/main" xmlns:r="http://schemas.openxmlformats.org/officeDocument/2006/relationships" xmlns:p="http://schemas.openxmlformats.org/presentationml/2006/main">
+  <p:cSld>
+    <p:spTree>
+      <p:nvGrpSpPr>
+        <p:cNvPr id="1" name=""/>
+        <p:cNvGrpSpPr/>
+        <p:nvPr/>
+      </p:nvGrpSpPr>
+      <p:grpSpPr>
+        <a:xfrm>
+          <a:off x="0" y="0"/>
+          <a:ext cx="0" cy="0"/>
+          <a:chOff x="0" y="0"/>
+          <a:chExt cx="0" cy="0"/>
+        </a:xfrm>
+      </p:grpSpPr>
+      <p:pic>
+        <p:nvPicPr>
+          <p:cNvPr descr="Richard_Palmer_LiveSession_2_files/figure-pptx/unnamed-chunk-6-1.png" id="0" name="Picture 1"/>
+          <p:cNvPicPr>
+            <a:picLocks noGrp="1" noChangeAspect="1"/>
+          </p:cNvPicPr>
+          <p:nvPr/>
+        </p:nvPicPr>
+        <p:blipFill>
+          <a:blip r:embed="rId2"/>
+          <a:stretch>
+            <a:fillRect/>
+          </a:stretch>
+        </p:blipFill>
+        <p:spPr bwMode="auto">
+          <a:xfrm>
+            <a:off x="1752600" y="1600200"/>
+            <a:ext cx="5651500" cy="4521200"/>
+          </a:xfrm>
+          <a:prstGeom prst="rect">
+            <a:avLst/>
+          </a:prstGeom>
+          <a:noFill/>
+          <a:ln w="9525">
+            <a:noFill/>
+            <a:headEnd/>
+            <a:tailEnd/>
+          </a:ln>
+        </p:spPr>
+      </p:pic>
+    </p:spTree>
+  </p:cSld>
+</p:sld>
+</file>
+
+<file path=ppt/slides/slide13.xml><?xml version="1.0" encoding="utf-8"?>
+<p:sld xmlns:a="http://schemas.openxmlformats.org/drawingml/2006/main" xmlns:r="http://schemas.openxmlformats.org/officeDocument/2006/relationships" xmlns:p="http://schemas.openxmlformats.org/presentationml/2006/main">
+  <p:cSld>
+    <p:spTree>
+      <p:nvGrpSpPr>
+        <p:cNvPr id="1" name=""/>
+        <p:cNvGrpSpPr/>
+        <p:nvPr/>
+      </p:nvGrpSpPr>
+      <p:grpSpPr>
+        <a:xfrm>
+          <a:off x="0" y="0"/>
+          <a:ext cx="0" cy="0"/>
+          <a:chOff x="0" y="0"/>
+          <a:chExt cx="0" cy="0"/>
+        </a:xfrm>
+      </p:grpSpPr>
+      <p:sp>
+        <p:nvSpPr>
+          <p:cNvPr id="2" name="Title 1"/>
+          <p:cNvSpPr>
+            <a:spLocks noGrp="1"/>
+          </p:cNvSpPr>
+          <p:nvPr>
+            <p:ph type="title"/>
+          </p:nvPr>
+        </p:nvSpPr>
+        <p:spPr/>
+        <p:txBody>
+          <a:bodyPr/>
+          <a:lstStyle/>
+          <a:p>
+            <a:pPr lvl="0" marL="0" indent="0">
+              <a:buNone/>
+            </a:pPr>
+            <a:r>
+              <a:rPr/>
+              <a:t>Question</a:t>
+            </a:r>
+            <a:r>
+              <a:rPr/>
+              <a:t> </a:t>
+            </a:r>
+            <a:r>
+              <a:rPr/>
+              <a:t>6</a:t>
+            </a:r>
+          </a:p>
+        </p:txBody>
+      </p:sp>
+      <p:sp>
+        <p:nvSpPr>
+          <p:cNvPr id="3" name="Content Placeholder 2"/>
+          <p:cNvSpPr>
+            <a:spLocks noGrp="1"/>
+          </p:cNvSpPr>
+          <p:nvPr>
+            <p:ph idx="1"/>
+          </p:nvPr>
+        </p:nvSpPr>
+        <p:spPr/>
+        <p:txBody>
+          <a:bodyPr/>
+          <a:lstStyle/>
+          <a:p>
+            <a:pPr lvl="0" marL="0" indent="0">
+              <a:buNone/>
+            </a:pPr>
+            <a:r>
+              <a:rPr/>
+              <a:t>Is there any difference in height/weight relationship among positions?</a:t>
+            </a:r>
+          </a:p>
+          <a:p>
+            <a:pPr lvl="0" marL="1270000" indent="0">
+              <a:buNone/>
+            </a:pPr>
+            <a:r>
+              <a:rPr sz="1800">
+                <a:latin typeface="Courier"/>
+              </a:rPr>
+              <a:t>BBall </a:t>
+            </a:r>
+            <a:r>
+              <a:rPr sz="1800">
+                <a:solidFill>
+                  <a:srgbClr val="666666"/>
+                </a:solidFill>
+                <a:latin typeface="Courier"/>
+              </a:rPr>
+              <a:t>%&gt;%</a:t>
+            </a:r>
+            <a:r>
+              <a:rPr sz="1800">
+                <a:solidFill>
+                  <a:srgbClr val="4070A0"/>
+                </a:solidFill>
+                <a:latin typeface="Courier"/>
+              </a:rPr>
+              <a:t> </a:t>
+            </a:r>
+            <a:r>
+              <a:rPr sz="1800" b="1">
+                <a:solidFill>
+                  <a:srgbClr val="007020"/>
+                </a:solidFill>
+                <a:latin typeface="Courier"/>
+              </a:rPr>
+              <a:t>ggplot</a:t>
+            </a:r>
+            <a:r>
+              <a:rPr sz="1800">
+                <a:latin typeface="Courier"/>
+              </a:rPr>
+              <a:t>(</a:t>
+            </a:r>
+            <a:r>
+              <a:rPr sz="1800" b="1">
+                <a:solidFill>
+                  <a:srgbClr val="007020"/>
+                </a:solidFill>
+                <a:latin typeface="Courier"/>
+              </a:rPr>
+              <a:t>aes</a:t>
+            </a:r>
+            <a:r>
+              <a:rPr sz="1800">
+                <a:latin typeface="Courier"/>
+              </a:rPr>
+              <a:t>(</a:t>
+            </a:r>
+            <a:r>
+              <a:rPr sz="1800">
+                <a:solidFill>
+                  <a:srgbClr val="902000"/>
+                </a:solidFill>
+                <a:latin typeface="Courier"/>
+              </a:rPr>
+              <a:t>x=</a:t>
+            </a:r>
+            <a:r>
+              <a:rPr sz="1800">
+                <a:latin typeface="Courier"/>
+              </a:rPr>
+              <a:t>weight,</a:t>
+            </a:r>
+            <a:r>
+              <a:rPr sz="1800">
+                <a:solidFill>
+                  <a:srgbClr val="902000"/>
+                </a:solidFill>
+                <a:latin typeface="Courier"/>
+              </a:rPr>
+              <a:t>y=</a:t>
+            </a:r>
+            <a:r>
+              <a:rPr sz="1800">
+                <a:latin typeface="Courier"/>
+              </a:rPr>
+              <a:t>height_inches,</a:t>
+            </a:r>
+            <a:r>
+              <a:rPr sz="1800">
+                <a:solidFill>
+                  <a:srgbClr val="902000"/>
+                </a:solidFill>
+                <a:latin typeface="Courier"/>
+              </a:rPr>
+              <a:t>color=</a:t>
+            </a:r>
+            <a:r>
+              <a:rPr sz="1800">
+                <a:latin typeface="Courier"/>
+              </a:rPr>
+              <a:t>position)) </a:t>
+            </a:r>
+            <a:r>
+              <a:rPr sz="1800">
+                <a:solidFill>
+                  <a:srgbClr val="666666"/>
+                </a:solidFill>
+                <a:latin typeface="Courier"/>
+              </a:rPr>
+              <a:t>+</a:t>
+            </a:r>
+            <a:r>
+              <a:rPr sz="1800">
+                <a:solidFill>
+                  <a:srgbClr val="4070A0"/>
+                </a:solidFill>
+                <a:latin typeface="Courier"/>
+              </a:rPr>
+              <a:t> </a:t>
+            </a:r>
+            <a:r>
+              <a:rPr sz="1800" b="1">
+                <a:solidFill>
+                  <a:srgbClr val="007020"/>
+                </a:solidFill>
+                <a:latin typeface="Courier"/>
+              </a:rPr>
+              <a:t>geom_point</a:t>
+            </a:r>
+            <a:r>
+              <a:rPr sz="1800">
+                <a:latin typeface="Courier"/>
+              </a:rPr>
+              <a:t>() </a:t>
+            </a:r>
+            <a:r>
+              <a:rPr sz="1800">
+                <a:solidFill>
+                  <a:srgbClr val="666666"/>
+                </a:solidFill>
+                <a:latin typeface="Courier"/>
+              </a:rPr>
+              <a:t>+</a:t>
+            </a:r>
+            <a:r>
+              <a:rPr sz="1800">
+                <a:solidFill>
+                  <a:srgbClr val="4070A0"/>
+                </a:solidFill>
+                <a:latin typeface="Courier"/>
+              </a:rPr>
+              <a:t> </a:t>
+            </a:r>
+            <a:r>
+              <a:rPr sz="1800" b="1">
+                <a:solidFill>
+                  <a:srgbClr val="007020"/>
+                </a:solidFill>
+                <a:latin typeface="Courier"/>
+              </a:rPr>
+              <a:t>ggtitle</a:t>
+            </a:r>
+            <a:r>
+              <a:rPr sz="1800">
+                <a:latin typeface="Courier"/>
+              </a:rPr>
+              <a:t>(</a:t>
+            </a:r>
+            <a:r>
+              <a:rPr sz="1800">
+                <a:solidFill>
+                  <a:srgbClr val="4070A0"/>
+                </a:solidFill>
+                <a:latin typeface="Courier"/>
+              </a:rPr>
+              <a:t>"Height versus Weight"</a:t>
+            </a:r>
+            <a:r>
+              <a:rPr sz="1800">
+                <a:latin typeface="Courier"/>
+              </a:rPr>
+              <a:t>);</a:t>
+            </a:r>
+          </a:p>
+          <a:p>
+            <a:pPr lvl="0" marL="1270000" indent="0">
+              <a:buNone/>
+            </a:pPr>
+            <a:r>
+              <a:rPr sz="1800">
+                <a:latin typeface="Courier"/>
+              </a:rPr>
+              <a:t>## Warning: Removed 6 rows containing missing values (geom_point).</a:t>
+            </a:r>
+          </a:p>
+        </p:txBody>
+      </p:sp>
+    </p:spTree>
+  </p:cSld>
+</p:sld>
+</file>
+
+<file path=ppt/slides/slide14.xml><?xml version="1.0" encoding="utf-8"?>
 <p:sld xmlns:a="http://schemas.openxmlformats.org/drawingml/2006/main" xmlns:r="http://schemas.openxmlformats.org/officeDocument/2006/relationships" xmlns:p="http://schemas.openxmlformats.org/presentationml/2006/main">
   <p:cSld>
     <p:spTree>
@@ -3431,7 +3931,7 @@
 </p:sld>
 </file>
 
-<file path=ppt/slides/slide13.xml><?xml version="1.0" encoding="utf-8"?>
+<file path=ppt/slides/slide15.xml><?xml version="1.0" encoding="utf-8"?>
 <p:sld xmlns:a="http://schemas.openxmlformats.org/drawingml/2006/main" xmlns:r="http://schemas.openxmlformats.org/officeDocument/2006/relationships" xmlns:p="http://schemas.openxmlformats.org/presentationml/2006/main">
   <p:cSld>
     <p:spTree>
@@ -3512,6 +4012,176 @@
               <a:rPr sz="1800">
                 <a:latin typeface="Courier"/>
               </a:rPr>
+              <a:t>BBall </a:t>
+            </a:r>
+            <a:r>
+              <a:rPr sz="1800">
+                <a:solidFill>
+                  <a:srgbClr val="666666"/>
+                </a:solidFill>
+                <a:latin typeface="Courier"/>
+              </a:rPr>
+              <a:t>%&gt;%</a:t>
+            </a:r>
+            <a:r>
+              <a:rPr sz="1800">
+                <a:solidFill>
+                  <a:srgbClr val="4070A0"/>
+                </a:solidFill>
+                <a:latin typeface="Courier"/>
+              </a:rPr>
+              <a:t> </a:t>
+            </a:r>
+            <a:r>
+              <a:rPr sz="1800" b="1">
+                <a:solidFill>
+                  <a:srgbClr val="007020"/>
+                </a:solidFill>
+                <a:latin typeface="Courier"/>
+              </a:rPr>
+              <a:t>ggplot</a:t>
+            </a:r>
+            <a:r>
+              <a:rPr sz="1800">
+                <a:latin typeface="Courier"/>
+              </a:rPr>
+              <a:t>(</a:t>
+            </a:r>
+            <a:r>
+              <a:rPr sz="1800" b="1">
+                <a:solidFill>
+                  <a:srgbClr val="007020"/>
+                </a:solidFill>
+                <a:latin typeface="Courier"/>
+              </a:rPr>
+              <a:t>aes</a:t>
+            </a:r>
+            <a:r>
+              <a:rPr sz="1800">
+                <a:latin typeface="Courier"/>
+              </a:rPr>
+              <a:t>(</a:t>
+            </a:r>
+            <a:r>
+              <a:rPr sz="1800">
+                <a:solidFill>
+                  <a:srgbClr val="902000"/>
+                </a:solidFill>
+                <a:latin typeface="Courier"/>
+              </a:rPr>
+              <a:t>x=</a:t>
+            </a:r>
+            <a:r>
+              <a:rPr sz="1800">
+                <a:latin typeface="Courier"/>
+              </a:rPr>
+              <a:t>year_start,</a:t>
+            </a:r>
+            <a:r>
+              <a:rPr sz="1800">
+                <a:solidFill>
+                  <a:srgbClr val="902000"/>
+                </a:solidFill>
+                <a:latin typeface="Courier"/>
+              </a:rPr>
+              <a:t>y=</a:t>
+            </a:r>
+            <a:r>
+              <a:rPr sz="1800">
+                <a:latin typeface="Courier"/>
+              </a:rPr>
+              <a:t>height_inches)) </a:t>
+            </a:r>
+            <a:r>
+              <a:rPr sz="1800">
+                <a:solidFill>
+                  <a:srgbClr val="666666"/>
+                </a:solidFill>
+                <a:latin typeface="Courier"/>
+              </a:rPr>
+              <a:t>+</a:t>
+            </a:r>
+            <a:r>
+              <a:rPr sz="1800">
+                <a:solidFill>
+                  <a:srgbClr val="4070A0"/>
+                </a:solidFill>
+                <a:latin typeface="Courier"/>
+              </a:rPr>
+              <a:t> </a:t>
+            </a:r>
+            <a:r>
+              <a:rPr sz="1800" b="1">
+                <a:solidFill>
+                  <a:srgbClr val="007020"/>
+                </a:solidFill>
+                <a:latin typeface="Courier"/>
+              </a:rPr>
+              <a:t>geom_point</a:t>
+            </a:r>
+            <a:r>
+              <a:rPr sz="1800">
+                <a:latin typeface="Courier"/>
+              </a:rPr>
+              <a:t>() </a:t>
+            </a:r>
+            <a:r>
+              <a:rPr sz="1800">
+                <a:solidFill>
+                  <a:srgbClr val="666666"/>
+                </a:solidFill>
+                <a:latin typeface="Courier"/>
+              </a:rPr>
+              <a:t>+</a:t>
+            </a:r>
+            <a:r>
+              <a:rPr sz="1800">
+                <a:solidFill>
+                  <a:srgbClr val="4070A0"/>
+                </a:solidFill>
+                <a:latin typeface="Courier"/>
+              </a:rPr>
+              <a:t> </a:t>
+            </a:r>
+            <a:r>
+              <a:rPr sz="1800" b="1">
+                <a:solidFill>
+                  <a:srgbClr val="007020"/>
+                </a:solidFill>
+                <a:latin typeface="Courier"/>
+              </a:rPr>
+              <a:t>ggtitle</a:t>
+            </a:r>
+            <a:r>
+              <a:rPr sz="1800">
+                <a:latin typeface="Courier"/>
+              </a:rPr>
+              <a:t>(</a:t>
+            </a:r>
+            <a:r>
+              <a:rPr sz="1800">
+                <a:solidFill>
+                  <a:srgbClr val="4070A0"/>
+                </a:solidFill>
+                <a:latin typeface="Courier"/>
+              </a:rPr>
+              <a:t>"Height versus starting year"</a:t>
+            </a:r>
+            <a:r>
+              <a:rPr sz="1800">
+                <a:latin typeface="Courier"/>
+              </a:rPr>
+              <a:t>)</a:t>
+            </a:r>
+          </a:p>
+          <a:p>
+            <a:pPr lvl="0" marL="1270000" indent="0">
+              <a:buNone/>
+            </a:pPr>
+            <a:r>
+              <a:rPr sz="1800">
+                <a:latin typeface="Courier"/>
+              </a:rPr>
               <a:t>## Warning: Removed 1 rows containing missing values (geom_point).</a:t>
             </a:r>
           </a:p>
@@ -3522,7 +4192,7 @@
 </p:sld>
 </file>
 
-<file path=ppt/slides/slide14.xml><?xml version="1.0" encoding="utf-8"?>
+<file path=ppt/slides/slide16.xml><?xml version="1.0" encoding="utf-8"?>
 <p:sld xmlns:a="http://schemas.openxmlformats.org/drawingml/2006/main" xmlns:r="http://schemas.openxmlformats.org/officeDocument/2006/relationships" xmlns:p="http://schemas.openxmlformats.org/presentationml/2006/main">
   <p:cSld>
     <p:spTree>
@@ -3574,153 +4244,6 @@
 </p:sld>
 </file>
 
-<file path=ppt/slides/slide15.xml><?xml version="1.0" encoding="utf-8"?>
-<p:sld xmlns:a="http://schemas.openxmlformats.org/drawingml/2006/main" xmlns:r="http://schemas.openxmlformats.org/officeDocument/2006/relationships" xmlns:p="http://schemas.openxmlformats.org/presentationml/2006/main">
-  <p:cSld>
-    <p:spTree>
-      <p:nvGrpSpPr>
-        <p:cNvPr id="1" name=""/>
-        <p:cNvGrpSpPr/>
-        <p:nvPr/>
-      </p:nvGrpSpPr>
-      <p:grpSpPr>
-        <a:xfrm>
-          <a:off x="0" y="0"/>
-          <a:ext cx="0" cy="0"/>
-          <a:chOff x="0" y="0"/>
-          <a:chExt cx="0" cy="0"/>
-        </a:xfrm>
-      </p:grpSpPr>
-      <p:sp>
-        <p:nvSpPr>
-          <p:cNvPr id="3" name="Content Placeholder 2"/>
-          <p:cNvSpPr>
-            <a:spLocks noGrp="1"/>
-          </p:cNvSpPr>
-          <p:nvPr>
-            <p:ph idx="1"/>
-          </p:nvPr>
-        </p:nvSpPr>
-        <p:spPr/>
-        <p:txBody>
-          <a:bodyPr/>
-          <a:lstStyle/>
-          <a:p>
-            <a:pPr lvl="0" marL="0" indent="0">
-              <a:buNone/>
-            </a:pPr>
-            <a:r>
-              <a:rPr/>
-              <a:t> ## Question 8 3D plot of height versus weight, colored by position</a:t>
-            </a:r>
-          </a:p>
-        </p:txBody>
-      </p:sp>
-    </p:spTree>
-  </p:cSld>
-</p:sld>
-</file>
-
-<file path=ppt/slides/slide16.xml><?xml version="1.0" encoding="utf-8"?>
-<p:sld xmlns:a="http://schemas.openxmlformats.org/drawingml/2006/main" xmlns:r="http://schemas.openxmlformats.org/officeDocument/2006/relationships" xmlns:p="http://schemas.openxmlformats.org/presentationml/2006/main">
-  <p:cSld>
-    <p:spTree>
-      <p:nvGrpSpPr>
-        <p:cNvPr id="1" name=""/>
-        <p:cNvGrpSpPr/>
-        <p:nvPr/>
-      </p:nvGrpSpPr>
-      <p:grpSpPr>
-        <a:xfrm>
-          <a:off x="0" y="0"/>
-          <a:ext cx="0" cy="0"/>
-          <a:chOff x="0" y="0"/>
-          <a:chExt cx="0" cy="0"/>
-        </a:xfrm>
-      </p:grpSpPr>
-      <p:sp>
-        <p:nvSpPr>
-          <p:cNvPr id="2" name="Title 1"/>
-          <p:cNvSpPr>
-            <a:spLocks noGrp="1"/>
-          </p:cNvSpPr>
-          <p:nvPr>
-            <p:ph type="title"/>
-          </p:nvPr>
-        </p:nvSpPr>
-        <p:spPr/>
-        <p:txBody>
-          <a:bodyPr/>
-          <a:lstStyle/>
-          <a:p>
-            <a:pPr lvl="0" marL="0" indent="0">
-              <a:buNone/>
-            </a:pPr>
-            <a:r>
-              <a:rPr/>
-              <a:t>Slide</a:t>
-            </a:r>
-            <a:r>
-              <a:rPr/>
-              <a:t> </a:t>
-            </a:r>
-            <a:r>
-              <a:rPr/>
-              <a:t>with</a:t>
-            </a:r>
-            <a:r>
-              <a:rPr/>
-              <a:t> </a:t>
-            </a:r>
-            <a:r>
-              <a:rPr/>
-              <a:t>Bullets</a:t>
-            </a:r>
-          </a:p>
-        </p:txBody>
-      </p:sp>
-      <p:sp>
-        <p:nvSpPr>
-          <p:cNvPr id="3" name="Content Placeholder 2"/>
-          <p:cNvSpPr>
-            <a:spLocks noGrp="1"/>
-          </p:cNvSpPr>
-          <p:nvPr>
-            <p:ph idx="1"/>
-          </p:nvPr>
-        </p:nvSpPr>
-        <p:spPr/>
-        <p:txBody>
-          <a:bodyPr/>
-          <a:lstStyle/>
-          <a:p>
-            <a:pPr lvl="1"/>
-            <a:r>
-              <a:rPr/>
-              <a:t>Bullet 1</a:t>
-            </a:r>
-          </a:p>
-          <a:p>
-            <a:pPr lvl="1"/>
-            <a:r>
-              <a:rPr/>
-              <a:t>Bullet 2</a:t>
-            </a:r>
-          </a:p>
-          <a:p>
-            <a:pPr lvl="1"/>
-            <a:r>
-              <a:rPr/>
-              <a:t>Bullet 3</a:t>
-            </a:r>
-          </a:p>
-        </p:txBody>
-      </p:sp>
-    </p:spTree>
-  </p:cSld>
-</p:sld>
-</file>
-
 <file path=ppt/slides/slide17.xml><?xml version="1.0" encoding="utf-8"?>
 <p:sld xmlns:a="http://schemas.openxmlformats.org/drawingml/2006/main" xmlns:r="http://schemas.openxmlformats.org/officeDocument/2006/relationships" xmlns:p="http://schemas.openxmlformats.org/presentationml/2006/main">
   <p:cSld>
@@ -3740,6 +4263,153 @@
       </p:grpSpPr>
       <p:sp>
         <p:nvSpPr>
+          <p:cNvPr id="3" name="Content Placeholder 2"/>
+          <p:cNvSpPr>
+            <a:spLocks noGrp="1"/>
+          </p:cNvSpPr>
+          <p:nvPr>
+            <p:ph idx="1"/>
+          </p:nvPr>
+        </p:nvSpPr>
+        <p:spPr/>
+        <p:txBody>
+          <a:bodyPr/>
+          <a:lstStyle/>
+          <a:p>
+            <a:pPr lvl="0" marL="0" indent="0">
+              <a:buNone/>
+            </a:pPr>
+            <a:r>
+              <a:rPr/>
+              <a:t> ## Question 8 3D plot of height versus weight, colored by position</a:t>
+            </a:r>
+          </a:p>
+        </p:txBody>
+      </p:sp>
+    </p:spTree>
+  </p:cSld>
+</p:sld>
+</file>
+
+<file path=ppt/slides/slide18.xml><?xml version="1.0" encoding="utf-8"?>
+<p:sld xmlns:a="http://schemas.openxmlformats.org/drawingml/2006/main" xmlns:r="http://schemas.openxmlformats.org/officeDocument/2006/relationships" xmlns:p="http://schemas.openxmlformats.org/presentationml/2006/main">
+  <p:cSld>
+    <p:spTree>
+      <p:nvGrpSpPr>
+        <p:cNvPr id="1" name=""/>
+        <p:cNvGrpSpPr/>
+        <p:nvPr/>
+      </p:nvGrpSpPr>
+      <p:grpSpPr>
+        <a:xfrm>
+          <a:off x="0" y="0"/>
+          <a:ext cx="0" cy="0"/>
+          <a:chOff x="0" y="0"/>
+          <a:chExt cx="0" cy="0"/>
+        </a:xfrm>
+      </p:grpSpPr>
+      <p:sp>
+        <p:nvSpPr>
+          <p:cNvPr id="2" name="Title 1"/>
+          <p:cNvSpPr>
+            <a:spLocks noGrp="1"/>
+          </p:cNvSpPr>
+          <p:nvPr>
+            <p:ph type="title"/>
+          </p:nvPr>
+        </p:nvSpPr>
+        <p:spPr/>
+        <p:txBody>
+          <a:bodyPr/>
+          <a:lstStyle/>
+          <a:p>
+            <a:pPr lvl="0" marL="0" indent="0">
+              <a:buNone/>
+            </a:pPr>
+            <a:r>
+              <a:rPr/>
+              <a:t>Slide</a:t>
+            </a:r>
+            <a:r>
+              <a:rPr/>
+              <a:t> </a:t>
+            </a:r>
+            <a:r>
+              <a:rPr/>
+              <a:t>with</a:t>
+            </a:r>
+            <a:r>
+              <a:rPr/>
+              <a:t> </a:t>
+            </a:r>
+            <a:r>
+              <a:rPr/>
+              <a:t>Bullets</a:t>
+            </a:r>
+          </a:p>
+        </p:txBody>
+      </p:sp>
+      <p:sp>
+        <p:nvSpPr>
+          <p:cNvPr id="3" name="Content Placeholder 2"/>
+          <p:cNvSpPr>
+            <a:spLocks noGrp="1"/>
+          </p:cNvSpPr>
+          <p:nvPr>
+            <p:ph idx="1"/>
+          </p:nvPr>
+        </p:nvSpPr>
+        <p:spPr/>
+        <p:txBody>
+          <a:bodyPr/>
+          <a:lstStyle/>
+          <a:p>
+            <a:pPr lvl="1"/>
+            <a:r>
+              <a:rPr/>
+              <a:t>Bullet 1</a:t>
+            </a:r>
+          </a:p>
+          <a:p>
+            <a:pPr lvl="1"/>
+            <a:r>
+              <a:rPr/>
+              <a:t>Bullet 2</a:t>
+            </a:r>
+          </a:p>
+          <a:p>
+            <a:pPr lvl="1"/>
+            <a:r>
+              <a:rPr/>
+              <a:t>Bullet 3</a:t>
+            </a:r>
+          </a:p>
+        </p:txBody>
+      </p:sp>
+    </p:spTree>
+  </p:cSld>
+</p:sld>
+</file>
+
+<file path=ppt/slides/slide19.xml><?xml version="1.0" encoding="utf-8"?>
+<p:sld xmlns:a="http://schemas.openxmlformats.org/drawingml/2006/main" xmlns:r="http://schemas.openxmlformats.org/officeDocument/2006/relationships" xmlns:p="http://schemas.openxmlformats.org/presentationml/2006/main">
+  <p:cSld>
+    <p:spTree>
+      <p:nvGrpSpPr>
+        <p:cNvPr id="1" name=""/>
+        <p:cNvGrpSpPr/>
+        <p:nvPr/>
+      </p:nvGrpSpPr>
+      <p:grpSpPr>
+        <a:xfrm>
+          <a:off x="0" y="0"/>
+          <a:ext cx="0" cy="0"/>
+          <a:chOff x="0" y="0"/>
+          <a:chExt cx="0" cy="0"/>
+        </a:xfrm>
+      </p:grpSpPr>
+      <p:sp>
+        <p:nvSpPr>
           <p:cNvPr id="2" name="Title 1"/>
           <p:cNvSpPr>
             <a:spLocks noGrp="1"/>
@@ -3845,7 +4515,83 @@
 </p:sld>
 </file>
 
-<file path=ppt/slides/slide18.xml><?xml version="1.0" encoding="utf-8"?>
+<file path=ppt/slides/slide2.xml><?xml version="1.0" encoding="utf-8"?>
+<p:sld xmlns:a="http://schemas.openxmlformats.org/drawingml/2006/main" xmlns:r="http://schemas.openxmlformats.org/officeDocument/2006/relationships" xmlns:p="http://schemas.openxmlformats.org/presentationml/2006/main">
+  <p:cSld>
+    <p:spTree>
+      <p:nvGrpSpPr>
+        <p:cNvPr id="1" name=""/>
+        <p:cNvGrpSpPr/>
+        <p:nvPr/>
+      </p:nvGrpSpPr>
+      <p:grpSpPr>
+        <a:xfrm>
+          <a:off x="0" y="0"/>
+          <a:ext cx="0" cy="0"/>
+          <a:chOff x="0" y="0"/>
+          <a:chExt cx="0" cy="0"/>
+        </a:xfrm>
+      </p:grpSpPr>
+      <p:sp>
+        <p:nvSpPr>
+          <p:cNvPr id="3" name="Content Placeholder 2"/>
+          <p:cNvSpPr>
+            <a:spLocks noGrp="1"/>
+          </p:cNvSpPr>
+          <p:nvPr>
+            <p:ph idx="1"/>
+          </p:nvPr>
+        </p:nvSpPr>
+        <p:spPr/>
+        <p:txBody>
+          <a:bodyPr/>
+          <a:lstStyle/>
+          <a:p>
+            <a:pPr lvl="0" marL="1270000" indent="0">
+              <a:buNone/>
+            </a:pPr>
+            <a:r>
+              <a:rPr sz="1800">
+                <a:latin typeface="Courier"/>
+              </a:rPr>
+              <a:t>## 
+## Attaching package: 'dplyr'</a:t>
+            </a:r>
+          </a:p>
+          <a:p>
+            <a:pPr lvl="0" marL="1270000" indent="0">
+              <a:buNone/>
+            </a:pPr>
+            <a:r>
+              <a:rPr sz="1800">
+                <a:latin typeface="Courier"/>
+              </a:rPr>
+              <a:t>## The following objects are masked from 'package:stats':
+## 
+##     filter, lag</a:t>
+            </a:r>
+          </a:p>
+          <a:p>
+            <a:pPr lvl="0" marL="1270000" indent="0">
+              <a:buNone/>
+            </a:pPr>
+            <a:r>
+              <a:rPr sz="1800">
+                <a:latin typeface="Courier"/>
+              </a:rPr>
+              <a:t>## The following objects are masked from 'package:base':
+## 
+##     intersect, setdiff, setequal, union</a:t>
+            </a:r>
+          </a:p>
+        </p:txBody>
+      </p:sp>
+    </p:spTree>
+  </p:cSld>
+</p:sld>
+</file>
+
+<file path=ppt/slides/slide20.xml><?xml version="1.0" encoding="utf-8"?>
 <p:sld xmlns:a="http://schemas.openxmlformats.org/drawingml/2006/main" xmlns:r="http://schemas.openxmlformats.org/officeDocument/2006/relationships" xmlns:p="http://schemas.openxmlformats.org/presentationml/2006/main">
   <p:cSld>
     <p:spTree>
@@ -3933,82 +4679,6 @@
           </a:ln>
         </p:spPr>
       </p:pic>
-    </p:spTree>
-  </p:cSld>
-</p:sld>
-</file>
-
-<file path=ppt/slides/slide2.xml><?xml version="1.0" encoding="utf-8"?>
-<p:sld xmlns:a="http://schemas.openxmlformats.org/drawingml/2006/main" xmlns:r="http://schemas.openxmlformats.org/officeDocument/2006/relationships" xmlns:p="http://schemas.openxmlformats.org/presentationml/2006/main">
-  <p:cSld>
-    <p:spTree>
-      <p:nvGrpSpPr>
-        <p:cNvPr id="1" name=""/>
-        <p:cNvGrpSpPr/>
-        <p:nvPr/>
-      </p:nvGrpSpPr>
-      <p:grpSpPr>
-        <a:xfrm>
-          <a:off x="0" y="0"/>
-          <a:ext cx="0" cy="0"/>
-          <a:chOff x="0" y="0"/>
-          <a:chExt cx="0" cy="0"/>
-        </a:xfrm>
-      </p:grpSpPr>
-      <p:sp>
-        <p:nvSpPr>
-          <p:cNvPr id="3" name="Content Placeholder 2"/>
-          <p:cNvSpPr>
-            <a:spLocks noGrp="1"/>
-          </p:cNvSpPr>
-          <p:nvPr>
-            <p:ph idx="1"/>
-          </p:nvPr>
-        </p:nvSpPr>
-        <p:spPr/>
-        <p:txBody>
-          <a:bodyPr/>
-          <a:lstStyle/>
-          <a:p>
-            <a:pPr lvl="0" marL="1270000" indent="0">
-              <a:buNone/>
-            </a:pPr>
-            <a:r>
-              <a:rPr sz="1800">
-                <a:latin typeface="Courier"/>
-              </a:rPr>
-              <a:t>## 
-## Attaching package: 'dplyr'</a:t>
-            </a:r>
-          </a:p>
-          <a:p>
-            <a:pPr lvl="0" marL="1270000" indent="0">
-              <a:buNone/>
-            </a:pPr>
-            <a:r>
-              <a:rPr sz="1800">
-                <a:latin typeface="Courier"/>
-              </a:rPr>
-              <a:t>## The following objects are masked from 'package:stats':
-## 
-##     filter, lag</a:t>
-            </a:r>
-          </a:p>
-          <a:p>
-            <a:pPr lvl="0" marL="1270000" indent="0">
-              <a:buNone/>
-            </a:pPr>
-            <a:r>
-              <a:rPr sz="1800">
-                <a:latin typeface="Courier"/>
-              </a:rPr>
-              <a:t>## The following objects are masked from 'package:base':
-## 
-##     intersect, setdiff, setequal, union</a:t>
-            </a:r>
-          </a:p>
-        </p:txBody>
-      </p:sp>
     </p:spTree>
   </p:cSld>
 </p:sld>
@@ -4448,6 +5118,338 @@
               <a:rPr sz="1800">
                 <a:latin typeface="Courier"/>
               </a:rPr>
+              <a:t>BBall </a:t>
+            </a:r>
+            <a:r>
+              <a:rPr sz="1800">
+                <a:solidFill>
+                  <a:srgbClr val="666666"/>
+                </a:solidFill>
+                <a:latin typeface="Courier"/>
+              </a:rPr>
+              <a:t>%&gt;%</a:t>
+            </a:r>
+            <a:r>
+              <a:rPr sz="1800">
+                <a:solidFill>
+                  <a:srgbClr val="4070A0"/>
+                </a:solidFill>
+                <a:latin typeface="Courier"/>
+              </a:rPr>
+              <a:t> </a:t>
+            </a:r>
+            <a:r>
+              <a:rPr sz="1800" b="1">
+                <a:solidFill>
+                  <a:srgbClr val="007020"/>
+                </a:solidFill>
+                <a:latin typeface="Courier"/>
+              </a:rPr>
+              <a:t>filter</a:t>
+            </a:r>
+            <a:r>
+              <a:rPr sz="1800">
+                <a:latin typeface="Courier"/>
+              </a:rPr>
+              <a:t>(position </a:t>
+            </a:r>
+            <a:r>
+              <a:rPr sz="1800">
+                <a:solidFill>
+                  <a:srgbClr val="666666"/>
+                </a:solidFill>
+                <a:latin typeface="Courier"/>
+              </a:rPr>
+              <a:t>==</a:t>
+            </a:r>
+            <a:r>
+              <a:rPr sz="1800">
+                <a:solidFill>
+                  <a:srgbClr val="4070A0"/>
+                </a:solidFill>
+                <a:latin typeface="Courier"/>
+              </a:rPr>
+              <a:t> 'C'</a:t>
+            </a:r>
+            <a:r>
+              <a:rPr sz="1800">
+                <a:latin typeface="Courier"/>
+              </a:rPr>
+              <a:t> </a:t>
+            </a:r>
+            <a:r>
+              <a:rPr sz="1800">
+                <a:solidFill>
+                  <a:srgbClr val="666666"/>
+                </a:solidFill>
+                <a:latin typeface="Courier"/>
+              </a:rPr>
+              <a:t>|</a:t>
+            </a:r>
+            <a:r>
+              <a:rPr sz="1800">
+                <a:solidFill>
+                  <a:srgbClr val="4070A0"/>
+                </a:solidFill>
+                <a:latin typeface="Courier"/>
+              </a:rPr>
+              <a:t> </a:t>
+            </a:r>
+            <a:r>
+              <a:rPr sz="1800">
+                <a:latin typeface="Courier"/>
+              </a:rPr>
+              <a:t>position </a:t>
+            </a:r>
+            <a:r>
+              <a:rPr sz="1800">
+                <a:solidFill>
+                  <a:srgbClr val="666666"/>
+                </a:solidFill>
+                <a:latin typeface="Courier"/>
+              </a:rPr>
+              <a:t>==</a:t>
+            </a:r>
+            <a:r>
+              <a:rPr sz="1800">
+                <a:solidFill>
+                  <a:srgbClr val="4070A0"/>
+                </a:solidFill>
+                <a:latin typeface="Courier"/>
+              </a:rPr>
+              <a:t> 'F'</a:t>
+            </a:r>
+            <a:r>
+              <a:rPr sz="1800">
+                <a:latin typeface="Courier"/>
+              </a:rPr>
+              <a:t>) </a:t>
+            </a:r>
+            <a:r>
+              <a:rPr sz="1800">
+                <a:solidFill>
+                  <a:srgbClr val="666666"/>
+                </a:solidFill>
+                <a:latin typeface="Courier"/>
+              </a:rPr>
+              <a:t>%&gt;%</a:t>
+            </a:r>
+            <a:r>
+              <a:rPr sz="1800">
+                <a:solidFill>
+                  <a:srgbClr val="4070A0"/>
+                </a:solidFill>
+                <a:latin typeface="Courier"/>
+              </a:rPr>
+              <a:t> </a:t>
+            </a:r>
+            <a:r>
+              <a:rPr sz="1800" b="1">
+                <a:solidFill>
+                  <a:srgbClr val="007020"/>
+                </a:solidFill>
+                <a:latin typeface="Courier"/>
+              </a:rPr>
+              <a:t>ggplot</a:t>
+            </a:r>
+            <a:r>
+              <a:rPr sz="1800">
+                <a:latin typeface="Courier"/>
+              </a:rPr>
+              <a:t>(</a:t>
+            </a:r>
+            <a:r>
+              <a:rPr sz="1800" b="1">
+                <a:solidFill>
+                  <a:srgbClr val="007020"/>
+                </a:solidFill>
+                <a:latin typeface="Courier"/>
+              </a:rPr>
+              <a:t>aes</a:t>
+            </a:r>
+            <a:r>
+              <a:rPr sz="1800">
+                <a:latin typeface="Courier"/>
+              </a:rPr>
+              <a:t>(</a:t>
+            </a:r>
+            <a:r>
+              <a:rPr sz="1800">
+                <a:solidFill>
+                  <a:srgbClr val="902000"/>
+                </a:solidFill>
+                <a:latin typeface="Courier"/>
+              </a:rPr>
+              <a:t>x=</a:t>
+            </a:r>
+            <a:r>
+              <a:rPr sz="1800">
+                <a:latin typeface="Courier"/>
+              </a:rPr>
+              <a:t>weight)) </a:t>
+            </a:r>
+            <a:r>
+              <a:rPr sz="1800">
+                <a:solidFill>
+                  <a:srgbClr val="666666"/>
+                </a:solidFill>
+                <a:latin typeface="Courier"/>
+              </a:rPr>
+              <a:t>+</a:t>
+            </a:r>
+            <a:r>
+              <a:rPr sz="1800">
+                <a:solidFill>
+                  <a:srgbClr val="4070A0"/>
+                </a:solidFill>
+                <a:latin typeface="Courier"/>
+              </a:rPr>
+              <a:t> </a:t>
+            </a:r>
+            <a:r>
+              <a:rPr sz="1800" b="1">
+                <a:solidFill>
+                  <a:srgbClr val="007020"/>
+                </a:solidFill>
+                <a:latin typeface="Courier"/>
+              </a:rPr>
+              <a:t>geom_histogram</a:t>
+            </a:r>
+            <a:r>
+              <a:rPr sz="1800">
+                <a:latin typeface="Courier"/>
+              </a:rPr>
+              <a:t>(</a:t>
+            </a:r>
+            <a:r>
+              <a:rPr sz="1800">
+                <a:solidFill>
+                  <a:srgbClr val="902000"/>
+                </a:solidFill>
+                <a:latin typeface="Courier"/>
+              </a:rPr>
+              <a:t>bins=</a:t>
+            </a:r>
+            <a:r>
+              <a:rPr sz="1800">
+                <a:solidFill>
+                  <a:srgbClr val="40A070"/>
+                </a:solidFill>
+                <a:latin typeface="Courier"/>
+              </a:rPr>
+              <a:t>20</a:t>
+            </a:r>
+            <a:r>
+              <a:rPr sz="1800">
+                <a:latin typeface="Courier"/>
+              </a:rPr>
+              <a:t>) </a:t>
+            </a:r>
+            <a:r>
+              <a:rPr sz="1800">
+                <a:solidFill>
+                  <a:srgbClr val="666666"/>
+                </a:solidFill>
+                <a:latin typeface="Courier"/>
+              </a:rPr>
+              <a:t>+</a:t>
+            </a:r>
+            <a:r>
+              <a:rPr sz="1800">
+                <a:solidFill>
+                  <a:srgbClr val="4070A0"/>
+                </a:solidFill>
+                <a:latin typeface="Courier"/>
+              </a:rPr>
+              <a:t> </a:t>
+            </a:r>
+            <a:r>
+              <a:rPr sz="1800" b="1">
+                <a:solidFill>
+                  <a:srgbClr val="007020"/>
+                </a:solidFill>
+                <a:latin typeface="Courier"/>
+              </a:rPr>
+              <a:t>ggtitle</a:t>
+            </a:r>
+            <a:r>
+              <a:rPr sz="1800">
+                <a:latin typeface="Courier"/>
+              </a:rPr>
+              <a:t>(</a:t>
+            </a:r>
+            <a:r>
+              <a:rPr sz="1800">
+                <a:solidFill>
+                  <a:srgbClr val="4070A0"/>
+                </a:solidFill>
+                <a:latin typeface="Courier"/>
+              </a:rPr>
+              <a:t>"Distribution of Weight for Centers and Forwards"</a:t>
+            </a:r>
+            <a:r>
+              <a:rPr sz="1800">
+                <a:latin typeface="Courier"/>
+              </a:rPr>
+              <a:t>) </a:t>
+            </a:r>
+            <a:r>
+              <a:rPr sz="1800">
+                <a:solidFill>
+                  <a:srgbClr val="666666"/>
+                </a:solidFill>
+                <a:latin typeface="Courier"/>
+              </a:rPr>
+              <a:t>+</a:t>
+            </a:r>
+            <a:r>
+              <a:rPr sz="1800">
+                <a:solidFill>
+                  <a:srgbClr val="4070A0"/>
+                </a:solidFill>
+                <a:latin typeface="Courier"/>
+              </a:rPr>
+              <a:t> </a:t>
+            </a:r>
+            <a:r>
+              <a:rPr sz="1800" b="1">
+                <a:solidFill>
+                  <a:srgbClr val="007020"/>
+                </a:solidFill>
+                <a:latin typeface="Courier"/>
+              </a:rPr>
+              <a:t>facet_wrap</a:t>
+            </a:r>
+            <a:r>
+              <a:rPr sz="1800">
+                <a:latin typeface="Courier"/>
+              </a:rPr>
+              <a:t>(</a:t>
+            </a:r>
+            <a:r>
+              <a:rPr sz="1800">
+                <a:solidFill>
+                  <a:srgbClr val="666666"/>
+                </a:solidFill>
+                <a:latin typeface="Courier"/>
+              </a:rPr>
+              <a:t>~</a:t>
+            </a:r>
+            <a:r>
+              <a:rPr sz="1800">
+                <a:latin typeface="Courier"/>
+              </a:rPr>
+              <a:t>position)</a:t>
+            </a:r>
+          </a:p>
+          <a:p>
+            <a:pPr lvl="0" marL="1270000" indent="0">
+              <a:buNone/>
+            </a:pPr>
+            <a:r>
+              <a:rPr sz="1800">
+                <a:latin typeface="Courier"/>
+              </a:rPr>
               <a:t>## Warning: Removed 3 rows containing non-finite values (stat_bin).</a:t>
             </a:r>
           </a:p>
@@ -4580,7 +5582,339 @@
             </a:pPr>
             <a:r>
               <a:rPr/>
-              <a:t>Compare the distribution of the height of centers with that of the height of forwards </a:t>
+              <a:t>Compare the distribution of the height of centers with that of the height of forwards</a:t>
+            </a:r>
+          </a:p>
+          <a:p>
+            <a:pPr lvl="0" marL="1270000" indent="0">
+              <a:buNone/>
+            </a:pPr>
+            <a:r>
+              <a:rPr sz="1800">
+                <a:latin typeface="Courier"/>
+              </a:rPr>
+              <a:t>BBall </a:t>
+            </a:r>
+            <a:r>
+              <a:rPr sz="1800">
+                <a:solidFill>
+                  <a:srgbClr val="666666"/>
+                </a:solidFill>
+                <a:latin typeface="Courier"/>
+              </a:rPr>
+              <a:t>%&gt;%</a:t>
+            </a:r>
+            <a:r>
+              <a:rPr sz="1800">
+                <a:solidFill>
+                  <a:srgbClr val="4070A0"/>
+                </a:solidFill>
+                <a:latin typeface="Courier"/>
+              </a:rPr>
+              <a:t> </a:t>
+            </a:r>
+            <a:r>
+              <a:rPr sz="1800" b="1">
+                <a:solidFill>
+                  <a:srgbClr val="007020"/>
+                </a:solidFill>
+                <a:latin typeface="Courier"/>
+              </a:rPr>
+              <a:t>filter</a:t>
+            </a:r>
+            <a:r>
+              <a:rPr sz="1800">
+                <a:latin typeface="Courier"/>
+              </a:rPr>
+              <a:t>(position </a:t>
+            </a:r>
+            <a:r>
+              <a:rPr sz="1800">
+                <a:solidFill>
+                  <a:srgbClr val="666666"/>
+                </a:solidFill>
+                <a:latin typeface="Courier"/>
+              </a:rPr>
+              <a:t>==</a:t>
+            </a:r>
+            <a:r>
+              <a:rPr sz="1800">
+                <a:solidFill>
+                  <a:srgbClr val="4070A0"/>
+                </a:solidFill>
+                <a:latin typeface="Courier"/>
+              </a:rPr>
+              <a:t> 'C'</a:t>
+            </a:r>
+            <a:r>
+              <a:rPr sz="1800">
+                <a:latin typeface="Courier"/>
+              </a:rPr>
+              <a:t> </a:t>
+            </a:r>
+            <a:r>
+              <a:rPr sz="1800">
+                <a:solidFill>
+                  <a:srgbClr val="666666"/>
+                </a:solidFill>
+                <a:latin typeface="Courier"/>
+              </a:rPr>
+              <a:t>|</a:t>
+            </a:r>
+            <a:r>
+              <a:rPr sz="1800">
+                <a:solidFill>
+                  <a:srgbClr val="4070A0"/>
+                </a:solidFill>
+                <a:latin typeface="Courier"/>
+              </a:rPr>
+              <a:t> </a:t>
+            </a:r>
+            <a:r>
+              <a:rPr sz="1800">
+                <a:latin typeface="Courier"/>
+              </a:rPr>
+              <a:t>position </a:t>
+            </a:r>
+            <a:r>
+              <a:rPr sz="1800">
+                <a:solidFill>
+                  <a:srgbClr val="666666"/>
+                </a:solidFill>
+                <a:latin typeface="Courier"/>
+              </a:rPr>
+              <a:t>==</a:t>
+            </a:r>
+            <a:r>
+              <a:rPr sz="1800">
+                <a:solidFill>
+                  <a:srgbClr val="4070A0"/>
+                </a:solidFill>
+                <a:latin typeface="Courier"/>
+              </a:rPr>
+              <a:t> 'F'</a:t>
+            </a:r>
+            <a:r>
+              <a:rPr sz="1800">
+                <a:latin typeface="Courier"/>
+              </a:rPr>
+              <a:t>) </a:t>
+            </a:r>
+            <a:r>
+              <a:rPr sz="1800">
+                <a:solidFill>
+                  <a:srgbClr val="666666"/>
+                </a:solidFill>
+                <a:latin typeface="Courier"/>
+              </a:rPr>
+              <a:t>%&gt;%</a:t>
+            </a:r>
+            <a:r>
+              <a:rPr sz="1800">
+                <a:solidFill>
+                  <a:srgbClr val="4070A0"/>
+                </a:solidFill>
+                <a:latin typeface="Courier"/>
+              </a:rPr>
+              <a:t> </a:t>
+            </a:r>
+            <a:r>
+              <a:rPr sz="1800" b="1">
+                <a:solidFill>
+                  <a:srgbClr val="007020"/>
+                </a:solidFill>
+                <a:latin typeface="Courier"/>
+              </a:rPr>
+              <a:t>ggplot</a:t>
+            </a:r>
+            <a:r>
+              <a:rPr sz="1800">
+                <a:latin typeface="Courier"/>
+              </a:rPr>
+              <a:t>(</a:t>
+            </a:r>
+            <a:r>
+              <a:rPr sz="1800" b="1">
+                <a:solidFill>
+                  <a:srgbClr val="007020"/>
+                </a:solidFill>
+                <a:latin typeface="Courier"/>
+              </a:rPr>
+              <a:t>aes</a:t>
+            </a:r>
+            <a:r>
+              <a:rPr sz="1800">
+                <a:latin typeface="Courier"/>
+              </a:rPr>
+              <a:t>(</a:t>
+            </a:r>
+            <a:r>
+              <a:rPr sz="1800">
+                <a:solidFill>
+                  <a:srgbClr val="902000"/>
+                </a:solidFill>
+                <a:latin typeface="Courier"/>
+              </a:rPr>
+              <a:t>x=</a:t>
+            </a:r>
+            <a:r>
+              <a:rPr sz="1800">
+                <a:latin typeface="Courier"/>
+              </a:rPr>
+              <a:t>height_inches)) </a:t>
+            </a:r>
+            <a:r>
+              <a:rPr sz="1800">
+                <a:solidFill>
+                  <a:srgbClr val="666666"/>
+                </a:solidFill>
+                <a:latin typeface="Courier"/>
+              </a:rPr>
+              <a:t>+</a:t>
+            </a:r>
+            <a:r>
+              <a:rPr sz="1800">
+                <a:solidFill>
+                  <a:srgbClr val="4070A0"/>
+                </a:solidFill>
+                <a:latin typeface="Courier"/>
+              </a:rPr>
+              <a:t> </a:t>
+            </a:r>
+            <a:r>
+              <a:rPr sz="1800" b="1">
+                <a:solidFill>
+                  <a:srgbClr val="007020"/>
+                </a:solidFill>
+                <a:latin typeface="Courier"/>
+              </a:rPr>
+              <a:t>geom_histogram</a:t>
+            </a:r>
+            <a:r>
+              <a:rPr sz="1800">
+                <a:latin typeface="Courier"/>
+              </a:rPr>
+              <a:t>(</a:t>
+            </a:r>
+            <a:r>
+              <a:rPr sz="1800">
+                <a:solidFill>
+                  <a:srgbClr val="902000"/>
+                </a:solidFill>
+                <a:latin typeface="Courier"/>
+              </a:rPr>
+              <a:t>bins=</a:t>
+            </a:r>
+            <a:r>
+              <a:rPr sz="1800">
+                <a:solidFill>
+                  <a:srgbClr val="40A070"/>
+                </a:solidFill>
+                <a:latin typeface="Courier"/>
+              </a:rPr>
+              <a:t>20</a:t>
+            </a:r>
+            <a:r>
+              <a:rPr sz="1800">
+                <a:latin typeface="Courier"/>
+              </a:rPr>
+              <a:t>) </a:t>
+            </a:r>
+            <a:r>
+              <a:rPr sz="1800">
+                <a:solidFill>
+                  <a:srgbClr val="666666"/>
+                </a:solidFill>
+                <a:latin typeface="Courier"/>
+              </a:rPr>
+              <a:t>+</a:t>
+            </a:r>
+            <a:r>
+              <a:rPr sz="1800">
+                <a:solidFill>
+                  <a:srgbClr val="4070A0"/>
+                </a:solidFill>
+                <a:latin typeface="Courier"/>
+              </a:rPr>
+              <a:t> </a:t>
+            </a:r>
+            <a:r>
+              <a:rPr sz="1800" b="1">
+                <a:solidFill>
+                  <a:srgbClr val="007020"/>
+                </a:solidFill>
+                <a:latin typeface="Courier"/>
+              </a:rPr>
+              <a:t>ggtitle</a:t>
+            </a:r>
+            <a:r>
+              <a:rPr sz="1800">
+                <a:latin typeface="Courier"/>
+              </a:rPr>
+              <a:t>(</a:t>
+            </a:r>
+            <a:r>
+              <a:rPr sz="1800">
+                <a:solidFill>
+                  <a:srgbClr val="4070A0"/>
+                </a:solidFill>
+                <a:latin typeface="Courier"/>
+              </a:rPr>
+              <a:t>"Distribution of Height for Centers and Forwards"</a:t>
+            </a:r>
+            <a:r>
+              <a:rPr sz="1800">
+                <a:latin typeface="Courier"/>
+              </a:rPr>
+              <a:t>) </a:t>
+            </a:r>
+            <a:r>
+              <a:rPr sz="1800">
+                <a:solidFill>
+                  <a:srgbClr val="666666"/>
+                </a:solidFill>
+                <a:latin typeface="Courier"/>
+              </a:rPr>
+              <a:t>+</a:t>
+            </a:r>
+            <a:r>
+              <a:rPr sz="1800">
+                <a:solidFill>
+                  <a:srgbClr val="4070A0"/>
+                </a:solidFill>
+                <a:latin typeface="Courier"/>
+              </a:rPr>
+              <a:t> </a:t>
+            </a:r>
+            <a:r>
+              <a:rPr sz="1800" b="1">
+                <a:solidFill>
+                  <a:srgbClr val="007020"/>
+                </a:solidFill>
+                <a:latin typeface="Courier"/>
+              </a:rPr>
+              <a:t>facet_wrap</a:t>
+            </a:r>
+            <a:r>
+              <a:rPr sz="1800">
+                <a:latin typeface="Courier"/>
+              </a:rPr>
+              <a:t>(</a:t>
+            </a:r>
+            <a:r>
+              <a:rPr sz="1800">
+                <a:solidFill>
+                  <a:srgbClr val="666666"/>
+                </a:solidFill>
+                <a:latin typeface="Courier"/>
+              </a:rPr>
+              <a:t>~</a:t>
+            </a:r>
+            <a:r>
+              <a:rPr sz="1800">
+                <a:latin typeface="Courier"/>
+              </a:rPr>
+              <a:t>position)</a:t>
             </a:r>
           </a:p>
         </p:txBody>
@@ -4607,64 +5941,36 @@
           <a:chExt cx="0" cy="0"/>
         </a:xfrm>
       </p:grpSpPr>
-      <p:sp>
-        <p:nvSpPr>
-          <p:cNvPr id="2" name="Title 1"/>
-          <p:cNvSpPr>
-            <a:spLocks noGrp="1"/>
-          </p:cNvSpPr>
-          <p:nvPr>
-            <p:ph type="title"/>
-          </p:nvPr>
-        </p:nvSpPr>
-        <p:spPr/>
-        <p:txBody>
-          <a:bodyPr/>
-          <a:lstStyle/>
-          <a:p>
-            <a:pPr lvl="0" marL="0" indent="0">
-              <a:buNone/>
-            </a:pPr>
-            <a:r>
-              <a:rPr/>
-              <a:t>Question</a:t>
-            </a:r>
-            <a:r>
-              <a:rPr/>
-              <a:t> </a:t>
-            </a:r>
-            <a:r>
-              <a:rPr/>
-              <a:t>4</a:t>
-            </a:r>
-          </a:p>
-        </p:txBody>
-      </p:sp>
-      <p:sp>
-        <p:nvSpPr>
-          <p:cNvPr id="3" name="Content Placeholder 2"/>
-          <p:cNvSpPr>
-            <a:spLocks noGrp="1"/>
-          </p:cNvSpPr>
-          <p:nvPr>
-            <p:ph idx="1"/>
-          </p:nvPr>
-        </p:nvSpPr>
-        <p:spPr/>
-        <p:txBody>
-          <a:bodyPr/>
-          <a:lstStyle/>
-          <a:p>
-            <a:pPr lvl="0" marL="0" indent="0">
-              <a:buNone/>
-            </a:pPr>
-            <a:r>
-              <a:rPr/>
-              <a:t>Investigate distribution of height across all positions </a:t>
-            </a:r>
-          </a:p>
-        </p:txBody>
-      </p:sp>
+      <p:pic>
+        <p:nvPicPr>
+          <p:cNvPr descr="Richard_Palmer_LiveSession_2_files/figure-pptx/unnamed-chunk-4-1.png" id="0" name="Picture 1"/>
+          <p:cNvPicPr>
+            <a:picLocks noGrp="1" noChangeAspect="1"/>
+          </p:cNvPicPr>
+          <p:nvPr/>
+        </p:nvPicPr>
+        <p:blipFill>
+          <a:blip r:embed="rId2"/>
+          <a:stretch>
+            <a:fillRect/>
+          </a:stretch>
+        </p:blipFill>
+        <p:spPr bwMode="auto">
+          <a:xfrm>
+            <a:off x="1752600" y="1600200"/>
+            <a:ext cx="5651500" cy="4521200"/>
+          </a:xfrm>
+          <a:prstGeom prst="rect">
+            <a:avLst/>
+          </a:prstGeom>
+          <a:noFill/>
+          <a:ln w="9525">
+            <a:noFill/>
+            <a:headEnd/>
+            <a:tailEnd/>
+          </a:ln>
+        </p:spPr>
+      </p:pic>
     </p:spTree>
   </p:cSld>
 </p:sld>
@@ -4715,7 +6021,7 @@
             </a:r>
             <a:r>
               <a:rPr/>
-              <a:t>5</a:t>
+              <a:t>4</a:t>
             </a:r>
           </a:p>
         </p:txBody>
@@ -4740,7 +6046,7 @@
             </a:pPr>
             <a:r>
               <a:rPr/>
-              <a:t>Investigate how a players height is related to his weight</a:t>
+              <a:t>Investigate distribution of height across all positions</a:t>
             </a:r>
           </a:p>
           <a:p>
@@ -4751,7 +6057,280 @@
               <a:rPr sz="1800">
                 <a:latin typeface="Courier"/>
               </a:rPr>
-              <a:t>## Warning: Removed 6 rows containing missing values (geom_point).</a:t>
+              <a:t>BBall </a:t>
+            </a:r>
+            <a:r>
+              <a:rPr sz="1800">
+                <a:solidFill>
+                  <a:srgbClr val="666666"/>
+                </a:solidFill>
+                <a:latin typeface="Courier"/>
+              </a:rPr>
+              <a:t>%&gt;%</a:t>
+            </a:r>
+            <a:r>
+              <a:rPr sz="1800">
+                <a:solidFill>
+                  <a:srgbClr val="4070A0"/>
+                </a:solidFill>
+                <a:latin typeface="Courier"/>
+              </a:rPr>
+              <a:t> </a:t>
+            </a:r>
+            <a:r>
+              <a:rPr sz="1800" b="1">
+                <a:solidFill>
+                  <a:srgbClr val="007020"/>
+                </a:solidFill>
+                <a:latin typeface="Courier"/>
+              </a:rPr>
+              <a:t>filter</a:t>
+            </a:r>
+            <a:r>
+              <a:rPr sz="1800">
+                <a:latin typeface="Courier"/>
+              </a:rPr>
+              <a:t>(position </a:t>
+            </a:r>
+            <a:r>
+              <a:rPr sz="1800">
+                <a:solidFill>
+                  <a:srgbClr val="666666"/>
+                </a:solidFill>
+                <a:latin typeface="Courier"/>
+              </a:rPr>
+              <a:t>!=</a:t>
+            </a:r>
+            <a:r>
+              <a:rPr sz="1800">
+                <a:solidFill>
+                  <a:srgbClr val="4070A0"/>
+                </a:solidFill>
+                <a:latin typeface="Courier"/>
+              </a:rPr>
+              <a:t> ""</a:t>
+            </a:r>
+            <a:r>
+              <a:rPr sz="1800">
+                <a:latin typeface="Courier"/>
+              </a:rPr>
+              <a:t>) </a:t>
+            </a:r>
+            <a:r>
+              <a:rPr sz="1800">
+                <a:solidFill>
+                  <a:srgbClr val="666666"/>
+                </a:solidFill>
+                <a:latin typeface="Courier"/>
+              </a:rPr>
+              <a:t>%&gt;%</a:t>
+            </a:r>
+            <a:r>
+              <a:rPr sz="1800">
+                <a:solidFill>
+                  <a:srgbClr val="4070A0"/>
+                </a:solidFill>
+                <a:latin typeface="Courier"/>
+              </a:rPr>
+              <a:t> </a:t>
+            </a:r>
+            <a:r>
+              <a:rPr sz="1800" b="1">
+                <a:solidFill>
+                  <a:srgbClr val="007020"/>
+                </a:solidFill>
+                <a:latin typeface="Courier"/>
+              </a:rPr>
+              <a:t>ggplot</a:t>
+            </a:r>
+            <a:r>
+              <a:rPr sz="1800">
+                <a:latin typeface="Courier"/>
+              </a:rPr>
+              <a:t>(</a:t>
+            </a:r>
+            <a:r>
+              <a:rPr sz="1800" b="1">
+                <a:solidFill>
+                  <a:srgbClr val="007020"/>
+                </a:solidFill>
+                <a:latin typeface="Courier"/>
+              </a:rPr>
+              <a:t>aes</a:t>
+            </a:r>
+            <a:r>
+              <a:rPr sz="1800">
+                <a:latin typeface="Courier"/>
+              </a:rPr>
+              <a:t>(</a:t>
+            </a:r>
+            <a:r>
+              <a:rPr sz="1800">
+                <a:solidFill>
+                  <a:srgbClr val="902000"/>
+                </a:solidFill>
+                <a:latin typeface="Courier"/>
+              </a:rPr>
+              <a:t>x=</a:t>
+            </a:r>
+            <a:r>
+              <a:rPr sz="1800">
+                <a:latin typeface="Courier"/>
+              </a:rPr>
+              <a:t>height_inches)) </a:t>
+            </a:r>
+            <a:r>
+              <a:rPr sz="1800">
+                <a:solidFill>
+                  <a:srgbClr val="666666"/>
+                </a:solidFill>
+                <a:latin typeface="Courier"/>
+              </a:rPr>
+              <a:t>+</a:t>
+            </a:r>
+            <a:r>
+              <a:rPr sz="1800">
+                <a:solidFill>
+                  <a:srgbClr val="4070A0"/>
+                </a:solidFill>
+                <a:latin typeface="Courier"/>
+              </a:rPr>
+              <a:t> </a:t>
+            </a:r>
+            <a:r>
+              <a:rPr sz="1800" b="1">
+                <a:solidFill>
+                  <a:srgbClr val="007020"/>
+                </a:solidFill>
+                <a:latin typeface="Courier"/>
+              </a:rPr>
+              <a:t>geom_histogram</a:t>
+            </a:r>
+            <a:r>
+              <a:rPr sz="1800">
+                <a:latin typeface="Courier"/>
+              </a:rPr>
+              <a:t>(</a:t>
+            </a:r>
+            <a:r>
+              <a:rPr sz="1800">
+                <a:solidFill>
+                  <a:srgbClr val="902000"/>
+                </a:solidFill>
+                <a:latin typeface="Courier"/>
+              </a:rPr>
+              <a:t>bins=</a:t>
+            </a:r>
+            <a:r>
+              <a:rPr sz="1800">
+                <a:solidFill>
+                  <a:srgbClr val="40A070"/>
+                </a:solidFill>
+                <a:latin typeface="Courier"/>
+              </a:rPr>
+              <a:t>20</a:t>
+            </a:r>
+            <a:r>
+              <a:rPr sz="1800">
+                <a:latin typeface="Courier"/>
+              </a:rPr>
+              <a:t>) </a:t>
+            </a:r>
+            <a:r>
+              <a:rPr sz="1800">
+                <a:solidFill>
+                  <a:srgbClr val="666666"/>
+                </a:solidFill>
+                <a:latin typeface="Courier"/>
+              </a:rPr>
+              <a:t>+</a:t>
+            </a:r>
+            <a:r>
+              <a:rPr sz="1800">
+                <a:solidFill>
+                  <a:srgbClr val="4070A0"/>
+                </a:solidFill>
+                <a:latin typeface="Courier"/>
+              </a:rPr>
+              <a:t> </a:t>
+            </a:r>
+            <a:r>
+              <a:rPr sz="1800" b="1">
+                <a:solidFill>
+                  <a:srgbClr val="007020"/>
+                </a:solidFill>
+                <a:latin typeface="Courier"/>
+              </a:rPr>
+              <a:t>ggtitle</a:t>
+            </a:r>
+            <a:r>
+              <a:rPr sz="1800">
+                <a:latin typeface="Courier"/>
+              </a:rPr>
+              <a:t>(</a:t>
+            </a:r>
+            <a:r>
+              <a:rPr sz="1800">
+                <a:solidFill>
+                  <a:srgbClr val="4070A0"/>
+                </a:solidFill>
+                <a:latin typeface="Courier"/>
+              </a:rPr>
+              <a:t>"Distribution of Height for all positions"</a:t>
+            </a:r>
+            <a:r>
+              <a:rPr sz="1800">
+                <a:latin typeface="Courier"/>
+              </a:rPr>
+              <a:t>) </a:t>
+            </a:r>
+            <a:r>
+              <a:rPr sz="1800">
+                <a:solidFill>
+                  <a:srgbClr val="666666"/>
+                </a:solidFill>
+                <a:latin typeface="Courier"/>
+              </a:rPr>
+              <a:t>+</a:t>
+            </a:r>
+            <a:r>
+              <a:rPr sz="1800">
+                <a:solidFill>
+                  <a:srgbClr val="4070A0"/>
+                </a:solidFill>
+                <a:latin typeface="Courier"/>
+              </a:rPr>
+              <a:t> </a:t>
+            </a:r>
+            <a:r>
+              <a:rPr sz="1800" b="1">
+                <a:solidFill>
+                  <a:srgbClr val="007020"/>
+                </a:solidFill>
+                <a:latin typeface="Courier"/>
+              </a:rPr>
+              <a:t>facet_wrap</a:t>
+            </a:r>
+            <a:r>
+              <a:rPr sz="1800">
+                <a:latin typeface="Courier"/>
+              </a:rPr>
+              <a:t>(</a:t>
+            </a:r>
+            <a:r>
+              <a:rPr sz="1800">
+                <a:solidFill>
+                  <a:srgbClr val="666666"/>
+                </a:solidFill>
+                <a:latin typeface="Courier"/>
+              </a:rPr>
+              <a:t>~</a:t>
+            </a:r>
+            <a:r>
+              <a:rPr sz="1800">
+                <a:latin typeface="Courier"/>
+              </a:rPr>
+              <a:t>position)</a:t>
             </a:r>
           </a:p>
         </p:txBody>

--- a/Unit 2/Richard_Palmer_LiveSession_2.pptx
+++ b/Unit 2/Richard_Palmer_LiveSession_2.pptx
@@ -21,10 +21,6 @@
     <p:sldId id="269" r:id="rId15"/>
     <p:sldId id="270" r:id="rId16"/>
     <p:sldId id="271" r:id="rId17"/>
-    <p:sldId id="272" r:id="rId18"/>
-    <p:sldId id="273" r:id="rId19"/>
-    <p:sldId id="274" r:id="rId20"/>
-    <p:sldId id="275" r:id="rId21"/>
   </p:sldIdLst>
   <p:sldSz cx="9144000" cy="6858000" type="screen4x3"/>
   <p:notesSz cx="6858000" cy="9144000"/>
@@ -3255,631 +3251,81 @@
           <a:chExt cx="0" cy="0"/>
         </a:xfrm>
       </p:grpSpPr>
-      <p:pic>
-        <p:nvPicPr>
-          <p:cNvPr descr="Richard_Palmer_LiveSession_2_files/figure-pptx/unnamed-chunk-5-1.png" id="0" name="Picture 1"/>
-          <p:cNvPicPr>
-            <a:picLocks noGrp="1" noChangeAspect="1"/>
-          </p:cNvPicPr>
-          <p:nvPr/>
-        </p:nvPicPr>
-        <p:blipFill>
-          <a:blip r:embed="rId2"/>
-          <a:stretch>
-            <a:fillRect/>
-          </a:stretch>
-        </p:blipFill>
-        <p:spPr bwMode="auto">
-          <a:xfrm>
-            <a:off x="1752600" y="1600200"/>
-            <a:ext cx="5651500" cy="4521200"/>
-          </a:xfrm>
-          <a:prstGeom prst="rect">
-            <a:avLst/>
-          </a:prstGeom>
-          <a:noFill/>
-          <a:ln w="9525">
-            <a:noFill/>
-            <a:headEnd/>
-            <a:tailEnd/>
-          </a:ln>
-        </p:spPr>
-      </p:pic>
+      <p:sp>
+        <p:nvSpPr>
+          <p:cNvPr id="2" name="Title 1"/>
+          <p:cNvSpPr>
+            <a:spLocks noGrp="1"/>
+          </p:cNvSpPr>
+          <p:nvPr>
+            <p:ph type="title"/>
+          </p:nvPr>
+        </p:nvSpPr>
+        <p:spPr/>
+        <p:txBody>
+          <a:bodyPr/>
+          <a:lstStyle/>
+          <a:p>
+            <a:pPr lvl="0" marL="0" indent="0">
+              <a:buNone/>
+            </a:pPr>
+            <a:r>
+              <a:rPr/>
+              <a:t>Question</a:t>
+            </a:r>
+            <a:r>
+              <a:rPr/>
+              <a:t> </a:t>
+            </a:r>
+            <a:r>
+              <a:rPr/>
+              <a:t>6</a:t>
+            </a:r>
+          </a:p>
+        </p:txBody>
+      </p:sp>
+      <p:sp>
+        <p:nvSpPr>
+          <p:cNvPr id="3" name="Content Placeholder 2"/>
+          <p:cNvSpPr>
+            <a:spLocks noGrp="1"/>
+          </p:cNvSpPr>
+          <p:nvPr>
+            <p:ph idx="1"/>
+          </p:nvPr>
+        </p:nvSpPr>
+        <p:spPr/>
+        <p:txBody>
+          <a:bodyPr/>
+          <a:lstStyle/>
+          <a:p>
+            <a:pPr lvl="0" marL="0" indent="0">
+              <a:buNone/>
+            </a:pPr>
+            <a:r>
+              <a:rPr/>
+              <a:t>Is there any difference in height/weight relationship among positions?</a:t>
+            </a:r>
+          </a:p>
+          <a:p>
+            <a:pPr lvl="0" marL="1270000" indent="0">
+              <a:buNone/>
+            </a:pPr>
+            <a:r>
+              <a:rPr sz="1800">
+                <a:latin typeface="Courier"/>
+              </a:rPr>
+              <a:t>## Warning: Removed 6 rows containing missing values (geom_point).</a:t>
+            </a:r>
+          </a:p>
+        </p:txBody>
+      </p:sp>
     </p:spTree>
   </p:cSld>
 </p:sld>
 </file>
 
 <file path=ppt/slides/slide11.xml><?xml version="1.0" encoding="utf-8"?>
-<p:sld xmlns:a="http://schemas.openxmlformats.org/drawingml/2006/main" xmlns:r="http://schemas.openxmlformats.org/officeDocument/2006/relationships" xmlns:p="http://schemas.openxmlformats.org/presentationml/2006/main">
-  <p:cSld>
-    <p:spTree>
-      <p:nvGrpSpPr>
-        <p:cNvPr id="1" name=""/>
-        <p:cNvGrpSpPr/>
-        <p:nvPr/>
-      </p:nvGrpSpPr>
-      <p:grpSpPr>
-        <a:xfrm>
-          <a:off x="0" y="0"/>
-          <a:ext cx="0" cy="0"/>
-          <a:chOff x="0" y="0"/>
-          <a:chExt cx="0" cy="0"/>
-        </a:xfrm>
-      </p:grpSpPr>
-      <p:sp>
-        <p:nvSpPr>
-          <p:cNvPr id="2" name="Title 1"/>
-          <p:cNvSpPr>
-            <a:spLocks noGrp="1"/>
-          </p:cNvSpPr>
-          <p:nvPr>
-            <p:ph type="title"/>
-          </p:nvPr>
-        </p:nvSpPr>
-        <p:spPr/>
-        <p:txBody>
-          <a:bodyPr/>
-          <a:lstStyle/>
-          <a:p>
-            <a:pPr lvl="0" marL="0" indent="0">
-              <a:buNone/>
-            </a:pPr>
-            <a:r>
-              <a:rPr/>
-              <a:t>Question</a:t>
-            </a:r>
-            <a:r>
-              <a:rPr/>
-              <a:t> </a:t>
-            </a:r>
-            <a:r>
-              <a:rPr/>
-              <a:t>5</a:t>
-            </a:r>
-          </a:p>
-        </p:txBody>
-      </p:sp>
-      <p:sp>
-        <p:nvSpPr>
-          <p:cNvPr id="3" name="Content Placeholder 2"/>
-          <p:cNvSpPr>
-            <a:spLocks noGrp="1"/>
-          </p:cNvSpPr>
-          <p:nvPr>
-            <p:ph idx="1"/>
-          </p:nvPr>
-        </p:nvSpPr>
-        <p:spPr/>
-        <p:txBody>
-          <a:bodyPr/>
-          <a:lstStyle/>
-          <a:p>
-            <a:pPr lvl="0" marL="0" indent="0">
-              <a:buNone/>
-            </a:pPr>
-            <a:r>
-              <a:rPr/>
-              <a:t>Investigate how a players height is related to his weight</a:t>
-            </a:r>
-          </a:p>
-          <a:p>
-            <a:pPr lvl="0" marL="1270000" indent="0">
-              <a:buNone/>
-            </a:pPr>
-            <a:r>
-              <a:rPr sz="1800">
-                <a:latin typeface="Courier"/>
-              </a:rPr>
-              <a:t>BBall </a:t>
-            </a:r>
-            <a:r>
-              <a:rPr sz="1800">
-                <a:solidFill>
-                  <a:srgbClr val="666666"/>
-                </a:solidFill>
-                <a:latin typeface="Courier"/>
-              </a:rPr>
-              <a:t>%&gt;%</a:t>
-            </a:r>
-            <a:r>
-              <a:rPr sz="1800">
-                <a:solidFill>
-                  <a:srgbClr val="4070A0"/>
-                </a:solidFill>
-                <a:latin typeface="Courier"/>
-              </a:rPr>
-              <a:t> </a:t>
-            </a:r>
-            <a:r>
-              <a:rPr sz="1800" b="1">
-                <a:solidFill>
-                  <a:srgbClr val="007020"/>
-                </a:solidFill>
-                <a:latin typeface="Courier"/>
-              </a:rPr>
-              <a:t>ggplot</a:t>
-            </a:r>
-            <a:r>
-              <a:rPr sz="1800">
-                <a:latin typeface="Courier"/>
-              </a:rPr>
-              <a:t>(</a:t>
-            </a:r>
-            <a:r>
-              <a:rPr sz="1800" b="1">
-                <a:solidFill>
-                  <a:srgbClr val="007020"/>
-                </a:solidFill>
-                <a:latin typeface="Courier"/>
-              </a:rPr>
-              <a:t>aes</a:t>
-            </a:r>
-            <a:r>
-              <a:rPr sz="1800">
-                <a:latin typeface="Courier"/>
-              </a:rPr>
-              <a:t>(</a:t>
-            </a:r>
-            <a:r>
-              <a:rPr sz="1800">
-                <a:solidFill>
-                  <a:srgbClr val="902000"/>
-                </a:solidFill>
-                <a:latin typeface="Courier"/>
-              </a:rPr>
-              <a:t>x=</a:t>
-            </a:r>
-            <a:r>
-              <a:rPr sz="1800">
-                <a:latin typeface="Courier"/>
-              </a:rPr>
-              <a:t>weight,</a:t>
-            </a:r>
-            <a:r>
-              <a:rPr sz="1800">
-                <a:solidFill>
-                  <a:srgbClr val="902000"/>
-                </a:solidFill>
-                <a:latin typeface="Courier"/>
-              </a:rPr>
-              <a:t>y=</a:t>
-            </a:r>
-            <a:r>
-              <a:rPr sz="1800">
-                <a:latin typeface="Courier"/>
-              </a:rPr>
-              <a:t>height_inches)) </a:t>
-            </a:r>
-            <a:r>
-              <a:rPr sz="1800">
-                <a:solidFill>
-                  <a:srgbClr val="666666"/>
-                </a:solidFill>
-                <a:latin typeface="Courier"/>
-              </a:rPr>
-              <a:t>+</a:t>
-            </a:r>
-            <a:r>
-              <a:rPr sz="1800">
-                <a:solidFill>
-                  <a:srgbClr val="4070A0"/>
-                </a:solidFill>
-                <a:latin typeface="Courier"/>
-              </a:rPr>
-              <a:t> </a:t>
-            </a:r>
-            <a:r>
-              <a:rPr sz="1800" b="1">
-                <a:solidFill>
-                  <a:srgbClr val="007020"/>
-                </a:solidFill>
-                <a:latin typeface="Courier"/>
-              </a:rPr>
-              <a:t>geom_point</a:t>
-            </a:r>
-            <a:r>
-              <a:rPr sz="1800">
-                <a:latin typeface="Courier"/>
-              </a:rPr>
-              <a:t>() </a:t>
-            </a:r>
-            <a:r>
-              <a:rPr sz="1800">
-                <a:solidFill>
-                  <a:srgbClr val="666666"/>
-                </a:solidFill>
-                <a:latin typeface="Courier"/>
-              </a:rPr>
-              <a:t>+</a:t>
-            </a:r>
-            <a:r>
-              <a:rPr sz="1800">
-                <a:solidFill>
-                  <a:srgbClr val="4070A0"/>
-                </a:solidFill>
-                <a:latin typeface="Courier"/>
-              </a:rPr>
-              <a:t> </a:t>
-            </a:r>
-            <a:r>
-              <a:rPr sz="1800" b="1">
-                <a:solidFill>
-                  <a:srgbClr val="007020"/>
-                </a:solidFill>
-                <a:latin typeface="Courier"/>
-              </a:rPr>
-              <a:t>ggtitle</a:t>
-            </a:r>
-            <a:r>
-              <a:rPr sz="1800">
-                <a:latin typeface="Courier"/>
-              </a:rPr>
-              <a:t>(</a:t>
-            </a:r>
-            <a:r>
-              <a:rPr sz="1800">
-                <a:solidFill>
-                  <a:srgbClr val="4070A0"/>
-                </a:solidFill>
-                <a:latin typeface="Courier"/>
-              </a:rPr>
-              <a:t>"Height versus Weight"</a:t>
-            </a:r>
-            <a:r>
-              <a:rPr sz="1800">
-                <a:latin typeface="Courier"/>
-              </a:rPr>
-              <a:t>);</a:t>
-            </a:r>
-          </a:p>
-          <a:p>
-            <a:pPr lvl="0" marL="1270000" indent="0">
-              <a:buNone/>
-            </a:pPr>
-            <a:r>
-              <a:rPr sz="1800">
-                <a:latin typeface="Courier"/>
-              </a:rPr>
-              <a:t>## Warning: Removed 6 rows containing missing values (geom_point).</a:t>
-            </a:r>
-          </a:p>
-        </p:txBody>
-      </p:sp>
-    </p:spTree>
-  </p:cSld>
-</p:sld>
-</file>
-
-<file path=ppt/slides/slide12.xml><?xml version="1.0" encoding="utf-8"?>
-<p:sld xmlns:a="http://schemas.openxmlformats.org/drawingml/2006/main" xmlns:r="http://schemas.openxmlformats.org/officeDocument/2006/relationships" xmlns:p="http://schemas.openxmlformats.org/presentationml/2006/main">
-  <p:cSld>
-    <p:spTree>
-      <p:nvGrpSpPr>
-        <p:cNvPr id="1" name=""/>
-        <p:cNvGrpSpPr/>
-        <p:nvPr/>
-      </p:nvGrpSpPr>
-      <p:grpSpPr>
-        <a:xfrm>
-          <a:off x="0" y="0"/>
-          <a:ext cx="0" cy="0"/>
-          <a:chOff x="0" y="0"/>
-          <a:chExt cx="0" cy="0"/>
-        </a:xfrm>
-      </p:grpSpPr>
-      <p:pic>
-        <p:nvPicPr>
-          <p:cNvPr descr="Richard_Palmer_LiveSession_2_files/figure-pptx/unnamed-chunk-6-1.png" id="0" name="Picture 1"/>
-          <p:cNvPicPr>
-            <a:picLocks noGrp="1" noChangeAspect="1"/>
-          </p:cNvPicPr>
-          <p:nvPr/>
-        </p:nvPicPr>
-        <p:blipFill>
-          <a:blip r:embed="rId2"/>
-          <a:stretch>
-            <a:fillRect/>
-          </a:stretch>
-        </p:blipFill>
-        <p:spPr bwMode="auto">
-          <a:xfrm>
-            <a:off x="1752600" y="1600200"/>
-            <a:ext cx="5651500" cy="4521200"/>
-          </a:xfrm>
-          <a:prstGeom prst="rect">
-            <a:avLst/>
-          </a:prstGeom>
-          <a:noFill/>
-          <a:ln w="9525">
-            <a:noFill/>
-            <a:headEnd/>
-            <a:tailEnd/>
-          </a:ln>
-        </p:spPr>
-      </p:pic>
-    </p:spTree>
-  </p:cSld>
-</p:sld>
-</file>
-
-<file path=ppt/slides/slide13.xml><?xml version="1.0" encoding="utf-8"?>
-<p:sld xmlns:a="http://schemas.openxmlformats.org/drawingml/2006/main" xmlns:r="http://schemas.openxmlformats.org/officeDocument/2006/relationships" xmlns:p="http://schemas.openxmlformats.org/presentationml/2006/main">
-  <p:cSld>
-    <p:spTree>
-      <p:nvGrpSpPr>
-        <p:cNvPr id="1" name=""/>
-        <p:cNvGrpSpPr/>
-        <p:nvPr/>
-      </p:nvGrpSpPr>
-      <p:grpSpPr>
-        <a:xfrm>
-          <a:off x="0" y="0"/>
-          <a:ext cx="0" cy="0"/>
-          <a:chOff x="0" y="0"/>
-          <a:chExt cx="0" cy="0"/>
-        </a:xfrm>
-      </p:grpSpPr>
-      <p:sp>
-        <p:nvSpPr>
-          <p:cNvPr id="2" name="Title 1"/>
-          <p:cNvSpPr>
-            <a:spLocks noGrp="1"/>
-          </p:cNvSpPr>
-          <p:nvPr>
-            <p:ph type="title"/>
-          </p:nvPr>
-        </p:nvSpPr>
-        <p:spPr/>
-        <p:txBody>
-          <a:bodyPr/>
-          <a:lstStyle/>
-          <a:p>
-            <a:pPr lvl="0" marL="0" indent="0">
-              <a:buNone/>
-            </a:pPr>
-            <a:r>
-              <a:rPr/>
-              <a:t>Question</a:t>
-            </a:r>
-            <a:r>
-              <a:rPr/>
-              <a:t> </a:t>
-            </a:r>
-            <a:r>
-              <a:rPr/>
-              <a:t>6</a:t>
-            </a:r>
-          </a:p>
-        </p:txBody>
-      </p:sp>
-      <p:sp>
-        <p:nvSpPr>
-          <p:cNvPr id="3" name="Content Placeholder 2"/>
-          <p:cNvSpPr>
-            <a:spLocks noGrp="1"/>
-          </p:cNvSpPr>
-          <p:nvPr>
-            <p:ph idx="1"/>
-          </p:nvPr>
-        </p:nvSpPr>
-        <p:spPr/>
-        <p:txBody>
-          <a:bodyPr/>
-          <a:lstStyle/>
-          <a:p>
-            <a:pPr lvl="0" marL="0" indent="0">
-              <a:buNone/>
-            </a:pPr>
-            <a:r>
-              <a:rPr/>
-              <a:t>Is there any difference in height/weight relationship among positions?</a:t>
-            </a:r>
-          </a:p>
-          <a:p>
-            <a:pPr lvl="0" marL="1270000" indent="0">
-              <a:buNone/>
-            </a:pPr>
-            <a:r>
-              <a:rPr sz="1800">
-                <a:latin typeface="Courier"/>
-              </a:rPr>
-              <a:t>BBall </a:t>
-            </a:r>
-            <a:r>
-              <a:rPr sz="1800">
-                <a:solidFill>
-                  <a:srgbClr val="666666"/>
-                </a:solidFill>
-                <a:latin typeface="Courier"/>
-              </a:rPr>
-              <a:t>%&gt;%</a:t>
-            </a:r>
-            <a:r>
-              <a:rPr sz="1800">
-                <a:solidFill>
-                  <a:srgbClr val="4070A0"/>
-                </a:solidFill>
-                <a:latin typeface="Courier"/>
-              </a:rPr>
-              <a:t> </a:t>
-            </a:r>
-            <a:r>
-              <a:rPr sz="1800" b="1">
-                <a:solidFill>
-                  <a:srgbClr val="007020"/>
-                </a:solidFill>
-                <a:latin typeface="Courier"/>
-              </a:rPr>
-              <a:t>ggplot</a:t>
-            </a:r>
-            <a:r>
-              <a:rPr sz="1800">
-                <a:latin typeface="Courier"/>
-              </a:rPr>
-              <a:t>(</a:t>
-            </a:r>
-            <a:r>
-              <a:rPr sz="1800" b="1">
-                <a:solidFill>
-                  <a:srgbClr val="007020"/>
-                </a:solidFill>
-                <a:latin typeface="Courier"/>
-              </a:rPr>
-              <a:t>aes</a:t>
-            </a:r>
-            <a:r>
-              <a:rPr sz="1800">
-                <a:latin typeface="Courier"/>
-              </a:rPr>
-              <a:t>(</a:t>
-            </a:r>
-            <a:r>
-              <a:rPr sz="1800">
-                <a:solidFill>
-                  <a:srgbClr val="902000"/>
-                </a:solidFill>
-                <a:latin typeface="Courier"/>
-              </a:rPr>
-              <a:t>x=</a:t>
-            </a:r>
-            <a:r>
-              <a:rPr sz="1800">
-                <a:latin typeface="Courier"/>
-              </a:rPr>
-              <a:t>weight,</a:t>
-            </a:r>
-            <a:r>
-              <a:rPr sz="1800">
-                <a:solidFill>
-                  <a:srgbClr val="902000"/>
-                </a:solidFill>
-                <a:latin typeface="Courier"/>
-              </a:rPr>
-              <a:t>y=</a:t>
-            </a:r>
-            <a:r>
-              <a:rPr sz="1800">
-                <a:latin typeface="Courier"/>
-              </a:rPr>
-              <a:t>height_inches,</a:t>
-            </a:r>
-            <a:r>
-              <a:rPr sz="1800">
-                <a:solidFill>
-                  <a:srgbClr val="902000"/>
-                </a:solidFill>
-                <a:latin typeface="Courier"/>
-              </a:rPr>
-              <a:t>color=</a:t>
-            </a:r>
-            <a:r>
-              <a:rPr sz="1800">
-                <a:latin typeface="Courier"/>
-              </a:rPr>
-              <a:t>position)) </a:t>
-            </a:r>
-            <a:r>
-              <a:rPr sz="1800">
-                <a:solidFill>
-                  <a:srgbClr val="666666"/>
-                </a:solidFill>
-                <a:latin typeface="Courier"/>
-              </a:rPr>
-              <a:t>+</a:t>
-            </a:r>
-            <a:r>
-              <a:rPr sz="1800">
-                <a:solidFill>
-                  <a:srgbClr val="4070A0"/>
-                </a:solidFill>
-                <a:latin typeface="Courier"/>
-              </a:rPr>
-              <a:t> </a:t>
-            </a:r>
-            <a:r>
-              <a:rPr sz="1800" b="1">
-                <a:solidFill>
-                  <a:srgbClr val="007020"/>
-                </a:solidFill>
-                <a:latin typeface="Courier"/>
-              </a:rPr>
-              <a:t>geom_point</a:t>
-            </a:r>
-            <a:r>
-              <a:rPr sz="1800">
-                <a:latin typeface="Courier"/>
-              </a:rPr>
-              <a:t>() </a:t>
-            </a:r>
-            <a:r>
-              <a:rPr sz="1800">
-                <a:solidFill>
-                  <a:srgbClr val="666666"/>
-                </a:solidFill>
-                <a:latin typeface="Courier"/>
-              </a:rPr>
-              <a:t>+</a:t>
-            </a:r>
-            <a:r>
-              <a:rPr sz="1800">
-                <a:solidFill>
-                  <a:srgbClr val="4070A0"/>
-                </a:solidFill>
-                <a:latin typeface="Courier"/>
-              </a:rPr>
-              <a:t> </a:t>
-            </a:r>
-            <a:r>
-              <a:rPr sz="1800" b="1">
-                <a:solidFill>
-                  <a:srgbClr val="007020"/>
-                </a:solidFill>
-                <a:latin typeface="Courier"/>
-              </a:rPr>
-              <a:t>ggtitle</a:t>
-            </a:r>
-            <a:r>
-              <a:rPr sz="1800">
-                <a:latin typeface="Courier"/>
-              </a:rPr>
-              <a:t>(</a:t>
-            </a:r>
-            <a:r>
-              <a:rPr sz="1800">
-                <a:solidFill>
-                  <a:srgbClr val="4070A0"/>
-                </a:solidFill>
-                <a:latin typeface="Courier"/>
-              </a:rPr>
-              <a:t>"Height versus Weight"</a:t>
-            </a:r>
-            <a:r>
-              <a:rPr sz="1800">
-                <a:latin typeface="Courier"/>
-              </a:rPr>
-              <a:t>);</a:t>
-            </a:r>
-          </a:p>
-          <a:p>
-            <a:pPr lvl="0" marL="1270000" indent="0">
-              <a:buNone/>
-            </a:pPr>
-            <a:r>
-              <a:rPr sz="1800">
-                <a:latin typeface="Courier"/>
-              </a:rPr>
-              <a:t>## Warning: Removed 6 rows containing missing values (geom_point).</a:t>
-            </a:r>
-          </a:p>
-        </p:txBody>
-      </p:sp>
-    </p:spTree>
-  </p:cSld>
-</p:sld>
-</file>
-
-<file path=ppt/slides/slide14.xml><?xml version="1.0" encoding="utf-8"?>
 <p:sld xmlns:a="http://schemas.openxmlformats.org/drawingml/2006/main" xmlns:r="http://schemas.openxmlformats.org/officeDocument/2006/relationships" xmlns:p="http://schemas.openxmlformats.org/presentationml/2006/main">
   <p:cSld>
     <p:spTree>
@@ -3931,7 +3377,7 @@
 </p:sld>
 </file>
 
-<file path=ppt/slides/slide15.xml><?xml version="1.0" encoding="utf-8"?>
+<file path=ppt/slides/slide12.xml><?xml version="1.0" encoding="utf-8"?>
 <p:sld xmlns:a="http://schemas.openxmlformats.org/drawingml/2006/main" xmlns:r="http://schemas.openxmlformats.org/officeDocument/2006/relationships" xmlns:p="http://schemas.openxmlformats.org/presentationml/2006/main">
   <p:cSld>
     <p:spTree>
@@ -4012,176 +3458,6 @@
               <a:rPr sz="1800">
                 <a:latin typeface="Courier"/>
               </a:rPr>
-              <a:t>BBall </a:t>
-            </a:r>
-            <a:r>
-              <a:rPr sz="1800">
-                <a:solidFill>
-                  <a:srgbClr val="666666"/>
-                </a:solidFill>
-                <a:latin typeface="Courier"/>
-              </a:rPr>
-              <a:t>%&gt;%</a:t>
-            </a:r>
-            <a:r>
-              <a:rPr sz="1800">
-                <a:solidFill>
-                  <a:srgbClr val="4070A0"/>
-                </a:solidFill>
-                <a:latin typeface="Courier"/>
-              </a:rPr>
-              <a:t> </a:t>
-            </a:r>
-            <a:r>
-              <a:rPr sz="1800" b="1">
-                <a:solidFill>
-                  <a:srgbClr val="007020"/>
-                </a:solidFill>
-                <a:latin typeface="Courier"/>
-              </a:rPr>
-              <a:t>ggplot</a:t>
-            </a:r>
-            <a:r>
-              <a:rPr sz="1800">
-                <a:latin typeface="Courier"/>
-              </a:rPr>
-              <a:t>(</a:t>
-            </a:r>
-            <a:r>
-              <a:rPr sz="1800" b="1">
-                <a:solidFill>
-                  <a:srgbClr val="007020"/>
-                </a:solidFill>
-                <a:latin typeface="Courier"/>
-              </a:rPr>
-              <a:t>aes</a:t>
-            </a:r>
-            <a:r>
-              <a:rPr sz="1800">
-                <a:latin typeface="Courier"/>
-              </a:rPr>
-              <a:t>(</a:t>
-            </a:r>
-            <a:r>
-              <a:rPr sz="1800">
-                <a:solidFill>
-                  <a:srgbClr val="902000"/>
-                </a:solidFill>
-                <a:latin typeface="Courier"/>
-              </a:rPr>
-              <a:t>x=</a:t>
-            </a:r>
-            <a:r>
-              <a:rPr sz="1800">
-                <a:latin typeface="Courier"/>
-              </a:rPr>
-              <a:t>year_start,</a:t>
-            </a:r>
-            <a:r>
-              <a:rPr sz="1800">
-                <a:solidFill>
-                  <a:srgbClr val="902000"/>
-                </a:solidFill>
-                <a:latin typeface="Courier"/>
-              </a:rPr>
-              <a:t>y=</a:t>
-            </a:r>
-            <a:r>
-              <a:rPr sz="1800">
-                <a:latin typeface="Courier"/>
-              </a:rPr>
-              <a:t>height_inches)) </a:t>
-            </a:r>
-            <a:r>
-              <a:rPr sz="1800">
-                <a:solidFill>
-                  <a:srgbClr val="666666"/>
-                </a:solidFill>
-                <a:latin typeface="Courier"/>
-              </a:rPr>
-              <a:t>+</a:t>
-            </a:r>
-            <a:r>
-              <a:rPr sz="1800">
-                <a:solidFill>
-                  <a:srgbClr val="4070A0"/>
-                </a:solidFill>
-                <a:latin typeface="Courier"/>
-              </a:rPr>
-              <a:t> </a:t>
-            </a:r>
-            <a:r>
-              <a:rPr sz="1800" b="1">
-                <a:solidFill>
-                  <a:srgbClr val="007020"/>
-                </a:solidFill>
-                <a:latin typeface="Courier"/>
-              </a:rPr>
-              <a:t>geom_point</a:t>
-            </a:r>
-            <a:r>
-              <a:rPr sz="1800">
-                <a:latin typeface="Courier"/>
-              </a:rPr>
-              <a:t>() </a:t>
-            </a:r>
-            <a:r>
-              <a:rPr sz="1800">
-                <a:solidFill>
-                  <a:srgbClr val="666666"/>
-                </a:solidFill>
-                <a:latin typeface="Courier"/>
-              </a:rPr>
-              <a:t>+</a:t>
-            </a:r>
-            <a:r>
-              <a:rPr sz="1800">
-                <a:solidFill>
-                  <a:srgbClr val="4070A0"/>
-                </a:solidFill>
-                <a:latin typeface="Courier"/>
-              </a:rPr>
-              <a:t> </a:t>
-            </a:r>
-            <a:r>
-              <a:rPr sz="1800" b="1">
-                <a:solidFill>
-                  <a:srgbClr val="007020"/>
-                </a:solidFill>
-                <a:latin typeface="Courier"/>
-              </a:rPr>
-              <a:t>ggtitle</a:t>
-            </a:r>
-            <a:r>
-              <a:rPr sz="1800">
-                <a:latin typeface="Courier"/>
-              </a:rPr>
-              <a:t>(</a:t>
-            </a:r>
-            <a:r>
-              <a:rPr sz="1800">
-                <a:solidFill>
-                  <a:srgbClr val="4070A0"/>
-                </a:solidFill>
-                <a:latin typeface="Courier"/>
-              </a:rPr>
-              <a:t>"Height versus starting year"</a:t>
-            </a:r>
-            <a:r>
-              <a:rPr sz="1800">
-                <a:latin typeface="Courier"/>
-              </a:rPr>
-              <a:t>)</a:t>
-            </a:r>
-          </a:p>
-          <a:p>
-            <a:pPr lvl="0" marL="1270000" indent="0">
-              <a:buNone/>
-            </a:pPr>
-            <a:r>
-              <a:rPr sz="1800">
-                <a:latin typeface="Courier"/>
-              </a:rPr>
               <a:t>## Warning: Removed 1 rows containing missing values (geom_point).</a:t>
             </a:r>
           </a:p>
@@ -4192,7 +3468,7 @@
 </p:sld>
 </file>
 
-<file path=ppt/slides/slide16.xml><?xml version="1.0" encoding="utf-8"?>
+<file path=ppt/slides/slide13.xml><?xml version="1.0" encoding="utf-8"?>
 <p:sld xmlns:a="http://schemas.openxmlformats.org/drawingml/2006/main" xmlns:r="http://schemas.openxmlformats.org/officeDocument/2006/relationships" xmlns:p="http://schemas.openxmlformats.org/presentationml/2006/main">
   <p:cSld>
     <p:spTree>
@@ -4244,7 +3520,7 @@
 </p:sld>
 </file>
 
-<file path=ppt/slides/slide17.xml><?xml version="1.0" encoding="utf-8"?>
+<file path=ppt/slides/slide14.xml><?xml version="1.0" encoding="utf-8"?>
 <p:sld xmlns:a="http://schemas.openxmlformats.org/drawingml/2006/main" xmlns:r="http://schemas.openxmlformats.org/officeDocument/2006/relationships" xmlns:p="http://schemas.openxmlformats.org/presentationml/2006/main">
   <p:cSld>
     <p:spTree>
@@ -4281,7 +3557,7 @@
             </a:pPr>
             <a:r>
               <a:rPr/>
-              <a:t> ## Question 8 3D plot of height versus weight, colored by position</a:t>
+              <a:t> ## Question 8 3D plot of height versus weight versus year, colored by position</a:t>
             </a:r>
           </a:p>
         </p:txBody>
@@ -4291,7 +3567,7 @@
 </p:sld>
 </file>
 
-<file path=ppt/slides/slide18.xml><?xml version="1.0" encoding="utf-8"?>
+<file path=ppt/slides/slide15.xml><?xml version="1.0" encoding="utf-8"?>
 <p:sld xmlns:a="http://schemas.openxmlformats.org/drawingml/2006/main" xmlns:r="http://schemas.openxmlformats.org/officeDocument/2006/relationships" xmlns:p="http://schemas.openxmlformats.org/presentationml/2006/main">
   <p:cSld>
     <p:spTree>
@@ -4328,7 +3604,7 @@
             </a:pPr>
             <a:r>
               <a:rPr/>
-              <a:t>Slide</a:t>
+              <a:t>Question</a:t>
             </a:r>
             <a:r>
               <a:rPr/>
@@ -4336,52 +3612,32 @@
             </a:r>
             <a:r>
               <a:rPr/>
-              <a:t>with</a:t>
-            </a:r>
+              <a:t>9</a:t>
+            </a:r>
+          </a:p>
+        </p:txBody>
+      </p:sp>
+      <p:sp>
+        <p:nvSpPr>
+          <p:cNvPr id="3" name="Content Placeholder 2"/>
+          <p:cNvSpPr>
+            <a:spLocks noGrp="1"/>
+          </p:cNvSpPr>
+          <p:nvPr>
+            <p:ph idx="1"/>
+          </p:nvPr>
+        </p:nvSpPr>
+        <p:spPr/>
+        <p:txBody>
+          <a:bodyPr/>
+          <a:lstStyle/>
+          <a:p>
+            <a:pPr lvl="0" marL="0" indent="0">
+              <a:buNone/>
+            </a:pPr>
             <a:r>
               <a:rPr/>
-              <a:t> </a:t>
-            </a:r>
-            <a:r>
-              <a:rPr/>
-              <a:t>Bullets</a:t>
-            </a:r>
-          </a:p>
-        </p:txBody>
-      </p:sp>
-      <p:sp>
-        <p:nvSpPr>
-          <p:cNvPr id="3" name="Content Placeholder 2"/>
-          <p:cNvSpPr>
-            <a:spLocks noGrp="1"/>
-          </p:cNvSpPr>
-          <p:nvPr>
-            <p:ph idx="1"/>
-          </p:nvPr>
-        </p:nvSpPr>
-        <p:spPr/>
-        <p:txBody>
-          <a:bodyPr/>
-          <a:lstStyle/>
-          <a:p>
-            <a:pPr lvl="1"/>
-            <a:r>
-              <a:rPr/>
-              <a:t>Bullet 1</a:t>
-            </a:r>
-          </a:p>
-          <a:p>
-            <a:pPr lvl="1"/>
-            <a:r>
-              <a:rPr/>
-              <a:t>Bullet 2</a:t>
-            </a:r>
-          </a:p>
-          <a:p>
-            <a:pPr lvl="1"/>
-            <a:r>
-              <a:rPr/>
-              <a:t>Bullet 3</a:t>
+              <a:t>Visualize some new aspect of the data </a:t>
             </a:r>
           </a:p>
         </p:txBody>
@@ -4391,7 +3647,7 @@
 </p:sld>
 </file>
 
-<file path=ppt/slides/slide19.xml><?xml version="1.0" encoding="utf-8"?>
+<file path=ppt/slides/slide16.xml><?xml version="1.0" encoding="utf-8"?>
 <p:sld xmlns:a="http://schemas.openxmlformats.org/drawingml/2006/main" xmlns:r="http://schemas.openxmlformats.org/officeDocument/2006/relationships" xmlns:p="http://schemas.openxmlformats.org/presentationml/2006/main">
   <p:cSld>
     <p:spTree>
@@ -4428,7 +3684,7 @@
             </a:pPr>
             <a:r>
               <a:rPr/>
-              <a:t>Slide</a:t>
+              <a:t>Question</a:t>
             </a:r>
             <a:r>
               <a:rPr/>
@@ -4436,76 +3692,32 @@
             </a:r>
             <a:r>
               <a:rPr/>
-              <a:t>with</a:t>
-            </a:r>
+              <a:t>10</a:t>
+            </a:r>
+          </a:p>
+        </p:txBody>
+      </p:sp>
+      <p:sp>
+        <p:nvSpPr>
+          <p:cNvPr id="3" name="Content Placeholder 2"/>
+          <p:cNvSpPr>
+            <a:spLocks noGrp="1"/>
+          </p:cNvSpPr>
+          <p:nvPr>
+            <p:ph idx="1"/>
+          </p:nvPr>
+        </p:nvSpPr>
+        <p:spPr/>
+        <p:txBody>
+          <a:bodyPr/>
+          <a:lstStyle/>
+          <a:p>
+            <a:pPr lvl="0" marL="0" indent="0">
+              <a:buNone/>
+            </a:pPr>
             <a:r>
               <a:rPr/>
-              <a:t> </a:t>
-            </a:r>
-            <a:r>
-              <a:rPr/>
-              <a:t>R</a:t>
-            </a:r>
-            <a:r>
-              <a:rPr/>
-              <a:t> </a:t>
-            </a:r>
-            <a:r>
-              <a:rPr/>
-              <a:t>Output</a:t>
-            </a:r>
-          </a:p>
-        </p:txBody>
-      </p:sp>
-      <p:sp>
-        <p:nvSpPr>
-          <p:cNvPr id="3" name="Content Placeholder 2"/>
-          <p:cNvSpPr>
-            <a:spLocks noGrp="1"/>
-          </p:cNvSpPr>
-          <p:nvPr>
-            <p:ph idx="1"/>
-          </p:nvPr>
-        </p:nvSpPr>
-        <p:spPr/>
-        <p:txBody>
-          <a:bodyPr/>
-          <a:lstStyle/>
-          <a:p>
-            <a:pPr lvl="0" marL="1270000" indent="0">
-              <a:buNone/>
-            </a:pPr>
-            <a:r>
-              <a:rPr sz="1800" b="1">
-                <a:solidFill>
-                  <a:srgbClr val="007020"/>
-                </a:solidFill>
-                <a:latin typeface="Courier"/>
-              </a:rPr>
-              <a:t>summary</a:t>
-            </a:r>
-            <a:r>
-              <a:rPr sz="1800">
-                <a:latin typeface="Courier"/>
-              </a:rPr>
-              <a:t>(cars)</a:t>
-            </a:r>
-          </a:p>
-          <a:p>
-            <a:pPr lvl="0" marL="1270000" indent="0">
-              <a:buNone/>
-            </a:pPr>
-            <a:r>
-              <a:rPr sz="1800">
-                <a:latin typeface="Courier"/>
-              </a:rPr>
-              <a:t>##      speed           dist       
-##  Min.   : 4.0   Min.   :  2.00  
-##  1st Qu.:12.0   1st Qu.: 26.00  
-##  Median :15.0   Median : 36.00  
-##  Mean   :15.4   Mean   : 42.98  
-##  3rd Qu.:19.0   3rd Qu.: 56.00  
-##  Max.   :25.0   Max.   :120.00</a:t>
+              <a:t>Test the claim that the distribution of income increases as the education level rises. </a:t>
             </a:r>
           </a:p>
         </p:txBody>
@@ -4584,101 +3796,76 @@
 ##     intersect, setdiff, setequal, union</a:t>
             </a:r>
           </a:p>
-        </p:txBody>
-      </p:sp>
-    </p:spTree>
-  </p:cSld>
-</p:sld>
-</file>
-
-<file path=ppt/slides/slide20.xml><?xml version="1.0" encoding="utf-8"?>
-<p:sld xmlns:a="http://schemas.openxmlformats.org/drawingml/2006/main" xmlns:r="http://schemas.openxmlformats.org/officeDocument/2006/relationships" xmlns:p="http://schemas.openxmlformats.org/presentationml/2006/main">
-  <p:cSld>
-    <p:spTree>
-      <p:nvGrpSpPr>
-        <p:cNvPr id="1" name=""/>
-        <p:cNvGrpSpPr/>
-        <p:nvPr/>
-      </p:nvGrpSpPr>
-      <p:grpSpPr>
-        <a:xfrm>
-          <a:off x="0" y="0"/>
-          <a:ext cx="0" cy="0"/>
-          <a:chOff x="0" y="0"/>
-          <a:chExt cx="0" cy="0"/>
-        </a:xfrm>
-      </p:grpSpPr>
-      <p:sp>
-        <p:nvSpPr>
-          <p:cNvPr id="2" name="Title 1"/>
-          <p:cNvSpPr>
-            <a:spLocks noGrp="1"/>
-          </p:cNvSpPr>
-          <p:nvPr>
-            <p:ph type="title"/>
-          </p:nvPr>
-        </p:nvSpPr>
-        <p:spPr/>
-        <p:txBody>
-          <a:bodyPr/>
-          <a:lstStyle/>
-          <a:p>
-            <a:pPr lvl="0" marL="0" indent="0">
+          <a:p>
+            <a:pPr lvl="0" marL="1270000" indent="0">
               <a:buNone/>
             </a:pPr>
             <a:r>
-              <a:rPr/>
-              <a:t>Slide</a:t>
-            </a:r>
-            <a:r>
-              <a:rPr/>
-              <a:t> </a:t>
-            </a:r>
-            <a:r>
-              <a:rPr/>
-              <a:t>with</a:t>
-            </a:r>
-            <a:r>
-              <a:rPr/>
-              <a:t> </a:t>
-            </a:r>
-            <a:r>
-              <a:rPr/>
-              <a:t>Plot</a:t>
-            </a:r>
-          </a:p>
-        </p:txBody>
-      </p:sp>
-      <p:pic>
-        <p:nvPicPr>
-          <p:cNvPr descr="Richard_Palmer_LiveSession_2_files/figure-pptx/pressure-1.png" id="0" name="Picture 1"/>
-          <p:cNvPicPr>
-            <a:picLocks noGrp="1" noChangeAspect="1"/>
-          </p:cNvPicPr>
-          <p:nvPr/>
-        </p:nvPicPr>
-        <p:blipFill>
-          <a:blip r:embed="rId2"/>
-          <a:stretch>
-            <a:fillRect/>
-          </a:stretch>
-        </p:blipFill>
-        <p:spPr bwMode="auto">
-          <a:xfrm>
-            <a:off x="1752600" y="1600200"/>
-            <a:ext cx="5651500" cy="4521200"/>
-          </a:xfrm>
-          <a:prstGeom prst="rect">
-            <a:avLst/>
-          </a:prstGeom>
-          <a:noFill/>
-          <a:ln w="9525">
-            <a:noFill/>
-            <a:headEnd/>
-            <a:tailEnd/>
-          </a:ln>
-        </p:spPr>
-      </p:pic>
+              <a:rPr sz="1800">
+                <a:latin typeface="Courier"/>
+              </a:rPr>
+              <a:t>## 
+## Attaching package: 'plotly'</a:t>
+            </a:r>
+          </a:p>
+          <a:p>
+            <a:pPr lvl="0" marL="1270000" indent="0">
+              <a:buNone/>
+            </a:pPr>
+            <a:r>
+              <a:rPr sz="1800">
+                <a:latin typeface="Courier"/>
+              </a:rPr>
+              <a:t>## The following object is masked from 'package:ggplot2':
+## 
+##     last_plot</a:t>
+            </a:r>
+          </a:p>
+          <a:p>
+            <a:pPr lvl="0" marL="1270000" indent="0">
+              <a:buNone/>
+            </a:pPr>
+            <a:r>
+              <a:rPr sz="1800">
+                <a:latin typeface="Courier"/>
+              </a:rPr>
+              <a:t>## The following object is masked from 'package:stats':
+## 
+##     filter</a:t>
+            </a:r>
+          </a:p>
+          <a:p>
+            <a:pPr lvl="0" marL="1270000" indent="0">
+              <a:buNone/>
+            </a:pPr>
+            <a:r>
+              <a:rPr sz="1800">
+                <a:latin typeface="Courier"/>
+              </a:rPr>
+              <a:t>## The following object is masked from 'package:graphics':
+## 
+##     layout</a:t>
+            </a:r>
+          </a:p>
+          <a:p>
+            <a:pPr lvl="0" marL="1270000" indent="0">
+              <a:buNone/>
+            </a:pPr>
+            <a:r>
+              <a:rPr sz="1800">
+                <a:latin typeface="Courier"/>
+              </a:rPr>
+              <a:t>## Registered S3 methods overwritten by 'ggalt':
+##   method                  from   
+##   grid.draw.absoluteGrob  ggplot2
+##   grobHeight.absoluteGrob ggplot2
+##   grobWidth.absoluteGrob  ggplot2
+##   grobX.absoluteGrob      ggplot2
+##   grobY.absoluteGrob      ggplot2</a:t>
+            </a:r>
+          </a:p>
+        </p:txBody>
+      </p:sp>
     </p:spTree>
   </p:cSld>
 </p:sld>
@@ -4754,228 +3941,7 @@
             </a:pPr>
             <a:r>
               <a:rPr/>
-              <a:t>Show the number of players per position</a:t>
-            </a:r>
-          </a:p>
-          <a:p>
-            <a:pPr lvl="0" marL="1270000" indent="0">
-              <a:buNone/>
-            </a:pPr>
-            <a:r>
-              <a:rPr sz="1800">
-                <a:latin typeface="Courier"/>
-              </a:rPr>
-              <a:t>BBall </a:t>
-            </a:r>
-            <a:r>
-              <a:rPr sz="1800">
-                <a:solidFill>
-                  <a:srgbClr val="666666"/>
-                </a:solidFill>
-                <a:latin typeface="Courier"/>
-              </a:rPr>
-              <a:t>%&gt;%</a:t>
-            </a:r>
-            <a:r>
-              <a:rPr sz="1800">
-                <a:solidFill>
-                  <a:srgbClr val="4070A0"/>
-                </a:solidFill>
-                <a:latin typeface="Courier"/>
-              </a:rPr>
-              <a:t> </a:t>
-            </a:r>
-            <a:r>
-              <a:rPr sz="1800" b="1">
-                <a:solidFill>
-                  <a:srgbClr val="007020"/>
-                </a:solidFill>
-                <a:latin typeface="Courier"/>
-              </a:rPr>
-              <a:t>filter</a:t>
-            </a:r>
-            <a:r>
-              <a:rPr sz="1800">
-                <a:latin typeface="Courier"/>
-              </a:rPr>
-              <a:t>(position </a:t>
-            </a:r>
-            <a:r>
-              <a:rPr sz="1800">
-                <a:solidFill>
-                  <a:srgbClr val="666666"/>
-                </a:solidFill>
-                <a:latin typeface="Courier"/>
-              </a:rPr>
-              <a:t>!=</a:t>
-            </a:r>
-            <a:r>
-              <a:rPr sz="1800">
-                <a:solidFill>
-                  <a:srgbClr val="4070A0"/>
-                </a:solidFill>
-                <a:latin typeface="Courier"/>
-              </a:rPr>
-              <a:t> ''</a:t>
-            </a:r>
-            <a:r>
-              <a:rPr sz="1800">
-                <a:latin typeface="Courier"/>
-              </a:rPr>
-              <a:t>)  </a:t>
-            </a:r>
-            <a:r>
-              <a:rPr sz="1800">
-                <a:solidFill>
-                  <a:srgbClr val="666666"/>
-                </a:solidFill>
-                <a:latin typeface="Courier"/>
-              </a:rPr>
-              <a:t>%&gt;%</a:t>
-            </a:r>
-            <a:r>
-              <a:rPr sz="1800">
-                <a:solidFill>
-                  <a:srgbClr val="4070A0"/>
-                </a:solidFill>
-                <a:latin typeface="Courier"/>
-              </a:rPr>
-              <a:t> </a:t>
-            </a:r>
-            <a:r>
-              <a:rPr sz="1800" b="1">
-                <a:solidFill>
-                  <a:srgbClr val="007020"/>
-                </a:solidFill>
-                <a:latin typeface="Courier"/>
-              </a:rPr>
-              <a:t>ggplot</a:t>
-            </a:r>
-            <a:r>
-              <a:rPr sz="1800">
-                <a:latin typeface="Courier"/>
-              </a:rPr>
-              <a:t>() </a:t>
-            </a:r>
-            <a:r>
-              <a:rPr sz="1800">
-                <a:solidFill>
-                  <a:srgbClr val="666666"/>
-                </a:solidFill>
-                <a:latin typeface="Courier"/>
-              </a:rPr>
-              <a:t>+</a:t>
-            </a:r>
-            <a:r>
-              <a:rPr sz="1800">
-                <a:solidFill>
-                  <a:srgbClr val="4070A0"/>
-                </a:solidFill>
-                <a:latin typeface="Courier"/>
-              </a:rPr>
-              <a:t> </a:t>
-            </a:r>
-            <a:r>
-              <a:rPr sz="1800" b="1">
-                <a:solidFill>
-                  <a:srgbClr val="007020"/>
-                </a:solidFill>
-                <a:latin typeface="Courier"/>
-              </a:rPr>
-              <a:t>geom_bar</a:t>
-            </a:r>
-            <a:r>
-              <a:rPr sz="1800">
-                <a:latin typeface="Courier"/>
-              </a:rPr>
-              <a:t>(</a:t>
-            </a:r>
-            <a:r>
-              <a:rPr sz="1800">
-                <a:solidFill>
-                  <a:srgbClr val="902000"/>
-                </a:solidFill>
-                <a:latin typeface="Courier"/>
-              </a:rPr>
-              <a:t>mapping=</a:t>
-            </a:r>
-            <a:r>
-              <a:rPr sz="1800" b="1">
-                <a:solidFill>
-                  <a:srgbClr val="007020"/>
-                </a:solidFill>
-                <a:latin typeface="Courier"/>
-              </a:rPr>
-              <a:t>aes</a:t>
-            </a:r>
-            <a:r>
-              <a:rPr sz="1800">
-                <a:latin typeface="Courier"/>
-              </a:rPr>
-              <a:t>(</a:t>
-            </a:r>
-            <a:r>
-              <a:rPr sz="1800">
-                <a:solidFill>
-                  <a:srgbClr val="902000"/>
-                </a:solidFill>
-                <a:latin typeface="Courier"/>
-              </a:rPr>
-              <a:t>x=</a:t>
-            </a:r>
-            <a:r>
-              <a:rPr sz="1800">
-                <a:latin typeface="Courier"/>
-              </a:rPr>
-              <a:t>position)) </a:t>
-            </a:r>
-            <a:r>
-              <a:rPr sz="1800">
-                <a:solidFill>
-                  <a:srgbClr val="666666"/>
-                </a:solidFill>
-                <a:latin typeface="Courier"/>
-              </a:rPr>
-              <a:t>+</a:t>
-            </a:r>
-            <a:r>
-              <a:rPr sz="1800">
-                <a:solidFill>
-                  <a:srgbClr val="4070A0"/>
-                </a:solidFill>
-                <a:latin typeface="Courier"/>
-              </a:rPr>
-              <a:t> </a:t>
-            </a:r>
-            <a:r>
-              <a:rPr sz="1800" b="1">
-                <a:solidFill>
-                  <a:srgbClr val="007020"/>
-                </a:solidFill>
-                <a:latin typeface="Courier"/>
-              </a:rPr>
-              <a:t>ggtitle</a:t>
-            </a:r>
-            <a:r>
-              <a:rPr sz="1800">
-                <a:latin typeface="Courier"/>
-              </a:rPr>
-              <a:t>(</a:t>
-            </a:r>
-            <a:r>
-              <a:rPr sz="1800">
-                <a:solidFill>
-                  <a:srgbClr val="4070A0"/>
-                </a:solidFill>
-                <a:latin typeface="Courier"/>
-              </a:rPr>
-              <a:t>"Count per position"</a:t>
-            </a:r>
-            <a:r>
-              <a:rPr sz="1800">
-                <a:latin typeface="Courier"/>
-              </a:rPr>
-              <a:t>)</a:t>
+              <a:t>Show the number of players per position </a:t>
             </a:r>
           </a:p>
         </p:txBody>
@@ -5002,465 +3968,81 @@
           <a:chExt cx="0" cy="0"/>
         </a:xfrm>
       </p:grpSpPr>
-      <p:pic>
-        <p:nvPicPr>
-          <p:cNvPr descr="Richard_Palmer_LiveSession_2_files/figure-pptx/unnamed-chunk-2-1.png" id="0" name="Picture 1"/>
-          <p:cNvPicPr>
-            <a:picLocks noGrp="1" noChangeAspect="1"/>
-          </p:cNvPicPr>
-          <p:nvPr/>
-        </p:nvPicPr>
-        <p:blipFill>
-          <a:blip r:embed="rId2"/>
-          <a:stretch>
-            <a:fillRect/>
-          </a:stretch>
-        </p:blipFill>
-        <p:spPr bwMode="auto">
-          <a:xfrm>
-            <a:off x="1752600" y="1600200"/>
-            <a:ext cx="5651500" cy="4521200"/>
-          </a:xfrm>
-          <a:prstGeom prst="rect">
-            <a:avLst/>
-          </a:prstGeom>
-          <a:noFill/>
-          <a:ln w="9525">
-            <a:noFill/>
-            <a:headEnd/>
-            <a:tailEnd/>
-          </a:ln>
-        </p:spPr>
-      </p:pic>
+      <p:sp>
+        <p:nvSpPr>
+          <p:cNvPr id="2" name="Title 1"/>
+          <p:cNvSpPr>
+            <a:spLocks noGrp="1"/>
+          </p:cNvSpPr>
+          <p:nvPr>
+            <p:ph type="title"/>
+          </p:nvPr>
+        </p:nvSpPr>
+        <p:spPr/>
+        <p:txBody>
+          <a:bodyPr/>
+          <a:lstStyle/>
+          <a:p>
+            <a:pPr lvl="0" marL="0" indent="0">
+              <a:buNone/>
+            </a:pPr>
+            <a:r>
+              <a:rPr/>
+              <a:t>Question</a:t>
+            </a:r>
+            <a:r>
+              <a:rPr/>
+              <a:t> </a:t>
+            </a:r>
+            <a:r>
+              <a:rPr/>
+              <a:t>2</a:t>
+            </a:r>
+          </a:p>
+        </p:txBody>
+      </p:sp>
+      <p:sp>
+        <p:nvSpPr>
+          <p:cNvPr id="3" name="Content Placeholder 2"/>
+          <p:cNvSpPr>
+            <a:spLocks noGrp="1"/>
+          </p:cNvSpPr>
+          <p:nvPr>
+            <p:ph idx="1"/>
+          </p:nvPr>
+        </p:nvSpPr>
+        <p:spPr/>
+        <p:txBody>
+          <a:bodyPr/>
+          <a:lstStyle/>
+          <a:p>
+            <a:pPr lvl="0" marL="0" indent="0">
+              <a:buNone/>
+            </a:pPr>
+            <a:r>
+              <a:rPr/>
+              <a:t>Compare the distribution of weight of centers with that of the weight of forwards</a:t>
+            </a:r>
+          </a:p>
+          <a:p>
+            <a:pPr lvl="0" marL="1270000" indent="0">
+              <a:buNone/>
+            </a:pPr>
+            <a:r>
+              <a:rPr sz="1800">
+                <a:latin typeface="Courier"/>
+              </a:rPr>
+              <a:t>## Warning: Removed 3 rows containing non-finite values (stat_bin).</a:t>
+            </a:r>
+          </a:p>
+        </p:txBody>
+      </p:sp>
     </p:spTree>
   </p:cSld>
 </p:sld>
 </file>
 
 <file path=ppt/slides/slide5.xml><?xml version="1.0" encoding="utf-8"?>
-<p:sld xmlns:a="http://schemas.openxmlformats.org/drawingml/2006/main" xmlns:r="http://schemas.openxmlformats.org/officeDocument/2006/relationships" xmlns:p="http://schemas.openxmlformats.org/presentationml/2006/main">
-  <p:cSld>
-    <p:spTree>
-      <p:nvGrpSpPr>
-        <p:cNvPr id="1" name=""/>
-        <p:cNvGrpSpPr/>
-        <p:nvPr/>
-      </p:nvGrpSpPr>
-      <p:grpSpPr>
-        <a:xfrm>
-          <a:off x="0" y="0"/>
-          <a:ext cx="0" cy="0"/>
-          <a:chOff x="0" y="0"/>
-          <a:chExt cx="0" cy="0"/>
-        </a:xfrm>
-      </p:grpSpPr>
-      <p:sp>
-        <p:nvSpPr>
-          <p:cNvPr id="2" name="Title 1"/>
-          <p:cNvSpPr>
-            <a:spLocks noGrp="1"/>
-          </p:cNvSpPr>
-          <p:nvPr>
-            <p:ph type="title"/>
-          </p:nvPr>
-        </p:nvSpPr>
-        <p:spPr/>
-        <p:txBody>
-          <a:bodyPr/>
-          <a:lstStyle/>
-          <a:p>
-            <a:pPr lvl="0" marL="0" indent="0">
-              <a:buNone/>
-            </a:pPr>
-            <a:r>
-              <a:rPr/>
-              <a:t>Question</a:t>
-            </a:r>
-            <a:r>
-              <a:rPr/>
-              <a:t> </a:t>
-            </a:r>
-            <a:r>
-              <a:rPr/>
-              <a:t>2</a:t>
-            </a:r>
-          </a:p>
-        </p:txBody>
-      </p:sp>
-      <p:sp>
-        <p:nvSpPr>
-          <p:cNvPr id="3" name="Content Placeholder 2"/>
-          <p:cNvSpPr>
-            <a:spLocks noGrp="1"/>
-          </p:cNvSpPr>
-          <p:nvPr>
-            <p:ph idx="1"/>
-          </p:nvPr>
-        </p:nvSpPr>
-        <p:spPr/>
-        <p:txBody>
-          <a:bodyPr/>
-          <a:lstStyle/>
-          <a:p>
-            <a:pPr lvl="0" marL="0" indent="0">
-              <a:buNone/>
-            </a:pPr>
-            <a:r>
-              <a:rPr/>
-              <a:t>Compare the distribution of weight of centers with that of the weight of forwards</a:t>
-            </a:r>
-          </a:p>
-          <a:p>
-            <a:pPr lvl="0" marL="1270000" indent="0">
-              <a:buNone/>
-            </a:pPr>
-            <a:r>
-              <a:rPr sz="1800">
-                <a:latin typeface="Courier"/>
-              </a:rPr>
-              <a:t>BBall </a:t>
-            </a:r>
-            <a:r>
-              <a:rPr sz="1800">
-                <a:solidFill>
-                  <a:srgbClr val="666666"/>
-                </a:solidFill>
-                <a:latin typeface="Courier"/>
-              </a:rPr>
-              <a:t>%&gt;%</a:t>
-            </a:r>
-            <a:r>
-              <a:rPr sz="1800">
-                <a:solidFill>
-                  <a:srgbClr val="4070A0"/>
-                </a:solidFill>
-                <a:latin typeface="Courier"/>
-              </a:rPr>
-              <a:t> </a:t>
-            </a:r>
-            <a:r>
-              <a:rPr sz="1800" b="1">
-                <a:solidFill>
-                  <a:srgbClr val="007020"/>
-                </a:solidFill>
-                <a:latin typeface="Courier"/>
-              </a:rPr>
-              <a:t>filter</a:t>
-            </a:r>
-            <a:r>
-              <a:rPr sz="1800">
-                <a:latin typeface="Courier"/>
-              </a:rPr>
-              <a:t>(position </a:t>
-            </a:r>
-            <a:r>
-              <a:rPr sz="1800">
-                <a:solidFill>
-                  <a:srgbClr val="666666"/>
-                </a:solidFill>
-                <a:latin typeface="Courier"/>
-              </a:rPr>
-              <a:t>==</a:t>
-            </a:r>
-            <a:r>
-              <a:rPr sz="1800">
-                <a:solidFill>
-                  <a:srgbClr val="4070A0"/>
-                </a:solidFill>
-                <a:latin typeface="Courier"/>
-              </a:rPr>
-              <a:t> 'C'</a:t>
-            </a:r>
-            <a:r>
-              <a:rPr sz="1800">
-                <a:latin typeface="Courier"/>
-              </a:rPr>
-              <a:t> </a:t>
-            </a:r>
-            <a:r>
-              <a:rPr sz="1800">
-                <a:solidFill>
-                  <a:srgbClr val="666666"/>
-                </a:solidFill>
-                <a:latin typeface="Courier"/>
-              </a:rPr>
-              <a:t>|</a:t>
-            </a:r>
-            <a:r>
-              <a:rPr sz="1800">
-                <a:solidFill>
-                  <a:srgbClr val="4070A0"/>
-                </a:solidFill>
-                <a:latin typeface="Courier"/>
-              </a:rPr>
-              <a:t> </a:t>
-            </a:r>
-            <a:r>
-              <a:rPr sz="1800">
-                <a:latin typeface="Courier"/>
-              </a:rPr>
-              <a:t>position </a:t>
-            </a:r>
-            <a:r>
-              <a:rPr sz="1800">
-                <a:solidFill>
-                  <a:srgbClr val="666666"/>
-                </a:solidFill>
-                <a:latin typeface="Courier"/>
-              </a:rPr>
-              <a:t>==</a:t>
-            </a:r>
-            <a:r>
-              <a:rPr sz="1800">
-                <a:solidFill>
-                  <a:srgbClr val="4070A0"/>
-                </a:solidFill>
-                <a:latin typeface="Courier"/>
-              </a:rPr>
-              <a:t> 'F'</a:t>
-            </a:r>
-            <a:r>
-              <a:rPr sz="1800">
-                <a:latin typeface="Courier"/>
-              </a:rPr>
-              <a:t>) </a:t>
-            </a:r>
-            <a:r>
-              <a:rPr sz="1800">
-                <a:solidFill>
-                  <a:srgbClr val="666666"/>
-                </a:solidFill>
-                <a:latin typeface="Courier"/>
-              </a:rPr>
-              <a:t>%&gt;%</a:t>
-            </a:r>
-            <a:r>
-              <a:rPr sz="1800">
-                <a:solidFill>
-                  <a:srgbClr val="4070A0"/>
-                </a:solidFill>
-                <a:latin typeface="Courier"/>
-              </a:rPr>
-              <a:t> </a:t>
-            </a:r>
-            <a:r>
-              <a:rPr sz="1800" b="1">
-                <a:solidFill>
-                  <a:srgbClr val="007020"/>
-                </a:solidFill>
-                <a:latin typeface="Courier"/>
-              </a:rPr>
-              <a:t>ggplot</a:t>
-            </a:r>
-            <a:r>
-              <a:rPr sz="1800">
-                <a:latin typeface="Courier"/>
-              </a:rPr>
-              <a:t>(</a:t>
-            </a:r>
-            <a:r>
-              <a:rPr sz="1800" b="1">
-                <a:solidFill>
-                  <a:srgbClr val="007020"/>
-                </a:solidFill>
-                <a:latin typeface="Courier"/>
-              </a:rPr>
-              <a:t>aes</a:t>
-            </a:r>
-            <a:r>
-              <a:rPr sz="1800">
-                <a:latin typeface="Courier"/>
-              </a:rPr>
-              <a:t>(</a:t>
-            </a:r>
-            <a:r>
-              <a:rPr sz="1800">
-                <a:solidFill>
-                  <a:srgbClr val="902000"/>
-                </a:solidFill>
-                <a:latin typeface="Courier"/>
-              </a:rPr>
-              <a:t>x=</a:t>
-            </a:r>
-            <a:r>
-              <a:rPr sz="1800">
-                <a:latin typeface="Courier"/>
-              </a:rPr>
-              <a:t>weight)) </a:t>
-            </a:r>
-            <a:r>
-              <a:rPr sz="1800">
-                <a:solidFill>
-                  <a:srgbClr val="666666"/>
-                </a:solidFill>
-                <a:latin typeface="Courier"/>
-              </a:rPr>
-              <a:t>+</a:t>
-            </a:r>
-            <a:r>
-              <a:rPr sz="1800">
-                <a:solidFill>
-                  <a:srgbClr val="4070A0"/>
-                </a:solidFill>
-                <a:latin typeface="Courier"/>
-              </a:rPr>
-              <a:t> </a:t>
-            </a:r>
-            <a:r>
-              <a:rPr sz="1800" b="1">
-                <a:solidFill>
-                  <a:srgbClr val="007020"/>
-                </a:solidFill>
-                <a:latin typeface="Courier"/>
-              </a:rPr>
-              <a:t>geom_histogram</a:t>
-            </a:r>
-            <a:r>
-              <a:rPr sz="1800">
-                <a:latin typeface="Courier"/>
-              </a:rPr>
-              <a:t>(</a:t>
-            </a:r>
-            <a:r>
-              <a:rPr sz="1800">
-                <a:solidFill>
-                  <a:srgbClr val="902000"/>
-                </a:solidFill>
-                <a:latin typeface="Courier"/>
-              </a:rPr>
-              <a:t>bins=</a:t>
-            </a:r>
-            <a:r>
-              <a:rPr sz="1800">
-                <a:solidFill>
-                  <a:srgbClr val="40A070"/>
-                </a:solidFill>
-                <a:latin typeface="Courier"/>
-              </a:rPr>
-              <a:t>20</a:t>
-            </a:r>
-            <a:r>
-              <a:rPr sz="1800">
-                <a:latin typeface="Courier"/>
-              </a:rPr>
-              <a:t>) </a:t>
-            </a:r>
-            <a:r>
-              <a:rPr sz="1800">
-                <a:solidFill>
-                  <a:srgbClr val="666666"/>
-                </a:solidFill>
-                <a:latin typeface="Courier"/>
-              </a:rPr>
-              <a:t>+</a:t>
-            </a:r>
-            <a:r>
-              <a:rPr sz="1800">
-                <a:solidFill>
-                  <a:srgbClr val="4070A0"/>
-                </a:solidFill>
-                <a:latin typeface="Courier"/>
-              </a:rPr>
-              <a:t> </a:t>
-            </a:r>
-            <a:r>
-              <a:rPr sz="1800" b="1">
-                <a:solidFill>
-                  <a:srgbClr val="007020"/>
-                </a:solidFill>
-                <a:latin typeface="Courier"/>
-              </a:rPr>
-              <a:t>ggtitle</a:t>
-            </a:r>
-            <a:r>
-              <a:rPr sz="1800">
-                <a:latin typeface="Courier"/>
-              </a:rPr>
-              <a:t>(</a:t>
-            </a:r>
-            <a:r>
-              <a:rPr sz="1800">
-                <a:solidFill>
-                  <a:srgbClr val="4070A0"/>
-                </a:solidFill>
-                <a:latin typeface="Courier"/>
-              </a:rPr>
-              <a:t>"Distribution of Weight for Centers and Forwards"</a:t>
-            </a:r>
-            <a:r>
-              <a:rPr sz="1800">
-                <a:latin typeface="Courier"/>
-              </a:rPr>
-              <a:t>) </a:t>
-            </a:r>
-            <a:r>
-              <a:rPr sz="1800">
-                <a:solidFill>
-                  <a:srgbClr val="666666"/>
-                </a:solidFill>
-                <a:latin typeface="Courier"/>
-              </a:rPr>
-              <a:t>+</a:t>
-            </a:r>
-            <a:r>
-              <a:rPr sz="1800">
-                <a:solidFill>
-                  <a:srgbClr val="4070A0"/>
-                </a:solidFill>
-                <a:latin typeface="Courier"/>
-              </a:rPr>
-              <a:t> </a:t>
-            </a:r>
-            <a:r>
-              <a:rPr sz="1800" b="1">
-                <a:solidFill>
-                  <a:srgbClr val="007020"/>
-                </a:solidFill>
-                <a:latin typeface="Courier"/>
-              </a:rPr>
-              <a:t>facet_wrap</a:t>
-            </a:r>
-            <a:r>
-              <a:rPr sz="1800">
-                <a:latin typeface="Courier"/>
-              </a:rPr>
-              <a:t>(</a:t>
-            </a:r>
-            <a:r>
-              <a:rPr sz="1800">
-                <a:solidFill>
-                  <a:srgbClr val="666666"/>
-                </a:solidFill>
-                <a:latin typeface="Courier"/>
-              </a:rPr>
-              <a:t>~</a:t>
-            </a:r>
-            <a:r>
-              <a:rPr sz="1800">
-                <a:latin typeface="Courier"/>
-              </a:rPr>
-              <a:t>position)</a:t>
-            </a:r>
-          </a:p>
-          <a:p>
-            <a:pPr lvl="0" marL="1270000" indent="0">
-              <a:buNone/>
-            </a:pPr>
-            <a:r>
-              <a:rPr sz="1800">
-                <a:latin typeface="Courier"/>
-              </a:rPr>
-              <a:t>## Warning: Removed 3 rows containing non-finite values (stat_bin).</a:t>
-            </a:r>
-          </a:p>
-        </p:txBody>
-      </p:sp>
-    </p:spTree>
-  </p:cSld>
-</p:sld>
-</file>
-
-<file path=ppt/slides/slide6.xml><?xml version="1.0" encoding="utf-8"?>
 <p:sld xmlns:a="http://schemas.openxmlformats.org/drawingml/2006/main" xmlns:r="http://schemas.openxmlformats.org/officeDocument/2006/relationships" xmlns:p="http://schemas.openxmlformats.org/presentationml/2006/main">
   <p:cSld>
     <p:spTree>
@@ -5512,6 +4094,86 @@
 </p:sld>
 </file>
 
+<file path=ppt/slides/slide6.xml><?xml version="1.0" encoding="utf-8"?>
+<p:sld xmlns:a="http://schemas.openxmlformats.org/drawingml/2006/main" xmlns:r="http://schemas.openxmlformats.org/officeDocument/2006/relationships" xmlns:p="http://schemas.openxmlformats.org/presentationml/2006/main">
+  <p:cSld>
+    <p:spTree>
+      <p:nvGrpSpPr>
+        <p:cNvPr id="1" name=""/>
+        <p:cNvGrpSpPr/>
+        <p:nvPr/>
+      </p:nvGrpSpPr>
+      <p:grpSpPr>
+        <a:xfrm>
+          <a:off x="0" y="0"/>
+          <a:ext cx="0" cy="0"/>
+          <a:chOff x="0" y="0"/>
+          <a:chExt cx="0" cy="0"/>
+        </a:xfrm>
+      </p:grpSpPr>
+      <p:sp>
+        <p:nvSpPr>
+          <p:cNvPr id="2" name="Title 1"/>
+          <p:cNvSpPr>
+            <a:spLocks noGrp="1"/>
+          </p:cNvSpPr>
+          <p:nvPr>
+            <p:ph type="title"/>
+          </p:nvPr>
+        </p:nvSpPr>
+        <p:spPr/>
+        <p:txBody>
+          <a:bodyPr/>
+          <a:lstStyle/>
+          <a:p>
+            <a:pPr lvl="0" marL="0" indent="0">
+              <a:buNone/>
+            </a:pPr>
+            <a:r>
+              <a:rPr/>
+              <a:t>Question</a:t>
+            </a:r>
+            <a:r>
+              <a:rPr/>
+              <a:t> </a:t>
+            </a:r>
+            <a:r>
+              <a:rPr/>
+              <a:t>3</a:t>
+            </a:r>
+          </a:p>
+        </p:txBody>
+      </p:sp>
+      <p:sp>
+        <p:nvSpPr>
+          <p:cNvPr id="3" name="Content Placeholder 2"/>
+          <p:cNvSpPr>
+            <a:spLocks noGrp="1"/>
+          </p:cNvSpPr>
+          <p:nvPr>
+            <p:ph idx="1"/>
+          </p:nvPr>
+        </p:nvSpPr>
+        <p:spPr/>
+        <p:txBody>
+          <a:bodyPr/>
+          <a:lstStyle/>
+          <a:p>
+            <a:pPr lvl="0" marL="0" indent="0">
+              <a:buNone/>
+            </a:pPr>
+            <a:r>
+              <a:rPr/>
+              <a:t>Compare the distribution of the height of centers with that of the height of forwards </a:t>
+            </a:r>
+          </a:p>
+        </p:txBody>
+      </p:sp>
+    </p:spTree>
+  </p:cSld>
+</p:sld>
+</file>
+
 <file path=ppt/slides/slide7.xml><?xml version="1.0" encoding="utf-8"?>
 <p:sld xmlns:a="http://schemas.openxmlformats.org/drawingml/2006/main" xmlns:r="http://schemas.openxmlformats.org/officeDocument/2006/relationships" xmlns:p="http://schemas.openxmlformats.org/presentationml/2006/main">
   <p:cSld>
@@ -5557,7 +4219,7 @@
             </a:r>
             <a:r>
               <a:rPr/>
-              <a:t>3</a:t>
+              <a:t>4</a:t>
             </a:r>
           </a:p>
         </p:txBody>
@@ -5582,339 +4244,7 @@
             </a:pPr>
             <a:r>
               <a:rPr/>
-              <a:t>Compare the distribution of the height of centers with that of the height of forwards</a:t>
-            </a:r>
-          </a:p>
-          <a:p>
-            <a:pPr lvl="0" marL="1270000" indent="0">
-              <a:buNone/>
-            </a:pPr>
-            <a:r>
-              <a:rPr sz="1800">
-                <a:latin typeface="Courier"/>
-              </a:rPr>
-              <a:t>BBall </a:t>
-            </a:r>
-            <a:r>
-              <a:rPr sz="1800">
-                <a:solidFill>
-                  <a:srgbClr val="666666"/>
-                </a:solidFill>
-                <a:latin typeface="Courier"/>
-              </a:rPr>
-              <a:t>%&gt;%</a:t>
-            </a:r>
-            <a:r>
-              <a:rPr sz="1800">
-                <a:solidFill>
-                  <a:srgbClr val="4070A0"/>
-                </a:solidFill>
-                <a:latin typeface="Courier"/>
-              </a:rPr>
-              <a:t> </a:t>
-            </a:r>
-            <a:r>
-              <a:rPr sz="1800" b="1">
-                <a:solidFill>
-                  <a:srgbClr val="007020"/>
-                </a:solidFill>
-                <a:latin typeface="Courier"/>
-              </a:rPr>
-              <a:t>filter</a:t>
-            </a:r>
-            <a:r>
-              <a:rPr sz="1800">
-                <a:latin typeface="Courier"/>
-              </a:rPr>
-              <a:t>(position </a:t>
-            </a:r>
-            <a:r>
-              <a:rPr sz="1800">
-                <a:solidFill>
-                  <a:srgbClr val="666666"/>
-                </a:solidFill>
-                <a:latin typeface="Courier"/>
-              </a:rPr>
-              <a:t>==</a:t>
-            </a:r>
-            <a:r>
-              <a:rPr sz="1800">
-                <a:solidFill>
-                  <a:srgbClr val="4070A0"/>
-                </a:solidFill>
-                <a:latin typeface="Courier"/>
-              </a:rPr>
-              <a:t> 'C'</a:t>
-            </a:r>
-            <a:r>
-              <a:rPr sz="1800">
-                <a:latin typeface="Courier"/>
-              </a:rPr>
-              <a:t> </a:t>
-            </a:r>
-            <a:r>
-              <a:rPr sz="1800">
-                <a:solidFill>
-                  <a:srgbClr val="666666"/>
-                </a:solidFill>
-                <a:latin typeface="Courier"/>
-              </a:rPr>
-              <a:t>|</a:t>
-            </a:r>
-            <a:r>
-              <a:rPr sz="1800">
-                <a:solidFill>
-                  <a:srgbClr val="4070A0"/>
-                </a:solidFill>
-                <a:latin typeface="Courier"/>
-              </a:rPr>
-              <a:t> </a:t>
-            </a:r>
-            <a:r>
-              <a:rPr sz="1800">
-                <a:latin typeface="Courier"/>
-              </a:rPr>
-              <a:t>position </a:t>
-            </a:r>
-            <a:r>
-              <a:rPr sz="1800">
-                <a:solidFill>
-                  <a:srgbClr val="666666"/>
-                </a:solidFill>
-                <a:latin typeface="Courier"/>
-              </a:rPr>
-              <a:t>==</a:t>
-            </a:r>
-            <a:r>
-              <a:rPr sz="1800">
-                <a:solidFill>
-                  <a:srgbClr val="4070A0"/>
-                </a:solidFill>
-                <a:latin typeface="Courier"/>
-              </a:rPr>
-              <a:t> 'F'</a:t>
-            </a:r>
-            <a:r>
-              <a:rPr sz="1800">
-                <a:latin typeface="Courier"/>
-              </a:rPr>
-              <a:t>) </a:t>
-            </a:r>
-            <a:r>
-              <a:rPr sz="1800">
-                <a:solidFill>
-                  <a:srgbClr val="666666"/>
-                </a:solidFill>
-                <a:latin typeface="Courier"/>
-              </a:rPr>
-              <a:t>%&gt;%</a:t>
-            </a:r>
-            <a:r>
-              <a:rPr sz="1800">
-                <a:solidFill>
-                  <a:srgbClr val="4070A0"/>
-                </a:solidFill>
-                <a:latin typeface="Courier"/>
-              </a:rPr>
-              <a:t> </a:t>
-            </a:r>
-            <a:r>
-              <a:rPr sz="1800" b="1">
-                <a:solidFill>
-                  <a:srgbClr val="007020"/>
-                </a:solidFill>
-                <a:latin typeface="Courier"/>
-              </a:rPr>
-              <a:t>ggplot</a:t>
-            </a:r>
-            <a:r>
-              <a:rPr sz="1800">
-                <a:latin typeface="Courier"/>
-              </a:rPr>
-              <a:t>(</a:t>
-            </a:r>
-            <a:r>
-              <a:rPr sz="1800" b="1">
-                <a:solidFill>
-                  <a:srgbClr val="007020"/>
-                </a:solidFill>
-                <a:latin typeface="Courier"/>
-              </a:rPr>
-              <a:t>aes</a:t>
-            </a:r>
-            <a:r>
-              <a:rPr sz="1800">
-                <a:latin typeface="Courier"/>
-              </a:rPr>
-              <a:t>(</a:t>
-            </a:r>
-            <a:r>
-              <a:rPr sz="1800">
-                <a:solidFill>
-                  <a:srgbClr val="902000"/>
-                </a:solidFill>
-                <a:latin typeface="Courier"/>
-              </a:rPr>
-              <a:t>x=</a:t>
-            </a:r>
-            <a:r>
-              <a:rPr sz="1800">
-                <a:latin typeface="Courier"/>
-              </a:rPr>
-              <a:t>height_inches)) </a:t>
-            </a:r>
-            <a:r>
-              <a:rPr sz="1800">
-                <a:solidFill>
-                  <a:srgbClr val="666666"/>
-                </a:solidFill>
-                <a:latin typeface="Courier"/>
-              </a:rPr>
-              <a:t>+</a:t>
-            </a:r>
-            <a:r>
-              <a:rPr sz="1800">
-                <a:solidFill>
-                  <a:srgbClr val="4070A0"/>
-                </a:solidFill>
-                <a:latin typeface="Courier"/>
-              </a:rPr>
-              <a:t> </a:t>
-            </a:r>
-            <a:r>
-              <a:rPr sz="1800" b="1">
-                <a:solidFill>
-                  <a:srgbClr val="007020"/>
-                </a:solidFill>
-                <a:latin typeface="Courier"/>
-              </a:rPr>
-              <a:t>geom_histogram</a:t>
-            </a:r>
-            <a:r>
-              <a:rPr sz="1800">
-                <a:latin typeface="Courier"/>
-              </a:rPr>
-              <a:t>(</a:t>
-            </a:r>
-            <a:r>
-              <a:rPr sz="1800">
-                <a:solidFill>
-                  <a:srgbClr val="902000"/>
-                </a:solidFill>
-                <a:latin typeface="Courier"/>
-              </a:rPr>
-              <a:t>bins=</a:t>
-            </a:r>
-            <a:r>
-              <a:rPr sz="1800">
-                <a:solidFill>
-                  <a:srgbClr val="40A070"/>
-                </a:solidFill>
-                <a:latin typeface="Courier"/>
-              </a:rPr>
-              <a:t>20</a:t>
-            </a:r>
-            <a:r>
-              <a:rPr sz="1800">
-                <a:latin typeface="Courier"/>
-              </a:rPr>
-              <a:t>) </a:t>
-            </a:r>
-            <a:r>
-              <a:rPr sz="1800">
-                <a:solidFill>
-                  <a:srgbClr val="666666"/>
-                </a:solidFill>
-                <a:latin typeface="Courier"/>
-              </a:rPr>
-              <a:t>+</a:t>
-            </a:r>
-            <a:r>
-              <a:rPr sz="1800">
-                <a:solidFill>
-                  <a:srgbClr val="4070A0"/>
-                </a:solidFill>
-                <a:latin typeface="Courier"/>
-              </a:rPr>
-              <a:t> </a:t>
-            </a:r>
-            <a:r>
-              <a:rPr sz="1800" b="1">
-                <a:solidFill>
-                  <a:srgbClr val="007020"/>
-                </a:solidFill>
-                <a:latin typeface="Courier"/>
-              </a:rPr>
-              <a:t>ggtitle</a:t>
-            </a:r>
-            <a:r>
-              <a:rPr sz="1800">
-                <a:latin typeface="Courier"/>
-              </a:rPr>
-              <a:t>(</a:t>
-            </a:r>
-            <a:r>
-              <a:rPr sz="1800">
-                <a:solidFill>
-                  <a:srgbClr val="4070A0"/>
-                </a:solidFill>
-                <a:latin typeface="Courier"/>
-              </a:rPr>
-              <a:t>"Distribution of Height for Centers and Forwards"</a:t>
-            </a:r>
-            <a:r>
-              <a:rPr sz="1800">
-                <a:latin typeface="Courier"/>
-              </a:rPr>
-              <a:t>) </a:t>
-            </a:r>
-            <a:r>
-              <a:rPr sz="1800">
-                <a:solidFill>
-                  <a:srgbClr val="666666"/>
-                </a:solidFill>
-                <a:latin typeface="Courier"/>
-              </a:rPr>
-              <a:t>+</a:t>
-            </a:r>
-            <a:r>
-              <a:rPr sz="1800">
-                <a:solidFill>
-                  <a:srgbClr val="4070A0"/>
-                </a:solidFill>
-                <a:latin typeface="Courier"/>
-              </a:rPr>
-              <a:t> </a:t>
-            </a:r>
-            <a:r>
-              <a:rPr sz="1800" b="1">
-                <a:solidFill>
-                  <a:srgbClr val="007020"/>
-                </a:solidFill>
-                <a:latin typeface="Courier"/>
-              </a:rPr>
-              <a:t>facet_wrap</a:t>
-            </a:r>
-            <a:r>
-              <a:rPr sz="1800">
-                <a:latin typeface="Courier"/>
-              </a:rPr>
-              <a:t>(</a:t>
-            </a:r>
-            <a:r>
-              <a:rPr sz="1800">
-                <a:solidFill>
-                  <a:srgbClr val="666666"/>
-                </a:solidFill>
-                <a:latin typeface="Courier"/>
-              </a:rPr>
-              <a:t>~</a:t>
-            </a:r>
-            <a:r>
-              <a:rPr sz="1800">
-                <a:latin typeface="Courier"/>
-              </a:rPr>
-              <a:t>position)</a:t>
+              <a:t>Investigate distribution of height across all positions </a:t>
             </a:r>
           </a:p>
         </p:txBody>
@@ -5941,9 +4271,100 @@
           <a:chExt cx="0" cy="0"/>
         </a:xfrm>
       </p:grpSpPr>
+      <p:sp>
+        <p:nvSpPr>
+          <p:cNvPr id="2" name="Title 1"/>
+          <p:cNvSpPr>
+            <a:spLocks noGrp="1"/>
+          </p:cNvSpPr>
+          <p:nvPr>
+            <p:ph type="title"/>
+          </p:nvPr>
+        </p:nvSpPr>
+        <p:spPr/>
+        <p:txBody>
+          <a:bodyPr/>
+          <a:lstStyle/>
+          <a:p>
+            <a:pPr lvl="0" marL="0" indent="0">
+              <a:buNone/>
+            </a:pPr>
+            <a:r>
+              <a:rPr/>
+              <a:t>Question</a:t>
+            </a:r>
+            <a:r>
+              <a:rPr/>
+              <a:t> </a:t>
+            </a:r>
+            <a:r>
+              <a:rPr/>
+              <a:t>5</a:t>
+            </a:r>
+          </a:p>
+        </p:txBody>
+      </p:sp>
+      <p:sp>
+        <p:nvSpPr>
+          <p:cNvPr id="3" name="Content Placeholder 2"/>
+          <p:cNvSpPr>
+            <a:spLocks noGrp="1"/>
+          </p:cNvSpPr>
+          <p:nvPr>
+            <p:ph idx="1"/>
+          </p:nvPr>
+        </p:nvSpPr>
+        <p:spPr/>
+        <p:txBody>
+          <a:bodyPr/>
+          <a:lstStyle/>
+          <a:p>
+            <a:pPr lvl="0" marL="0" indent="0">
+              <a:buNone/>
+            </a:pPr>
+            <a:r>
+              <a:rPr/>
+              <a:t>Investigate how a players height is related to his weight</a:t>
+            </a:r>
+          </a:p>
+          <a:p>
+            <a:pPr lvl="0" marL="1270000" indent="0">
+              <a:buNone/>
+            </a:pPr>
+            <a:r>
+              <a:rPr sz="1800">
+                <a:latin typeface="Courier"/>
+              </a:rPr>
+              <a:t>## Warning: Removed 6 rows containing missing values (geom_point).</a:t>
+            </a:r>
+          </a:p>
+        </p:txBody>
+      </p:sp>
+    </p:spTree>
+  </p:cSld>
+</p:sld>
+</file>
+
+<file path=ppt/slides/slide9.xml><?xml version="1.0" encoding="utf-8"?>
+<p:sld xmlns:a="http://schemas.openxmlformats.org/drawingml/2006/main" xmlns:r="http://schemas.openxmlformats.org/officeDocument/2006/relationships" xmlns:p="http://schemas.openxmlformats.org/presentationml/2006/main">
+  <p:cSld>
+    <p:spTree>
+      <p:nvGrpSpPr>
+        <p:cNvPr id="1" name=""/>
+        <p:cNvGrpSpPr/>
+        <p:nvPr/>
+      </p:nvGrpSpPr>
+      <p:grpSpPr>
+        <a:xfrm>
+          <a:off x="0" y="0"/>
+          <a:ext cx="0" cy="0"/>
+          <a:chOff x="0" y="0"/>
+          <a:chExt cx="0" cy="0"/>
+        </a:xfrm>
+      </p:grpSpPr>
       <p:pic>
         <p:nvPicPr>
-          <p:cNvPr descr="Richard_Palmer_LiveSession_2_files/figure-pptx/unnamed-chunk-4-1.png" id="0" name="Picture 1"/>
+          <p:cNvPr descr="Richard_Palmer_LiveSession_2_files/figure-pptx/unnamed-chunk-6-1.png" id="0" name="Picture 1"/>
           <p:cNvPicPr>
             <a:picLocks noGrp="1" noChangeAspect="1"/>
           </p:cNvPicPr>
@@ -5971,370 +4392,6 @@
           </a:ln>
         </p:spPr>
       </p:pic>
-    </p:spTree>
-  </p:cSld>
-</p:sld>
-</file>
-
-<file path=ppt/slides/slide9.xml><?xml version="1.0" encoding="utf-8"?>
-<p:sld xmlns:a="http://schemas.openxmlformats.org/drawingml/2006/main" xmlns:r="http://schemas.openxmlformats.org/officeDocument/2006/relationships" xmlns:p="http://schemas.openxmlformats.org/presentationml/2006/main">
-  <p:cSld>
-    <p:spTree>
-      <p:nvGrpSpPr>
-        <p:cNvPr id="1" name=""/>
-        <p:cNvGrpSpPr/>
-        <p:nvPr/>
-      </p:nvGrpSpPr>
-      <p:grpSpPr>
-        <a:xfrm>
-          <a:off x="0" y="0"/>
-          <a:ext cx="0" cy="0"/>
-          <a:chOff x="0" y="0"/>
-          <a:chExt cx="0" cy="0"/>
-        </a:xfrm>
-      </p:grpSpPr>
-      <p:sp>
-        <p:nvSpPr>
-          <p:cNvPr id="2" name="Title 1"/>
-          <p:cNvSpPr>
-            <a:spLocks noGrp="1"/>
-          </p:cNvSpPr>
-          <p:nvPr>
-            <p:ph type="title"/>
-          </p:nvPr>
-        </p:nvSpPr>
-        <p:spPr/>
-        <p:txBody>
-          <a:bodyPr/>
-          <a:lstStyle/>
-          <a:p>
-            <a:pPr lvl="0" marL="0" indent="0">
-              <a:buNone/>
-            </a:pPr>
-            <a:r>
-              <a:rPr/>
-              <a:t>Question</a:t>
-            </a:r>
-            <a:r>
-              <a:rPr/>
-              <a:t> </a:t>
-            </a:r>
-            <a:r>
-              <a:rPr/>
-              <a:t>4</a:t>
-            </a:r>
-          </a:p>
-        </p:txBody>
-      </p:sp>
-      <p:sp>
-        <p:nvSpPr>
-          <p:cNvPr id="3" name="Content Placeholder 2"/>
-          <p:cNvSpPr>
-            <a:spLocks noGrp="1"/>
-          </p:cNvSpPr>
-          <p:nvPr>
-            <p:ph idx="1"/>
-          </p:nvPr>
-        </p:nvSpPr>
-        <p:spPr/>
-        <p:txBody>
-          <a:bodyPr/>
-          <a:lstStyle/>
-          <a:p>
-            <a:pPr lvl="0" marL="0" indent="0">
-              <a:buNone/>
-            </a:pPr>
-            <a:r>
-              <a:rPr/>
-              <a:t>Investigate distribution of height across all positions</a:t>
-            </a:r>
-          </a:p>
-          <a:p>
-            <a:pPr lvl="0" marL="1270000" indent="0">
-              <a:buNone/>
-            </a:pPr>
-            <a:r>
-              <a:rPr sz="1800">
-                <a:latin typeface="Courier"/>
-              </a:rPr>
-              <a:t>BBall </a:t>
-            </a:r>
-            <a:r>
-              <a:rPr sz="1800">
-                <a:solidFill>
-                  <a:srgbClr val="666666"/>
-                </a:solidFill>
-                <a:latin typeface="Courier"/>
-              </a:rPr>
-              <a:t>%&gt;%</a:t>
-            </a:r>
-            <a:r>
-              <a:rPr sz="1800">
-                <a:solidFill>
-                  <a:srgbClr val="4070A0"/>
-                </a:solidFill>
-                <a:latin typeface="Courier"/>
-              </a:rPr>
-              <a:t> </a:t>
-            </a:r>
-            <a:r>
-              <a:rPr sz="1800" b="1">
-                <a:solidFill>
-                  <a:srgbClr val="007020"/>
-                </a:solidFill>
-                <a:latin typeface="Courier"/>
-              </a:rPr>
-              <a:t>filter</a:t>
-            </a:r>
-            <a:r>
-              <a:rPr sz="1800">
-                <a:latin typeface="Courier"/>
-              </a:rPr>
-              <a:t>(position </a:t>
-            </a:r>
-            <a:r>
-              <a:rPr sz="1800">
-                <a:solidFill>
-                  <a:srgbClr val="666666"/>
-                </a:solidFill>
-                <a:latin typeface="Courier"/>
-              </a:rPr>
-              <a:t>!=</a:t>
-            </a:r>
-            <a:r>
-              <a:rPr sz="1800">
-                <a:solidFill>
-                  <a:srgbClr val="4070A0"/>
-                </a:solidFill>
-                <a:latin typeface="Courier"/>
-              </a:rPr>
-              <a:t> ""</a:t>
-            </a:r>
-            <a:r>
-              <a:rPr sz="1800">
-                <a:latin typeface="Courier"/>
-              </a:rPr>
-              <a:t>) </a:t>
-            </a:r>
-            <a:r>
-              <a:rPr sz="1800">
-                <a:solidFill>
-                  <a:srgbClr val="666666"/>
-                </a:solidFill>
-                <a:latin typeface="Courier"/>
-              </a:rPr>
-              <a:t>%&gt;%</a:t>
-            </a:r>
-            <a:r>
-              <a:rPr sz="1800">
-                <a:solidFill>
-                  <a:srgbClr val="4070A0"/>
-                </a:solidFill>
-                <a:latin typeface="Courier"/>
-              </a:rPr>
-              <a:t> </a:t>
-            </a:r>
-            <a:r>
-              <a:rPr sz="1800" b="1">
-                <a:solidFill>
-                  <a:srgbClr val="007020"/>
-                </a:solidFill>
-                <a:latin typeface="Courier"/>
-              </a:rPr>
-              <a:t>ggplot</a:t>
-            </a:r>
-            <a:r>
-              <a:rPr sz="1800">
-                <a:latin typeface="Courier"/>
-              </a:rPr>
-              <a:t>(</a:t>
-            </a:r>
-            <a:r>
-              <a:rPr sz="1800" b="1">
-                <a:solidFill>
-                  <a:srgbClr val="007020"/>
-                </a:solidFill>
-                <a:latin typeface="Courier"/>
-              </a:rPr>
-              <a:t>aes</a:t>
-            </a:r>
-            <a:r>
-              <a:rPr sz="1800">
-                <a:latin typeface="Courier"/>
-              </a:rPr>
-              <a:t>(</a:t>
-            </a:r>
-            <a:r>
-              <a:rPr sz="1800">
-                <a:solidFill>
-                  <a:srgbClr val="902000"/>
-                </a:solidFill>
-                <a:latin typeface="Courier"/>
-              </a:rPr>
-              <a:t>x=</a:t>
-            </a:r>
-            <a:r>
-              <a:rPr sz="1800">
-                <a:latin typeface="Courier"/>
-              </a:rPr>
-              <a:t>height_inches)) </a:t>
-            </a:r>
-            <a:r>
-              <a:rPr sz="1800">
-                <a:solidFill>
-                  <a:srgbClr val="666666"/>
-                </a:solidFill>
-                <a:latin typeface="Courier"/>
-              </a:rPr>
-              <a:t>+</a:t>
-            </a:r>
-            <a:r>
-              <a:rPr sz="1800">
-                <a:solidFill>
-                  <a:srgbClr val="4070A0"/>
-                </a:solidFill>
-                <a:latin typeface="Courier"/>
-              </a:rPr>
-              <a:t> </a:t>
-            </a:r>
-            <a:r>
-              <a:rPr sz="1800" b="1">
-                <a:solidFill>
-                  <a:srgbClr val="007020"/>
-                </a:solidFill>
-                <a:latin typeface="Courier"/>
-              </a:rPr>
-              <a:t>geom_histogram</a:t>
-            </a:r>
-            <a:r>
-              <a:rPr sz="1800">
-                <a:latin typeface="Courier"/>
-              </a:rPr>
-              <a:t>(</a:t>
-            </a:r>
-            <a:r>
-              <a:rPr sz="1800">
-                <a:solidFill>
-                  <a:srgbClr val="902000"/>
-                </a:solidFill>
-                <a:latin typeface="Courier"/>
-              </a:rPr>
-              <a:t>bins=</a:t>
-            </a:r>
-            <a:r>
-              <a:rPr sz="1800">
-                <a:solidFill>
-                  <a:srgbClr val="40A070"/>
-                </a:solidFill>
-                <a:latin typeface="Courier"/>
-              </a:rPr>
-              <a:t>20</a:t>
-            </a:r>
-            <a:r>
-              <a:rPr sz="1800">
-                <a:latin typeface="Courier"/>
-              </a:rPr>
-              <a:t>) </a:t>
-            </a:r>
-            <a:r>
-              <a:rPr sz="1800">
-                <a:solidFill>
-                  <a:srgbClr val="666666"/>
-                </a:solidFill>
-                <a:latin typeface="Courier"/>
-              </a:rPr>
-              <a:t>+</a:t>
-            </a:r>
-            <a:r>
-              <a:rPr sz="1800">
-                <a:solidFill>
-                  <a:srgbClr val="4070A0"/>
-                </a:solidFill>
-                <a:latin typeface="Courier"/>
-              </a:rPr>
-              <a:t> </a:t>
-            </a:r>
-            <a:r>
-              <a:rPr sz="1800" b="1">
-                <a:solidFill>
-                  <a:srgbClr val="007020"/>
-                </a:solidFill>
-                <a:latin typeface="Courier"/>
-              </a:rPr>
-              <a:t>ggtitle</a:t>
-            </a:r>
-            <a:r>
-              <a:rPr sz="1800">
-                <a:latin typeface="Courier"/>
-              </a:rPr>
-              <a:t>(</a:t>
-            </a:r>
-            <a:r>
-              <a:rPr sz="1800">
-                <a:solidFill>
-                  <a:srgbClr val="4070A0"/>
-                </a:solidFill>
-                <a:latin typeface="Courier"/>
-              </a:rPr>
-              <a:t>"Distribution of Height for all positions"</a:t>
-            </a:r>
-            <a:r>
-              <a:rPr sz="1800">
-                <a:latin typeface="Courier"/>
-              </a:rPr>
-              <a:t>) </a:t>
-            </a:r>
-            <a:r>
-              <a:rPr sz="1800">
-                <a:solidFill>
-                  <a:srgbClr val="666666"/>
-                </a:solidFill>
-                <a:latin typeface="Courier"/>
-              </a:rPr>
-              <a:t>+</a:t>
-            </a:r>
-            <a:r>
-              <a:rPr sz="1800">
-                <a:solidFill>
-                  <a:srgbClr val="4070A0"/>
-                </a:solidFill>
-                <a:latin typeface="Courier"/>
-              </a:rPr>
-              <a:t> </a:t>
-            </a:r>
-            <a:r>
-              <a:rPr sz="1800" b="1">
-                <a:solidFill>
-                  <a:srgbClr val="007020"/>
-                </a:solidFill>
-                <a:latin typeface="Courier"/>
-              </a:rPr>
-              <a:t>facet_wrap</a:t>
-            </a:r>
-            <a:r>
-              <a:rPr sz="1800">
-                <a:latin typeface="Courier"/>
-              </a:rPr>
-              <a:t>(</a:t>
-            </a:r>
-            <a:r>
-              <a:rPr sz="1800">
-                <a:solidFill>
-                  <a:srgbClr val="666666"/>
-                </a:solidFill>
-                <a:latin typeface="Courier"/>
-              </a:rPr>
-              <a:t>~</a:t>
-            </a:r>
-            <a:r>
-              <a:rPr sz="1800">
-                <a:latin typeface="Courier"/>
-              </a:rPr>
-              <a:t>position)</a:t>
-            </a:r>
-          </a:p>
-        </p:txBody>
-      </p:sp>
     </p:spTree>
   </p:cSld>
 </p:sld>

--- a/Unit 2/Richard_Palmer_LiveSession_2.pptx
+++ b/Unit 2/Richard_Palmer_LiveSession_2.pptx
@@ -16,11 +16,6 @@
     <p:sldId id="264" r:id="rId10"/>
     <p:sldId id="265" r:id="rId11"/>
     <p:sldId id="266" r:id="rId12"/>
-    <p:sldId id="267" r:id="rId13"/>
-    <p:sldId id="268" r:id="rId14"/>
-    <p:sldId id="269" r:id="rId15"/>
-    <p:sldId id="270" r:id="rId16"/>
-    <p:sldId id="271" r:id="rId17"/>
   </p:sldIdLst>
   <p:sldSz cx="9144000" cy="6858000" type="screen4x3"/>
   <p:notesSz cx="6858000" cy="9144000"/>
@@ -3279,7 +3274,7 @@
             </a:r>
             <a:r>
               <a:rPr/>
-              <a:t>6</a:t>
+              <a:t>9</a:t>
             </a:r>
           </a:p>
         </p:txBody>
@@ -3299,23 +3294,10 @@
           <a:bodyPr/>
           <a:lstStyle/>
           <a:p>
-            <a:pPr lvl="0" marL="0" indent="0">
-              <a:buNone/>
-            </a:pPr>
+            <a:pPr lvl="1"/>
             <a:r>
               <a:rPr/>
-              <a:t>Is there any difference in height/weight relationship among positions?</a:t>
-            </a:r>
-          </a:p>
-          <a:p>
-            <a:pPr lvl="0" marL="1270000" indent="0">
-              <a:buNone/>
-            </a:pPr>
-            <a:r>
-              <a:rPr sz="1800">
-                <a:latin typeface="Courier"/>
-              </a:rPr>
-              <a:t>## Warning: Removed 6 rows containing missing values (geom_point).</a:t>
+              <a:t>Colored by staying power (years played)  The Forwards and Guards are most likely to only play for one year.</a:t>
             </a:r>
           </a:p>
         </p:txBody>
@@ -3342,58 +3324,6 @@
           <a:chExt cx="0" cy="0"/>
         </a:xfrm>
       </p:grpSpPr>
-      <p:pic>
-        <p:nvPicPr>
-          <p:cNvPr descr="Richard_Palmer_LiveSession_2_files/figure-pptx/unnamed-chunk-7-1.png" id="0" name="Picture 1"/>
-          <p:cNvPicPr>
-            <a:picLocks noGrp="1" noChangeAspect="1"/>
-          </p:cNvPicPr>
-          <p:nvPr/>
-        </p:nvPicPr>
-        <p:blipFill>
-          <a:blip r:embed="rId2"/>
-          <a:stretch>
-            <a:fillRect/>
-          </a:stretch>
-        </p:blipFill>
-        <p:spPr bwMode="auto">
-          <a:xfrm>
-            <a:off x="1752600" y="1600200"/>
-            <a:ext cx="5651500" cy="4521200"/>
-          </a:xfrm>
-          <a:prstGeom prst="rect">
-            <a:avLst/>
-          </a:prstGeom>
-          <a:noFill/>
-          <a:ln w="9525">
-            <a:noFill/>
-            <a:headEnd/>
-            <a:tailEnd/>
-          </a:ln>
-        </p:spPr>
-      </p:pic>
-    </p:spTree>
-  </p:cSld>
-</p:sld>
-</file>
-
-<file path=ppt/slides/slide12.xml><?xml version="1.0" encoding="utf-8"?>
-<p:sld xmlns:a="http://schemas.openxmlformats.org/drawingml/2006/main" xmlns:r="http://schemas.openxmlformats.org/officeDocument/2006/relationships" xmlns:p="http://schemas.openxmlformats.org/presentationml/2006/main">
-  <p:cSld>
-    <p:spTree>
-      <p:nvGrpSpPr>
-        <p:cNvPr id="1" name=""/>
-        <p:cNvGrpSpPr/>
-        <p:nvPr/>
-      </p:nvGrpSpPr>
-      <p:grpSpPr>
-        <a:xfrm>
-          <a:off x="0" y="0"/>
-          <a:ext cx="0" cy="0"/>
-          <a:chOff x="0" y="0"/>
-          <a:chExt cx="0" cy="0"/>
-        </a:xfrm>
-      </p:grpSpPr>
       <p:sp>
         <p:nvSpPr>
           <p:cNvPr id="2" name="Title 1"/>
@@ -3422,7 +3352,7 @@
             </a:r>
             <a:r>
               <a:rPr/>
-              <a:t>7</a:t>
+              <a:t>10</a:t>
             </a:r>
           </a:p>
         </p:txBody>
@@ -3447,277 +3377,7 @@
             </a:pPr>
             <a:r>
               <a:rPr/>
-              <a:t>Is there any evidence that height has changed over the years?</a:t>
-            </a:r>
-          </a:p>
-          <a:p>
-            <a:pPr lvl="0" marL="1270000" indent="0">
-              <a:buNone/>
-            </a:pPr>
-            <a:r>
-              <a:rPr sz="1800">
-                <a:latin typeface="Courier"/>
-              </a:rPr>
-              <a:t>## Warning: Removed 1 rows containing missing values (geom_point).</a:t>
-            </a:r>
-          </a:p>
-        </p:txBody>
-      </p:sp>
-    </p:spTree>
-  </p:cSld>
-</p:sld>
-</file>
-
-<file path=ppt/slides/slide13.xml><?xml version="1.0" encoding="utf-8"?>
-<p:sld xmlns:a="http://schemas.openxmlformats.org/drawingml/2006/main" xmlns:r="http://schemas.openxmlformats.org/officeDocument/2006/relationships" xmlns:p="http://schemas.openxmlformats.org/presentationml/2006/main">
-  <p:cSld>
-    <p:spTree>
-      <p:nvGrpSpPr>
-        <p:cNvPr id="1" name=""/>
-        <p:cNvGrpSpPr/>
-        <p:nvPr/>
-      </p:nvGrpSpPr>
-      <p:grpSpPr>
-        <a:xfrm>
-          <a:off x="0" y="0"/>
-          <a:ext cx="0" cy="0"/>
-          <a:chOff x="0" y="0"/>
-          <a:chExt cx="0" cy="0"/>
-        </a:xfrm>
-      </p:grpSpPr>
-      <p:pic>
-        <p:nvPicPr>
-          <p:cNvPr descr="Richard_Palmer_LiveSession_2_files/figure-pptx/unnamed-chunk-8-1.png" id="0" name="Picture 1"/>
-          <p:cNvPicPr>
-            <a:picLocks noGrp="1" noChangeAspect="1"/>
-          </p:cNvPicPr>
-          <p:nvPr/>
-        </p:nvPicPr>
-        <p:blipFill>
-          <a:blip r:embed="rId2"/>
-          <a:stretch>
-            <a:fillRect/>
-          </a:stretch>
-        </p:blipFill>
-        <p:spPr bwMode="auto">
-          <a:xfrm>
-            <a:off x="1752600" y="1600200"/>
-            <a:ext cx="5651500" cy="4521200"/>
-          </a:xfrm>
-          <a:prstGeom prst="rect">
-            <a:avLst/>
-          </a:prstGeom>
-          <a:noFill/>
-          <a:ln w="9525">
-            <a:noFill/>
-            <a:headEnd/>
-            <a:tailEnd/>
-          </a:ln>
-        </p:spPr>
-      </p:pic>
-    </p:spTree>
-  </p:cSld>
-</p:sld>
-</file>
-
-<file path=ppt/slides/slide14.xml><?xml version="1.0" encoding="utf-8"?>
-<p:sld xmlns:a="http://schemas.openxmlformats.org/drawingml/2006/main" xmlns:r="http://schemas.openxmlformats.org/officeDocument/2006/relationships" xmlns:p="http://schemas.openxmlformats.org/presentationml/2006/main">
-  <p:cSld>
-    <p:spTree>
-      <p:nvGrpSpPr>
-        <p:cNvPr id="1" name=""/>
-        <p:cNvGrpSpPr/>
-        <p:nvPr/>
-      </p:nvGrpSpPr>
-      <p:grpSpPr>
-        <a:xfrm>
-          <a:off x="0" y="0"/>
-          <a:ext cx="0" cy="0"/>
-          <a:chOff x="0" y="0"/>
-          <a:chExt cx="0" cy="0"/>
-        </a:xfrm>
-      </p:grpSpPr>
-      <p:sp>
-        <p:nvSpPr>
-          <p:cNvPr id="3" name="Content Placeholder 2"/>
-          <p:cNvSpPr>
-            <a:spLocks noGrp="1"/>
-          </p:cNvSpPr>
-          <p:nvPr>
-            <p:ph idx="1"/>
-          </p:nvPr>
-        </p:nvSpPr>
-        <p:spPr/>
-        <p:txBody>
-          <a:bodyPr/>
-          <a:lstStyle/>
-          <a:p>
-            <a:pPr lvl="0" marL="0" indent="0">
-              <a:buNone/>
-            </a:pPr>
-            <a:r>
-              <a:rPr/>
-              <a:t> ## Question 8 3D plot of height versus weight versus year, colored by position</a:t>
-            </a:r>
-          </a:p>
-        </p:txBody>
-      </p:sp>
-    </p:spTree>
-  </p:cSld>
-</p:sld>
-</file>
-
-<file path=ppt/slides/slide15.xml><?xml version="1.0" encoding="utf-8"?>
-<p:sld xmlns:a="http://schemas.openxmlformats.org/drawingml/2006/main" xmlns:r="http://schemas.openxmlformats.org/officeDocument/2006/relationships" xmlns:p="http://schemas.openxmlformats.org/presentationml/2006/main">
-  <p:cSld>
-    <p:spTree>
-      <p:nvGrpSpPr>
-        <p:cNvPr id="1" name=""/>
-        <p:cNvGrpSpPr/>
-        <p:nvPr/>
-      </p:nvGrpSpPr>
-      <p:grpSpPr>
-        <a:xfrm>
-          <a:off x="0" y="0"/>
-          <a:ext cx="0" cy="0"/>
-          <a:chOff x="0" y="0"/>
-          <a:chExt cx="0" cy="0"/>
-        </a:xfrm>
-      </p:grpSpPr>
-      <p:sp>
-        <p:nvSpPr>
-          <p:cNvPr id="2" name="Title 1"/>
-          <p:cNvSpPr>
-            <a:spLocks noGrp="1"/>
-          </p:cNvSpPr>
-          <p:nvPr>
-            <p:ph type="title"/>
-          </p:nvPr>
-        </p:nvSpPr>
-        <p:spPr/>
-        <p:txBody>
-          <a:bodyPr/>
-          <a:lstStyle/>
-          <a:p>
-            <a:pPr lvl="0" marL="0" indent="0">
-              <a:buNone/>
-            </a:pPr>
-            <a:r>
-              <a:rPr/>
-              <a:t>Question</a:t>
-            </a:r>
-            <a:r>
-              <a:rPr/>
-              <a:t> </a:t>
-            </a:r>
-            <a:r>
-              <a:rPr/>
-              <a:t>9</a:t>
-            </a:r>
-          </a:p>
-        </p:txBody>
-      </p:sp>
-      <p:sp>
-        <p:nvSpPr>
-          <p:cNvPr id="3" name="Content Placeholder 2"/>
-          <p:cNvSpPr>
-            <a:spLocks noGrp="1"/>
-          </p:cNvSpPr>
-          <p:nvPr>
-            <p:ph idx="1"/>
-          </p:nvPr>
-        </p:nvSpPr>
-        <p:spPr/>
-        <p:txBody>
-          <a:bodyPr/>
-          <a:lstStyle/>
-          <a:p>
-            <a:pPr lvl="0" marL="0" indent="0">
-              <a:buNone/>
-            </a:pPr>
-            <a:r>
-              <a:rPr/>
-              <a:t>Visualize some new aspect of the data </a:t>
-            </a:r>
-          </a:p>
-        </p:txBody>
-      </p:sp>
-    </p:spTree>
-  </p:cSld>
-</p:sld>
-</file>
-
-<file path=ppt/slides/slide16.xml><?xml version="1.0" encoding="utf-8"?>
-<p:sld xmlns:a="http://schemas.openxmlformats.org/drawingml/2006/main" xmlns:r="http://schemas.openxmlformats.org/officeDocument/2006/relationships" xmlns:p="http://schemas.openxmlformats.org/presentationml/2006/main">
-  <p:cSld>
-    <p:spTree>
-      <p:nvGrpSpPr>
-        <p:cNvPr id="1" name=""/>
-        <p:cNvGrpSpPr/>
-        <p:nvPr/>
-      </p:nvGrpSpPr>
-      <p:grpSpPr>
-        <a:xfrm>
-          <a:off x="0" y="0"/>
-          <a:ext cx="0" cy="0"/>
-          <a:chOff x="0" y="0"/>
-          <a:chExt cx="0" cy="0"/>
-        </a:xfrm>
-      </p:grpSpPr>
-      <p:sp>
-        <p:nvSpPr>
-          <p:cNvPr id="2" name="Title 1"/>
-          <p:cNvSpPr>
-            <a:spLocks noGrp="1"/>
-          </p:cNvSpPr>
-          <p:nvPr>
-            <p:ph type="title"/>
-          </p:nvPr>
-        </p:nvSpPr>
-        <p:spPr/>
-        <p:txBody>
-          <a:bodyPr/>
-          <a:lstStyle/>
-          <a:p>
-            <a:pPr lvl="0" marL="0" indent="0">
-              <a:buNone/>
-            </a:pPr>
-            <a:r>
-              <a:rPr/>
-              <a:t>Question</a:t>
-            </a:r>
-            <a:r>
-              <a:rPr/>
-              <a:t> </a:t>
-            </a:r>
-            <a:r>
-              <a:rPr/>
-              <a:t>10</a:t>
-            </a:r>
-          </a:p>
-        </p:txBody>
-      </p:sp>
-      <p:sp>
-        <p:nvSpPr>
-          <p:cNvPr id="3" name="Content Placeholder 2"/>
-          <p:cNvSpPr>
-            <a:spLocks noGrp="1"/>
-          </p:cNvSpPr>
-          <p:nvPr>
-            <p:ph idx="1"/>
-          </p:nvPr>
-        </p:nvSpPr>
-        <p:spPr/>
-        <p:txBody>
-          <a:bodyPr/>
-          <a:lstStyle/>
-          <a:p>
-            <a:pPr lvl="0" marL="0" indent="0">
-              <a:buNone/>
-            </a:pPr>
-            <a:r>
-              <a:rPr/>
-              <a:t>Test the claim that the distribution of income increases as the education level rises. </a:t>
+              <a:t>Test the claim that the distribution of income increases as the education level rises.  Visualy, it doea appear that the distribution of incomes increases with each successive group.</a:t>
             </a:r>
           </a:p>
         </p:txBody>
@@ -3941,7 +3601,7 @@
             </a:pPr>
             <a:r>
               <a:rPr/>
-              <a:t>Show the number of players per position </a:t>
+              <a:t>Show the number of players per position  There are a great many more Guards and Forwards than Centers.</a:t>
             </a:r>
           </a:p>
         </p:txBody>
@@ -4021,18 +3681,7 @@
             </a:pPr>
             <a:r>
               <a:rPr/>
-              <a:t>Compare the distribution of weight of centers with that of the weight of forwards</a:t>
-            </a:r>
-          </a:p>
-          <a:p>
-            <a:pPr lvl="0" marL="1270000" indent="0">
-              <a:buNone/>
-            </a:pPr>
-            <a:r>
-              <a:rPr sz="1800">
-                <a:latin typeface="Courier"/>
-              </a:rPr>
-              <a:t>## Warning: Removed 3 rows containing non-finite values (stat_bin).</a:t>
+              <a:t>Compare the distribution of weight of centers with that of the weight of forwards  Centers seem to be somewhat taller than Forwards.</a:t>
             </a:r>
           </a:p>
         </p:txBody>
@@ -4059,36 +3708,64 @@
           <a:chExt cx="0" cy="0"/>
         </a:xfrm>
       </p:grpSpPr>
-      <p:pic>
-        <p:nvPicPr>
-          <p:cNvPr descr="Richard_Palmer_LiveSession_2_files/figure-pptx/unnamed-chunk-3-1.png" id="0" name="Picture 1"/>
-          <p:cNvPicPr>
-            <a:picLocks noGrp="1" noChangeAspect="1"/>
-          </p:cNvPicPr>
-          <p:nvPr/>
-        </p:nvPicPr>
-        <p:blipFill>
-          <a:blip r:embed="rId2"/>
-          <a:stretch>
-            <a:fillRect/>
-          </a:stretch>
-        </p:blipFill>
-        <p:spPr bwMode="auto">
-          <a:xfrm>
-            <a:off x="1752600" y="1600200"/>
-            <a:ext cx="5651500" cy="4521200"/>
-          </a:xfrm>
-          <a:prstGeom prst="rect">
-            <a:avLst/>
-          </a:prstGeom>
-          <a:noFill/>
-          <a:ln w="9525">
-            <a:noFill/>
-            <a:headEnd/>
-            <a:tailEnd/>
-          </a:ln>
-        </p:spPr>
-      </p:pic>
+      <p:sp>
+        <p:nvSpPr>
+          <p:cNvPr id="2" name="Title 1"/>
+          <p:cNvSpPr>
+            <a:spLocks noGrp="1"/>
+          </p:cNvSpPr>
+          <p:nvPr>
+            <p:ph type="title"/>
+          </p:nvPr>
+        </p:nvSpPr>
+        <p:spPr/>
+        <p:txBody>
+          <a:bodyPr/>
+          <a:lstStyle/>
+          <a:p>
+            <a:pPr lvl="0" marL="0" indent="0">
+              <a:buNone/>
+            </a:pPr>
+            <a:r>
+              <a:rPr/>
+              <a:t>Question</a:t>
+            </a:r>
+            <a:r>
+              <a:rPr/>
+              <a:t> </a:t>
+            </a:r>
+            <a:r>
+              <a:rPr/>
+              <a:t>3</a:t>
+            </a:r>
+          </a:p>
+        </p:txBody>
+      </p:sp>
+      <p:sp>
+        <p:nvSpPr>
+          <p:cNvPr id="3" name="Content Placeholder 2"/>
+          <p:cNvSpPr>
+            <a:spLocks noGrp="1"/>
+          </p:cNvSpPr>
+          <p:nvPr>
+            <p:ph idx="1"/>
+          </p:nvPr>
+        </p:nvSpPr>
+        <p:spPr/>
+        <p:txBody>
+          <a:bodyPr/>
+          <a:lstStyle/>
+          <a:p>
+            <a:pPr lvl="0" marL="0" indent="0">
+              <a:buNone/>
+            </a:pPr>
+            <a:r>
+              <a:rPr/>
+              <a:t>Compare the distribution of the height of centers with that of the height of forwards  Centers are somewhat taller than Forwards.</a:t>
+            </a:r>
+          </a:p>
+        </p:txBody>
+      </p:sp>
     </p:spTree>
   </p:cSld>
 </p:sld>
@@ -4139,7 +3816,7 @@
             </a:r>
             <a:r>
               <a:rPr/>
-              <a:t>3</a:t>
+              <a:t>4</a:t>
             </a:r>
           </a:p>
         </p:txBody>
@@ -4164,7 +3841,7 @@
             </a:pPr>
             <a:r>
               <a:rPr/>
-              <a:t>Compare the distribution of the height of centers with that of the height of forwards </a:t>
+              <a:t>Investigate distribution of height across all positions  The distribution of height for Centers and Forwards is clearly larger than that of Guards.</a:t>
             </a:r>
           </a:p>
         </p:txBody>
@@ -4219,7 +3896,7 @@
             </a:r>
             <a:r>
               <a:rPr/>
-              <a:t>4</a:t>
+              <a:t>5</a:t>
             </a:r>
           </a:p>
         </p:txBody>
@@ -4244,7 +3921,7 @@
             </a:pPr>
             <a:r>
               <a:rPr/>
-              <a:t>Investigate distribution of height across all positions </a:t>
+              <a:t>Investigate how a players height is related to his weight  There is clearly a strong, apparently linear relationship between weight and height. There is more variation in weight for taller players.</a:t>
             </a:r>
           </a:p>
         </p:txBody>
@@ -4299,7 +3976,7 @@
             </a:r>
             <a:r>
               <a:rPr/>
-              <a:t>5</a:t>
+              <a:t>6</a:t>
             </a:r>
           </a:p>
         </p:txBody>
@@ -4324,18 +4001,7 @@
             </a:pPr>
             <a:r>
               <a:rPr/>
-              <a:t>Investigate how a players height is related to his weight</a:t>
-            </a:r>
-          </a:p>
-          <a:p>
-            <a:pPr lvl="0" marL="1270000" indent="0">
-              <a:buNone/>
-            </a:pPr>
-            <a:r>
-              <a:rPr sz="1800">
-                <a:latin typeface="Courier"/>
-              </a:rPr>
-              <a:t>## Warning: Removed 6 rows containing missing values (geom_point).</a:t>
+              <a:t>Is there any difference in height/weight relationship among positions?  It is difficult to identify a different trend of height to weight by position. It might be that the slope is not so great for Centers as for Guards, but this effect might instead simply be a consequence of taller players being Centers.</a:t>
             </a:r>
           </a:p>
         </p:txBody>
@@ -4362,36 +4028,64 @@
           <a:chExt cx="0" cy="0"/>
         </a:xfrm>
       </p:grpSpPr>
-      <p:pic>
-        <p:nvPicPr>
-          <p:cNvPr descr="Richard_Palmer_LiveSession_2_files/figure-pptx/unnamed-chunk-6-1.png" id="0" name="Picture 1"/>
-          <p:cNvPicPr>
-            <a:picLocks noGrp="1" noChangeAspect="1"/>
-          </p:cNvPicPr>
-          <p:nvPr/>
-        </p:nvPicPr>
-        <p:blipFill>
-          <a:blip r:embed="rId2"/>
-          <a:stretch>
-            <a:fillRect/>
-          </a:stretch>
-        </p:blipFill>
-        <p:spPr bwMode="auto">
-          <a:xfrm>
-            <a:off x="1752600" y="1600200"/>
-            <a:ext cx="5651500" cy="4521200"/>
-          </a:xfrm>
-          <a:prstGeom prst="rect">
-            <a:avLst/>
-          </a:prstGeom>
-          <a:noFill/>
-          <a:ln w="9525">
-            <a:noFill/>
-            <a:headEnd/>
-            <a:tailEnd/>
-          </a:ln>
-        </p:spPr>
-      </p:pic>
+      <p:sp>
+        <p:nvSpPr>
+          <p:cNvPr id="2" name="Title 1"/>
+          <p:cNvSpPr>
+            <a:spLocks noGrp="1"/>
+          </p:cNvSpPr>
+          <p:nvPr>
+            <p:ph type="title"/>
+          </p:nvPr>
+        </p:nvSpPr>
+        <p:spPr/>
+        <p:txBody>
+          <a:bodyPr/>
+          <a:lstStyle/>
+          <a:p>
+            <a:pPr lvl="0" marL="0" indent="0">
+              <a:buNone/>
+            </a:pPr>
+            <a:r>
+              <a:rPr/>
+              <a:t>Question</a:t>
+            </a:r>
+            <a:r>
+              <a:rPr/>
+              <a:t> </a:t>
+            </a:r>
+            <a:r>
+              <a:rPr/>
+              <a:t>7</a:t>
+            </a:r>
+          </a:p>
+        </p:txBody>
+      </p:sp>
+      <p:sp>
+        <p:nvSpPr>
+          <p:cNvPr id="3" name="Content Placeholder 2"/>
+          <p:cNvSpPr>
+            <a:spLocks noGrp="1"/>
+          </p:cNvSpPr>
+          <p:nvPr>
+            <p:ph idx="1"/>
+          </p:nvPr>
+        </p:nvSpPr>
+        <p:spPr/>
+        <p:txBody>
+          <a:bodyPr/>
+          <a:lstStyle/>
+          <a:p>
+            <a:pPr lvl="0" marL="0" indent="0">
+              <a:buNone/>
+            </a:pPr>
+            <a:r>
+              <a:rPr/>
+              <a:t>Is there any evidence that height has changed over the years?  It does appear tha there has been an increase in the range of heights over the years. ## Question 8 3D plot of height versus weight versus year, colored by position</a:t>
+            </a:r>
+          </a:p>
+        </p:txBody>
+      </p:sp>
     </p:spTree>
   </p:cSld>
 </p:sld>

--- a/Unit 2/Richard_Palmer_LiveSession_2.pptx
+++ b/Unit 2/Richard_Palmer_LiveSession_2.pptx
@@ -16,6 +16,24 @@
     <p:sldId id="264" r:id="rId10"/>
     <p:sldId id="265" r:id="rId11"/>
     <p:sldId id="266" r:id="rId12"/>
+    <p:sldId id="267" r:id="rId13"/>
+    <p:sldId id="268" r:id="rId14"/>
+    <p:sldId id="269" r:id="rId15"/>
+    <p:sldId id="270" r:id="rId16"/>
+    <p:sldId id="271" r:id="rId17"/>
+    <p:sldId id="272" r:id="rId18"/>
+    <p:sldId id="273" r:id="rId19"/>
+    <p:sldId id="274" r:id="rId20"/>
+    <p:sldId id="275" r:id="rId21"/>
+    <p:sldId id="276" r:id="rId22"/>
+    <p:sldId id="277" r:id="rId23"/>
+    <p:sldId id="278" r:id="rId24"/>
+    <p:sldId id="279" r:id="rId25"/>
+    <p:sldId id="280" r:id="rId26"/>
+    <p:sldId id="281" r:id="rId27"/>
+    <p:sldId id="282" r:id="rId28"/>
+    <p:sldId id="283" r:id="rId29"/>
+    <p:sldId id="284" r:id="rId30"/>
   </p:sldIdLst>
   <p:sldSz cx="9144000" cy="6858000" type="screen4x3"/>
   <p:notesSz cx="6858000" cy="9144000"/>
@@ -3246,62 +3264,36 @@
           <a:chExt cx="0" cy="0"/>
         </a:xfrm>
       </p:grpSpPr>
-      <p:sp>
-        <p:nvSpPr>
-          <p:cNvPr id="2" name="Title 1"/>
-          <p:cNvSpPr>
-            <a:spLocks noGrp="1"/>
-          </p:cNvSpPr>
-          <p:nvPr>
-            <p:ph type="title"/>
-          </p:nvPr>
-        </p:nvSpPr>
-        <p:spPr/>
-        <p:txBody>
-          <a:bodyPr/>
-          <a:lstStyle/>
-          <a:p>
-            <a:pPr lvl="0" marL="0" indent="0">
-              <a:buNone/>
-            </a:pPr>
-            <a:r>
-              <a:rPr/>
-              <a:t>Question</a:t>
-            </a:r>
-            <a:r>
-              <a:rPr/>
-              <a:t> </a:t>
-            </a:r>
-            <a:r>
-              <a:rPr/>
-              <a:t>9</a:t>
-            </a:r>
-          </a:p>
-        </p:txBody>
-      </p:sp>
-      <p:sp>
-        <p:nvSpPr>
-          <p:cNvPr id="3" name="Content Placeholder 2"/>
-          <p:cNvSpPr>
-            <a:spLocks noGrp="1"/>
-          </p:cNvSpPr>
-          <p:nvPr>
-            <p:ph idx="1"/>
-          </p:nvPr>
-        </p:nvSpPr>
-        <p:spPr/>
-        <p:txBody>
-          <a:bodyPr/>
-          <a:lstStyle/>
-          <a:p>
-            <a:pPr lvl="1"/>
-            <a:r>
-              <a:rPr/>
-              <a:t>Colored by staying power (years played)  The Forwards and Guards are most likely to only play for one year.</a:t>
-            </a:r>
-          </a:p>
-        </p:txBody>
-      </p:sp>
+      <p:pic>
+        <p:nvPicPr>
+          <p:cNvPr descr="Richard_Palmer_LiveSession_2_files/figure-pptx/unnamed-chunk-4-1.png" id="0" name="Picture 1"/>
+          <p:cNvPicPr>
+            <a:picLocks noGrp="1" noChangeAspect="1"/>
+          </p:cNvPicPr>
+          <p:nvPr/>
+        </p:nvPicPr>
+        <p:blipFill>
+          <a:blip r:embed="rId2"/>
+          <a:stretch>
+            <a:fillRect/>
+          </a:stretch>
+        </p:blipFill>
+        <p:spPr bwMode="auto">
+          <a:xfrm>
+            <a:off x="1752600" y="1600200"/>
+            <a:ext cx="5651500" cy="4521200"/>
+          </a:xfrm>
+          <a:prstGeom prst="rect">
+            <a:avLst/>
+          </a:prstGeom>
+          <a:noFill/>
+          <a:ln w="9525">
+            <a:noFill/>
+            <a:headEnd/>
+            <a:tailEnd/>
+          </a:ln>
+        </p:spPr>
+      </p:pic>
     </p:spTree>
   </p:cSld>
 </p:sld>
@@ -3326,6 +3318,53 @@
       </p:grpSpPr>
       <p:sp>
         <p:nvSpPr>
+          <p:cNvPr id="3" name="Content Placeholder 2"/>
+          <p:cNvSpPr>
+            <a:spLocks noGrp="1"/>
+          </p:cNvSpPr>
+          <p:nvPr>
+            <p:ph idx="1"/>
+          </p:nvPr>
+        </p:nvSpPr>
+        <p:spPr/>
+        <p:txBody>
+          <a:bodyPr/>
+          <a:lstStyle/>
+          <a:p>
+            <a:pPr lvl="0" marL="0" indent="0">
+              <a:buNone/>
+            </a:pPr>
+            <a:r>
+              <a:rPr/>
+              <a:t> Centers are somewhat taller than Forwards.</a:t>
+            </a:r>
+          </a:p>
+        </p:txBody>
+      </p:sp>
+    </p:spTree>
+  </p:cSld>
+</p:sld>
+</file>
+
+<file path=ppt/slides/slide12.xml><?xml version="1.0" encoding="utf-8"?>
+<p:sld xmlns:a="http://schemas.openxmlformats.org/drawingml/2006/main" xmlns:r="http://schemas.openxmlformats.org/officeDocument/2006/relationships" xmlns:p="http://schemas.openxmlformats.org/presentationml/2006/main">
+  <p:cSld>
+    <p:spTree>
+      <p:nvGrpSpPr>
+        <p:cNvPr id="1" name=""/>
+        <p:cNvGrpSpPr/>
+        <p:nvPr/>
+      </p:nvGrpSpPr>
+      <p:grpSpPr>
+        <a:xfrm>
+          <a:off x="0" y="0"/>
+          <a:ext cx="0" cy="0"/>
+          <a:chOff x="0" y="0"/>
+          <a:chExt cx="0" cy="0"/>
+        </a:xfrm>
+      </p:grpSpPr>
+      <p:sp>
+        <p:nvSpPr>
           <p:cNvPr id="2" name="Title 1"/>
           <p:cNvSpPr>
             <a:spLocks noGrp="1"/>
@@ -3352,7 +3391,7 @@
             </a:r>
             <a:r>
               <a:rPr/>
-              <a:t>10</a:t>
+              <a:t>4</a:t>
             </a:r>
           </a:p>
         </p:txBody>
@@ -3377,11 +3416,1291 @@
             </a:pPr>
             <a:r>
               <a:rPr/>
-              <a:t>Test the claim that the distribution of income increases as the education level rises.  Visualy, it doea appear that the distribution of incomes increases with each successive group.</a:t>
-            </a:r>
-          </a:p>
-        </p:txBody>
-      </p:sp>
+              <a:t>Investigate distribution of height across all positions</a:t>
+            </a:r>
+          </a:p>
+          <a:p>
+            <a:pPr lvl="0" marL="1270000" indent="0">
+              <a:buNone/>
+            </a:pPr>
+            <a:r>
+              <a:rPr sz="1800">
+                <a:latin typeface="Courier"/>
+              </a:rPr>
+              <a:t>BBall </a:t>
+            </a:r>
+            <a:r>
+              <a:rPr sz="1800">
+                <a:solidFill>
+                  <a:srgbClr val="666666"/>
+                </a:solidFill>
+                <a:latin typeface="Courier"/>
+              </a:rPr>
+              <a:t>%&gt;%</a:t>
+            </a:r>
+            <a:r>
+              <a:rPr sz="1800">
+                <a:solidFill>
+                  <a:srgbClr val="4070A0"/>
+                </a:solidFill>
+                <a:latin typeface="Courier"/>
+              </a:rPr>
+              <a:t> </a:t>
+            </a:r>
+            <a:r>
+              <a:rPr sz="1800" b="1">
+                <a:solidFill>
+                  <a:srgbClr val="007020"/>
+                </a:solidFill>
+                <a:latin typeface="Courier"/>
+              </a:rPr>
+              <a:t>filter</a:t>
+            </a:r>
+            <a:r>
+              <a:rPr sz="1800">
+                <a:latin typeface="Courier"/>
+              </a:rPr>
+              <a:t>(position </a:t>
+            </a:r>
+            <a:r>
+              <a:rPr sz="1800">
+                <a:solidFill>
+                  <a:srgbClr val="666666"/>
+                </a:solidFill>
+                <a:latin typeface="Courier"/>
+              </a:rPr>
+              <a:t>!=</a:t>
+            </a:r>
+            <a:r>
+              <a:rPr sz="1800">
+                <a:solidFill>
+                  <a:srgbClr val="4070A0"/>
+                </a:solidFill>
+                <a:latin typeface="Courier"/>
+              </a:rPr>
+              <a:t> ""</a:t>
+            </a:r>
+            <a:r>
+              <a:rPr sz="1800">
+                <a:latin typeface="Courier"/>
+              </a:rPr>
+              <a:t>) </a:t>
+            </a:r>
+            <a:r>
+              <a:rPr sz="1800">
+                <a:solidFill>
+                  <a:srgbClr val="666666"/>
+                </a:solidFill>
+                <a:latin typeface="Courier"/>
+              </a:rPr>
+              <a:t>%&gt;%</a:t>
+            </a:r>
+            <a:r>
+              <a:rPr sz="1800">
+                <a:solidFill>
+                  <a:srgbClr val="4070A0"/>
+                </a:solidFill>
+                <a:latin typeface="Courier"/>
+              </a:rPr>
+              <a:t> </a:t>
+            </a:r>
+            <a:r>
+              <a:rPr sz="1800" b="1">
+                <a:solidFill>
+                  <a:srgbClr val="007020"/>
+                </a:solidFill>
+                <a:latin typeface="Courier"/>
+              </a:rPr>
+              <a:t>drop_na</a:t>
+            </a:r>
+            <a:r>
+              <a:rPr sz="1800">
+                <a:latin typeface="Courier"/>
+              </a:rPr>
+              <a:t>(height_inches) </a:t>
+            </a:r>
+            <a:r>
+              <a:rPr sz="1800">
+                <a:solidFill>
+                  <a:srgbClr val="666666"/>
+                </a:solidFill>
+                <a:latin typeface="Courier"/>
+              </a:rPr>
+              <a:t>%&gt;%</a:t>
+            </a:r>
+            <a:r>
+              <a:rPr sz="1800">
+                <a:solidFill>
+                  <a:srgbClr val="4070A0"/>
+                </a:solidFill>
+                <a:latin typeface="Courier"/>
+              </a:rPr>
+              <a:t> </a:t>
+            </a:r>
+            <a:r>
+              <a:rPr sz="1800" b="1">
+                <a:solidFill>
+                  <a:srgbClr val="007020"/>
+                </a:solidFill>
+                <a:latin typeface="Courier"/>
+              </a:rPr>
+              <a:t>ggplot</a:t>
+            </a:r>
+            <a:r>
+              <a:rPr sz="1800">
+                <a:latin typeface="Courier"/>
+              </a:rPr>
+              <a:t>(</a:t>
+            </a:r>
+            <a:r>
+              <a:rPr sz="1800" b="1">
+                <a:solidFill>
+                  <a:srgbClr val="007020"/>
+                </a:solidFill>
+                <a:latin typeface="Courier"/>
+              </a:rPr>
+              <a:t>aes</a:t>
+            </a:r>
+            <a:r>
+              <a:rPr sz="1800">
+                <a:latin typeface="Courier"/>
+              </a:rPr>
+              <a:t>(</a:t>
+            </a:r>
+            <a:r>
+              <a:rPr sz="1800">
+                <a:solidFill>
+                  <a:srgbClr val="902000"/>
+                </a:solidFill>
+                <a:latin typeface="Courier"/>
+              </a:rPr>
+              <a:t>x=</a:t>
+            </a:r>
+            <a:r>
+              <a:rPr sz="1800">
+                <a:latin typeface="Courier"/>
+              </a:rPr>
+              <a:t>height_inches)) </a:t>
+            </a:r>
+            <a:r>
+              <a:rPr sz="1800">
+                <a:solidFill>
+                  <a:srgbClr val="666666"/>
+                </a:solidFill>
+                <a:latin typeface="Courier"/>
+              </a:rPr>
+              <a:t>+</a:t>
+            </a:r>
+            <a:r>
+              <a:rPr sz="1800">
+                <a:solidFill>
+                  <a:srgbClr val="4070A0"/>
+                </a:solidFill>
+                <a:latin typeface="Courier"/>
+              </a:rPr>
+              <a:t> </a:t>
+            </a:r>
+            <a:r>
+              <a:rPr sz="1800" b="1">
+                <a:solidFill>
+                  <a:srgbClr val="007020"/>
+                </a:solidFill>
+                <a:latin typeface="Courier"/>
+              </a:rPr>
+              <a:t>geom_histogram</a:t>
+            </a:r>
+            <a:r>
+              <a:rPr sz="1800">
+                <a:latin typeface="Courier"/>
+              </a:rPr>
+              <a:t>(</a:t>
+            </a:r>
+            <a:r>
+              <a:rPr sz="1800">
+                <a:solidFill>
+                  <a:srgbClr val="902000"/>
+                </a:solidFill>
+                <a:latin typeface="Courier"/>
+              </a:rPr>
+              <a:t>bins=</a:t>
+            </a:r>
+            <a:r>
+              <a:rPr sz="1800">
+                <a:solidFill>
+                  <a:srgbClr val="40A070"/>
+                </a:solidFill>
+                <a:latin typeface="Courier"/>
+              </a:rPr>
+              <a:t>21</a:t>
+            </a:r>
+            <a:r>
+              <a:rPr sz="1800">
+                <a:latin typeface="Courier"/>
+              </a:rPr>
+              <a:t>) </a:t>
+            </a:r>
+            <a:r>
+              <a:rPr sz="1800">
+                <a:solidFill>
+                  <a:srgbClr val="666666"/>
+                </a:solidFill>
+                <a:latin typeface="Courier"/>
+              </a:rPr>
+              <a:t>+</a:t>
+            </a:r>
+            <a:r>
+              <a:rPr sz="1800">
+                <a:solidFill>
+                  <a:srgbClr val="4070A0"/>
+                </a:solidFill>
+                <a:latin typeface="Courier"/>
+              </a:rPr>
+              <a:t> </a:t>
+            </a:r>
+            <a:r>
+              <a:rPr sz="1800" b="1">
+                <a:solidFill>
+                  <a:srgbClr val="007020"/>
+                </a:solidFill>
+                <a:latin typeface="Courier"/>
+              </a:rPr>
+              <a:t>ggtitle</a:t>
+            </a:r>
+            <a:r>
+              <a:rPr sz="1800">
+                <a:latin typeface="Courier"/>
+              </a:rPr>
+              <a:t>(</a:t>
+            </a:r>
+            <a:r>
+              <a:rPr sz="1800">
+                <a:solidFill>
+                  <a:srgbClr val="4070A0"/>
+                </a:solidFill>
+                <a:latin typeface="Courier"/>
+              </a:rPr>
+              <a:t>"Distribution of Height for all positions"</a:t>
+            </a:r>
+            <a:r>
+              <a:rPr sz="1800">
+                <a:latin typeface="Courier"/>
+              </a:rPr>
+              <a:t>) </a:t>
+            </a:r>
+            <a:r>
+              <a:rPr sz="1800">
+                <a:solidFill>
+                  <a:srgbClr val="666666"/>
+                </a:solidFill>
+                <a:latin typeface="Courier"/>
+              </a:rPr>
+              <a:t>+</a:t>
+            </a:r>
+            <a:r>
+              <a:rPr sz="1800">
+                <a:solidFill>
+                  <a:srgbClr val="4070A0"/>
+                </a:solidFill>
+                <a:latin typeface="Courier"/>
+              </a:rPr>
+              <a:t> </a:t>
+            </a:r>
+            <a:r>
+              <a:rPr sz="1800" b="1">
+                <a:solidFill>
+                  <a:srgbClr val="007020"/>
+                </a:solidFill>
+                <a:latin typeface="Courier"/>
+              </a:rPr>
+              <a:t>facet_wrap</a:t>
+            </a:r>
+            <a:r>
+              <a:rPr sz="1800">
+                <a:latin typeface="Courier"/>
+              </a:rPr>
+              <a:t>(</a:t>
+            </a:r>
+            <a:r>
+              <a:rPr sz="1800">
+                <a:solidFill>
+                  <a:srgbClr val="666666"/>
+                </a:solidFill>
+                <a:latin typeface="Courier"/>
+              </a:rPr>
+              <a:t>~</a:t>
+            </a:r>
+            <a:r>
+              <a:rPr sz="1800">
+                <a:latin typeface="Courier"/>
+              </a:rPr>
+              <a:t>position)</a:t>
+            </a:r>
+          </a:p>
+        </p:txBody>
+      </p:sp>
+    </p:spTree>
+  </p:cSld>
+</p:sld>
+</file>
+
+<file path=ppt/slides/slide13.xml><?xml version="1.0" encoding="utf-8"?>
+<p:sld xmlns:a="http://schemas.openxmlformats.org/drawingml/2006/main" xmlns:r="http://schemas.openxmlformats.org/officeDocument/2006/relationships" xmlns:p="http://schemas.openxmlformats.org/presentationml/2006/main">
+  <p:cSld>
+    <p:spTree>
+      <p:nvGrpSpPr>
+        <p:cNvPr id="1" name=""/>
+        <p:cNvGrpSpPr/>
+        <p:nvPr/>
+      </p:nvGrpSpPr>
+      <p:grpSpPr>
+        <a:xfrm>
+          <a:off x="0" y="0"/>
+          <a:ext cx="0" cy="0"/>
+          <a:chOff x="0" y="0"/>
+          <a:chExt cx="0" cy="0"/>
+        </a:xfrm>
+      </p:grpSpPr>
+      <p:pic>
+        <p:nvPicPr>
+          <p:cNvPr descr="Richard_Palmer_LiveSession_2_files/figure-pptx/unnamed-chunk-5-1.png" id="0" name="Picture 1"/>
+          <p:cNvPicPr>
+            <a:picLocks noGrp="1" noChangeAspect="1"/>
+          </p:cNvPicPr>
+          <p:nvPr/>
+        </p:nvPicPr>
+        <p:blipFill>
+          <a:blip r:embed="rId2"/>
+          <a:stretch>
+            <a:fillRect/>
+          </a:stretch>
+        </p:blipFill>
+        <p:spPr bwMode="auto">
+          <a:xfrm>
+            <a:off x="1752600" y="1600200"/>
+            <a:ext cx="5651500" cy="4521200"/>
+          </a:xfrm>
+          <a:prstGeom prst="rect">
+            <a:avLst/>
+          </a:prstGeom>
+          <a:noFill/>
+          <a:ln w="9525">
+            <a:noFill/>
+            <a:headEnd/>
+            <a:tailEnd/>
+          </a:ln>
+        </p:spPr>
+      </p:pic>
+    </p:spTree>
+  </p:cSld>
+</p:sld>
+</file>
+
+<file path=ppt/slides/slide14.xml><?xml version="1.0" encoding="utf-8"?>
+<p:sld xmlns:a="http://schemas.openxmlformats.org/drawingml/2006/main" xmlns:r="http://schemas.openxmlformats.org/officeDocument/2006/relationships" xmlns:p="http://schemas.openxmlformats.org/presentationml/2006/main">
+  <p:cSld>
+    <p:spTree>
+      <p:nvGrpSpPr>
+        <p:cNvPr id="1" name=""/>
+        <p:cNvGrpSpPr/>
+        <p:nvPr/>
+      </p:nvGrpSpPr>
+      <p:grpSpPr>
+        <a:xfrm>
+          <a:off x="0" y="0"/>
+          <a:ext cx="0" cy="0"/>
+          <a:chOff x="0" y="0"/>
+          <a:chExt cx="0" cy="0"/>
+        </a:xfrm>
+      </p:grpSpPr>
+      <p:sp>
+        <p:nvSpPr>
+          <p:cNvPr id="3" name="Content Placeholder 2"/>
+          <p:cNvSpPr>
+            <a:spLocks noGrp="1"/>
+          </p:cNvSpPr>
+          <p:nvPr>
+            <p:ph idx="1"/>
+          </p:nvPr>
+        </p:nvSpPr>
+        <p:spPr/>
+        <p:txBody>
+          <a:bodyPr/>
+          <a:lstStyle/>
+          <a:p>
+            <a:pPr lvl="0" marL="0" indent="0">
+              <a:buNone/>
+            </a:pPr>
+            <a:r>
+              <a:rPr/>
+              <a:t> The distribution of height for Centers and Forwards is clearly larger than that of Guards.</a:t>
+            </a:r>
+          </a:p>
+        </p:txBody>
+      </p:sp>
+    </p:spTree>
+  </p:cSld>
+</p:sld>
+</file>
+
+<file path=ppt/slides/slide15.xml><?xml version="1.0" encoding="utf-8"?>
+<p:sld xmlns:a="http://schemas.openxmlformats.org/drawingml/2006/main" xmlns:r="http://schemas.openxmlformats.org/officeDocument/2006/relationships" xmlns:p="http://schemas.openxmlformats.org/presentationml/2006/main">
+  <p:cSld>
+    <p:spTree>
+      <p:nvGrpSpPr>
+        <p:cNvPr id="1" name=""/>
+        <p:cNvGrpSpPr/>
+        <p:nvPr/>
+      </p:nvGrpSpPr>
+      <p:grpSpPr>
+        <a:xfrm>
+          <a:off x="0" y="0"/>
+          <a:ext cx="0" cy="0"/>
+          <a:chOff x="0" y="0"/>
+          <a:chExt cx="0" cy="0"/>
+        </a:xfrm>
+      </p:grpSpPr>
+      <p:sp>
+        <p:nvSpPr>
+          <p:cNvPr id="2" name="Title 1"/>
+          <p:cNvSpPr>
+            <a:spLocks noGrp="1"/>
+          </p:cNvSpPr>
+          <p:nvPr>
+            <p:ph type="title"/>
+          </p:nvPr>
+        </p:nvSpPr>
+        <p:spPr/>
+        <p:txBody>
+          <a:bodyPr/>
+          <a:lstStyle/>
+          <a:p>
+            <a:pPr lvl="0" marL="0" indent="0">
+              <a:buNone/>
+            </a:pPr>
+            <a:r>
+              <a:rPr/>
+              <a:t>Question</a:t>
+            </a:r>
+            <a:r>
+              <a:rPr/>
+              <a:t> </a:t>
+            </a:r>
+            <a:r>
+              <a:rPr/>
+              <a:t>5</a:t>
+            </a:r>
+          </a:p>
+        </p:txBody>
+      </p:sp>
+      <p:sp>
+        <p:nvSpPr>
+          <p:cNvPr id="3" name="Content Placeholder 2"/>
+          <p:cNvSpPr>
+            <a:spLocks noGrp="1"/>
+          </p:cNvSpPr>
+          <p:nvPr>
+            <p:ph idx="1"/>
+          </p:nvPr>
+        </p:nvSpPr>
+        <p:spPr/>
+        <p:txBody>
+          <a:bodyPr/>
+          <a:lstStyle/>
+          <a:p>
+            <a:pPr lvl="0" marL="0" indent="0">
+              <a:buNone/>
+            </a:pPr>
+            <a:r>
+              <a:rPr/>
+              <a:t>Investigate how a players height is related to his weight</a:t>
+            </a:r>
+          </a:p>
+          <a:p>
+            <a:pPr lvl="0" marL="1270000" indent="0">
+              <a:buNone/>
+            </a:pPr>
+            <a:r>
+              <a:rPr sz="1800">
+                <a:latin typeface="Courier"/>
+              </a:rPr>
+              <a:t>BBall </a:t>
+            </a:r>
+            <a:r>
+              <a:rPr sz="1800">
+                <a:solidFill>
+                  <a:srgbClr val="666666"/>
+                </a:solidFill>
+                <a:latin typeface="Courier"/>
+              </a:rPr>
+              <a:t>%&gt;%</a:t>
+            </a:r>
+            <a:r>
+              <a:rPr sz="1800">
+                <a:solidFill>
+                  <a:srgbClr val="4070A0"/>
+                </a:solidFill>
+                <a:latin typeface="Courier"/>
+              </a:rPr>
+              <a:t> </a:t>
+            </a:r>
+            <a:r>
+              <a:rPr sz="1800" b="1">
+                <a:solidFill>
+                  <a:srgbClr val="007020"/>
+                </a:solidFill>
+                <a:latin typeface="Courier"/>
+              </a:rPr>
+              <a:t>drop_na</a:t>
+            </a:r>
+            <a:r>
+              <a:rPr sz="1800">
+                <a:latin typeface="Courier"/>
+              </a:rPr>
+              <a:t>(height_inches) </a:t>
+            </a:r>
+            <a:r>
+              <a:rPr sz="1800">
+                <a:solidFill>
+                  <a:srgbClr val="666666"/>
+                </a:solidFill>
+                <a:latin typeface="Courier"/>
+              </a:rPr>
+              <a:t>%&gt;%</a:t>
+            </a:r>
+            <a:r>
+              <a:rPr sz="1800">
+                <a:solidFill>
+                  <a:srgbClr val="4070A0"/>
+                </a:solidFill>
+                <a:latin typeface="Courier"/>
+              </a:rPr>
+              <a:t> </a:t>
+            </a:r>
+            <a:r>
+              <a:rPr sz="1800" b="1">
+                <a:solidFill>
+                  <a:srgbClr val="007020"/>
+                </a:solidFill>
+                <a:latin typeface="Courier"/>
+              </a:rPr>
+              <a:t>drop_na</a:t>
+            </a:r>
+            <a:r>
+              <a:rPr sz="1800">
+                <a:latin typeface="Courier"/>
+              </a:rPr>
+              <a:t>(weight) </a:t>
+            </a:r>
+            <a:r>
+              <a:rPr sz="1800">
+                <a:solidFill>
+                  <a:srgbClr val="666666"/>
+                </a:solidFill>
+                <a:latin typeface="Courier"/>
+              </a:rPr>
+              <a:t>%&gt;%</a:t>
+            </a:r>
+            <a:r>
+              <a:rPr sz="1800">
+                <a:solidFill>
+                  <a:srgbClr val="4070A0"/>
+                </a:solidFill>
+                <a:latin typeface="Courier"/>
+              </a:rPr>
+              <a:t> </a:t>
+            </a:r>
+            <a:r>
+              <a:rPr sz="1800" b="1">
+                <a:solidFill>
+                  <a:srgbClr val="007020"/>
+                </a:solidFill>
+                <a:latin typeface="Courier"/>
+              </a:rPr>
+              <a:t>ggplot</a:t>
+            </a:r>
+            <a:r>
+              <a:rPr sz="1800">
+                <a:latin typeface="Courier"/>
+              </a:rPr>
+              <a:t>(</a:t>
+            </a:r>
+            <a:r>
+              <a:rPr sz="1800" b="1">
+                <a:solidFill>
+                  <a:srgbClr val="007020"/>
+                </a:solidFill>
+                <a:latin typeface="Courier"/>
+              </a:rPr>
+              <a:t>aes</a:t>
+            </a:r>
+            <a:r>
+              <a:rPr sz="1800">
+                <a:latin typeface="Courier"/>
+              </a:rPr>
+              <a:t>(</a:t>
+            </a:r>
+            <a:r>
+              <a:rPr sz="1800">
+                <a:solidFill>
+                  <a:srgbClr val="902000"/>
+                </a:solidFill>
+                <a:latin typeface="Courier"/>
+              </a:rPr>
+              <a:t>x=</a:t>
+            </a:r>
+            <a:r>
+              <a:rPr sz="1800">
+                <a:latin typeface="Courier"/>
+              </a:rPr>
+              <a:t>weight,</a:t>
+            </a:r>
+            <a:r>
+              <a:rPr sz="1800">
+                <a:solidFill>
+                  <a:srgbClr val="902000"/>
+                </a:solidFill>
+                <a:latin typeface="Courier"/>
+              </a:rPr>
+              <a:t>y=</a:t>
+            </a:r>
+            <a:r>
+              <a:rPr sz="1800">
+                <a:latin typeface="Courier"/>
+              </a:rPr>
+              <a:t>height_inches)) </a:t>
+            </a:r>
+            <a:r>
+              <a:rPr sz="1800">
+                <a:solidFill>
+                  <a:srgbClr val="666666"/>
+                </a:solidFill>
+                <a:latin typeface="Courier"/>
+              </a:rPr>
+              <a:t>+</a:t>
+            </a:r>
+            <a:r>
+              <a:rPr sz="1800">
+                <a:solidFill>
+                  <a:srgbClr val="4070A0"/>
+                </a:solidFill>
+                <a:latin typeface="Courier"/>
+              </a:rPr>
+              <a:t> </a:t>
+            </a:r>
+            <a:r>
+              <a:rPr sz="1800" b="1">
+                <a:solidFill>
+                  <a:srgbClr val="007020"/>
+                </a:solidFill>
+                <a:latin typeface="Courier"/>
+              </a:rPr>
+              <a:t>geom_point</a:t>
+            </a:r>
+            <a:r>
+              <a:rPr sz="1800">
+                <a:latin typeface="Courier"/>
+              </a:rPr>
+              <a:t>() </a:t>
+            </a:r>
+            <a:r>
+              <a:rPr sz="1800">
+                <a:solidFill>
+                  <a:srgbClr val="666666"/>
+                </a:solidFill>
+                <a:latin typeface="Courier"/>
+              </a:rPr>
+              <a:t>+</a:t>
+            </a:r>
+            <a:r>
+              <a:rPr sz="1800">
+                <a:solidFill>
+                  <a:srgbClr val="4070A0"/>
+                </a:solidFill>
+                <a:latin typeface="Courier"/>
+              </a:rPr>
+              <a:t> </a:t>
+            </a:r>
+            <a:r>
+              <a:rPr sz="1800" b="1">
+                <a:solidFill>
+                  <a:srgbClr val="007020"/>
+                </a:solidFill>
+                <a:latin typeface="Courier"/>
+              </a:rPr>
+              <a:t>ggtitle</a:t>
+            </a:r>
+            <a:r>
+              <a:rPr sz="1800">
+                <a:latin typeface="Courier"/>
+              </a:rPr>
+              <a:t>(</a:t>
+            </a:r>
+            <a:r>
+              <a:rPr sz="1800">
+                <a:solidFill>
+                  <a:srgbClr val="4070A0"/>
+                </a:solidFill>
+                <a:latin typeface="Courier"/>
+              </a:rPr>
+              <a:t>"Height versus Weight"</a:t>
+            </a:r>
+            <a:r>
+              <a:rPr sz="1800">
+                <a:latin typeface="Courier"/>
+              </a:rPr>
+              <a:t>) </a:t>
+            </a:r>
+            <a:r>
+              <a:rPr sz="1800">
+                <a:solidFill>
+                  <a:srgbClr val="666666"/>
+                </a:solidFill>
+                <a:latin typeface="Courier"/>
+              </a:rPr>
+              <a:t>+</a:t>
+            </a:r>
+            <a:r>
+              <a:rPr sz="1800">
+                <a:solidFill>
+                  <a:srgbClr val="4070A0"/>
+                </a:solidFill>
+                <a:latin typeface="Courier"/>
+              </a:rPr>
+              <a:t> </a:t>
+            </a:r>
+            <a:r>
+              <a:rPr sz="1800" b="1">
+                <a:solidFill>
+                  <a:srgbClr val="007020"/>
+                </a:solidFill>
+                <a:latin typeface="Courier"/>
+              </a:rPr>
+              <a:t>geom_jitter</a:t>
+            </a:r>
+            <a:r>
+              <a:rPr sz="1800">
+                <a:latin typeface="Courier"/>
+              </a:rPr>
+              <a:t>()</a:t>
+            </a:r>
+          </a:p>
+        </p:txBody>
+      </p:sp>
+    </p:spTree>
+  </p:cSld>
+</p:sld>
+</file>
+
+<file path=ppt/slides/slide16.xml><?xml version="1.0" encoding="utf-8"?>
+<p:sld xmlns:a="http://schemas.openxmlformats.org/drawingml/2006/main" xmlns:r="http://schemas.openxmlformats.org/officeDocument/2006/relationships" xmlns:p="http://schemas.openxmlformats.org/presentationml/2006/main">
+  <p:cSld>
+    <p:spTree>
+      <p:nvGrpSpPr>
+        <p:cNvPr id="1" name=""/>
+        <p:cNvGrpSpPr/>
+        <p:nvPr/>
+      </p:nvGrpSpPr>
+      <p:grpSpPr>
+        <a:xfrm>
+          <a:off x="0" y="0"/>
+          <a:ext cx="0" cy="0"/>
+          <a:chOff x="0" y="0"/>
+          <a:chExt cx="0" cy="0"/>
+        </a:xfrm>
+      </p:grpSpPr>
+      <p:pic>
+        <p:nvPicPr>
+          <p:cNvPr descr="Richard_Palmer_LiveSession_2_files/figure-pptx/unnamed-chunk-6-1.png" id="0" name="Picture 1"/>
+          <p:cNvPicPr>
+            <a:picLocks noGrp="1" noChangeAspect="1"/>
+          </p:cNvPicPr>
+          <p:nvPr/>
+        </p:nvPicPr>
+        <p:blipFill>
+          <a:blip r:embed="rId2"/>
+          <a:stretch>
+            <a:fillRect/>
+          </a:stretch>
+        </p:blipFill>
+        <p:spPr bwMode="auto">
+          <a:xfrm>
+            <a:off x="1752600" y="1600200"/>
+            <a:ext cx="5651500" cy="4521200"/>
+          </a:xfrm>
+          <a:prstGeom prst="rect">
+            <a:avLst/>
+          </a:prstGeom>
+          <a:noFill/>
+          <a:ln w="9525">
+            <a:noFill/>
+            <a:headEnd/>
+            <a:tailEnd/>
+          </a:ln>
+        </p:spPr>
+      </p:pic>
+    </p:spTree>
+  </p:cSld>
+</p:sld>
+</file>
+
+<file path=ppt/slides/slide17.xml><?xml version="1.0" encoding="utf-8"?>
+<p:sld xmlns:a="http://schemas.openxmlformats.org/drawingml/2006/main" xmlns:r="http://schemas.openxmlformats.org/officeDocument/2006/relationships" xmlns:p="http://schemas.openxmlformats.org/presentationml/2006/main">
+  <p:cSld>
+    <p:spTree>
+      <p:nvGrpSpPr>
+        <p:cNvPr id="1" name=""/>
+        <p:cNvGrpSpPr/>
+        <p:nvPr/>
+      </p:nvGrpSpPr>
+      <p:grpSpPr>
+        <a:xfrm>
+          <a:off x="0" y="0"/>
+          <a:ext cx="0" cy="0"/>
+          <a:chOff x="0" y="0"/>
+          <a:chExt cx="0" cy="0"/>
+        </a:xfrm>
+      </p:grpSpPr>
+      <p:sp>
+        <p:nvSpPr>
+          <p:cNvPr id="3" name="Content Placeholder 2"/>
+          <p:cNvSpPr>
+            <a:spLocks noGrp="1"/>
+          </p:cNvSpPr>
+          <p:nvPr>
+            <p:ph idx="1"/>
+          </p:nvPr>
+        </p:nvSpPr>
+        <p:spPr/>
+        <p:txBody>
+          <a:bodyPr/>
+          <a:lstStyle/>
+          <a:p>
+            <a:pPr lvl="0" marL="0" indent="0">
+              <a:buNone/>
+            </a:pPr>
+            <a:r>
+              <a:rPr/>
+              <a:t> There is clearly a strong, apparently linear relationship between weight and height. There is more variation in weight for taller players.</a:t>
+            </a:r>
+          </a:p>
+        </p:txBody>
+      </p:sp>
+    </p:spTree>
+  </p:cSld>
+</p:sld>
+</file>
+
+<file path=ppt/slides/slide18.xml><?xml version="1.0" encoding="utf-8"?>
+<p:sld xmlns:a="http://schemas.openxmlformats.org/drawingml/2006/main" xmlns:r="http://schemas.openxmlformats.org/officeDocument/2006/relationships" xmlns:p="http://schemas.openxmlformats.org/presentationml/2006/main">
+  <p:cSld>
+    <p:spTree>
+      <p:nvGrpSpPr>
+        <p:cNvPr id="1" name=""/>
+        <p:cNvGrpSpPr/>
+        <p:nvPr/>
+      </p:nvGrpSpPr>
+      <p:grpSpPr>
+        <a:xfrm>
+          <a:off x="0" y="0"/>
+          <a:ext cx="0" cy="0"/>
+          <a:chOff x="0" y="0"/>
+          <a:chExt cx="0" cy="0"/>
+        </a:xfrm>
+      </p:grpSpPr>
+      <p:sp>
+        <p:nvSpPr>
+          <p:cNvPr id="2" name="Title 1"/>
+          <p:cNvSpPr>
+            <a:spLocks noGrp="1"/>
+          </p:cNvSpPr>
+          <p:nvPr>
+            <p:ph type="title"/>
+          </p:nvPr>
+        </p:nvSpPr>
+        <p:spPr/>
+        <p:txBody>
+          <a:bodyPr/>
+          <a:lstStyle/>
+          <a:p>
+            <a:pPr lvl="0" marL="0" indent="0">
+              <a:buNone/>
+            </a:pPr>
+            <a:r>
+              <a:rPr/>
+              <a:t>Question</a:t>
+            </a:r>
+            <a:r>
+              <a:rPr/>
+              <a:t> </a:t>
+            </a:r>
+            <a:r>
+              <a:rPr/>
+              <a:t>6</a:t>
+            </a:r>
+          </a:p>
+        </p:txBody>
+      </p:sp>
+      <p:sp>
+        <p:nvSpPr>
+          <p:cNvPr id="3" name="Content Placeholder 2"/>
+          <p:cNvSpPr>
+            <a:spLocks noGrp="1"/>
+          </p:cNvSpPr>
+          <p:nvPr>
+            <p:ph idx="1"/>
+          </p:nvPr>
+        </p:nvSpPr>
+        <p:spPr/>
+        <p:txBody>
+          <a:bodyPr/>
+          <a:lstStyle/>
+          <a:p>
+            <a:pPr lvl="0" marL="0" indent="0">
+              <a:buNone/>
+            </a:pPr>
+            <a:r>
+              <a:rPr/>
+              <a:t>Is there any difference in height/weight relationship among positions?</a:t>
+            </a:r>
+          </a:p>
+          <a:p>
+            <a:pPr lvl="0" marL="1270000" indent="0">
+              <a:buNone/>
+            </a:pPr>
+            <a:r>
+              <a:rPr sz="1800">
+                <a:latin typeface="Courier"/>
+              </a:rPr>
+              <a:t>BBall </a:t>
+            </a:r>
+            <a:r>
+              <a:rPr sz="1800">
+                <a:solidFill>
+                  <a:srgbClr val="666666"/>
+                </a:solidFill>
+                <a:latin typeface="Courier"/>
+              </a:rPr>
+              <a:t>%&gt;%</a:t>
+            </a:r>
+            <a:r>
+              <a:rPr sz="1800">
+                <a:solidFill>
+                  <a:srgbClr val="4070A0"/>
+                </a:solidFill>
+                <a:latin typeface="Courier"/>
+              </a:rPr>
+              <a:t> </a:t>
+            </a:r>
+            <a:r>
+              <a:rPr sz="1800" b="1">
+                <a:solidFill>
+                  <a:srgbClr val="007020"/>
+                </a:solidFill>
+                <a:latin typeface="Courier"/>
+              </a:rPr>
+              <a:t>drop_na</a:t>
+            </a:r>
+            <a:r>
+              <a:rPr sz="1800">
+                <a:latin typeface="Courier"/>
+              </a:rPr>
+              <a:t>(height_inches) </a:t>
+            </a:r>
+            <a:r>
+              <a:rPr sz="1800">
+                <a:solidFill>
+                  <a:srgbClr val="666666"/>
+                </a:solidFill>
+                <a:latin typeface="Courier"/>
+              </a:rPr>
+              <a:t>%&gt;%</a:t>
+            </a:r>
+            <a:r>
+              <a:rPr sz="1800">
+                <a:solidFill>
+                  <a:srgbClr val="4070A0"/>
+                </a:solidFill>
+                <a:latin typeface="Courier"/>
+              </a:rPr>
+              <a:t> </a:t>
+            </a:r>
+            <a:r>
+              <a:rPr sz="1800" b="1">
+                <a:solidFill>
+                  <a:srgbClr val="007020"/>
+                </a:solidFill>
+                <a:latin typeface="Courier"/>
+              </a:rPr>
+              <a:t>drop_na</a:t>
+            </a:r>
+            <a:r>
+              <a:rPr sz="1800">
+                <a:latin typeface="Courier"/>
+              </a:rPr>
+              <a:t>(weight) </a:t>
+            </a:r>
+            <a:r>
+              <a:rPr sz="1800">
+                <a:solidFill>
+                  <a:srgbClr val="666666"/>
+                </a:solidFill>
+                <a:latin typeface="Courier"/>
+              </a:rPr>
+              <a:t>%&gt;%</a:t>
+            </a:r>
+            <a:r>
+              <a:rPr sz="1800">
+                <a:solidFill>
+                  <a:srgbClr val="4070A0"/>
+                </a:solidFill>
+                <a:latin typeface="Courier"/>
+              </a:rPr>
+              <a:t> </a:t>
+            </a:r>
+            <a:r>
+              <a:rPr sz="1800" b="1">
+                <a:solidFill>
+                  <a:srgbClr val="007020"/>
+                </a:solidFill>
+                <a:latin typeface="Courier"/>
+              </a:rPr>
+              <a:t>ggplot</a:t>
+            </a:r>
+            <a:r>
+              <a:rPr sz="1800">
+                <a:latin typeface="Courier"/>
+              </a:rPr>
+              <a:t>(</a:t>
+            </a:r>
+            <a:r>
+              <a:rPr sz="1800" b="1">
+                <a:solidFill>
+                  <a:srgbClr val="007020"/>
+                </a:solidFill>
+                <a:latin typeface="Courier"/>
+              </a:rPr>
+              <a:t>aes</a:t>
+            </a:r>
+            <a:r>
+              <a:rPr sz="1800">
+                <a:latin typeface="Courier"/>
+              </a:rPr>
+              <a:t>(</a:t>
+            </a:r>
+            <a:r>
+              <a:rPr sz="1800">
+                <a:solidFill>
+                  <a:srgbClr val="902000"/>
+                </a:solidFill>
+                <a:latin typeface="Courier"/>
+              </a:rPr>
+              <a:t>x=</a:t>
+            </a:r>
+            <a:r>
+              <a:rPr sz="1800">
+                <a:latin typeface="Courier"/>
+              </a:rPr>
+              <a:t>weight,</a:t>
+            </a:r>
+            <a:r>
+              <a:rPr sz="1800">
+                <a:solidFill>
+                  <a:srgbClr val="902000"/>
+                </a:solidFill>
+                <a:latin typeface="Courier"/>
+              </a:rPr>
+              <a:t>y=</a:t>
+            </a:r>
+            <a:r>
+              <a:rPr sz="1800">
+                <a:latin typeface="Courier"/>
+              </a:rPr>
+              <a:t>height_inches,</a:t>
+            </a:r>
+            <a:r>
+              <a:rPr sz="1800">
+                <a:solidFill>
+                  <a:srgbClr val="902000"/>
+                </a:solidFill>
+                <a:latin typeface="Courier"/>
+              </a:rPr>
+              <a:t>color=</a:t>
+            </a:r>
+            <a:r>
+              <a:rPr sz="1800">
+                <a:latin typeface="Courier"/>
+              </a:rPr>
+              <a:t>position)) </a:t>
+            </a:r>
+            <a:r>
+              <a:rPr sz="1800">
+                <a:solidFill>
+                  <a:srgbClr val="666666"/>
+                </a:solidFill>
+                <a:latin typeface="Courier"/>
+              </a:rPr>
+              <a:t>+</a:t>
+            </a:r>
+            <a:r>
+              <a:rPr sz="1800">
+                <a:solidFill>
+                  <a:srgbClr val="4070A0"/>
+                </a:solidFill>
+                <a:latin typeface="Courier"/>
+              </a:rPr>
+              <a:t> </a:t>
+            </a:r>
+            <a:r>
+              <a:rPr sz="1800" b="1">
+                <a:solidFill>
+                  <a:srgbClr val="007020"/>
+                </a:solidFill>
+                <a:latin typeface="Courier"/>
+              </a:rPr>
+              <a:t>geom_point</a:t>
+            </a:r>
+            <a:r>
+              <a:rPr sz="1800">
+                <a:latin typeface="Courier"/>
+              </a:rPr>
+              <a:t>() </a:t>
+            </a:r>
+            <a:r>
+              <a:rPr sz="1800">
+                <a:solidFill>
+                  <a:srgbClr val="666666"/>
+                </a:solidFill>
+                <a:latin typeface="Courier"/>
+              </a:rPr>
+              <a:t>+</a:t>
+            </a:r>
+            <a:r>
+              <a:rPr sz="1800">
+                <a:solidFill>
+                  <a:srgbClr val="4070A0"/>
+                </a:solidFill>
+                <a:latin typeface="Courier"/>
+              </a:rPr>
+              <a:t> </a:t>
+            </a:r>
+            <a:r>
+              <a:rPr sz="1800" b="1">
+                <a:solidFill>
+                  <a:srgbClr val="007020"/>
+                </a:solidFill>
+                <a:latin typeface="Courier"/>
+              </a:rPr>
+              <a:t>ggtitle</a:t>
+            </a:r>
+            <a:r>
+              <a:rPr sz="1800">
+                <a:latin typeface="Courier"/>
+              </a:rPr>
+              <a:t>(</a:t>
+            </a:r>
+            <a:r>
+              <a:rPr sz="1800">
+                <a:solidFill>
+                  <a:srgbClr val="4070A0"/>
+                </a:solidFill>
+                <a:latin typeface="Courier"/>
+              </a:rPr>
+              <a:t>"Height versus Weight"</a:t>
+            </a:r>
+            <a:r>
+              <a:rPr sz="1800">
+                <a:latin typeface="Courier"/>
+              </a:rPr>
+              <a:t>) </a:t>
+            </a:r>
+            <a:r>
+              <a:rPr sz="1800">
+                <a:solidFill>
+                  <a:srgbClr val="666666"/>
+                </a:solidFill>
+                <a:latin typeface="Courier"/>
+              </a:rPr>
+              <a:t>+</a:t>
+            </a:r>
+            <a:r>
+              <a:rPr sz="1800">
+                <a:solidFill>
+                  <a:srgbClr val="4070A0"/>
+                </a:solidFill>
+                <a:latin typeface="Courier"/>
+              </a:rPr>
+              <a:t> </a:t>
+            </a:r>
+            <a:r>
+              <a:rPr sz="1800" b="1">
+                <a:solidFill>
+                  <a:srgbClr val="007020"/>
+                </a:solidFill>
+                <a:latin typeface="Courier"/>
+              </a:rPr>
+              <a:t>geom_jitter</a:t>
+            </a:r>
+            <a:r>
+              <a:rPr sz="1800">
+                <a:latin typeface="Courier"/>
+              </a:rPr>
+              <a:t>()</a:t>
+            </a:r>
+          </a:p>
+        </p:txBody>
+      </p:sp>
+    </p:spTree>
+  </p:cSld>
+</p:sld>
+</file>
+
+<file path=ppt/slides/slide19.xml><?xml version="1.0" encoding="utf-8"?>
+<p:sld xmlns:a="http://schemas.openxmlformats.org/drawingml/2006/main" xmlns:r="http://schemas.openxmlformats.org/officeDocument/2006/relationships" xmlns:p="http://schemas.openxmlformats.org/presentationml/2006/main">
+  <p:cSld>
+    <p:spTree>
+      <p:nvGrpSpPr>
+        <p:cNvPr id="1" name=""/>
+        <p:cNvGrpSpPr/>
+        <p:nvPr/>
+      </p:nvGrpSpPr>
+      <p:grpSpPr>
+        <a:xfrm>
+          <a:off x="0" y="0"/>
+          <a:ext cx="0" cy="0"/>
+          <a:chOff x="0" y="0"/>
+          <a:chExt cx="0" cy="0"/>
+        </a:xfrm>
+      </p:grpSpPr>
+      <p:pic>
+        <p:nvPicPr>
+          <p:cNvPr descr="Richard_Palmer_LiveSession_2_files/figure-pptx/unnamed-chunk-7-1.png" id="0" name="Picture 1"/>
+          <p:cNvPicPr>
+            <a:picLocks noGrp="1" noChangeAspect="1"/>
+          </p:cNvPicPr>
+          <p:nvPr/>
+        </p:nvPicPr>
+        <p:blipFill>
+          <a:blip r:embed="rId2"/>
+          <a:stretch>
+            <a:fillRect/>
+          </a:stretch>
+        </p:blipFill>
+        <p:spPr bwMode="auto">
+          <a:xfrm>
+            <a:off x="1752600" y="1600200"/>
+            <a:ext cx="5651500" cy="4521200"/>
+          </a:xfrm>
+          <a:prstGeom prst="rect">
+            <a:avLst/>
+          </a:prstGeom>
+          <a:noFill/>
+          <a:ln w="9525">
+            <a:noFill/>
+            <a:headEnd/>
+            <a:tailEnd/>
+          </a:ln>
+        </p:spPr>
+      </p:pic>
     </p:spTree>
   </p:cSld>
 </p:sld>
@@ -3531,6 +4850,1220 @@
 </p:sld>
 </file>
 
+<file path=ppt/slides/slide20.xml><?xml version="1.0" encoding="utf-8"?>
+<p:sld xmlns:a="http://schemas.openxmlformats.org/drawingml/2006/main" xmlns:r="http://schemas.openxmlformats.org/officeDocument/2006/relationships" xmlns:p="http://schemas.openxmlformats.org/presentationml/2006/main">
+  <p:cSld>
+    <p:spTree>
+      <p:nvGrpSpPr>
+        <p:cNvPr id="1" name=""/>
+        <p:cNvGrpSpPr/>
+        <p:nvPr/>
+      </p:nvGrpSpPr>
+      <p:grpSpPr>
+        <a:xfrm>
+          <a:off x="0" y="0"/>
+          <a:ext cx="0" cy="0"/>
+          <a:chOff x="0" y="0"/>
+          <a:chExt cx="0" cy="0"/>
+        </a:xfrm>
+      </p:grpSpPr>
+      <p:sp>
+        <p:nvSpPr>
+          <p:cNvPr id="3" name="Content Placeholder 2"/>
+          <p:cNvSpPr>
+            <a:spLocks noGrp="1"/>
+          </p:cNvSpPr>
+          <p:nvPr>
+            <p:ph idx="1"/>
+          </p:nvPr>
+        </p:nvSpPr>
+        <p:spPr/>
+        <p:txBody>
+          <a:bodyPr/>
+          <a:lstStyle/>
+          <a:p>
+            <a:pPr lvl="0" marL="0" indent="0">
+              <a:buNone/>
+            </a:pPr>
+            <a:r>
+              <a:rPr/>
+              <a:t> It is difficult to identify a different trend of height to weight by position. It might be that the slope is not so great for Centers as for Guards, but this effect might instead simply be a consequence of taller players being Centers.</a:t>
+            </a:r>
+          </a:p>
+        </p:txBody>
+      </p:sp>
+    </p:spTree>
+  </p:cSld>
+</p:sld>
+</file>
+
+<file path=ppt/slides/slide21.xml><?xml version="1.0" encoding="utf-8"?>
+<p:sld xmlns:a="http://schemas.openxmlformats.org/drawingml/2006/main" xmlns:r="http://schemas.openxmlformats.org/officeDocument/2006/relationships" xmlns:p="http://schemas.openxmlformats.org/presentationml/2006/main">
+  <p:cSld>
+    <p:spTree>
+      <p:nvGrpSpPr>
+        <p:cNvPr id="1" name=""/>
+        <p:cNvGrpSpPr/>
+        <p:nvPr/>
+      </p:nvGrpSpPr>
+      <p:grpSpPr>
+        <a:xfrm>
+          <a:off x="0" y="0"/>
+          <a:ext cx="0" cy="0"/>
+          <a:chOff x="0" y="0"/>
+          <a:chExt cx="0" cy="0"/>
+        </a:xfrm>
+      </p:grpSpPr>
+      <p:sp>
+        <p:nvSpPr>
+          <p:cNvPr id="2" name="Title 1"/>
+          <p:cNvSpPr>
+            <a:spLocks noGrp="1"/>
+          </p:cNvSpPr>
+          <p:nvPr>
+            <p:ph type="title"/>
+          </p:nvPr>
+        </p:nvSpPr>
+        <p:spPr/>
+        <p:txBody>
+          <a:bodyPr/>
+          <a:lstStyle/>
+          <a:p>
+            <a:pPr lvl="0" marL="0" indent="0">
+              <a:buNone/>
+            </a:pPr>
+            <a:r>
+              <a:rPr/>
+              <a:t>Question</a:t>
+            </a:r>
+            <a:r>
+              <a:rPr/>
+              <a:t> </a:t>
+            </a:r>
+            <a:r>
+              <a:rPr/>
+              <a:t>7</a:t>
+            </a:r>
+          </a:p>
+        </p:txBody>
+      </p:sp>
+      <p:sp>
+        <p:nvSpPr>
+          <p:cNvPr id="3" name="Content Placeholder 2"/>
+          <p:cNvSpPr>
+            <a:spLocks noGrp="1"/>
+          </p:cNvSpPr>
+          <p:nvPr>
+            <p:ph idx="1"/>
+          </p:nvPr>
+        </p:nvSpPr>
+        <p:spPr/>
+        <p:txBody>
+          <a:bodyPr/>
+          <a:lstStyle/>
+          <a:p>
+            <a:pPr lvl="0" marL="0" indent="0">
+              <a:buNone/>
+            </a:pPr>
+            <a:r>
+              <a:rPr/>
+              <a:t>Is there any evidence that height has changed over the years?</a:t>
+            </a:r>
+          </a:p>
+          <a:p>
+            <a:pPr lvl="0" marL="1270000" indent="0">
+              <a:buNone/>
+            </a:pPr>
+            <a:r>
+              <a:rPr sz="1800">
+                <a:latin typeface="Courier"/>
+              </a:rPr>
+              <a:t>BBall </a:t>
+            </a:r>
+            <a:r>
+              <a:rPr sz="1800">
+                <a:solidFill>
+                  <a:srgbClr val="666666"/>
+                </a:solidFill>
+                <a:latin typeface="Courier"/>
+              </a:rPr>
+              <a:t>%&gt;%</a:t>
+            </a:r>
+            <a:r>
+              <a:rPr sz="1800">
+                <a:solidFill>
+                  <a:srgbClr val="4070A0"/>
+                </a:solidFill>
+                <a:latin typeface="Courier"/>
+              </a:rPr>
+              <a:t> </a:t>
+            </a:r>
+            <a:r>
+              <a:rPr sz="1800" b="1">
+                <a:solidFill>
+                  <a:srgbClr val="007020"/>
+                </a:solidFill>
+                <a:latin typeface="Courier"/>
+              </a:rPr>
+              <a:t>drop_na</a:t>
+            </a:r>
+            <a:r>
+              <a:rPr sz="1800">
+                <a:latin typeface="Courier"/>
+              </a:rPr>
+              <a:t>(height_inches) </a:t>
+            </a:r>
+            <a:r>
+              <a:rPr sz="1800">
+                <a:solidFill>
+                  <a:srgbClr val="666666"/>
+                </a:solidFill>
+                <a:latin typeface="Courier"/>
+              </a:rPr>
+              <a:t>%&gt;%</a:t>
+            </a:r>
+            <a:r>
+              <a:rPr sz="1800">
+                <a:solidFill>
+                  <a:srgbClr val="4070A0"/>
+                </a:solidFill>
+                <a:latin typeface="Courier"/>
+              </a:rPr>
+              <a:t> </a:t>
+            </a:r>
+            <a:r>
+              <a:rPr sz="1800" b="1">
+                <a:solidFill>
+                  <a:srgbClr val="007020"/>
+                </a:solidFill>
+                <a:latin typeface="Courier"/>
+              </a:rPr>
+              <a:t>drop_na</a:t>
+            </a:r>
+            <a:r>
+              <a:rPr sz="1800">
+                <a:latin typeface="Courier"/>
+              </a:rPr>
+              <a:t>(year_start) </a:t>
+            </a:r>
+            <a:r>
+              <a:rPr sz="1800">
+                <a:solidFill>
+                  <a:srgbClr val="666666"/>
+                </a:solidFill>
+                <a:latin typeface="Courier"/>
+              </a:rPr>
+              <a:t>%&gt;%</a:t>
+            </a:r>
+            <a:r>
+              <a:rPr sz="1800">
+                <a:solidFill>
+                  <a:srgbClr val="4070A0"/>
+                </a:solidFill>
+                <a:latin typeface="Courier"/>
+              </a:rPr>
+              <a:t> </a:t>
+            </a:r>
+            <a:r>
+              <a:rPr sz="1800" b="1">
+                <a:solidFill>
+                  <a:srgbClr val="007020"/>
+                </a:solidFill>
+                <a:latin typeface="Courier"/>
+              </a:rPr>
+              <a:t>ggplot</a:t>
+            </a:r>
+            <a:r>
+              <a:rPr sz="1800">
+                <a:latin typeface="Courier"/>
+              </a:rPr>
+              <a:t>(</a:t>
+            </a:r>
+            <a:r>
+              <a:rPr sz="1800" b="1">
+                <a:solidFill>
+                  <a:srgbClr val="007020"/>
+                </a:solidFill>
+                <a:latin typeface="Courier"/>
+              </a:rPr>
+              <a:t>aes</a:t>
+            </a:r>
+            <a:r>
+              <a:rPr sz="1800">
+                <a:latin typeface="Courier"/>
+              </a:rPr>
+              <a:t>(</a:t>
+            </a:r>
+            <a:r>
+              <a:rPr sz="1800">
+                <a:solidFill>
+                  <a:srgbClr val="902000"/>
+                </a:solidFill>
+                <a:latin typeface="Courier"/>
+              </a:rPr>
+              <a:t>x=</a:t>
+            </a:r>
+            <a:r>
+              <a:rPr sz="1800">
+                <a:latin typeface="Courier"/>
+              </a:rPr>
+              <a:t>year_start,</a:t>
+            </a:r>
+            <a:r>
+              <a:rPr sz="1800">
+                <a:solidFill>
+                  <a:srgbClr val="902000"/>
+                </a:solidFill>
+                <a:latin typeface="Courier"/>
+              </a:rPr>
+              <a:t>y=</a:t>
+            </a:r>
+            <a:r>
+              <a:rPr sz="1800">
+                <a:latin typeface="Courier"/>
+              </a:rPr>
+              <a:t>height_inches)) </a:t>
+            </a:r>
+            <a:r>
+              <a:rPr sz="1800">
+                <a:solidFill>
+                  <a:srgbClr val="666666"/>
+                </a:solidFill>
+                <a:latin typeface="Courier"/>
+              </a:rPr>
+              <a:t>+</a:t>
+            </a:r>
+            <a:r>
+              <a:rPr sz="1800">
+                <a:solidFill>
+                  <a:srgbClr val="4070A0"/>
+                </a:solidFill>
+                <a:latin typeface="Courier"/>
+              </a:rPr>
+              <a:t> </a:t>
+            </a:r>
+            <a:r>
+              <a:rPr sz="1800" b="1">
+                <a:solidFill>
+                  <a:srgbClr val="007020"/>
+                </a:solidFill>
+                <a:latin typeface="Courier"/>
+              </a:rPr>
+              <a:t>geom_point</a:t>
+            </a:r>
+            <a:r>
+              <a:rPr sz="1800">
+                <a:latin typeface="Courier"/>
+              </a:rPr>
+              <a:t>() </a:t>
+            </a:r>
+            <a:r>
+              <a:rPr sz="1800">
+                <a:solidFill>
+                  <a:srgbClr val="666666"/>
+                </a:solidFill>
+                <a:latin typeface="Courier"/>
+              </a:rPr>
+              <a:t>+</a:t>
+            </a:r>
+            <a:r>
+              <a:rPr sz="1800">
+                <a:solidFill>
+                  <a:srgbClr val="4070A0"/>
+                </a:solidFill>
+                <a:latin typeface="Courier"/>
+              </a:rPr>
+              <a:t> </a:t>
+            </a:r>
+            <a:r>
+              <a:rPr sz="1800" b="1">
+                <a:solidFill>
+                  <a:srgbClr val="007020"/>
+                </a:solidFill>
+                <a:latin typeface="Courier"/>
+              </a:rPr>
+              <a:t>ggtitle</a:t>
+            </a:r>
+            <a:r>
+              <a:rPr sz="1800">
+                <a:latin typeface="Courier"/>
+              </a:rPr>
+              <a:t>(</a:t>
+            </a:r>
+            <a:r>
+              <a:rPr sz="1800">
+                <a:solidFill>
+                  <a:srgbClr val="4070A0"/>
+                </a:solidFill>
+                <a:latin typeface="Courier"/>
+              </a:rPr>
+              <a:t>"Height versus starting year"</a:t>
+            </a:r>
+            <a:r>
+              <a:rPr sz="1800">
+                <a:latin typeface="Courier"/>
+              </a:rPr>
+              <a:t>) </a:t>
+            </a:r>
+            <a:r>
+              <a:rPr sz="1800">
+                <a:solidFill>
+                  <a:srgbClr val="666666"/>
+                </a:solidFill>
+                <a:latin typeface="Courier"/>
+              </a:rPr>
+              <a:t>+</a:t>
+            </a:r>
+            <a:r>
+              <a:rPr sz="1800">
+                <a:solidFill>
+                  <a:srgbClr val="4070A0"/>
+                </a:solidFill>
+                <a:latin typeface="Courier"/>
+              </a:rPr>
+              <a:t> </a:t>
+            </a:r>
+            <a:r>
+              <a:rPr sz="1800" b="1">
+                <a:solidFill>
+                  <a:srgbClr val="007020"/>
+                </a:solidFill>
+                <a:latin typeface="Courier"/>
+              </a:rPr>
+              <a:t>geom_jitter</a:t>
+            </a:r>
+            <a:r>
+              <a:rPr sz="1800">
+                <a:latin typeface="Courier"/>
+              </a:rPr>
+              <a:t>() </a:t>
+            </a:r>
+            <a:r>
+              <a:rPr sz="1800">
+                <a:solidFill>
+                  <a:srgbClr val="666666"/>
+                </a:solidFill>
+                <a:latin typeface="Courier"/>
+              </a:rPr>
+              <a:t>+</a:t>
+            </a:r>
+            <a:r>
+              <a:rPr sz="1800">
+                <a:solidFill>
+                  <a:srgbClr val="4070A0"/>
+                </a:solidFill>
+                <a:latin typeface="Courier"/>
+              </a:rPr>
+              <a:t> </a:t>
+            </a:r>
+            <a:r>
+              <a:rPr sz="1800" b="1">
+                <a:solidFill>
+                  <a:srgbClr val="007020"/>
+                </a:solidFill>
+                <a:latin typeface="Courier"/>
+              </a:rPr>
+              <a:t>geom_smooth</a:t>
+            </a:r>
+            <a:r>
+              <a:rPr sz="1800">
+                <a:latin typeface="Courier"/>
+              </a:rPr>
+              <a:t>(</a:t>
+            </a:r>
+            <a:r>
+              <a:rPr sz="1800">
+                <a:solidFill>
+                  <a:srgbClr val="902000"/>
+                </a:solidFill>
+                <a:latin typeface="Courier"/>
+              </a:rPr>
+              <a:t>method=</a:t>
+            </a:r>
+            <a:r>
+              <a:rPr sz="1800">
+                <a:solidFill>
+                  <a:srgbClr val="4070A0"/>
+                </a:solidFill>
+                <a:latin typeface="Courier"/>
+              </a:rPr>
+              <a:t>"lm"</a:t>
+            </a:r>
+            <a:r>
+              <a:rPr sz="1800">
+                <a:latin typeface="Courier"/>
+              </a:rPr>
+              <a:t>)</a:t>
+            </a:r>
+          </a:p>
+        </p:txBody>
+      </p:sp>
+    </p:spTree>
+  </p:cSld>
+</p:sld>
+</file>
+
+<file path=ppt/slides/slide22.xml><?xml version="1.0" encoding="utf-8"?>
+<p:sld xmlns:a="http://schemas.openxmlformats.org/drawingml/2006/main" xmlns:r="http://schemas.openxmlformats.org/officeDocument/2006/relationships" xmlns:p="http://schemas.openxmlformats.org/presentationml/2006/main">
+  <p:cSld>
+    <p:spTree>
+      <p:nvGrpSpPr>
+        <p:cNvPr id="1" name=""/>
+        <p:cNvGrpSpPr/>
+        <p:nvPr/>
+      </p:nvGrpSpPr>
+      <p:grpSpPr>
+        <a:xfrm>
+          <a:off x="0" y="0"/>
+          <a:ext cx="0" cy="0"/>
+          <a:chOff x="0" y="0"/>
+          <a:chExt cx="0" cy="0"/>
+        </a:xfrm>
+      </p:grpSpPr>
+      <p:pic>
+        <p:nvPicPr>
+          <p:cNvPr descr="Richard_Palmer_LiveSession_2_files/figure-pptx/unnamed-chunk-8-1.png" id="0" name="Picture 1"/>
+          <p:cNvPicPr>
+            <a:picLocks noGrp="1" noChangeAspect="1"/>
+          </p:cNvPicPr>
+          <p:nvPr/>
+        </p:nvPicPr>
+        <p:blipFill>
+          <a:blip r:embed="rId2"/>
+          <a:stretch>
+            <a:fillRect/>
+          </a:stretch>
+        </p:blipFill>
+        <p:spPr bwMode="auto">
+          <a:xfrm>
+            <a:off x="1752600" y="1600200"/>
+            <a:ext cx="5651500" cy="4521200"/>
+          </a:xfrm>
+          <a:prstGeom prst="rect">
+            <a:avLst/>
+          </a:prstGeom>
+          <a:noFill/>
+          <a:ln w="9525">
+            <a:noFill/>
+            <a:headEnd/>
+            <a:tailEnd/>
+          </a:ln>
+        </p:spPr>
+      </p:pic>
+    </p:spTree>
+  </p:cSld>
+</p:sld>
+</file>
+
+<file path=ppt/slides/slide23.xml><?xml version="1.0" encoding="utf-8"?>
+<p:sld xmlns:a="http://schemas.openxmlformats.org/drawingml/2006/main" xmlns:r="http://schemas.openxmlformats.org/officeDocument/2006/relationships" xmlns:p="http://schemas.openxmlformats.org/presentationml/2006/main">
+  <p:cSld>
+    <p:spTree>
+      <p:nvGrpSpPr>
+        <p:cNvPr id="1" name=""/>
+        <p:cNvGrpSpPr/>
+        <p:nvPr/>
+      </p:nvGrpSpPr>
+      <p:grpSpPr>
+        <a:xfrm>
+          <a:off x="0" y="0"/>
+          <a:ext cx="0" cy="0"/>
+          <a:chOff x="0" y="0"/>
+          <a:chExt cx="0" cy="0"/>
+        </a:xfrm>
+      </p:grpSpPr>
+      <p:sp>
+        <p:nvSpPr>
+          <p:cNvPr id="3" name="Content Placeholder 2"/>
+          <p:cNvSpPr>
+            <a:spLocks noGrp="1"/>
+          </p:cNvSpPr>
+          <p:nvPr>
+            <p:ph idx="1"/>
+          </p:nvPr>
+        </p:nvSpPr>
+        <p:spPr/>
+        <p:txBody>
+          <a:bodyPr/>
+          <a:lstStyle/>
+          <a:p>
+            <a:pPr lvl="0" marL="0" indent="0">
+              <a:buNone/>
+            </a:pPr>
+            <a:r>
+              <a:rPr/>
+              <a:t> It does appear tha there has been an increase in the range of heights over the years. ## Question 8 3D plot of height versus weight versus year, colored by position</a:t>
+            </a:r>
+          </a:p>
+          <a:p>
+            <a:pPr lvl="0" marL="1270000" indent="0">
+              <a:buNone/>
+            </a:pPr>
+            <a:r>
+              <a:rPr sz="1800" i="1">
+                <a:solidFill>
+                  <a:srgbClr val="60A0B0"/>
+                </a:solidFill>
+                <a:latin typeface="Courier"/>
+              </a:rPr>
+              <a:t>#plot_ly(BBall, x=~height_inches,y=~weight,z=~year_start,color=~position,size=1) %&gt;% add_markers %&gt;% layout(scene=list(xaxis=list(title="Height"),yaxis=list(title="Weight"),zaxis=list(title="Start Year")))</a:t>
+            </a:r>
+          </a:p>
+        </p:txBody>
+      </p:sp>
+    </p:spTree>
+  </p:cSld>
+</p:sld>
+</file>
+
+<file path=ppt/slides/slide24.xml><?xml version="1.0" encoding="utf-8"?>
+<p:sld xmlns:a="http://schemas.openxmlformats.org/drawingml/2006/main" xmlns:r="http://schemas.openxmlformats.org/officeDocument/2006/relationships" xmlns:p="http://schemas.openxmlformats.org/presentationml/2006/main">
+  <p:cSld>
+    <p:spTree>
+      <p:nvGrpSpPr>
+        <p:cNvPr id="1" name=""/>
+        <p:cNvGrpSpPr/>
+        <p:nvPr/>
+      </p:nvGrpSpPr>
+      <p:grpSpPr>
+        <a:xfrm>
+          <a:off x="0" y="0"/>
+          <a:ext cx="0" cy="0"/>
+          <a:chOff x="0" y="0"/>
+          <a:chExt cx="0" cy="0"/>
+        </a:xfrm>
+      </p:grpSpPr>
+      <p:sp>
+        <p:nvSpPr>
+          <p:cNvPr id="2" name="Title 1"/>
+          <p:cNvSpPr>
+            <a:spLocks noGrp="1"/>
+          </p:cNvSpPr>
+          <p:nvPr>
+            <p:ph type="title"/>
+          </p:nvPr>
+        </p:nvSpPr>
+        <p:spPr/>
+        <p:txBody>
+          <a:bodyPr/>
+          <a:lstStyle/>
+          <a:p>
+            <a:pPr lvl="0" marL="0" indent="0">
+              <a:buNone/>
+            </a:pPr>
+            <a:r>
+              <a:rPr/>
+              <a:t>Question</a:t>
+            </a:r>
+            <a:r>
+              <a:rPr/>
+              <a:t> </a:t>
+            </a:r>
+            <a:r>
+              <a:rPr/>
+              <a:t>9</a:t>
+            </a:r>
+          </a:p>
+        </p:txBody>
+      </p:sp>
+      <p:sp>
+        <p:nvSpPr>
+          <p:cNvPr id="3" name="Content Placeholder 2"/>
+          <p:cNvSpPr>
+            <a:spLocks noGrp="1"/>
+          </p:cNvSpPr>
+          <p:nvPr>
+            <p:ph idx="1"/>
+          </p:nvPr>
+        </p:nvSpPr>
+        <p:spPr/>
+        <p:txBody>
+          <a:bodyPr/>
+          <a:lstStyle/>
+          <a:p>
+            <a:pPr lvl="1"/>
+            <a:r>
+              <a:rPr/>
+              <a:t>Colored by staying power (years played)</a:t>
+            </a:r>
+          </a:p>
+          <a:p>
+            <a:pPr lvl="0" marL="1270000" indent="0">
+              <a:buNone/>
+            </a:pPr>
+            <a:r>
+              <a:rPr sz="1800">
+                <a:latin typeface="Courier"/>
+              </a:rPr>
+              <a:t>BBall </a:t>
+            </a:r>
+            <a:r>
+              <a:rPr sz="1800">
+                <a:solidFill>
+                  <a:srgbClr val="666666"/>
+                </a:solidFill>
+                <a:latin typeface="Courier"/>
+              </a:rPr>
+              <a:t>%&gt;%</a:t>
+            </a:r>
+            <a:r>
+              <a:rPr sz="1800">
+                <a:solidFill>
+                  <a:srgbClr val="4070A0"/>
+                </a:solidFill>
+                <a:latin typeface="Courier"/>
+              </a:rPr>
+              <a:t> </a:t>
+            </a:r>
+            <a:r>
+              <a:rPr sz="1800" b="1">
+                <a:solidFill>
+                  <a:srgbClr val="007020"/>
+                </a:solidFill>
+                <a:latin typeface="Courier"/>
+              </a:rPr>
+              <a:t>ggplot</a:t>
+            </a:r>
+            <a:r>
+              <a:rPr sz="1800">
+                <a:latin typeface="Courier"/>
+              </a:rPr>
+              <a:t>(</a:t>
+            </a:r>
+            <a:r>
+              <a:rPr sz="1800" b="1">
+                <a:solidFill>
+                  <a:srgbClr val="007020"/>
+                </a:solidFill>
+                <a:latin typeface="Courier"/>
+              </a:rPr>
+              <a:t>aes</a:t>
+            </a:r>
+            <a:r>
+              <a:rPr sz="1800">
+                <a:latin typeface="Courier"/>
+              </a:rPr>
+              <a:t>(position)) </a:t>
+            </a:r>
+            <a:r>
+              <a:rPr sz="1800">
+                <a:solidFill>
+                  <a:srgbClr val="666666"/>
+                </a:solidFill>
+                <a:latin typeface="Courier"/>
+              </a:rPr>
+              <a:t>+</a:t>
+            </a:r>
+            <a:r>
+              <a:rPr sz="1800">
+                <a:solidFill>
+                  <a:srgbClr val="4070A0"/>
+                </a:solidFill>
+                <a:latin typeface="Courier"/>
+              </a:rPr>
+              <a:t> </a:t>
+            </a:r>
+            <a:r>
+              <a:rPr sz="1800" b="1">
+                <a:solidFill>
+                  <a:srgbClr val="007020"/>
+                </a:solidFill>
+                <a:latin typeface="Courier"/>
+              </a:rPr>
+              <a:t>geom_bar</a:t>
+            </a:r>
+            <a:r>
+              <a:rPr sz="1800">
+                <a:latin typeface="Courier"/>
+              </a:rPr>
+              <a:t>(</a:t>
+            </a:r>
+            <a:r>
+              <a:rPr sz="1800" b="1">
+                <a:solidFill>
+                  <a:srgbClr val="007020"/>
+                </a:solidFill>
+                <a:latin typeface="Courier"/>
+              </a:rPr>
+              <a:t>aes</a:t>
+            </a:r>
+            <a:r>
+              <a:rPr sz="1800">
+                <a:latin typeface="Courier"/>
+              </a:rPr>
+              <a:t>(</a:t>
+            </a:r>
+            <a:r>
+              <a:rPr sz="1800">
+                <a:solidFill>
+                  <a:srgbClr val="902000"/>
+                </a:solidFill>
+                <a:latin typeface="Courier"/>
+              </a:rPr>
+              <a:t>fill=</a:t>
+            </a:r>
+            <a:r>
+              <a:rPr sz="1800">
+                <a:latin typeface="Courier"/>
+              </a:rPr>
+              <a:t>staying)) </a:t>
+            </a:r>
+            <a:r>
+              <a:rPr sz="1800">
+                <a:solidFill>
+                  <a:srgbClr val="666666"/>
+                </a:solidFill>
+                <a:latin typeface="Courier"/>
+              </a:rPr>
+              <a:t>+</a:t>
+            </a:r>
+            <a:r>
+              <a:rPr sz="1800">
+                <a:solidFill>
+                  <a:srgbClr val="4070A0"/>
+                </a:solidFill>
+                <a:latin typeface="Courier"/>
+              </a:rPr>
+              <a:t> </a:t>
+            </a:r>
+            <a:r>
+              <a:rPr sz="1800" b="1">
+                <a:solidFill>
+                  <a:srgbClr val="007020"/>
+                </a:solidFill>
+                <a:latin typeface="Courier"/>
+              </a:rPr>
+              <a:t>ggtitle</a:t>
+            </a:r>
+            <a:r>
+              <a:rPr sz="1800">
+                <a:latin typeface="Courier"/>
+              </a:rPr>
+              <a:t>(</a:t>
+            </a:r>
+            <a:r>
+              <a:rPr sz="1800">
+                <a:solidFill>
+                  <a:srgbClr val="4070A0"/>
+                </a:solidFill>
+                <a:latin typeface="Courier"/>
+              </a:rPr>
+              <a:t>"Distribution of staying power (years played), by position"</a:t>
+            </a:r>
+            <a:r>
+              <a:rPr sz="1800">
+                <a:latin typeface="Courier"/>
+              </a:rPr>
+              <a:t>)</a:t>
+            </a:r>
+          </a:p>
+        </p:txBody>
+      </p:sp>
+    </p:spTree>
+  </p:cSld>
+</p:sld>
+</file>
+
+<file path=ppt/slides/slide25.xml><?xml version="1.0" encoding="utf-8"?>
+<p:sld xmlns:a="http://schemas.openxmlformats.org/drawingml/2006/main" xmlns:r="http://schemas.openxmlformats.org/officeDocument/2006/relationships" xmlns:p="http://schemas.openxmlformats.org/presentationml/2006/main">
+  <p:cSld>
+    <p:spTree>
+      <p:nvGrpSpPr>
+        <p:cNvPr id="1" name=""/>
+        <p:cNvGrpSpPr/>
+        <p:nvPr/>
+      </p:nvGrpSpPr>
+      <p:grpSpPr>
+        <a:xfrm>
+          <a:off x="0" y="0"/>
+          <a:ext cx="0" cy="0"/>
+          <a:chOff x="0" y="0"/>
+          <a:chExt cx="0" cy="0"/>
+        </a:xfrm>
+      </p:grpSpPr>
+      <p:pic>
+        <p:nvPicPr>
+          <p:cNvPr descr="Richard_Palmer_LiveSession_2_files/figure-pptx/unnamed-chunk-10-1.png" id="0" name="Picture 1"/>
+          <p:cNvPicPr>
+            <a:picLocks noGrp="1" noChangeAspect="1"/>
+          </p:cNvPicPr>
+          <p:nvPr/>
+        </p:nvPicPr>
+        <p:blipFill>
+          <a:blip r:embed="rId2"/>
+          <a:stretch>
+            <a:fillRect/>
+          </a:stretch>
+        </p:blipFill>
+        <p:spPr bwMode="auto">
+          <a:xfrm>
+            <a:off x="1752600" y="1600200"/>
+            <a:ext cx="5651500" cy="4521200"/>
+          </a:xfrm>
+          <a:prstGeom prst="rect">
+            <a:avLst/>
+          </a:prstGeom>
+          <a:noFill/>
+          <a:ln w="9525">
+            <a:noFill/>
+            <a:headEnd/>
+            <a:tailEnd/>
+          </a:ln>
+        </p:spPr>
+      </p:pic>
+    </p:spTree>
+  </p:cSld>
+</p:sld>
+</file>
+
+<file path=ppt/slides/slide26.xml><?xml version="1.0" encoding="utf-8"?>
+<p:sld xmlns:a="http://schemas.openxmlformats.org/drawingml/2006/main" xmlns:r="http://schemas.openxmlformats.org/officeDocument/2006/relationships" xmlns:p="http://schemas.openxmlformats.org/presentationml/2006/main">
+  <p:cSld>
+    <p:spTree>
+      <p:nvGrpSpPr>
+        <p:cNvPr id="1" name=""/>
+        <p:cNvGrpSpPr/>
+        <p:nvPr/>
+      </p:nvGrpSpPr>
+      <p:grpSpPr>
+        <a:xfrm>
+          <a:off x="0" y="0"/>
+          <a:ext cx="0" cy="0"/>
+          <a:chOff x="0" y="0"/>
+          <a:chExt cx="0" cy="0"/>
+        </a:xfrm>
+      </p:grpSpPr>
+      <p:sp>
+        <p:nvSpPr>
+          <p:cNvPr id="3" name="Content Placeholder 2"/>
+          <p:cNvSpPr>
+            <a:spLocks noGrp="1"/>
+          </p:cNvSpPr>
+          <p:nvPr>
+            <p:ph idx="1"/>
+          </p:nvPr>
+        </p:nvSpPr>
+        <p:spPr/>
+        <p:txBody>
+          <a:bodyPr/>
+          <a:lstStyle/>
+          <a:p>
+            <a:pPr lvl="0" marL="0" indent="0">
+              <a:buNone/>
+            </a:pPr>
+            <a:r>
+              <a:rPr/>
+              <a:t> The Forwards and Guards are most likely to only play for one year.</a:t>
+            </a:r>
+          </a:p>
+        </p:txBody>
+      </p:sp>
+    </p:spTree>
+  </p:cSld>
+</p:sld>
+</file>
+
+<file path=ppt/slides/slide27.xml><?xml version="1.0" encoding="utf-8"?>
+<p:sld xmlns:a="http://schemas.openxmlformats.org/drawingml/2006/main" xmlns:r="http://schemas.openxmlformats.org/officeDocument/2006/relationships" xmlns:p="http://schemas.openxmlformats.org/presentationml/2006/main">
+  <p:cSld>
+    <p:spTree>
+      <p:nvGrpSpPr>
+        <p:cNvPr id="1" name=""/>
+        <p:cNvGrpSpPr/>
+        <p:nvPr/>
+      </p:nvGrpSpPr>
+      <p:grpSpPr>
+        <a:xfrm>
+          <a:off x="0" y="0"/>
+          <a:ext cx="0" cy="0"/>
+          <a:chOff x="0" y="0"/>
+          <a:chExt cx="0" cy="0"/>
+        </a:xfrm>
+      </p:grpSpPr>
+      <p:sp>
+        <p:nvSpPr>
+          <p:cNvPr id="2" name="Title 1"/>
+          <p:cNvSpPr>
+            <a:spLocks noGrp="1"/>
+          </p:cNvSpPr>
+          <p:nvPr>
+            <p:ph type="title"/>
+          </p:nvPr>
+        </p:nvSpPr>
+        <p:spPr/>
+        <p:txBody>
+          <a:bodyPr/>
+          <a:lstStyle/>
+          <a:p>
+            <a:pPr lvl="0" marL="0" indent="0">
+              <a:buNone/>
+            </a:pPr>
+            <a:r>
+              <a:rPr/>
+              <a:t>Question</a:t>
+            </a:r>
+            <a:r>
+              <a:rPr/>
+              <a:t> </a:t>
+            </a:r>
+            <a:r>
+              <a:rPr/>
+              <a:t>10</a:t>
+            </a:r>
+          </a:p>
+        </p:txBody>
+      </p:sp>
+      <p:sp>
+        <p:nvSpPr>
+          <p:cNvPr id="3" name="Content Placeholder 2"/>
+          <p:cNvSpPr>
+            <a:spLocks noGrp="1"/>
+          </p:cNvSpPr>
+          <p:nvPr>
+            <p:ph idx="1"/>
+          </p:nvPr>
+        </p:nvSpPr>
+        <p:spPr/>
+        <p:txBody>
+          <a:bodyPr/>
+          <a:lstStyle/>
+          <a:p>
+            <a:pPr lvl="0" marL="0" indent="0">
+              <a:buNone/>
+            </a:pPr>
+            <a:r>
+              <a:rPr/>
+              <a:t>Test the claim that the distribution of income increases as the education level rises.</a:t>
+            </a:r>
+          </a:p>
+          <a:p>
+            <a:pPr lvl="0" marL="1270000" indent="0">
+              <a:buNone/>
+            </a:pPr>
+            <a:r>
+              <a:rPr sz="1800">
+                <a:latin typeface="Courier"/>
+              </a:rPr>
+              <a:t>education </a:t>
+            </a:r>
+            <a:r>
+              <a:rPr sz="1800">
+                <a:solidFill>
+                  <a:srgbClr val="666666"/>
+                </a:solidFill>
+                <a:latin typeface="Courier"/>
+              </a:rPr>
+              <a:t>%&gt;%</a:t>
+            </a:r>
+            <a:r>
+              <a:rPr sz="1800">
+                <a:solidFill>
+                  <a:srgbClr val="4070A0"/>
+                </a:solidFill>
+                <a:latin typeface="Courier"/>
+              </a:rPr>
+              <a:t> </a:t>
+            </a:r>
+            <a:r>
+              <a:rPr sz="1800" b="1">
+                <a:solidFill>
+                  <a:srgbClr val="007020"/>
+                </a:solidFill>
+                <a:latin typeface="Courier"/>
+              </a:rPr>
+              <a:t>ggplot</a:t>
+            </a:r>
+            <a:r>
+              <a:rPr sz="1800">
+                <a:latin typeface="Courier"/>
+              </a:rPr>
+              <a:t>(</a:t>
+            </a:r>
+            <a:r>
+              <a:rPr sz="1800" b="1">
+                <a:solidFill>
+                  <a:srgbClr val="007020"/>
+                </a:solidFill>
+                <a:latin typeface="Courier"/>
+              </a:rPr>
+              <a:t>aes</a:t>
+            </a:r>
+            <a:r>
+              <a:rPr sz="1800">
+                <a:latin typeface="Courier"/>
+              </a:rPr>
+              <a:t>(</a:t>
+            </a:r>
+            <a:r>
+              <a:rPr sz="1800">
+                <a:solidFill>
+                  <a:srgbClr val="902000"/>
+                </a:solidFill>
+                <a:latin typeface="Courier"/>
+              </a:rPr>
+              <a:t>x=</a:t>
+            </a:r>
+            <a:r>
+              <a:rPr sz="1800">
+                <a:latin typeface="Courier"/>
+              </a:rPr>
+              <a:t>Educ,</a:t>
+            </a:r>
+            <a:r>
+              <a:rPr sz="1800">
+                <a:solidFill>
+                  <a:srgbClr val="902000"/>
+                </a:solidFill>
+                <a:latin typeface="Courier"/>
+              </a:rPr>
+              <a:t>y=</a:t>
+            </a:r>
+            <a:r>
+              <a:rPr sz="1800">
+                <a:latin typeface="Courier"/>
+              </a:rPr>
+              <a:t>log_income)) </a:t>
+            </a:r>
+            <a:r>
+              <a:rPr sz="1800">
+                <a:solidFill>
+                  <a:srgbClr val="666666"/>
+                </a:solidFill>
+                <a:latin typeface="Courier"/>
+              </a:rPr>
+              <a:t>+</a:t>
+            </a:r>
+            <a:r>
+              <a:rPr sz="1800">
+                <a:solidFill>
+                  <a:srgbClr val="4070A0"/>
+                </a:solidFill>
+                <a:latin typeface="Courier"/>
+              </a:rPr>
+              <a:t> </a:t>
+            </a:r>
+            <a:r>
+              <a:rPr sz="1800" b="1">
+                <a:solidFill>
+                  <a:srgbClr val="007020"/>
+                </a:solidFill>
+                <a:latin typeface="Courier"/>
+              </a:rPr>
+              <a:t>geom_boxplot</a:t>
+            </a:r>
+            <a:r>
+              <a:rPr sz="1800">
+                <a:latin typeface="Courier"/>
+              </a:rPr>
+              <a:t>()</a:t>
+            </a:r>
+          </a:p>
+        </p:txBody>
+      </p:sp>
+    </p:spTree>
+  </p:cSld>
+</p:sld>
+</file>
+
+<file path=ppt/slides/slide28.xml><?xml version="1.0" encoding="utf-8"?>
+<p:sld xmlns:a="http://schemas.openxmlformats.org/drawingml/2006/main" xmlns:r="http://schemas.openxmlformats.org/officeDocument/2006/relationships" xmlns:p="http://schemas.openxmlformats.org/presentationml/2006/main">
+  <p:cSld>
+    <p:spTree>
+      <p:nvGrpSpPr>
+        <p:cNvPr id="1" name=""/>
+        <p:cNvGrpSpPr/>
+        <p:nvPr/>
+      </p:nvGrpSpPr>
+      <p:grpSpPr>
+        <a:xfrm>
+          <a:off x="0" y="0"/>
+          <a:ext cx="0" cy="0"/>
+          <a:chOff x="0" y="0"/>
+          <a:chExt cx="0" cy="0"/>
+        </a:xfrm>
+      </p:grpSpPr>
+      <p:pic>
+        <p:nvPicPr>
+          <p:cNvPr descr="Richard_Palmer_LiveSession_2_files/figure-pptx/unnamed-chunk-11-1.png" id="0" name="Picture 1"/>
+          <p:cNvPicPr>
+            <a:picLocks noGrp="1" noChangeAspect="1"/>
+          </p:cNvPicPr>
+          <p:nvPr/>
+        </p:nvPicPr>
+        <p:blipFill>
+          <a:blip r:embed="rId2"/>
+          <a:stretch>
+            <a:fillRect/>
+          </a:stretch>
+        </p:blipFill>
+        <p:spPr bwMode="auto">
+          <a:xfrm>
+            <a:off x="1752600" y="1600200"/>
+            <a:ext cx="5651500" cy="4521200"/>
+          </a:xfrm>
+          <a:prstGeom prst="rect">
+            <a:avLst/>
+          </a:prstGeom>
+          <a:noFill/>
+          <a:ln w="9525">
+            <a:noFill/>
+            <a:headEnd/>
+            <a:tailEnd/>
+          </a:ln>
+        </p:spPr>
+      </p:pic>
+    </p:spTree>
+  </p:cSld>
+</p:sld>
+</file>
+
+<file path=ppt/slides/slide29.xml><?xml version="1.0" encoding="utf-8"?>
+<p:sld xmlns:a="http://schemas.openxmlformats.org/drawingml/2006/main" xmlns:r="http://schemas.openxmlformats.org/officeDocument/2006/relationships" xmlns:p="http://schemas.openxmlformats.org/presentationml/2006/main">
+  <p:cSld>
+    <p:spTree>
+      <p:nvGrpSpPr>
+        <p:cNvPr id="1" name=""/>
+        <p:cNvGrpSpPr/>
+        <p:nvPr/>
+      </p:nvGrpSpPr>
+      <p:grpSpPr>
+        <a:xfrm>
+          <a:off x="0" y="0"/>
+          <a:ext cx="0" cy="0"/>
+          <a:chOff x="0" y="0"/>
+          <a:chExt cx="0" cy="0"/>
+        </a:xfrm>
+      </p:grpSpPr>
+      <p:sp>
+        <p:nvSpPr>
+          <p:cNvPr id="3" name="Content Placeholder 2"/>
+          <p:cNvSpPr>
+            <a:spLocks noGrp="1"/>
+          </p:cNvSpPr>
+          <p:nvPr>
+            <p:ph idx="1"/>
+          </p:nvPr>
+        </p:nvSpPr>
+        <p:spPr/>
+        <p:txBody>
+          <a:bodyPr/>
+          <a:lstStyle/>
+          <a:p>
+            <a:pPr lvl="0" marL="0" indent="0">
+              <a:buNone/>
+            </a:pPr>
+            <a:r>
+              <a:rPr/>
+              <a:t> Visualy, it doea appear that the distribution of incomes increases with each successive group.</a:t>
+            </a:r>
+          </a:p>
+        </p:txBody>
+      </p:sp>
+    </p:spTree>
+  </p:cSld>
+</p:sld>
+</file>
+
 <file path=ppt/slides/slide3.xml><?xml version="1.0" encoding="utf-8"?>
 <p:sld xmlns:a="http://schemas.openxmlformats.org/drawingml/2006/main" xmlns:r="http://schemas.openxmlformats.org/officeDocument/2006/relationships" xmlns:p="http://schemas.openxmlformats.org/presentationml/2006/main">
   <p:cSld>
@@ -3601,7 +6134,228 @@
             </a:pPr>
             <a:r>
               <a:rPr/>
-              <a:t>Show the number of players per position  There are a great many more Guards and Forwards than Centers.</a:t>
+              <a:t>Show the number of players per position</a:t>
+            </a:r>
+          </a:p>
+          <a:p>
+            <a:pPr lvl="0" marL="1270000" indent="0">
+              <a:buNone/>
+            </a:pPr>
+            <a:r>
+              <a:rPr sz="1800">
+                <a:latin typeface="Courier"/>
+              </a:rPr>
+              <a:t>BBall </a:t>
+            </a:r>
+            <a:r>
+              <a:rPr sz="1800">
+                <a:solidFill>
+                  <a:srgbClr val="666666"/>
+                </a:solidFill>
+                <a:latin typeface="Courier"/>
+              </a:rPr>
+              <a:t>%&gt;%</a:t>
+            </a:r>
+            <a:r>
+              <a:rPr sz="1800">
+                <a:solidFill>
+                  <a:srgbClr val="4070A0"/>
+                </a:solidFill>
+                <a:latin typeface="Courier"/>
+              </a:rPr>
+              <a:t> </a:t>
+            </a:r>
+            <a:r>
+              <a:rPr sz="1800" b="1">
+                <a:solidFill>
+                  <a:srgbClr val="007020"/>
+                </a:solidFill>
+                <a:latin typeface="Courier"/>
+              </a:rPr>
+              <a:t>filter</a:t>
+            </a:r>
+            <a:r>
+              <a:rPr sz="1800">
+                <a:latin typeface="Courier"/>
+              </a:rPr>
+              <a:t>(position </a:t>
+            </a:r>
+            <a:r>
+              <a:rPr sz="1800">
+                <a:solidFill>
+                  <a:srgbClr val="666666"/>
+                </a:solidFill>
+                <a:latin typeface="Courier"/>
+              </a:rPr>
+              <a:t>!=</a:t>
+            </a:r>
+            <a:r>
+              <a:rPr sz="1800">
+                <a:solidFill>
+                  <a:srgbClr val="4070A0"/>
+                </a:solidFill>
+                <a:latin typeface="Courier"/>
+              </a:rPr>
+              <a:t> ''</a:t>
+            </a:r>
+            <a:r>
+              <a:rPr sz="1800">
+                <a:latin typeface="Courier"/>
+              </a:rPr>
+              <a:t>)  </a:t>
+            </a:r>
+            <a:r>
+              <a:rPr sz="1800">
+                <a:solidFill>
+                  <a:srgbClr val="666666"/>
+                </a:solidFill>
+                <a:latin typeface="Courier"/>
+              </a:rPr>
+              <a:t>%&gt;%</a:t>
+            </a:r>
+            <a:r>
+              <a:rPr sz="1800">
+                <a:solidFill>
+                  <a:srgbClr val="4070A0"/>
+                </a:solidFill>
+                <a:latin typeface="Courier"/>
+              </a:rPr>
+              <a:t> </a:t>
+            </a:r>
+            <a:r>
+              <a:rPr sz="1800" b="1">
+                <a:solidFill>
+                  <a:srgbClr val="007020"/>
+                </a:solidFill>
+                <a:latin typeface="Courier"/>
+              </a:rPr>
+              <a:t>ggplot</a:t>
+            </a:r>
+            <a:r>
+              <a:rPr sz="1800">
+                <a:latin typeface="Courier"/>
+              </a:rPr>
+              <a:t>() </a:t>
+            </a:r>
+            <a:r>
+              <a:rPr sz="1800">
+                <a:solidFill>
+                  <a:srgbClr val="666666"/>
+                </a:solidFill>
+                <a:latin typeface="Courier"/>
+              </a:rPr>
+              <a:t>+</a:t>
+            </a:r>
+            <a:r>
+              <a:rPr sz="1800">
+                <a:solidFill>
+                  <a:srgbClr val="4070A0"/>
+                </a:solidFill>
+                <a:latin typeface="Courier"/>
+              </a:rPr>
+              <a:t> </a:t>
+            </a:r>
+            <a:r>
+              <a:rPr sz="1800" b="1">
+                <a:solidFill>
+                  <a:srgbClr val="007020"/>
+                </a:solidFill>
+                <a:latin typeface="Courier"/>
+              </a:rPr>
+              <a:t>geom_bar</a:t>
+            </a:r>
+            <a:r>
+              <a:rPr sz="1800">
+                <a:latin typeface="Courier"/>
+              </a:rPr>
+              <a:t>(</a:t>
+            </a:r>
+            <a:r>
+              <a:rPr sz="1800">
+                <a:solidFill>
+                  <a:srgbClr val="902000"/>
+                </a:solidFill>
+                <a:latin typeface="Courier"/>
+              </a:rPr>
+              <a:t>mapping=</a:t>
+            </a:r>
+            <a:r>
+              <a:rPr sz="1800" b="1">
+                <a:solidFill>
+                  <a:srgbClr val="007020"/>
+                </a:solidFill>
+                <a:latin typeface="Courier"/>
+              </a:rPr>
+              <a:t>aes</a:t>
+            </a:r>
+            <a:r>
+              <a:rPr sz="1800">
+                <a:latin typeface="Courier"/>
+              </a:rPr>
+              <a:t>(</a:t>
+            </a:r>
+            <a:r>
+              <a:rPr sz="1800">
+                <a:solidFill>
+                  <a:srgbClr val="902000"/>
+                </a:solidFill>
+                <a:latin typeface="Courier"/>
+              </a:rPr>
+              <a:t>x=</a:t>
+            </a:r>
+            <a:r>
+              <a:rPr sz="1800">
+                <a:latin typeface="Courier"/>
+              </a:rPr>
+              <a:t>position)) </a:t>
+            </a:r>
+            <a:r>
+              <a:rPr sz="1800">
+                <a:solidFill>
+                  <a:srgbClr val="666666"/>
+                </a:solidFill>
+                <a:latin typeface="Courier"/>
+              </a:rPr>
+              <a:t>+</a:t>
+            </a:r>
+            <a:r>
+              <a:rPr sz="1800">
+                <a:solidFill>
+                  <a:srgbClr val="4070A0"/>
+                </a:solidFill>
+                <a:latin typeface="Courier"/>
+              </a:rPr>
+              <a:t> </a:t>
+            </a:r>
+            <a:r>
+              <a:rPr sz="1800" b="1">
+                <a:solidFill>
+                  <a:srgbClr val="007020"/>
+                </a:solidFill>
+                <a:latin typeface="Courier"/>
+              </a:rPr>
+              <a:t>ggtitle</a:t>
+            </a:r>
+            <a:r>
+              <a:rPr sz="1800">
+                <a:latin typeface="Courier"/>
+              </a:rPr>
+              <a:t>(</a:t>
+            </a:r>
+            <a:r>
+              <a:rPr sz="1800">
+                <a:solidFill>
+                  <a:srgbClr val="4070A0"/>
+                </a:solidFill>
+                <a:latin typeface="Courier"/>
+              </a:rPr>
+              <a:t>"Count per position"</a:t>
+            </a:r>
+            <a:r>
+              <a:rPr sz="1800">
+                <a:latin typeface="Courier"/>
+              </a:rPr>
+              <a:t>)</a:t>
             </a:r>
           </a:p>
         </p:txBody>
@@ -3628,64 +6382,36 @@
           <a:chExt cx="0" cy="0"/>
         </a:xfrm>
       </p:grpSpPr>
-      <p:sp>
-        <p:nvSpPr>
-          <p:cNvPr id="2" name="Title 1"/>
-          <p:cNvSpPr>
-            <a:spLocks noGrp="1"/>
-          </p:cNvSpPr>
-          <p:nvPr>
-            <p:ph type="title"/>
-          </p:nvPr>
-        </p:nvSpPr>
-        <p:spPr/>
-        <p:txBody>
-          <a:bodyPr/>
-          <a:lstStyle/>
-          <a:p>
-            <a:pPr lvl="0" marL="0" indent="0">
-              <a:buNone/>
-            </a:pPr>
-            <a:r>
-              <a:rPr/>
-              <a:t>Question</a:t>
-            </a:r>
-            <a:r>
-              <a:rPr/>
-              <a:t> </a:t>
-            </a:r>
-            <a:r>
-              <a:rPr/>
-              <a:t>2</a:t>
-            </a:r>
-          </a:p>
-        </p:txBody>
-      </p:sp>
-      <p:sp>
-        <p:nvSpPr>
-          <p:cNvPr id="3" name="Content Placeholder 2"/>
-          <p:cNvSpPr>
-            <a:spLocks noGrp="1"/>
-          </p:cNvSpPr>
-          <p:nvPr>
-            <p:ph idx="1"/>
-          </p:nvPr>
-        </p:nvSpPr>
-        <p:spPr/>
-        <p:txBody>
-          <a:bodyPr/>
-          <a:lstStyle/>
-          <a:p>
-            <a:pPr lvl="0" marL="0" indent="0">
-              <a:buNone/>
-            </a:pPr>
-            <a:r>
-              <a:rPr/>
-              <a:t>Compare the distribution of weight of centers with that of the weight of forwards  Centers seem to be somewhat taller than Forwards.</a:t>
-            </a:r>
-          </a:p>
-        </p:txBody>
-      </p:sp>
+      <p:pic>
+        <p:nvPicPr>
+          <p:cNvPr descr="Richard_Palmer_LiveSession_2_files/figure-pptx/unnamed-chunk-2-1.png" id="0" name="Picture 1"/>
+          <p:cNvPicPr>
+            <a:picLocks noGrp="1" noChangeAspect="1"/>
+          </p:cNvPicPr>
+          <p:nvPr/>
+        </p:nvPicPr>
+        <p:blipFill>
+          <a:blip r:embed="rId2"/>
+          <a:stretch>
+            <a:fillRect/>
+          </a:stretch>
+        </p:blipFill>
+        <p:spPr bwMode="auto">
+          <a:xfrm>
+            <a:off x="1752600" y="1600200"/>
+            <a:ext cx="5651500" cy="4521200"/>
+          </a:xfrm>
+          <a:prstGeom prst="rect">
+            <a:avLst/>
+          </a:prstGeom>
+          <a:noFill/>
+          <a:ln w="9525">
+            <a:noFill/>
+            <a:headEnd/>
+            <a:tailEnd/>
+          </a:ln>
+        </p:spPr>
+      </p:pic>
     </p:spTree>
   </p:cSld>
 </p:sld>
@@ -3710,12 +6436,12 @@
       </p:grpSpPr>
       <p:sp>
         <p:nvSpPr>
-          <p:cNvPr id="2" name="Title 1"/>
-          <p:cNvSpPr>
-            <a:spLocks noGrp="1"/>
-          </p:cNvSpPr>
-          <p:nvPr>
-            <p:ph type="title"/>
+          <p:cNvPr id="3" name="Content Placeholder 2"/>
+          <p:cNvSpPr>
+            <a:spLocks noGrp="1"/>
+          </p:cNvSpPr>
+          <p:nvPr>
+            <p:ph idx="1"/>
           </p:nvPr>
         </p:nvSpPr>
         <p:spPr/>
@@ -3728,40 +6454,7 @@
             </a:pPr>
             <a:r>
               <a:rPr/>
-              <a:t>Question</a:t>
-            </a:r>
-            <a:r>
-              <a:rPr/>
-              <a:t> </a:t>
-            </a:r>
-            <a:r>
-              <a:rPr/>
-              <a:t>3</a:t>
-            </a:r>
-          </a:p>
-        </p:txBody>
-      </p:sp>
-      <p:sp>
-        <p:nvSpPr>
-          <p:cNvPr id="3" name="Content Placeholder 2"/>
-          <p:cNvSpPr>
-            <a:spLocks noGrp="1"/>
-          </p:cNvSpPr>
-          <p:nvPr>
-            <p:ph idx="1"/>
-          </p:nvPr>
-        </p:nvSpPr>
-        <p:spPr/>
-        <p:txBody>
-          <a:bodyPr/>
-          <a:lstStyle/>
-          <a:p>
-            <a:pPr lvl="0" marL="0" indent="0">
-              <a:buNone/>
-            </a:pPr>
-            <a:r>
-              <a:rPr/>
-              <a:t>Compare the distribution of the height of centers with that of the height of forwards  Centers are somewhat taller than Forwards.</a:t>
+              <a:t> There are a great many more Guards and Forwards than Centers.</a:t>
             </a:r>
           </a:p>
         </p:txBody>
@@ -3816,7 +6509,7 @@
             </a:r>
             <a:r>
               <a:rPr/>
-              <a:t>4</a:t>
+              <a:t>2</a:t>
             </a:r>
           </a:p>
         </p:txBody>
@@ -3841,7 +6534,372 @@
             </a:pPr>
             <a:r>
               <a:rPr/>
-              <a:t>Investigate distribution of height across all positions  The distribution of height for Centers and Forwards is clearly larger than that of Guards.</a:t>
+              <a:t>Compare the distribution of weight of centers with that of the weight of forwards</a:t>
+            </a:r>
+          </a:p>
+          <a:p>
+            <a:pPr lvl="0" marL="1270000" indent="0">
+              <a:buNone/>
+            </a:pPr>
+            <a:r>
+              <a:rPr sz="1800">
+                <a:latin typeface="Courier"/>
+              </a:rPr>
+              <a:t>BBall </a:t>
+            </a:r>
+            <a:r>
+              <a:rPr sz="1800">
+                <a:solidFill>
+                  <a:srgbClr val="666666"/>
+                </a:solidFill>
+                <a:latin typeface="Courier"/>
+              </a:rPr>
+              <a:t>%&gt;%</a:t>
+            </a:r>
+            <a:r>
+              <a:rPr sz="1800">
+                <a:solidFill>
+                  <a:srgbClr val="4070A0"/>
+                </a:solidFill>
+                <a:latin typeface="Courier"/>
+              </a:rPr>
+              <a:t> </a:t>
+            </a:r>
+            <a:r>
+              <a:rPr sz="1800" b="1">
+                <a:solidFill>
+                  <a:srgbClr val="007020"/>
+                </a:solidFill>
+                <a:latin typeface="Courier"/>
+              </a:rPr>
+              <a:t>filter</a:t>
+            </a:r>
+            <a:r>
+              <a:rPr sz="1800">
+                <a:latin typeface="Courier"/>
+              </a:rPr>
+              <a:t>(position </a:t>
+            </a:r>
+            <a:r>
+              <a:rPr sz="1800">
+                <a:solidFill>
+                  <a:srgbClr val="666666"/>
+                </a:solidFill>
+                <a:latin typeface="Courier"/>
+              </a:rPr>
+              <a:t>==</a:t>
+            </a:r>
+            <a:r>
+              <a:rPr sz="1800">
+                <a:solidFill>
+                  <a:srgbClr val="4070A0"/>
+                </a:solidFill>
+                <a:latin typeface="Courier"/>
+              </a:rPr>
+              <a:t> 'Ctr'</a:t>
+            </a:r>
+            <a:r>
+              <a:rPr sz="1800">
+                <a:latin typeface="Courier"/>
+              </a:rPr>
+              <a:t> </a:t>
+            </a:r>
+            <a:r>
+              <a:rPr sz="1800">
+                <a:solidFill>
+                  <a:srgbClr val="666666"/>
+                </a:solidFill>
+                <a:latin typeface="Courier"/>
+              </a:rPr>
+              <a:t>|</a:t>
+            </a:r>
+            <a:r>
+              <a:rPr sz="1800">
+                <a:solidFill>
+                  <a:srgbClr val="4070A0"/>
+                </a:solidFill>
+                <a:latin typeface="Courier"/>
+              </a:rPr>
+              <a:t> </a:t>
+            </a:r>
+            <a:r>
+              <a:rPr sz="1800">
+                <a:latin typeface="Courier"/>
+              </a:rPr>
+              <a:t>position </a:t>
+            </a:r>
+            <a:r>
+              <a:rPr sz="1800">
+                <a:solidFill>
+                  <a:srgbClr val="666666"/>
+                </a:solidFill>
+                <a:latin typeface="Courier"/>
+              </a:rPr>
+              <a:t>==</a:t>
+            </a:r>
+            <a:r>
+              <a:rPr sz="1800">
+                <a:solidFill>
+                  <a:srgbClr val="4070A0"/>
+                </a:solidFill>
+                <a:latin typeface="Courier"/>
+              </a:rPr>
+              <a:t> 'For'</a:t>
+            </a:r>
+            <a:r>
+              <a:rPr sz="1800">
+                <a:latin typeface="Courier"/>
+              </a:rPr>
+              <a:t>) </a:t>
+            </a:r>
+            <a:r>
+              <a:rPr sz="1800">
+                <a:solidFill>
+                  <a:srgbClr val="666666"/>
+                </a:solidFill>
+                <a:latin typeface="Courier"/>
+              </a:rPr>
+              <a:t>%&gt;%</a:t>
+            </a:r>
+            <a:r>
+              <a:rPr sz="1800">
+                <a:solidFill>
+                  <a:srgbClr val="4070A0"/>
+                </a:solidFill>
+                <a:latin typeface="Courier"/>
+              </a:rPr>
+              <a:t> </a:t>
+            </a:r>
+            <a:r>
+              <a:rPr sz="1800" b="1">
+                <a:solidFill>
+                  <a:srgbClr val="007020"/>
+                </a:solidFill>
+                <a:latin typeface="Courier"/>
+              </a:rPr>
+              <a:t>drop_na</a:t>
+            </a:r>
+            <a:r>
+              <a:rPr sz="1800">
+                <a:latin typeface="Courier"/>
+              </a:rPr>
+              <a:t>(weight) </a:t>
+            </a:r>
+            <a:r>
+              <a:rPr sz="1800">
+                <a:solidFill>
+                  <a:srgbClr val="666666"/>
+                </a:solidFill>
+                <a:latin typeface="Courier"/>
+              </a:rPr>
+              <a:t>%&gt;%</a:t>
+            </a:r>
+            <a:r>
+              <a:rPr sz="1800">
+                <a:solidFill>
+                  <a:srgbClr val="4070A0"/>
+                </a:solidFill>
+                <a:latin typeface="Courier"/>
+              </a:rPr>
+              <a:t> </a:t>
+            </a:r>
+            <a:r>
+              <a:rPr sz="1800" b="1">
+                <a:solidFill>
+                  <a:srgbClr val="007020"/>
+                </a:solidFill>
+                <a:latin typeface="Courier"/>
+              </a:rPr>
+              <a:t>ggplot</a:t>
+            </a:r>
+            <a:r>
+              <a:rPr sz="1800">
+                <a:latin typeface="Courier"/>
+              </a:rPr>
+              <a:t>(</a:t>
+            </a:r>
+            <a:r>
+              <a:rPr sz="1800" b="1">
+                <a:solidFill>
+                  <a:srgbClr val="007020"/>
+                </a:solidFill>
+                <a:latin typeface="Courier"/>
+              </a:rPr>
+              <a:t>aes</a:t>
+            </a:r>
+            <a:r>
+              <a:rPr sz="1800">
+                <a:latin typeface="Courier"/>
+              </a:rPr>
+              <a:t>(</a:t>
+            </a:r>
+            <a:r>
+              <a:rPr sz="1800">
+                <a:solidFill>
+                  <a:srgbClr val="902000"/>
+                </a:solidFill>
+                <a:latin typeface="Courier"/>
+              </a:rPr>
+              <a:t>x=</a:t>
+            </a:r>
+            <a:r>
+              <a:rPr sz="1800">
+                <a:latin typeface="Courier"/>
+              </a:rPr>
+              <a:t>weight)) </a:t>
+            </a:r>
+            <a:r>
+              <a:rPr sz="1800">
+                <a:solidFill>
+                  <a:srgbClr val="666666"/>
+                </a:solidFill>
+                <a:latin typeface="Courier"/>
+              </a:rPr>
+              <a:t>+</a:t>
+            </a:r>
+            <a:r>
+              <a:rPr sz="1800">
+                <a:solidFill>
+                  <a:srgbClr val="4070A0"/>
+                </a:solidFill>
+                <a:latin typeface="Courier"/>
+              </a:rPr>
+              <a:t> </a:t>
+            </a:r>
+            <a:r>
+              <a:rPr sz="1800" b="1">
+                <a:solidFill>
+                  <a:srgbClr val="007020"/>
+                </a:solidFill>
+                <a:latin typeface="Courier"/>
+              </a:rPr>
+              <a:t>geom_histogram</a:t>
+            </a:r>
+            <a:r>
+              <a:rPr sz="1800">
+                <a:latin typeface="Courier"/>
+              </a:rPr>
+              <a:t>(</a:t>
+            </a:r>
+            <a:r>
+              <a:rPr sz="1800">
+                <a:solidFill>
+                  <a:srgbClr val="902000"/>
+                </a:solidFill>
+                <a:latin typeface="Courier"/>
+              </a:rPr>
+              <a:t>bins=</a:t>
+            </a:r>
+            <a:r>
+              <a:rPr sz="1800">
+                <a:solidFill>
+                  <a:srgbClr val="40A070"/>
+                </a:solidFill>
+                <a:latin typeface="Courier"/>
+              </a:rPr>
+              <a:t>21</a:t>
+            </a:r>
+            <a:r>
+              <a:rPr sz="1800">
+                <a:latin typeface="Courier"/>
+              </a:rPr>
+              <a:t>) </a:t>
+            </a:r>
+            <a:r>
+              <a:rPr sz="1800">
+                <a:solidFill>
+                  <a:srgbClr val="666666"/>
+                </a:solidFill>
+                <a:latin typeface="Courier"/>
+              </a:rPr>
+              <a:t>+</a:t>
+            </a:r>
+            <a:r>
+              <a:rPr sz="1800">
+                <a:solidFill>
+                  <a:srgbClr val="4070A0"/>
+                </a:solidFill>
+                <a:latin typeface="Courier"/>
+              </a:rPr>
+              <a:t> </a:t>
+            </a:r>
+            <a:r>
+              <a:rPr sz="1800" b="1">
+                <a:solidFill>
+                  <a:srgbClr val="007020"/>
+                </a:solidFill>
+                <a:latin typeface="Courier"/>
+              </a:rPr>
+              <a:t>ggtitle</a:t>
+            </a:r>
+            <a:r>
+              <a:rPr sz="1800">
+                <a:latin typeface="Courier"/>
+              </a:rPr>
+              <a:t>(</a:t>
+            </a:r>
+            <a:r>
+              <a:rPr sz="1800">
+                <a:solidFill>
+                  <a:srgbClr val="4070A0"/>
+                </a:solidFill>
+                <a:latin typeface="Courier"/>
+              </a:rPr>
+              <a:t>"Distribution of Weight for Centers and Forwards"</a:t>
+            </a:r>
+            <a:r>
+              <a:rPr sz="1800">
+                <a:latin typeface="Courier"/>
+              </a:rPr>
+              <a:t>) </a:t>
+            </a:r>
+            <a:r>
+              <a:rPr sz="1800">
+                <a:solidFill>
+                  <a:srgbClr val="666666"/>
+                </a:solidFill>
+                <a:latin typeface="Courier"/>
+              </a:rPr>
+              <a:t>+</a:t>
+            </a:r>
+            <a:r>
+              <a:rPr sz="1800">
+                <a:solidFill>
+                  <a:srgbClr val="4070A0"/>
+                </a:solidFill>
+                <a:latin typeface="Courier"/>
+              </a:rPr>
+              <a:t> </a:t>
+            </a:r>
+            <a:r>
+              <a:rPr sz="1800" b="1">
+                <a:solidFill>
+                  <a:srgbClr val="007020"/>
+                </a:solidFill>
+                <a:latin typeface="Courier"/>
+              </a:rPr>
+              <a:t>facet_wrap</a:t>
+            </a:r>
+            <a:r>
+              <a:rPr sz="1800">
+                <a:latin typeface="Courier"/>
+              </a:rPr>
+              <a:t>(</a:t>
+            </a:r>
+            <a:r>
+              <a:rPr sz="1800">
+                <a:solidFill>
+                  <a:srgbClr val="666666"/>
+                </a:solidFill>
+                <a:latin typeface="Courier"/>
+              </a:rPr>
+              <a:t>~</a:t>
+            </a:r>
+            <a:r>
+              <a:rPr sz="1800">
+                <a:latin typeface="Courier"/>
+              </a:rPr>
+              <a:t>position)</a:t>
             </a:r>
           </a:p>
         </p:txBody>
@@ -3868,64 +6926,36 @@
           <a:chExt cx="0" cy="0"/>
         </a:xfrm>
       </p:grpSpPr>
-      <p:sp>
-        <p:nvSpPr>
-          <p:cNvPr id="2" name="Title 1"/>
-          <p:cNvSpPr>
-            <a:spLocks noGrp="1"/>
-          </p:cNvSpPr>
-          <p:nvPr>
-            <p:ph type="title"/>
-          </p:nvPr>
-        </p:nvSpPr>
-        <p:spPr/>
-        <p:txBody>
-          <a:bodyPr/>
-          <a:lstStyle/>
-          <a:p>
-            <a:pPr lvl="0" marL="0" indent="0">
-              <a:buNone/>
-            </a:pPr>
-            <a:r>
-              <a:rPr/>
-              <a:t>Question</a:t>
-            </a:r>
-            <a:r>
-              <a:rPr/>
-              <a:t> </a:t>
-            </a:r>
-            <a:r>
-              <a:rPr/>
-              <a:t>5</a:t>
-            </a:r>
-          </a:p>
-        </p:txBody>
-      </p:sp>
-      <p:sp>
-        <p:nvSpPr>
-          <p:cNvPr id="3" name="Content Placeholder 2"/>
-          <p:cNvSpPr>
-            <a:spLocks noGrp="1"/>
-          </p:cNvSpPr>
-          <p:nvPr>
-            <p:ph idx="1"/>
-          </p:nvPr>
-        </p:nvSpPr>
-        <p:spPr/>
-        <p:txBody>
-          <a:bodyPr/>
-          <a:lstStyle/>
-          <a:p>
-            <a:pPr lvl="0" marL="0" indent="0">
-              <a:buNone/>
-            </a:pPr>
-            <a:r>
-              <a:rPr/>
-              <a:t>Investigate how a players height is related to his weight  There is clearly a strong, apparently linear relationship between weight and height. There is more variation in weight for taller players.</a:t>
-            </a:r>
-          </a:p>
-        </p:txBody>
-      </p:sp>
+      <p:pic>
+        <p:nvPicPr>
+          <p:cNvPr descr="Richard_Palmer_LiveSession_2_files/figure-pptx/unnamed-chunk-3-1.png" id="0" name="Picture 1"/>
+          <p:cNvPicPr>
+            <a:picLocks noGrp="1" noChangeAspect="1"/>
+          </p:cNvPicPr>
+          <p:nvPr/>
+        </p:nvPicPr>
+        <p:blipFill>
+          <a:blip r:embed="rId2"/>
+          <a:stretch>
+            <a:fillRect/>
+          </a:stretch>
+        </p:blipFill>
+        <p:spPr bwMode="auto">
+          <a:xfrm>
+            <a:off x="1752600" y="1600200"/>
+            <a:ext cx="5651500" cy="4521200"/>
+          </a:xfrm>
+          <a:prstGeom prst="rect">
+            <a:avLst/>
+          </a:prstGeom>
+          <a:noFill/>
+          <a:ln w="9525">
+            <a:noFill/>
+            <a:headEnd/>
+            <a:tailEnd/>
+          </a:ln>
+        </p:spPr>
+      </p:pic>
     </p:spTree>
   </p:cSld>
 </p:sld>
@@ -3950,12 +6980,12 @@
       </p:grpSpPr>
       <p:sp>
         <p:nvSpPr>
-          <p:cNvPr id="2" name="Title 1"/>
-          <p:cNvSpPr>
-            <a:spLocks noGrp="1"/>
-          </p:cNvSpPr>
-          <p:nvPr>
-            <p:ph type="title"/>
+          <p:cNvPr id="3" name="Content Placeholder 2"/>
+          <p:cNvSpPr>
+            <a:spLocks noGrp="1"/>
+          </p:cNvSpPr>
+          <p:nvPr>
+            <p:ph idx="1"/>
           </p:nvPr>
         </p:nvSpPr>
         <p:spPr/>
@@ -3968,40 +6998,7 @@
             </a:pPr>
             <a:r>
               <a:rPr/>
-              <a:t>Question</a:t>
-            </a:r>
-            <a:r>
-              <a:rPr/>
-              <a:t> </a:t>
-            </a:r>
-            <a:r>
-              <a:rPr/>
-              <a:t>6</a:t>
-            </a:r>
-          </a:p>
-        </p:txBody>
-      </p:sp>
-      <p:sp>
-        <p:nvSpPr>
-          <p:cNvPr id="3" name="Content Placeholder 2"/>
-          <p:cNvSpPr>
-            <a:spLocks noGrp="1"/>
-          </p:cNvSpPr>
-          <p:nvPr>
-            <p:ph idx="1"/>
-          </p:nvPr>
-        </p:nvSpPr>
-        <p:spPr/>
-        <p:txBody>
-          <a:bodyPr/>
-          <a:lstStyle/>
-          <a:p>
-            <a:pPr lvl="0" marL="0" indent="0">
-              <a:buNone/>
-            </a:pPr>
-            <a:r>
-              <a:rPr/>
-              <a:t>Is there any difference in height/weight relationship among positions?  It is difficult to identify a different trend of height to weight by position. It might be that the slope is not so great for Centers as for Guards, but this effect might instead simply be a consequence of taller players being Centers.</a:t>
+              <a:t> Centers seem to be somewhat taller than Forwards.</a:t>
             </a:r>
           </a:p>
         </p:txBody>
@@ -4056,7 +7053,7 @@
             </a:r>
             <a:r>
               <a:rPr/>
-              <a:t>7</a:t>
+              <a:t>3</a:t>
             </a:r>
           </a:p>
         </p:txBody>
@@ -4081,7 +7078,372 @@
             </a:pPr>
             <a:r>
               <a:rPr/>
-              <a:t>Is there any evidence that height has changed over the years?  It does appear tha there has been an increase in the range of heights over the years. ## Question 8 3D plot of height versus weight versus year, colored by position</a:t>
+              <a:t>Compare the distribution of the height of centers with that of the height of forwards</a:t>
+            </a:r>
+          </a:p>
+          <a:p>
+            <a:pPr lvl="0" marL="1270000" indent="0">
+              <a:buNone/>
+            </a:pPr>
+            <a:r>
+              <a:rPr sz="1800">
+                <a:latin typeface="Courier"/>
+              </a:rPr>
+              <a:t>BBall </a:t>
+            </a:r>
+            <a:r>
+              <a:rPr sz="1800">
+                <a:solidFill>
+                  <a:srgbClr val="666666"/>
+                </a:solidFill>
+                <a:latin typeface="Courier"/>
+              </a:rPr>
+              <a:t>%&gt;%</a:t>
+            </a:r>
+            <a:r>
+              <a:rPr sz="1800">
+                <a:solidFill>
+                  <a:srgbClr val="4070A0"/>
+                </a:solidFill>
+                <a:latin typeface="Courier"/>
+              </a:rPr>
+              <a:t> </a:t>
+            </a:r>
+            <a:r>
+              <a:rPr sz="1800" b="1">
+                <a:solidFill>
+                  <a:srgbClr val="007020"/>
+                </a:solidFill>
+                <a:latin typeface="Courier"/>
+              </a:rPr>
+              <a:t>filter</a:t>
+            </a:r>
+            <a:r>
+              <a:rPr sz="1800">
+                <a:latin typeface="Courier"/>
+              </a:rPr>
+              <a:t>(position </a:t>
+            </a:r>
+            <a:r>
+              <a:rPr sz="1800">
+                <a:solidFill>
+                  <a:srgbClr val="666666"/>
+                </a:solidFill>
+                <a:latin typeface="Courier"/>
+              </a:rPr>
+              <a:t>==</a:t>
+            </a:r>
+            <a:r>
+              <a:rPr sz="1800">
+                <a:solidFill>
+                  <a:srgbClr val="4070A0"/>
+                </a:solidFill>
+                <a:latin typeface="Courier"/>
+              </a:rPr>
+              <a:t> 'Ctr'</a:t>
+            </a:r>
+            <a:r>
+              <a:rPr sz="1800">
+                <a:latin typeface="Courier"/>
+              </a:rPr>
+              <a:t> </a:t>
+            </a:r>
+            <a:r>
+              <a:rPr sz="1800">
+                <a:solidFill>
+                  <a:srgbClr val="666666"/>
+                </a:solidFill>
+                <a:latin typeface="Courier"/>
+              </a:rPr>
+              <a:t>|</a:t>
+            </a:r>
+            <a:r>
+              <a:rPr sz="1800">
+                <a:solidFill>
+                  <a:srgbClr val="4070A0"/>
+                </a:solidFill>
+                <a:latin typeface="Courier"/>
+              </a:rPr>
+              <a:t> </a:t>
+            </a:r>
+            <a:r>
+              <a:rPr sz="1800">
+                <a:latin typeface="Courier"/>
+              </a:rPr>
+              <a:t>position </a:t>
+            </a:r>
+            <a:r>
+              <a:rPr sz="1800">
+                <a:solidFill>
+                  <a:srgbClr val="666666"/>
+                </a:solidFill>
+                <a:latin typeface="Courier"/>
+              </a:rPr>
+              <a:t>==</a:t>
+            </a:r>
+            <a:r>
+              <a:rPr sz="1800">
+                <a:solidFill>
+                  <a:srgbClr val="4070A0"/>
+                </a:solidFill>
+                <a:latin typeface="Courier"/>
+              </a:rPr>
+              <a:t> 'For'</a:t>
+            </a:r>
+            <a:r>
+              <a:rPr sz="1800">
+                <a:latin typeface="Courier"/>
+              </a:rPr>
+              <a:t>) </a:t>
+            </a:r>
+            <a:r>
+              <a:rPr sz="1800">
+                <a:solidFill>
+                  <a:srgbClr val="666666"/>
+                </a:solidFill>
+                <a:latin typeface="Courier"/>
+              </a:rPr>
+              <a:t>%&gt;%</a:t>
+            </a:r>
+            <a:r>
+              <a:rPr sz="1800">
+                <a:solidFill>
+                  <a:srgbClr val="4070A0"/>
+                </a:solidFill>
+                <a:latin typeface="Courier"/>
+              </a:rPr>
+              <a:t> </a:t>
+            </a:r>
+            <a:r>
+              <a:rPr sz="1800" b="1">
+                <a:solidFill>
+                  <a:srgbClr val="007020"/>
+                </a:solidFill>
+                <a:latin typeface="Courier"/>
+              </a:rPr>
+              <a:t>drop_na</a:t>
+            </a:r>
+            <a:r>
+              <a:rPr sz="1800">
+                <a:latin typeface="Courier"/>
+              </a:rPr>
+              <a:t>(height_inches) </a:t>
+            </a:r>
+            <a:r>
+              <a:rPr sz="1800">
+                <a:solidFill>
+                  <a:srgbClr val="666666"/>
+                </a:solidFill>
+                <a:latin typeface="Courier"/>
+              </a:rPr>
+              <a:t>%&gt;%</a:t>
+            </a:r>
+            <a:r>
+              <a:rPr sz="1800">
+                <a:solidFill>
+                  <a:srgbClr val="4070A0"/>
+                </a:solidFill>
+                <a:latin typeface="Courier"/>
+              </a:rPr>
+              <a:t> </a:t>
+            </a:r>
+            <a:r>
+              <a:rPr sz="1800" b="1">
+                <a:solidFill>
+                  <a:srgbClr val="007020"/>
+                </a:solidFill>
+                <a:latin typeface="Courier"/>
+              </a:rPr>
+              <a:t>ggplot</a:t>
+            </a:r>
+            <a:r>
+              <a:rPr sz="1800">
+                <a:latin typeface="Courier"/>
+              </a:rPr>
+              <a:t>(</a:t>
+            </a:r>
+            <a:r>
+              <a:rPr sz="1800" b="1">
+                <a:solidFill>
+                  <a:srgbClr val="007020"/>
+                </a:solidFill>
+                <a:latin typeface="Courier"/>
+              </a:rPr>
+              <a:t>aes</a:t>
+            </a:r>
+            <a:r>
+              <a:rPr sz="1800">
+                <a:latin typeface="Courier"/>
+              </a:rPr>
+              <a:t>(</a:t>
+            </a:r>
+            <a:r>
+              <a:rPr sz="1800">
+                <a:solidFill>
+                  <a:srgbClr val="902000"/>
+                </a:solidFill>
+                <a:latin typeface="Courier"/>
+              </a:rPr>
+              <a:t>x=</a:t>
+            </a:r>
+            <a:r>
+              <a:rPr sz="1800">
+                <a:latin typeface="Courier"/>
+              </a:rPr>
+              <a:t>height_inches)) </a:t>
+            </a:r>
+            <a:r>
+              <a:rPr sz="1800">
+                <a:solidFill>
+                  <a:srgbClr val="666666"/>
+                </a:solidFill>
+                <a:latin typeface="Courier"/>
+              </a:rPr>
+              <a:t>+</a:t>
+            </a:r>
+            <a:r>
+              <a:rPr sz="1800">
+                <a:solidFill>
+                  <a:srgbClr val="4070A0"/>
+                </a:solidFill>
+                <a:latin typeface="Courier"/>
+              </a:rPr>
+              <a:t> </a:t>
+            </a:r>
+            <a:r>
+              <a:rPr sz="1800" b="1">
+                <a:solidFill>
+                  <a:srgbClr val="007020"/>
+                </a:solidFill>
+                <a:latin typeface="Courier"/>
+              </a:rPr>
+              <a:t>geom_histogram</a:t>
+            </a:r>
+            <a:r>
+              <a:rPr sz="1800">
+                <a:latin typeface="Courier"/>
+              </a:rPr>
+              <a:t>(</a:t>
+            </a:r>
+            <a:r>
+              <a:rPr sz="1800">
+                <a:solidFill>
+                  <a:srgbClr val="902000"/>
+                </a:solidFill>
+                <a:latin typeface="Courier"/>
+              </a:rPr>
+              <a:t>bins=</a:t>
+            </a:r>
+            <a:r>
+              <a:rPr sz="1800">
+                <a:solidFill>
+                  <a:srgbClr val="40A070"/>
+                </a:solidFill>
+                <a:latin typeface="Courier"/>
+              </a:rPr>
+              <a:t>21</a:t>
+            </a:r>
+            <a:r>
+              <a:rPr sz="1800">
+                <a:latin typeface="Courier"/>
+              </a:rPr>
+              <a:t>) </a:t>
+            </a:r>
+            <a:r>
+              <a:rPr sz="1800">
+                <a:solidFill>
+                  <a:srgbClr val="666666"/>
+                </a:solidFill>
+                <a:latin typeface="Courier"/>
+              </a:rPr>
+              <a:t>+</a:t>
+            </a:r>
+            <a:r>
+              <a:rPr sz="1800">
+                <a:solidFill>
+                  <a:srgbClr val="4070A0"/>
+                </a:solidFill>
+                <a:latin typeface="Courier"/>
+              </a:rPr>
+              <a:t> </a:t>
+            </a:r>
+            <a:r>
+              <a:rPr sz="1800" b="1">
+                <a:solidFill>
+                  <a:srgbClr val="007020"/>
+                </a:solidFill>
+                <a:latin typeface="Courier"/>
+              </a:rPr>
+              <a:t>ggtitle</a:t>
+            </a:r>
+            <a:r>
+              <a:rPr sz="1800">
+                <a:latin typeface="Courier"/>
+              </a:rPr>
+              <a:t>(</a:t>
+            </a:r>
+            <a:r>
+              <a:rPr sz="1800">
+                <a:solidFill>
+                  <a:srgbClr val="4070A0"/>
+                </a:solidFill>
+                <a:latin typeface="Courier"/>
+              </a:rPr>
+              <a:t>"Distribution of Height for Centers and Forwards"</a:t>
+            </a:r>
+            <a:r>
+              <a:rPr sz="1800">
+                <a:latin typeface="Courier"/>
+              </a:rPr>
+              <a:t>) </a:t>
+            </a:r>
+            <a:r>
+              <a:rPr sz="1800">
+                <a:solidFill>
+                  <a:srgbClr val="666666"/>
+                </a:solidFill>
+                <a:latin typeface="Courier"/>
+              </a:rPr>
+              <a:t>+</a:t>
+            </a:r>
+            <a:r>
+              <a:rPr sz="1800">
+                <a:solidFill>
+                  <a:srgbClr val="4070A0"/>
+                </a:solidFill>
+                <a:latin typeface="Courier"/>
+              </a:rPr>
+              <a:t> </a:t>
+            </a:r>
+            <a:r>
+              <a:rPr sz="1800" b="1">
+                <a:solidFill>
+                  <a:srgbClr val="007020"/>
+                </a:solidFill>
+                <a:latin typeface="Courier"/>
+              </a:rPr>
+              <a:t>facet_wrap</a:t>
+            </a:r>
+            <a:r>
+              <a:rPr sz="1800">
+                <a:latin typeface="Courier"/>
+              </a:rPr>
+              <a:t>(</a:t>
+            </a:r>
+            <a:r>
+              <a:rPr sz="1800">
+                <a:solidFill>
+                  <a:srgbClr val="666666"/>
+                </a:solidFill>
+                <a:latin typeface="Courier"/>
+              </a:rPr>
+              <a:t>~</a:t>
+            </a:r>
+            <a:r>
+              <a:rPr sz="1800">
+                <a:latin typeface="Courier"/>
+              </a:rPr>
+              <a:t>position)</a:t>
             </a:r>
           </a:p>
         </p:txBody>

--- a/Unit 2/Richard_Palmer_LiveSession_2.pptx
+++ b/Unit 2/Richard_Palmer_LiveSession_2.pptx
@@ -4742,6 +4742,72 @@
               <a:buNone/>
             </a:pPr>
             <a:r>
+              <a:rPr sz="1800" i="1">
+                <a:solidFill>
+                  <a:srgbClr val="60A0B0"/>
+                </a:solidFill>
+                <a:latin typeface="Courier"/>
+              </a:rPr>
+              <a:t># need to set this to true for ppt, but false for pdf</a:t>
+            </a:r>
+            <a:br/>
+            <a:r>
+              <a:rPr sz="1800">
+                <a:latin typeface="Courier"/>
+              </a:rPr>
+              <a:t>knit_echo =</a:t>
+            </a:r>
+            <a:r>
+              <a:rPr sz="1800">
+                <a:solidFill>
+                  <a:srgbClr val="4070A0"/>
+                </a:solidFill>
+                <a:latin typeface="Courier"/>
+              </a:rPr>
+              <a:t> </a:t>
+            </a:r>
+            <a:r>
+              <a:rPr sz="1800">
+                <a:solidFill>
+                  <a:srgbClr val="007020"/>
+                </a:solidFill>
+                <a:latin typeface="Courier"/>
+              </a:rPr>
+              <a:t>TRUE</a:t>
+            </a:r>
+            <a:br/>
+            <a:br/>
+            <a:r>
+              <a:rPr sz="1800" i="1">
+                <a:solidFill>
+                  <a:srgbClr val="60A0B0"/>
+                </a:solidFill>
+                <a:latin typeface="Courier"/>
+              </a:rPr>
+              <a:t># get libraries</a:t>
+            </a:r>
+            <a:br/>
+            <a:r>
+              <a:rPr sz="1800" b="1">
+                <a:solidFill>
+                  <a:srgbClr val="007020"/>
+                </a:solidFill>
+                <a:latin typeface="Courier"/>
+              </a:rPr>
+              <a:t>library</a:t>
+            </a:r>
+            <a:r>
+              <a:rPr sz="1800">
+                <a:latin typeface="Courier"/>
+              </a:rPr>
+              <a:t>(dplyr)</a:t>
+            </a:r>
+          </a:p>
+          <a:p>
+            <a:pPr lvl="0" marL="1270000" indent="0">
+              <a:buNone/>
+            </a:pPr>
+            <a:r>
               <a:rPr sz="1800">
                 <a:latin typeface="Courier"/>
               </a:rPr>
@@ -4780,6 +4846,42 @@
               <a:buNone/>
             </a:pPr>
             <a:r>
+              <a:rPr sz="1800" b="1">
+                <a:solidFill>
+                  <a:srgbClr val="007020"/>
+                </a:solidFill>
+                <a:latin typeface="Courier"/>
+              </a:rPr>
+              <a:t>library</a:t>
+            </a:r>
+            <a:r>
+              <a:rPr sz="1800">
+                <a:latin typeface="Courier"/>
+              </a:rPr>
+              <a:t>(ggplot2)</a:t>
+            </a:r>
+            <a:br/>
+            <a:r>
+              <a:rPr sz="1800" b="1">
+                <a:solidFill>
+                  <a:srgbClr val="007020"/>
+                </a:solidFill>
+                <a:latin typeface="Courier"/>
+              </a:rPr>
+              <a:t>library</a:t>
+            </a:r>
+            <a:r>
+              <a:rPr sz="1800">
+                <a:latin typeface="Courier"/>
+              </a:rPr>
+              <a:t>(plotly)</a:t>
+            </a:r>
+          </a:p>
+          <a:p>
+            <a:pPr lvl="0" marL="1270000" indent="0">
+              <a:buNone/>
+            </a:pPr>
+            <a:r>
               <a:rPr sz="1800">
                 <a:latin typeface="Courier"/>
               </a:rPr>
@@ -4824,6 +4926,26 @@
               <a:t>## The following object is masked from 'package:graphics':
 ## 
 ##     layout</a:t>
+            </a:r>
+          </a:p>
+          <a:p>
+            <a:pPr lvl="0" marL="1270000" indent="0">
+              <a:buNone/>
+            </a:pPr>
+            <a:r>
+              <a:rPr sz="1800" b="1">
+                <a:solidFill>
+                  <a:srgbClr val="007020"/>
+                </a:solidFill>
+                <a:latin typeface="Courier"/>
+              </a:rPr>
+              <a:t>library</a:t>
+            </a:r>
+            <a:r>
+              <a:rPr sz="1800">
+                <a:latin typeface="Courier"/>
+              </a:rPr>
+              <a:t>(ggalt)</a:t>
             </a:r>
           </a:p>
           <a:p>
@@ -4841,6 +4963,2478 @@
 ##   grobWidth.absoluteGrob  ggplot2
 ##   grobX.absoluteGrob      ggplot2
 ##   grobY.absoluteGrob      ggplot2</a:t>
+            </a:r>
+          </a:p>
+          <a:p>
+            <a:pPr lvl="0" marL="1270000" indent="0">
+              <a:buNone/>
+            </a:pPr>
+            <a:r>
+              <a:rPr sz="1800" b="1">
+                <a:solidFill>
+                  <a:srgbClr val="007020"/>
+                </a:solidFill>
+                <a:latin typeface="Courier"/>
+              </a:rPr>
+              <a:t>library</a:t>
+            </a:r>
+            <a:r>
+              <a:rPr sz="1800">
+                <a:latin typeface="Courier"/>
+              </a:rPr>
+              <a:t>(ggcorrplot)</a:t>
+            </a:r>
+            <a:br/>
+            <a:r>
+              <a:rPr sz="1800" b="1">
+                <a:solidFill>
+                  <a:srgbClr val="007020"/>
+                </a:solidFill>
+                <a:latin typeface="Courier"/>
+              </a:rPr>
+              <a:t>library</a:t>
+            </a:r>
+            <a:r>
+              <a:rPr sz="1800">
+                <a:latin typeface="Courier"/>
+              </a:rPr>
+              <a:t>(tidyr)</a:t>
+            </a:r>
+            <a:br/>
+            <a:br/>
+            <a:r>
+              <a:rPr sz="1800" i="1">
+                <a:solidFill>
+                  <a:srgbClr val="60A0B0"/>
+                </a:solidFill>
+                <a:latin typeface="Courier"/>
+              </a:rPr>
+              <a:t># helpful function</a:t>
+            </a:r>
+            <a:br/>
+            <a:r>
+              <a:rPr sz="1800">
+                <a:latin typeface="Courier"/>
+              </a:rPr>
+              <a:t>to_inches &lt;-</a:t>
+            </a:r>
+            <a:r>
+              <a:rPr sz="1800">
+                <a:solidFill>
+                  <a:srgbClr val="4070A0"/>
+                </a:solidFill>
+                <a:latin typeface="Courier"/>
+              </a:rPr>
+              <a:t> </a:t>
+            </a:r>
+            <a:r>
+              <a:rPr sz="1800" b="1">
+                <a:solidFill>
+                  <a:srgbClr val="007020"/>
+                </a:solidFill>
+                <a:latin typeface="Courier"/>
+              </a:rPr>
+              <a:t>function</a:t>
+            </a:r>
+            <a:r>
+              <a:rPr sz="1800">
+                <a:latin typeface="Courier"/>
+              </a:rPr>
+              <a:t>(height) {</a:t>
+            </a:r>
+            <a:br/>
+            <a:r>
+              <a:rPr sz="1800">
+                <a:latin typeface="Courier"/>
+              </a:rPr>
+              <a:t>  vals &lt;-</a:t>
+            </a:r>
+            <a:r>
+              <a:rPr sz="1800">
+                <a:solidFill>
+                  <a:srgbClr val="4070A0"/>
+                </a:solidFill>
+                <a:latin typeface="Courier"/>
+              </a:rPr>
+              <a:t> </a:t>
+            </a:r>
+            <a:r>
+              <a:rPr sz="1800" b="1">
+                <a:solidFill>
+                  <a:srgbClr val="007020"/>
+                </a:solidFill>
+                <a:latin typeface="Courier"/>
+              </a:rPr>
+              <a:t>unlist</a:t>
+            </a:r>
+            <a:r>
+              <a:rPr sz="1800">
+                <a:latin typeface="Courier"/>
+              </a:rPr>
+              <a:t>(</a:t>
+            </a:r>
+            <a:r>
+              <a:rPr sz="1800" b="1">
+                <a:solidFill>
+                  <a:srgbClr val="007020"/>
+                </a:solidFill>
+                <a:latin typeface="Courier"/>
+              </a:rPr>
+              <a:t>strsplit</a:t>
+            </a:r>
+            <a:r>
+              <a:rPr sz="1800">
+                <a:latin typeface="Courier"/>
+              </a:rPr>
+              <a:t>(</a:t>
+            </a:r>
+            <a:r>
+              <a:rPr sz="1800">
+                <a:solidFill>
+                  <a:srgbClr val="902000"/>
+                </a:solidFill>
+                <a:latin typeface="Courier"/>
+              </a:rPr>
+              <a:t>x=</a:t>
+            </a:r>
+            <a:r>
+              <a:rPr sz="1800">
+                <a:latin typeface="Courier"/>
+              </a:rPr>
+              <a:t>height,</a:t>
+            </a:r>
+            <a:r>
+              <a:rPr sz="1800">
+                <a:solidFill>
+                  <a:srgbClr val="902000"/>
+                </a:solidFill>
+                <a:latin typeface="Courier"/>
+              </a:rPr>
+              <a:t>split=</a:t>
+            </a:r>
+            <a:r>
+              <a:rPr sz="1800">
+                <a:solidFill>
+                  <a:srgbClr val="4070A0"/>
+                </a:solidFill>
+                <a:latin typeface="Courier"/>
+              </a:rPr>
+              <a:t>'-'</a:t>
+            </a:r>
+            <a:r>
+              <a:rPr sz="1800">
+                <a:latin typeface="Courier"/>
+              </a:rPr>
+              <a:t>))</a:t>
+            </a:r>
+            <a:br/>
+            <a:r>
+              <a:rPr sz="1800">
+                <a:latin typeface="Courier"/>
+              </a:rPr>
+              <a:t>  feet   &lt;-</a:t>
+            </a:r>
+            <a:r>
+              <a:rPr sz="1800">
+                <a:solidFill>
+                  <a:srgbClr val="4070A0"/>
+                </a:solidFill>
+                <a:latin typeface="Courier"/>
+              </a:rPr>
+              <a:t> </a:t>
+            </a:r>
+            <a:r>
+              <a:rPr sz="1800" b="1">
+                <a:solidFill>
+                  <a:srgbClr val="007020"/>
+                </a:solidFill>
+                <a:latin typeface="Courier"/>
+              </a:rPr>
+              <a:t>as.numeric</a:t>
+            </a:r>
+            <a:r>
+              <a:rPr sz="1800">
+                <a:latin typeface="Courier"/>
+              </a:rPr>
+              <a:t>(vals[</a:t>
+            </a:r>
+            <a:r>
+              <a:rPr sz="1800">
+                <a:solidFill>
+                  <a:srgbClr val="40A070"/>
+                </a:solidFill>
+                <a:latin typeface="Courier"/>
+              </a:rPr>
+              <a:t>1</a:t>
+            </a:r>
+            <a:r>
+              <a:rPr sz="1800">
+                <a:latin typeface="Courier"/>
+              </a:rPr>
+              <a:t>])</a:t>
+            </a:r>
+            <a:br/>
+            <a:r>
+              <a:rPr sz="1800">
+                <a:latin typeface="Courier"/>
+              </a:rPr>
+              <a:t>  inches &lt;-</a:t>
+            </a:r>
+            <a:r>
+              <a:rPr sz="1800">
+                <a:solidFill>
+                  <a:srgbClr val="4070A0"/>
+                </a:solidFill>
+                <a:latin typeface="Courier"/>
+              </a:rPr>
+              <a:t>  </a:t>
+            </a:r>
+            <a:r>
+              <a:rPr sz="1800" b="1">
+                <a:solidFill>
+                  <a:srgbClr val="007020"/>
+                </a:solidFill>
+                <a:latin typeface="Courier"/>
+              </a:rPr>
+              <a:t>as.numeric</a:t>
+            </a:r>
+            <a:r>
+              <a:rPr sz="1800">
+                <a:latin typeface="Courier"/>
+              </a:rPr>
+              <a:t>(vals[</a:t>
+            </a:r>
+            <a:r>
+              <a:rPr sz="1800">
+                <a:solidFill>
+                  <a:srgbClr val="40A070"/>
+                </a:solidFill>
+                <a:latin typeface="Courier"/>
+              </a:rPr>
+              <a:t>2</a:t>
+            </a:r>
+            <a:r>
+              <a:rPr sz="1800">
+                <a:latin typeface="Courier"/>
+              </a:rPr>
+              <a:t>])</a:t>
+            </a:r>
+            <a:br/>
+            <a:r>
+              <a:rPr sz="1800">
+                <a:latin typeface="Courier"/>
+              </a:rPr>
+              <a:t>  </a:t>
+            </a:r>
+            <a:r>
+              <a:rPr sz="1800" b="1">
+                <a:solidFill>
+                  <a:srgbClr val="007020"/>
+                </a:solidFill>
+                <a:latin typeface="Courier"/>
+              </a:rPr>
+              <a:t>return</a:t>
+            </a:r>
+            <a:r>
+              <a:rPr sz="1800">
+                <a:latin typeface="Courier"/>
+              </a:rPr>
+              <a:t> (</a:t>
+            </a:r>
+            <a:r>
+              <a:rPr sz="1800">
+                <a:solidFill>
+                  <a:srgbClr val="40A070"/>
+                </a:solidFill>
+                <a:latin typeface="Courier"/>
+              </a:rPr>
+              <a:t>12</a:t>
+            </a:r>
+            <a:r>
+              <a:rPr sz="1800">
+                <a:solidFill>
+                  <a:srgbClr val="666666"/>
+                </a:solidFill>
+                <a:latin typeface="Courier"/>
+              </a:rPr>
+              <a:t>*</a:t>
+            </a:r>
+            <a:r>
+              <a:rPr sz="1800">
+                <a:latin typeface="Courier"/>
+              </a:rPr>
+              <a:t>feet </a:t>
+            </a:r>
+            <a:r>
+              <a:rPr sz="1800">
+                <a:solidFill>
+                  <a:srgbClr val="666666"/>
+                </a:solidFill>
+                <a:latin typeface="Courier"/>
+              </a:rPr>
+              <a:t>+</a:t>
+            </a:r>
+            <a:r>
+              <a:rPr sz="1800">
+                <a:solidFill>
+                  <a:srgbClr val="4070A0"/>
+                </a:solidFill>
+                <a:latin typeface="Courier"/>
+              </a:rPr>
+              <a:t> </a:t>
+            </a:r>
+            <a:r>
+              <a:rPr sz="1800">
+                <a:latin typeface="Courier"/>
+              </a:rPr>
+              <a:t>inches)</a:t>
+            </a:r>
+            <a:br/>
+            <a:r>
+              <a:rPr sz="1800">
+                <a:latin typeface="Courier"/>
+              </a:rPr>
+              <a:t>}</a:t>
+            </a:r>
+            <a:br/>
+            <a:br/>
+            <a:r>
+              <a:rPr sz="1800">
+                <a:latin typeface="Courier"/>
+              </a:rPr>
+              <a:t>clean_pos &lt;-</a:t>
+            </a:r>
+            <a:r>
+              <a:rPr sz="1800">
+                <a:solidFill>
+                  <a:srgbClr val="4070A0"/>
+                </a:solidFill>
+                <a:latin typeface="Courier"/>
+              </a:rPr>
+              <a:t> </a:t>
+            </a:r>
+            <a:r>
+              <a:rPr sz="1800" b="1">
+                <a:solidFill>
+                  <a:srgbClr val="007020"/>
+                </a:solidFill>
+                <a:latin typeface="Courier"/>
+              </a:rPr>
+              <a:t>function</a:t>
+            </a:r>
+            <a:r>
+              <a:rPr sz="1800">
+                <a:latin typeface="Courier"/>
+              </a:rPr>
+              <a:t>(pos) {</a:t>
+            </a:r>
+            <a:br/>
+            <a:r>
+              <a:rPr sz="1800">
+                <a:latin typeface="Courier"/>
+              </a:rPr>
+              <a:t>  c &lt;-</a:t>
+            </a:r>
+            <a:r>
+              <a:rPr sz="1800">
+                <a:solidFill>
+                  <a:srgbClr val="4070A0"/>
+                </a:solidFill>
+                <a:latin typeface="Courier"/>
+              </a:rPr>
+              <a:t>  ""</a:t>
+            </a:r>
+            <a:br/>
+            <a:r>
+              <a:rPr sz="1800">
+                <a:latin typeface="Courier"/>
+              </a:rPr>
+              <a:t>  </a:t>
+            </a:r>
+            <a:r>
+              <a:rPr sz="1800" b="1">
+                <a:solidFill>
+                  <a:srgbClr val="007020"/>
+                </a:solidFill>
+                <a:latin typeface="Courier"/>
+              </a:rPr>
+              <a:t>if</a:t>
+            </a:r>
+            <a:r>
+              <a:rPr sz="1800">
+                <a:latin typeface="Courier"/>
+              </a:rPr>
+              <a:t> (pos </a:t>
+            </a:r>
+            <a:r>
+              <a:rPr sz="1800">
+                <a:solidFill>
+                  <a:srgbClr val="666666"/>
+                </a:solidFill>
+                <a:latin typeface="Courier"/>
+              </a:rPr>
+              <a:t>==</a:t>
+            </a:r>
+            <a:r>
+              <a:rPr sz="1800">
+                <a:solidFill>
+                  <a:srgbClr val="4070A0"/>
+                </a:solidFill>
+                <a:latin typeface="Courier"/>
+              </a:rPr>
+              <a:t> "C"</a:t>
+            </a:r>
+            <a:r>
+              <a:rPr sz="1800">
+                <a:latin typeface="Courier"/>
+              </a:rPr>
+              <a:t>) {</a:t>
+            </a:r>
+            <a:br/>
+            <a:r>
+              <a:rPr sz="1800">
+                <a:latin typeface="Courier"/>
+              </a:rPr>
+              <a:t>    c &lt;-</a:t>
+            </a:r>
+            <a:r>
+              <a:rPr sz="1800">
+                <a:solidFill>
+                  <a:srgbClr val="4070A0"/>
+                </a:solidFill>
+                <a:latin typeface="Courier"/>
+              </a:rPr>
+              <a:t> "Ctr"</a:t>
+            </a:r>
+            <a:br/>
+            <a:r>
+              <a:rPr sz="1800">
+                <a:latin typeface="Courier"/>
+              </a:rPr>
+              <a:t>  } </a:t>
+            </a:r>
+            <a:r>
+              <a:rPr sz="1800" b="1">
+                <a:solidFill>
+                  <a:srgbClr val="007020"/>
+                </a:solidFill>
+                <a:latin typeface="Courier"/>
+              </a:rPr>
+              <a:t>else</a:t>
+            </a:r>
+            <a:r>
+              <a:rPr sz="1800">
+                <a:latin typeface="Courier"/>
+              </a:rPr>
+              <a:t> </a:t>
+            </a:r>
+            <a:r>
+              <a:rPr sz="1800" b="1">
+                <a:solidFill>
+                  <a:srgbClr val="007020"/>
+                </a:solidFill>
+                <a:latin typeface="Courier"/>
+              </a:rPr>
+              <a:t>if</a:t>
+            </a:r>
+            <a:r>
+              <a:rPr sz="1800">
+                <a:latin typeface="Courier"/>
+              </a:rPr>
+              <a:t> (pos </a:t>
+            </a:r>
+            <a:r>
+              <a:rPr sz="1800">
+                <a:solidFill>
+                  <a:srgbClr val="666666"/>
+                </a:solidFill>
+                <a:latin typeface="Courier"/>
+              </a:rPr>
+              <a:t>==</a:t>
+            </a:r>
+            <a:r>
+              <a:rPr sz="1800">
+                <a:solidFill>
+                  <a:srgbClr val="4070A0"/>
+                </a:solidFill>
+                <a:latin typeface="Courier"/>
+              </a:rPr>
+              <a:t> "F"</a:t>
+            </a:r>
+            <a:r>
+              <a:rPr sz="1800">
+                <a:latin typeface="Courier"/>
+              </a:rPr>
+              <a:t>) {</a:t>
+            </a:r>
+            <a:br/>
+            <a:r>
+              <a:rPr sz="1800">
+                <a:latin typeface="Courier"/>
+              </a:rPr>
+              <a:t>    c &lt;-</a:t>
+            </a:r>
+            <a:r>
+              <a:rPr sz="1800">
+                <a:solidFill>
+                  <a:srgbClr val="4070A0"/>
+                </a:solidFill>
+                <a:latin typeface="Courier"/>
+              </a:rPr>
+              <a:t> "For"</a:t>
+            </a:r>
+            <a:br/>
+            <a:r>
+              <a:rPr sz="1800">
+                <a:latin typeface="Courier"/>
+              </a:rPr>
+              <a:t>  } </a:t>
+            </a:r>
+            <a:r>
+              <a:rPr sz="1800" b="1">
+                <a:solidFill>
+                  <a:srgbClr val="007020"/>
+                </a:solidFill>
+                <a:latin typeface="Courier"/>
+              </a:rPr>
+              <a:t>else</a:t>
+            </a:r>
+            <a:r>
+              <a:rPr sz="1800">
+                <a:latin typeface="Courier"/>
+              </a:rPr>
+              <a:t> </a:t>
+            </a:r>
+            <a:r>
+              <a:rPr sz="1800" b="1">
+                <a:solidFill>
+                  <a:srgbClr val="007020"/>
+                </a:solidFill>
+                <a:latin typeface="Courier"/>
+              </a:rPr>
+              <a:t>if</a:t>
+            </a:r>
+            <a:r>
+              <a:rPr sz="1800">
+                <a:latin typeface="Courier"/>
+              </a:rPr>
+              <a:t> (pos </a:t>
+            </a:r>
+            <a:r>
+              <a:rPr sz="1800">
+                <a:solidFill>
+                  <a:srgbClr val="666666"/>
+                </a:solidFill>
+                <a:latin typeface="Courier"/>
+              </a:rPr>
+              <a:t>==</a:t>
+            </a:r>
+            <a:r>
+              <a:rPr sz="1800">
+                <a:solidFill>
+                  <a:srgbClr val="4070A0"/>
+                </a:solidFill>
+                <a:latin typeface="Courier"/>
+              </a:rPr>
+              <a:t> "G"</a:t>
+            </a:r>
+            <a:r>
+              <a:rPr sz="1800">
+                <a:latin typeface="Courier"/>
+              </a:rPr>
+              <a:t>) {</a:t>
+            </a:r>
+            <a:br/>
+            <a:r>
+              <a:rPr sz="1800">
+                <a:latin typeface="Courier"/>
+              </a:rPr>
+              <a:t>    c &lt;-</a:t>
+            </a:r>
+            <a:r>
+              <a:rPr sz="1800">
+                <a:solidFill>
+                  <a:srgbClr val="4070A0"/>
+                </a:solidFill>
+                <a:latin typeface="Courier"/>
+              </a:rPr>
+              <a:t> "Grd"</a:t>
+            </a:r>
+            <a:br/>
+            <a:r>
+              <a:rPr sz="1800">
+                <a:latin typeface="Courier"/>
+              </a:rPr>
+              <a:t>  } </a:t>
+            </a:r>
+            <a:r>
+              <a:rPr sz="1800" b="1">
+                <a:solidFill>
+                  <a:srgbClr val="007020"/>
+                </a:solidFill>
+                <a:latin typeface="Courier"/>
+              </a:rPr>
+              <a:t>else</a:t>
+            </a:r>
+            <a:r>
+              <a:rPr sz="1800">
+                <a:latin typeface="Courier"/>
+              </a:rPr>
+              <a:t> </a:t>
+            </a:r>
+            <a:r>
+              <a:rPr sz="1800" b="1">
+                <a:solidFill>
+                  <a:srgbClr val="007020"/>
+                </a:solidFill>
+                <a:latin typeface="Courier"/>
+              </a:rPr>
+              <a:t>if</a:t>
+            </a:r>
+            <a:r>
+              <a:rPr sz="1800">
+                <a:latin typeface="Courier"/>
+              </a:rPr>
+              <a:t> ((pos </a:t>
+            </a:r>
+            <a:r>
+              <a:rPr sz="1800">
+                <a:solidFill>
+                  <a:srgbClr val="666666"/>
+                </a:solidFill>
+                <a:latin typeface="Courier"/>
+              </a:rPr>
+              <a:t>==</a:t>
+            </a:r>
+            <a:r>
+              <a:rPr sz="1800">
+                <a:solidFill>
+                  <a:srgbClr val="4070A0"/>
+                </a:solidFill>
+                <a:latin typeface="Courier"/>
+              </a:rPr>
+              <a:t> "C-F"</a:t>
+            </a:r>
+            <a:r>
+              <a:rPr sz="1800">
+                <a:latin typeface="Courier"/>
+              </a:rPr>
+              <a:t>) </a:t>
+            </a:r>
+            <a:r>
+              <a:rPr sz="1800">
+                <a:solidFill>
+                  <a:srgbClr val="666666"/>
+                </a:solidFill>
+                <a:latin typeface="Courier"/>
+              </a:rPr>
+              <a:t>|</a:t>
+            </a:r>
+            <a:r>
+              <a:rPr sz="1800">
+                <a:solidFill>
+                  <a:srgbClr val="4070A0"/>
+                </a:solidFill>
+                <a:latin typeface="Courier"/>
+              </a:rPr>
+              <a:t> </a:t>
+            </a:r>
+            <a:r>
+              <a:rPr sz="1800">
+                <a:latin typeface="Courier"/>
+              </a:rPr>
+              <a:t>(pos </a:t>
+            </a:r>
+            <a:r>
+              <a:rPr sz="1800">
+                <a:solidFill>
+                  <a:srgbClr val="666666"/>
+                </a:solidFill>
+                <a:latin typeface="Courier"/>
+              </a:rPr>
+              <a:t>==</a:t>
+            </a:r>
+            <a:r>
+              <a:rPr sz="1800">
+                <a:solidFill>
+                  <a:srgbClr val="4070A0"/>
+                </a:solidFill>
+                <a:latin typeface="Courier"/>
+              </a:rPr>
+              <a:t> "F-C"</a:t>
+            </a:r>
+            <a:r>
+              <a:rPr sz="1800">
+                <a:latin typeface="Courier"/>
+              </a:rPr>
+              <a:t>)) {</a:t>
+            </a:r>
+            <a:br/>
+            <a:r>
+              <a:rPr sz="1800">
+                <a:latin typeface="Courier"/>
+              </a:rPr>
+              <a:t>    c &lt;-</a:t>
+            </a:r>
+            <a:r>
+              <a:rPr sz="1800">
+                <a:solidFill>
+                  <a:srgbClr val="4070A0"/>
+                </a:solidFill>
+                <a:latin typeface="Courier"/>
+              </a:rPr>
+              <a:t> "Ctr/For"</a:t>
+            </a:r>
+            <a:br/>
+            <a:r>
+              <a:rPr sz="1800">
+                <a:latin typeface="Courier"/>
+              </a:rPr>
+              <a:t>  } </a:t>
+            </a:r>
+            <a:r>
+              <a:rPr sz="1800" b="1">
+                <a:solidFill>
+                  <a:srgbClr val="007020"/>
+                </a:solidFill>
+                <a:latin typeface="Courier"/>
+              </a:rPr>
+              <a:t>else</a:t>
+            </a:r>
+            <a:r>
+              <a:rPr sz="1800">
+                <a:latin typeface="Courier"/>
+              </a:rPr>
+              <a:t> </a:t>
+            </a:r>
+            <a:r>
+              <a:rPr sz="1800" b="1">
+                <a:solidFill>
+                  <a:srgbClr val="007020"/>
+                </a:solidFill>
+                <a:latin typeface="Courier"/>
+              </a:rPr>
+              <a:t>if</a:t>
+            </a:r>
+            <a:r>
+              <a:rPr sz="1800">
+                <a:latin typeface="Courier"/>
+              </a:rPr>
+              <a:t> ((pos </a:t>
+            </a:r>
+            <a:r>
+              <a:rPr sz="1800">
+                <a:solidFill>
+                  <a:srgbClr val="666666"/>
+                </a:solidFill>
+                <a:latin typeface="Courier"/>
+              </a:rPr>
+              <a:t>==</a:t>
+            </a:r>
+            <a:r>
+              <a:rPr sz="1800">
+                <a:solidFill>
+                  <a:srgbClr val="4070A0"/>
+                </a:solidFill>
+                <a:latin typeface="Courier"/>
+              </a:rPr>
+              <a:t> "F-G"</a:t>
+            </a:r>
+            <a:r>
+              <a:rPr sz="1800">
+                <a:latin typeface="Courier"/>
+              </a:rPr>
+              <a:t>) </a:t>
+            </a:r>
+            <a:r>
+              <a:rPr sz="1800">
+                <a:solidFill>
+                  <a:srgbClr val="666666"/>
+                </a:solidFill>
+                <a:latin typeface="Courier"/>
+              </a:rPr>
+              <a:t>|</a:t>
+            </a:r>
+            <a:r>
+              <a:rPr sz="1800">
+                <a:solidFill>
+                  <a:srgbClr val="4070A0"/>
+                </a:solidFill>
+                <a:latin typeface="Courier"/>
+              </a:rPr>
+              <a:t> </a:t>
+            </a:r>
+            <a:r>
+              <a:rPr sz="1800">
+                <a:latin typeface="Courier"/>
+              </a:rPr>
+              <a:t>(pos </a:t>
+            </a:r>
+            <a:r>
+              <a:rPr sz="1800">
+                <a:solidFill>
+                  <a:srgbClr val="666666"/>
+                </a:solidFill>
+                <a:latin typeface="Courier"/>
+              </a:rPr>
+              <a:t>==</a:t>
+            </a:r>
+            <a:r>
+              <a:rPr sz="1800">
+                <a:solidFill>
+                  <a:srgbClr val="4070A0"/>
+                </a:solidFill>
+                <a:latin typeface="Courier"/>
+              </a:rPr>
+              <a:t> "G-F"</a:t>
+            </a:r>
+            <a:r>
+              <a:rPr sz="1800">
+                <a:latin typeface="Courier"/>
+              </a:rPr>
+              <a:t>)) {</a:t>
+            </a:r>
+            <a:br/>
+            <a:r>
+              <a:rPr sz="1800">
+                <a:latin typeface="Courier"/>
+              </a:rPr>
+              <a:t>    c &lt;-</a:t>
+            </a:r>
+            <a:r>
+              <a:rPr sz="1800">
+                <a:solidFill>
+                  <a:srgbClr val="4070A0"/>
+                </a:solidFill>
+                <a:latin typeface="Courier"/>
+              </a:rPr>
+              <a:t> "For/Grd"</a:t>
+            </a:r>
+            <a:br/>
+            <a:r>
+              <a:rPr sz="1800">
+                <a:latin typeface="Courier"/>
+              </a:rPr>
+              <a:t>  }</a:t>
+            </a:r>
+            <a:br/>
+            <a:r>
+              <a:rPr sz="1800">
+                <a:latin typeface="Courier"/>
+              </a:rPr>
+              <a:t>  </a:t>
+            </a:r>
+            <a:r>
+              <a:rPr sz="1800" b="1">
+                <a:solidFill>
+                  <a:srgbClr val="007020"/>
+                </a:solidFill>
+                <a:latin typeface="Courier"/>
+              </a:rPr>
+              <a:t>return</a:t>
+            </a:r>
+            <a:r>
+              <a:rPr sz="1800">
+                <a:latin typeface="Courier"/>
+              </a:rPr>
+              <a:t>(c)</a:t>
+            </a:r>
+            <a:br/>
+            <a:r>
+              <a:rPr sz="1800">
+                <a:latin typeface="Courier"/>
+              </a:rPr>
+              <a:t>}</a:t>
+            </a:r>
+            <a:br/>
+            <a:br/>
+            <a:r>
+              <a:rPr sz="1800">
+                <a:latin typeface="Courier"/>
+              </a:rPr>
+              <a:t>staying_power &lt;-</a:t>
+            </a:r>
+            <a:r>
+              <a:rPr sz="1800">
+                <a:solidFill>
+                  <a:srgbClr val="4070A0"/>
+                </a:solidFill>
+                <a:latin typeface="Courier"/>
+              </a:rPr>
+              <a:t> </a:t>
+            </a:r>
+            <a:r>
+              <a:rPr sz="1800" b="1">
+                <a:solidFill>
+                  <a:srgbClr val="007020"/>
+                </a:solidFill>
+                <a:latin typeface="Courier"/>
+              </a:rPr>
+              <a:t>function</a:t>
+            </a:r>
+            <a:r>
+              <a:rPr sz="1800">
+                <a:latin typeface="Courier"/>
+              </a:rPr>
+              <a:t>(yrs) {</a:t>
+            </a:r>
+            <a:br/>
+            <a:r>
+              <a:rPr sz="1800">
+                <a:latin typeface="Courier"/>
+              </a:rPr>
+              <a:t>  s &lt;-</a:t>
+            </a:r>
+            <a:r>
+              <a:rPr sz="1800">
+                <a:solidFill>
+                  <a:srgbClr val="4070A0"/>
+                </a:solidFill>
+                <a:latin typeface="Courier"/>
+              </a:rPr>
+              <a:t> "1"</a:t>
+            </a:r>
+            <a:br/>
+            <a:r>
+              <a:rPr sz="1800">
+                <a:latin typeface="Courier"/>
+              </a:rPr>
+              <a:t>  </a:t>
+            </a:r>
+            <a:r>
+              <a:rPr sz="1800" b="1">
+                <a:solidFill>
+                  <a:srgbClr val="007020"/>
+                </a:solidFill>
+                <a:latin typeface="Courier"/>
+              </a:rPr>
+              <a:t>if</a:t>
+            </a:r>
+            <a:r>
+              <a:rPr sz="1800">
+                <a:latin typeface="Courier"/>
+              </a:rPr>
+              <a:t> (yrs </a:t>
+            </a:r>
+            <a:r>
+              <a:rPr sz="1800">
+                <a:solidFill>
+                  <a:srgbClr val="666666"/>
+                </a:solidFill>
+                <a:latin typeface="Courier"/>
+              </a:rPr>
+              <a:t>&gt;=</a:t>
+            </a:r>
+            <a:r>
+              <a:rPr sz="1800">
+                <a:solidFill>
+                  <a:srgbClr val="4070A0"/>
+                </a:solidFill>
+                <a:latin typeface="Courier"/>
+              </a:rPr>
+              <a:t> </a:t>
+            </a:r>
+            <a:r>
+              <a:rPr sz="1800">
+                <a:solidFill>
+                  <a:srgbClr val="40A070"/>
+                </a:solidFill>
+                <a:latin typeface="Courier"/>
+              </a:rPr>
+              <a:t>20</a:t>
+            </a:r>
+            <a:r>
+              <a:rPr sz="1800">
+                <a:latin typeface="Courier"/>
+              </a:rPr>
+              <a:t>) {</a:t>
+            </a:r>
+            <a:br/>
+            <a:r>
+              <a:rPr sz="1800">
+                <a:latin typeface="Courier"/>
+              </a:rPr>
+              <a:t>    s &lt;-</a:t>
+            </a:r>
+            <a:r>
+              <a:rPr sz="1800">
+                <a:solidFill>
+                  <a:srgbClr val="4070A0"/>
+                </a:solidFill>
+                <a:latin typeface="Courier"/>
+              </a:rPr>
+              <a:t> "&gt;=20"</a:t>
+            </a:r>
+            <a:br/>
+            <a:r>
+              <a:rPr sz="1800">
+                <a:latin typeface="Courier"/>
+              </a:rPr>
+              <a:t>  } </a:t>
+            </a:r>
+            <a:r>
+              <a:rPr sz="1800" b="1">
+                <a:solidFill>
+                  <a:srgbClr val="007020"/>
+                </a:solidFill>
+                <a:latin typeface="Courier"/>
+              </a:rPr>
+              <a:t>else</a:t>
+            </a:r>
+            <a:r>
+              <a:rPr sz="1800">
+                <a:latin typeface="Courier"/>
+              </a:rPr>
+              <a:t> </a:t>
+            </a:r>
+            <a:r>
+              <a:rPr sz="1800" b="1">
+                <a:solidFill>
+                  <a:srgbClr val="007020"/>
+                </a:solidFill>
+                <a:latin typeface="Courier"/>
+              </a:rPr>
+              <a:t>if</a:t>
+            </a:r>
+            <a:r>
+              <a:rPr sz="1800">
+                <a:latin typeface="Courier"/>
+              </a:rPr>
+              <a:t> (yrs </a:t>
+            </a:r>
+            <a:r>
+              <a:rPr sz="1800">
+                <a:solidFill>
+                  <a:srgbClr val="666666"/>
+                </a:solidFill>
+                <a:latin typeface="Courier"/>
+              </a:rPr>
+              <a:t>&gt;</a:t>
+            </a:r>
+            <a:r>
+              <a:rPr sz="1800">
+                <a:solidFill>
+                  <a:srgbClr val="4070A0"/>
+                </a:solidFill>
+                <a:latin typeface="Courier"/>
+              </a:rPr>
+              <a:t> </a:t>
+            </a:r>
+            <a:r>
+              <a:rPr sz="1800">
+                <a:solidFill>
+                  <a:srgbClr val="40A070"/>
+                </a:solidFill>
+                <a:latin typeface="Courier"/>
+              </a:rPr>
+              <a:t>15</a:t>
+            </a:r>
+            <a:r>
+              <a:rPr sz="1800">
+                <a:latin typeface="Courier"/>
+              </a:rPr>
+              <a:t>) {</a:t>
+            </a:r>
+            <a:br/>
+            <a:r>
+              <a:rPr sz="1800">
+                <a:latin typeface="Courier"/>
+              </a:rPr>
+              <a:t>    s &lt;-</a:t>
+            </a:r>
+            <a:r>
+              <a:rPr sz="1800">
+                <a:solidFill>
+                  <a:srgbClr val="4070A0"/>
+                </a:solidFill>
+                <a:latin typeface="Courier"/>
+              </a:rPr>
+              <a:t> "15-19"</a:t>
+            </a:r>
+            <a:br/>
+            <a:r>
+              <a:rPr sz="1800">
+                <a:latin typeface="Courier"/>
+              </a:rPr>
+              <a:t>  } </a:t>
+            </a:r>
+            <a:r>
+              <a:rPr sz="1800" b="1">
+                <a:solidFill>
+                  <a:srgbClr val="007020"/>
+                </a:solidFill>
+                <a:latin typeface="Courier"/>
+              </a:rPr>
+              <a:t>else</a:t>
+            </a:r>
+            <a:r>
+              <a:rPr sz="1800">
+                <a:latin typeface="Courier"/>
+              </a:rPr>
+              <a:t> </a:t>
+            </a:r>
+            <a:r>
+              <a:rPr sz="1800" b="1">
+                <a:solidFill>
+                  <a:srgbClr val="007020"/>
+                </a:solidFill>
+                <a:latin typeface="Courier"/>
+              </a:rPr>
+              <a:t>if</a:t>
+            </a:r>
+            <a:r>
+              <a:rPr sz="1800">
+                <a:latin typeface="Courier"/>
+              </a:rPr>
+              <a:t> (yrs </a:t>
+            </a:r>
+            <a:r>
+              <a:rPr sz="1800">
+                <a:solidFill>
+                  <a:srgbClr val="666666"/>
+                </a:solidFill>
+                <a:latin typeface="Courier"/>
+              </a:rPr>
+              <a:t>&gt;</a:t>
+            </a:r>
+            <a:r>
+              <a:rPr sz="1800">
+                <a:solidFill>
+                  <a:srgbClr val="4070A0"/>
+                </a:solidFill>
+                <a:latin typeface="Courier"/>
+              </a:rPr>
+              <a:t> </a:t>
+            </a:r>
+            <a:r>
+              <a:rPr sz="1800">
+                <a:solidFill>
+                  <a:srgbClr val="40A070"/>
+                </a:solidFill>
+                <a:latin typeface="Courier"/>
+              </a:rPr>
+              <a:t>10</a:t>
+            </a:r>
+            <a:r>
+              <a:rPr sz="1800">
+                <a:latin typeface="Courier"/>
+              </a:rPr>
+              <a:t>) {</a:t>
+            </a:r>
+            <a:br/>
+            <a:r>
+              <a:rPr sz="1800">
+                <a:latin typeface="Courier"/>
+              </a:rPr>
+              <a:t>    s &lt;-</a:t>
+            </a:r>
+            <a:r>
+              <a:rPr sz="1800">
+                <a:solidFill>
+                  <a:srgbClr val="4070A0"/>
+                </a:solidFill>
+                <a:latin typeface="Courier"/>
+              </a:rPr>
+              <a:t> "10-14"</a:t>
+            </a:r>
+            <a:br/>
+            <a:r>
+              <a:rPr sz="1800">
+                <a:latin typeface="Courier"/>
+              </a:rPr>
+              <a:t>  } </a:t>
+            </a:r>
+            <a:r>
+              <a:rPr sz="1800" b="1">
+                <a:solidFill>
+                  <a:srgbClr val="007020"/>
+                </a:solidFill>
+                <a:latin typeface="Courier"/>
+              </a:rPr>
+              <a:t>else</a:t>
+            </a:r>
+            <a:r>
+              <a:rPr sz="1800">
+                <a:latin typeface="Courier"/>
+              </a:rPr>
+              <a:t> </a:t>
+            </a:r>
+            <a:r>
+              <a:rPr sz="1800" b="1">
+                <a:solidFill>
+                  <a:srgbClr val="007020"/>
+                </a:solidFill>
+                <a:latin typeface="Courier"/>
+              </a:rPr>
+              <a:t>if</a:t>
+            </a:r>
+            <a:r>
+              <a:rPr sz="1800">
+                <a:latin typeface="Courier"/>
+              </a:rPr>
+              <a:t> (yrs </a:t>
+            </a:r>
+            <a:r>
+              <a:rPr sz="1800">
+                <a:solidFill>
+                  <a:srgbClr val="666666"/>
+                </a:solidFill>
+                <a:latin typeface="Courier"/>
+              </a:rPr>
+              <a:t>&gt;</a:t>
+            </a:r>
+            <a:r>
+              <a:rPr sz="1800">
+                <a:solidFill>
+                  <a:srgbClr val="4070A0"/>
+                </a:solidFill>
+                <a:latin typeface="Courier"/>
+              </a:rPr>
+              <a:t> </a:t>
+            </a:r>
+            <a:r>
+              <a:rPr sz="1800">
+                <a:solidFill>
+                  <a:srgbClr val="40A070"/>
+                </a:solidFill>
+                <a:latin typeface="Courier"/>
+              </a:rPr>
+              <a:t>5</a:t>
+            </a:r>
+            <a:r>
+              <a:rPr sz="1800">
+                <a:latin typeface="Courier"/>
+              </a:rPr>
+              <a:t>) {</a:t>
+            </a:r>
+            <a:br/>
+            <a:r>
+              <a:rPr sz="1800">
+                <a:latin typeface="Courier"/>
+              </a:rPr>
+              <a:t>    s &lt;-</a:t>
+            </a:r>
+            <a:r>
+              <a:rPr sz="1800">
+                <a:solidFill>
+                  <a:srgbClr val="4070A0"/>
+                </a:solidFill>
+                <a:latin typeface="Courier"/>
+              </a:rPr>
+              <a:t> "5-9"</a:t>
+            </a:r>
+            <a:br/>
+            <a:r>
+              <a:rPr sz="1800">
+                <a:latin typeface="Courier"/>
+              </a:rPr>
+              <a:t>  } </a:t>
+            </a:r>
+            <a:r>
+              <a:rPr sz="1800" b="1">
+                <a:solidFill>
+                  <a:srgbClr val="007020"/>
+                </a:solidFill>
+                <a:latin typeface="Courier"/>
+              </a:rPr>
+              <a:t>else</a:t>
+            </a:r>
+            <a:r>
+              <a:rPr sz="1800">
+                <a:latin typeface="Courier"/>
+              </a:rPr>
+              <a:t> </a:t>
+            </a:r>
+            <a:r>
+              <a:rPr sz="1800" b="1">
+                <a:solidFill>
+                  <a:srgbClr val="007020"/>
+                </a:solidFill>
+                <a:latin typeface="Courier"/>
+              </a:rPr>
+              <a:t>if</a:t>
+            </a:r>
+            <a:r>
+              <a:rPr sz="1800">
+                <a:latin typeface="Courier"/>
+              </a:rPr>
+              <a:t> (yrs </a:t>
+            </a:r>
+            <a:r>
+              <a:rPr sz="1800">
+                <a:solidFill>
+                  <a:srgbClr val="666666"/>
+                </a:solidFill>
+                <a:latin typeface="Courier"/>
+              </a:rPr>
+              <a:t>&gt;</a:t>
+            </a:r>
+            <a:r>
+              <a:rPr sz="1800">
+                <a:solidFill>
+                  <a:srgbClr val="4070A0"/>
+                </a:solidFill>
+                <a:latin typeface="Courier"/>
+              </a:rPr>
+              <a:t> </a:t>
+            </a:r>
+            <a:r>
+              <a:rPr sz="1800">
+                <a:solidFill>
+                  <a:srgbClr val="40A070"/>
+                </a:solidFill>
+                <a:latin typeface="Courier"/>
+              </a:rPr>
+              <a:t>1</a:t>
+            </a:r>
+            <a:r>
+              <a:rPr sz="1800">
+                <a:latin typeface="Courier"/>
+              </a:rPr>
+              <a:t>) {</a:t>
+            </a:r>
+            <a:br/>
+            <a:r>
+              <a:rPr sz="1800">
+                <a:latin typeface="Courier"/>
+              </a:rPr>
+              <a:t>    s &lt;-</a:t>
+            </a:r>
+            <a:r>
+              <a:rPr sz="1800">
+                <a:solidFill>
+                  <a:srgbClr val="4070A0"/>
+                </a:solidFill>
+                <a:latin typeface="Courier"/>
+              </a:rPr>
+              <a:t> "2-4"</a:t>
+            </a:r>
+            <a:br/>
+            <a:r>
+              <a:rPr sz="1800">
+                <a:latin typeface="Courier"/>
+              </a:rPr>
+              <a:t>  }</a:t>
+            </a:r>
+            <a:br/>
+            <a:r>
+              <a:rPr sz="1800">
+                <a:latin typeface="Courier"/>
+              </a:rPr>
+              <a:t>  </a:t>
+            </a:r>
+            <a:r>
+              <a:rPr sz="1800" b="1">
+                <a:solidFill>
+                  <a:srgbClr val="007020"/>
+                </a:solidFill>
+                <a:latin typeface="Courier"/>
+              </a:rPr>
+              <a:t>return</a:t>
+            </a:r>
+            <a:r>
+              <a:rPr sz="1800">
+                <a:latin typeface="Courier"/>
+              </a:rPr>
+              <a:t> (s)</a:t>
+            </a:r>
+            <a:br/>
+            <a:r>
+              <a:rPr sz="1800">
+                <a:latin typeface="Courier"/>
+              </a:rPr>
+              <a:t>}</a:t>
+            </a:r>
+            <a:br/>
+            <a:br/>
+            <a:r>
+              <a:rPr sz="1800" i="1">
+                <a:solidFill>
+                  <a:srgbClr val="60A0B0"/>
+                </a:solidFill>
+                <a:latin typeface="Courier"/>
+              </a:rPr>
+              <a:t># load data</a:t>
+            </a:r>
+            <a:br/>
+            <a:r>
+              <a:rPr sz="1800">
+                <a:latin typeface="Courier"/>
+              </a:rPr>
+              <a:t>raw_ball &lt;-</a:t>
+            </a:r>
+            <a:r>
+              <a:rPr sz="1800">
+                <a:solidFill>
+                  <a:srgbClr val="4070A0"/>
+                </a:solidFill>
+                <a:latin typeface="Courier"/>
+              </a:rPr>
+              <a:t> </a:t>
+            </a:r>
+            <a:r>
+              <a:rPr sz="1800" b="1">
+                <a:solidFill>
+                  <a:srgbClr val="007020"/>
+                </a:solidFill>
+                <a:latin typeface="Courier"/>
+              </a:rPr>
+              <a:t>read.csv</a:t>
+            </a:r>
+            <a:r>
+              <a:rPr sz="1800">
+                <a:latin typeface="Courier"/>
+              </a:rPr>
+              <a:t>(</a:t>
+            </a:r>
+            <a:r>
+              <a:rPr sz="1800">
+                <a:solidFill>
+                  <a:srgbClr val="902000"/>
+                </a:solidFill>
+                <a:latin typeface="Courier"/>
+              </a:rPr>
+              <a:t>file=</a:t>
+            </a:r>
+            <a:r>
+              <a:rPr sz="1800">
+                <a:solidFill>
+                  <a:srgbClr val="4070A0"/>
+                </a:solidFill>
+                <a:latin typeface="Courier"/>
+              </a:rPr>
+              <a:t>"PlayersBBall.csv"</a:t>
+            </a:r>
+            <a:r>
+              <a:rPr sz="1800">
+                <a:latin typeface="Courier"/>
+              </a:rPr>
+              <a:t>)</a:t>
+            </a:r>
+            <a:br/>
+            <a:br/>
+            <a:r>
+              <a:rPr sz="1800" i="1">
+                <a:solidFill>
+                  <a:srgbClr val="60A0B0"/>
+                </a:solidFill>
+                <a:latin typeface="Courier"/>
+              </a:rPr>
+              <a:t># convert height to inches, compute years played</a:t>
+            </a:r>
+            <a:br/>
+            <a:r>
+              <a:rPr sz="1800">
+                <a:latin typeface="Courier"/>
+              </a:rPr>
+              <a:t>BBall &lt;-</a:t>
+            </a:r>
+            <a:r>
+              <a:rPr sz="1800">
+                <a:solidFill>
+                  <a:srgbClr val="4070A0"/>
+                </a:solidFill>
+                <a:latin typeface="Courier"/>
+              </a:rPr>
+              <a:t> </a:t>
+            </a:r>
+            <a:r>
+              <a:rPr sz="1800">
+                <a:latin typeface="Courier"/>
+              </a:rPr>
+              <a:t>raw_ball </a:t>
+            </a:r>
+            <a:r>
+              <a:rPr sz="1800">
+                <a:solidFill>
+                  <a:srgbClr val="666666"/>
+                </a:solidFill>
+                <a:latin typeface="Courier"/>
+              </a:rPr>
+              <a:t>%&gt;%</a:t>
+            </a:r>
+            <a:r>
+              <a:rPr sz="1800">
+                <a:solidFill>
+                  <a:srgbClr val="4070A0"/>
+                </a:solidFill>
+                <a:latin typeface="Courier"/>
+              </a:rPr>
+              <a:t> </a:t>
+            </a:r>
+            <a:r>
+              <a:rPr sz="1800" b="1">
+                <a:solidFill>
+                  <a:srgbClr val="007020"/>
+                </a:solidFill>
+                <a:latin typeface="Courier"/>
+              </a:rPr>
+              <a:t>rowwise</a:t>
+            </a:r>
+            <a:r>
+              <a:rPr sz="1800">
+                <a:latin typeface="Courier"/>
+              </a:rPr>
+              <a:t>() </a:t>
+            </a:r>
+            <a:r>
+              <a:rPr sz="1800">
+                <a:solidFill>
+                  <a:srgbClr val="666666"/>
+                </a:solidFill>
+                <a:latin typeface="Courier"/>
+              </a:rPr>
+              <a:t>%&gt;%</a:t>
+            </a:r>
+            <a:r>
+              <a:rPr sz="1800">
+                <a:solidFill>
+                  <a:srgbClr val="4070A0"/>
+                </a:solidFill>
+                <a:latin typeface="Courier"/>
+              </a:rPr>
+              <a:t> </a:t>
+            </a:r>
+            <a:r>
+              <a:rPr sz="1800" b="1">
+                <a:solidFill>
+                  <a:srgbClr val="007020"/>
+                </a:solidFill>
+                <a:latin typeface="Courier"/>
+              </a:rPr>
+              <a:t>mutate</a:t>
+            </a:r>
+            <a:r>
+              <a:rPr sz="1800">
+                <a:latin typeface="Courier"/>
+              </a:rPr>
+              <a:t>(</a:t>
+            </a:r>
+            <a:r>
+              <a:rPr sz="1800">
+                <a:solidFill>
+                  <a:srgbClr val="902000"/>
+                </a:solidFill>
+                <a:latin typeface="Courier"/>
+              </a:rPr>
+              <a:t>htc=</a:t>
+            </a:r>
+            <a:r>
+              <a:rPr sz="1800" b="1">
+                <a:solidFill>
+                  <a:srgbClr val="007020"/>
+                </a:solidFill>
+                <a:latin typeface="Courier"/>
+              </a:rPr>
+              <a:t>as.character</a:t>
+            </a:r>
+            <a:r>
+              <a:rPr sz="1800">
+                <a:latin typeface="Courier"/>
+              </a:rPr>
+              <a:t>(height),</a:t>
+            </a:r>
+            <a:r>
+              <a:rPr sz="1800">
+                <a:solidFill>
+                  <a:srgbClr val="902000"/>
+                </a:solidFill>
+                <a:latin typeface="Courier"/>
+              </a:rPr>
+              <a:t>height_inches=</a:t>
+            </a:r>
+            <a:r>
+              <a:rPr sz="1800" b="1">
+                <a:solidFill>
+                  <a:srgbClr val="007020"/>
+                </a:solidFill>
+                <a:latin typeface="Courier"/>
+              </a:rPr>
+              <a:t>to_inches</a:t>
+            </a:r>
+            <a:r>
+              <a:rPr sz="1800">
+                <a:latin typeface="Courier"/>
+              </a:rPr>
+              <a:t>(htc)) </a:t>
+            </a:r>
+            <a:r>
+              <a:rPr sz="1800">
+                <a:solidFill>
+                  <a:srgbClr val="666666"/>
+                </a:solidFill>
+                <a:latin typeface="Courier"/>
+              </a:rPr>
+              <a:t>%&gt;%</a:t>
+            </a:r>
+            <a:r>
+              <a:rPr sz="1800">
+                <a:solidFill>
+                  <a:srgbClr val="4070A0"/>
+                </a:solidFill>
+                <a:latin typeface="Courier"/>
+              </a:rPr>
+              <a:t> </a:t>
+            </a:r>
+            <a:r>
+              <a:rPr sz="1800" b="1">
+                <a:solidFill>
+                  <a:srgbClr val="007020"/>
+                </a:solidFill>
+                <a:latin typeface="Courier"/>
+              </a:rPr>
+              <a:t>mutate</a:t>
+            </a:r>
+            <a:r>
+              <a:rPr sz="1800">
+                <a:latin typeface="Courier"/>
+              </a:rPr>
+              <a:t>(</a:t>
+            </a:r>
+            <a:r>
+              <a:rPr sz="1800">
+                <a:solidFill>
+                  <a:srgbClr val="902000"/>
+                </a:solidFill>
+                <a:latin typeface="Courier"/>
+              </a:rPr>
+              <a:t>years_played =</a:t>
+            </a:r>
+            <a:r>
+              <a:rPr sz="1800">
+                <a:latin typeface="Courier"/>
+              </a:rPr>
+              <a:t> year_end </a:t>
+            </a:r>
+            <a:r>
+              <a:rPr sz="1800">
+                <a:solidFill>
+                  <a:srgbClr val="666666"/>
+                </a:solidFill>
+                <a:latin typeface="Courier"/>
+              </a:rPr>
+              <a:t>-</a:t>
+            </a:r>
+            <a:r>
+              <a:rPr sz="1800">
+                <a:solidFill>
+                  <a:srgbClr val="4070A0"/>
+                </a:solidFill>
+                <a:latin typeface="Courier"/>
+              </a:rPr>
+              <a:t> </a:t>
+            </a:r>
+            <a:r>
+              <a:rPr sz="1800">
+                <a:latin typeface="Courier"/>
+              </a:rPr>
+              <a:t>year_start </a:t>
+            </a:r>
+            <a:r>
+              <a:rPr sz="1800">
+                <a:solidFill>
+                  <a:srgbClr val="666666"/>
+                </a:solidFill>
+                <a:latin typeface="Courier"/>
+              </a:rPr>
+              <a:t>+</a:t>
+            </a:r>
+            <a:r>
+              <a:rPr sz="1800">
+                <a:solidFill>
+                  <a:srgbClr val="4070A0"/>
+                </a:solidFill>
+                <a:latin typeface="Courier"/>
+              </a:rPr>
+              <a:t> </a:t>
+            </a:r>
+            <a:r>
+              <a:rPr sz="1800">
+                <a:solidFill>
+                  <a:srgbClr val="40A070"/>
+                </a:solidFill>
+                <a:latin typeface="Courier"/>
+              </a:rPr>
+              <a:t>1</a:t>
+            </a:r>
+            <a:r>
+              <a:rPr sz="1800">
+                <a:latin typeface="Courier"/>
+              </a:rPr>
+              <a:t>) </a:t>
+            </a:r>
+            <a:r>
+              <a:rPr sz="1800">
+                <a:solidFill>
+                  <a:srgbClr val="666666"/>
+                </a:solidFill>
+                <a:latin typeface="Courier"/>
+              </a:rPr>
+              <a:t>%&gt;%</a:t>
+            </a:r>
+            <a:r>
+              <a:rPr sz="1800">
+                <a:solidFill>
+                  <a:srgbClr val="4070A0"/>
+                </a:solidFill>
+                <a:latin typeface="Courier"/>
+              </a:rPr>
+              <a:t> </a:t>
+            </a:r>
+            <a:r>
+              <a:rPr sz="1800" b="1">
+                <a:solidFill>
+                  <a:srgbClr val="007020"/>
+                </a:solidFill>
+                <a:latin typeface="Courier"/>
+              </a:rPr>
+              <a:t>mutate</a:t>
+            </a:r>
+            <a:r>
+              <a:rPr sz="1800">
+                <a:latin typeface="Courier"/>
+              </a:rPr>
+              <a:t>(</a:t>
+            </a:r>
+            <a:r>
+              <a:rPr sz="1800">
+                <a:solidFill>
+                  <a:srgbClr val="902000"/>
+                </a:solidFill>
+                <a:latin typeface="Courier"/>
+              </a:rPr>
+              <a:t>str_posn =</a:t>
+            </a:r>
+            <a:r>
+              <a:rPr sz="1800" b="1">
+                <a:solidFill>
+                  <a:srgbClr val="007020"/>
+                </a:solidFill>
+                <a:latin typeface="Courier"/>
+              </a:rPr>
+              <a:t>clean_pos</a:t>
+            </a:r>
+            <a:r>
+              <a:rPr sz="1800">
+                <a:latin typeface="Courier"/>
+              </a:rPr>
+              <a:t>(position)) </a:t>
+            </a:r>
+            <a:r>
+              <a:rPr sz="1800">
+                <a:solidFill>
+                  <a:srgbClr val="666666"/>
+                </a:solidFill>
+                <a:latin typeface="Courier"/>
+              </a:rPr>
+              <a:t>%&gt;%</a:t>
+            </a:r>
+            <a:r>
+              <a:rPr sz="1800">
+                <a:solidFill>
+                  <a:srgbClr val="4070A0"/>
+                </a:solidFill>
+                <a:latin typeface="Courier"/>
+              </a:rPr>
+              <a:t> </a:t>
+            </a:r>
+            <a:r>
+              <a:rPr sz="1800" b="1">
+                <a:solidFill>
+                  <a:srgbClr val="007020"/>
+                </a:solidFill>
+                <a:latin typeface="Courier"/>
+              </a:rPr>
+              <a:t>mutate</a:t>
+            </a:r>
+            <a:r>
+              <a:rPr sz="1800">
+                <a:latin typeface="Courier"/>
+              </a:rPr>
+              <a:t>(</a:t>
+            </a:r>
+            <a:r>
+              <a:rPr sz="1800">
+                <a:solidFill>
+                  <a:srgbClr val="902000"/>
+                </a:solidFill>
+                <a:latin typeface="Courier"/>
+              </a:rPr>
+              <a:t>sp =</a:t>
+            </a:r>
+            <a:r>
+              <a:rPr sz="1800">
+                <a:latin typeface="Courier"/>
+              </a:rPr>
+              <a:t> </a:t>
+            </a:r>
+            <a:r>
+              <a:rPr sz="1800" b="1">
+                <a:solidFill>
+                  <a:srgbClr val="007020"/>
+                </a:solidFill>
+                <a:latin typeface="Courier"/>
+              </a:rPr>
+              <a:t>staying_power</a:t>
+            </a:r>
+            <a:r>
+              <a:rPr sz="1800">
+                <a:latin typeface="Courier"/>
+              </a:rPr>
+              <a:t>(years_played))</a:t>
+            </a:r>
+            <a:br/>
+            <a:br/>
+            <a:r>
+              <a:rPr sz="1800">
+                <a:latin typeface="Courier"/>
+              </a:rPr>
+              <a:t>BBall</a:t>
+            </a:r>
+            <a:r>
+              <a:rPr sz="1800">
+                <a:solidFill>
+                  <a:srgbClr val="666666"/>
+                </a:solidFill>
+                <a:latin typeface="Courier"/>
+              </a:rPr>
+              <a:t>$</a:t>
+            </a:r>
+            <a:r>
+              <a:rPr sz="1800">
+                <a:latin typeface="Courier"/>
+              </a:rPr>
+              <a:t>position &lt;-</a:t>
+            </a:r>
+            <a:r>
+              <a:rPr sz="1800">
+                <a:solidFill>
+                  <a:srgbClr val="4070A0"/>
+                </a:solidFill>
+                <a:latin typeface="Courier"/>
+              </a:rPr>
+              <a:t> </a:t>
+            </a:r>
+            <a:r>
+              <a:rPr sz="1800" b="1">
+                <a:solidFill>
+                  <a:srgbClr val="007020"/>
+                </a:solidFill>
+                <a:latin typeface="Courier"/>
+              </a:rPr>
+              <a:t>as.factor</a:t>
+            </a:r>
+            <a:r>
+              <a:rPr sz="1800">
+                <a:latin typeface="Courier"/>
+              </a:rPr>
+              <a:t>(BBall</a:t>
+            </a:r>
+            <a:r>
+              <a:rPr sz="1800">
+                <a:solidFill>
+                  <a:srgbClr val="666666"/>
+                </a:solidFill>
+                <a:latin typeface="Courier"/>
+              </a:rPr>
+              <a:t>$</a:t>
+            </a:r>
+            <a:r>
+              <a:rPr sz="1800">
+                <a:latin typeface="Courier"/>
+              </a:rPr>
+              <a:t>str_posn)</a:t>
+            </a:r>
+            <a:br/>
+            <a:r>
+              <a:rPr sz="1800">
+                <a:latin typeface="Courier"/>
+              </a:rPr>
+              <a:t>BBall</a:t>
+            </a:r>
+            <a:r>
+              <a:rPr sz="1800">
+                <a:solidFill>
+                  <a:srgbClr val="666666"/>
+                </a:solidFill>
+                <a:latin typeface="Courier"/>
+              </a:rPr>
+              <a:t>$</a:t>
+            </a:r>
+            <a:r>
+              <a:rPr sz="1800">
+                <a:latin typeface="Courier"/>
+              </a:rPr>
+              <a:t>staying  &lt;-</a:t>
+            </a:r>
+            <a:r>
+              <a:rPr sz="1800">
+                <a:solidFill>
+                  <a:srgbClr val="4070A0"/>
+                </a:solidFill>
+                <a:latin typeface="Courier"/>
+              </a:rPr>
+              <a:t> </a:t>
+            </a:r>
+            <a:r>
+              <a:rPr sz="1800" b="1">
+                <a:solidFill>
+                  <a:srgbClr val="007020"/>
+                </a:solidFill>
+                <a:latin typeface="Courier"/>
+              </a:rPr>
+              <a:t>as.factor</a:t>
+            </a:r>
+            <a:r>
+              <a:rPr sz="1800">
+                <a:latin typeface="Courier"/>
+              </a:rPr>
+              <a:t>(BBall</a:t>
+            </a:r>
+            <a:r>
+              <a:rPr sz="1800">
+                <a:solidFill>
+                  <a:srgbClr val="666666"/>
+                </a:solidFill>
+                <a:latin typeface="Courier"/>
+              </a:rPr>
+              <a:t>$</a:t>
+            </a:r>
+            <a:r>
+              <a:rPr sz="1800">
+                <a:latin typeface="Courier"/>
+              </a:rPr>
+              <a:t>sp)</a:t>
+            </a:r>
+            <a:br/>
+            <a:r>
+              <a:rPr sz="1800">
+                <a:latin typeface="Courier"/>
+              </a:rPr>
+              <a:t>BBall</a:t>
+            </a:r>
+            <a:r>
+              <a:rPr sz="1800">
+                <a:solidFill>
+                  <a:srgbClr val="666666"/>
+                </a:solidFill>
+                <a:latin typeface="Courier"/>
+              </a:rPr>
+              <a:t>$</a:t>
+            </a:r>
+            <a:r>
+              <a:rPr sz="1800">
+                <a:latin typeface="Courier"/>
+              </a:rPr>
+              <a:t>staying  &lt;-</a:t>
+            </a:r>
+            <a:r>
+              <a:rPr sz="1800">
+                <a:solidFill>
+                  <a:srgbClr val="4070A0"/>
+                </a:solidFill>
+                <a:latin typeface="Courier"/>
+              </a:rPr>
+              <a:t> </a:t>
+            </a:r>
+            <a:r>
+              <a:rPr sz="1800" b="1">
+                <a:solidFill>
+                  <a:srgbClr val="007020"/>
+                </a:solidFill>
+                <a:latin typeface="Courier"/>
+              </a:rPr>
+              <a:t>factor</a:t>
+            </a:r>
+            <a:r>
+              <a:rPr sz="1800">
+                <a:latin typeface="Courier"/>
+              </a:rPr>
+              <a:t>(BBall</a:t>
+            </a:r>
+            <a:r>
+              <a:rPr sz="1800">
+                <a:solidFill>
+                  <a:srgbClr val="666666"/>
+                </a:solidFill>
+                <a:latin typeface="Courier"/>
+              </a:rPr>
+              <a:t>$</a:t>
+            </a:r>
+            <a:r>
+              <a:rPr sz="1800">
+                <a:latin typeface="Courier"/>
+              </a:rPr>
+              <a:t>staying,</a:t>
+            </a:r>
+            <a:r>
+              <a:rPr sz="1800">
+                <a:solidFill>
+                  <a:srgbClr val="902000"/>
+                </a:solidFill>
+                <a:latin typeface="Courier"/>
+              </a:rPr>
+              <a:t>levels=</a:t>
+            </a:r>
+            <a:r>
+              <a:rPr sz="1800" b="1">
+                <a:solidFill>
+                  <a:srgbClr val="007020"/>
+                </a:solidFill>
+                <a:latin typeface="Courier"/>
+              </a:rPr>
+              <a:t>c</a:t>
+            </a:r>
+            <a:r>
+              <a:rPr sz="1800">
+                <a:latin typeface="Courier"/>
+              </a:rPr>
+              <a:t>(</a:t>
+            </a:r>
+            <a:r>
+              <a:rPr sz="1800">
+                <a:solidFill>
+                  <a:srgbClr val="4070A0"/>
+                </a:solidFill>
+                <a:latin typeface="Courier"/>
+              </a:rPr>
+              <a:t>"1"</a:t>
+            </a:r>
+            <a:r>
+              <a:rPr sz="1800">
+                <a:latin typeface="Courier"/>
+              </a:rPr>
+              <a:t>,</a:t>
+            </a:r>
+            <a:r>
+              <a:rPr sz="1800">
+                <a:solidFill>
+                  <a:srgbClr val="4070A0"/>
+                </a:solidFill>
+                <a:latin typeface="Courier"/>
+              </a:rPr>
+              <a:t>"2-4"</a:t>
+            </a:r>
+            <a:r>
+              <a:rPr sz="1800">
+                <a:latin typeface="Courier"/>
+              </a:rPr>
+              <a:t>,</a:t>
+            </a:r>
+            <a:r>
+              <a:rPr sz="1800">
+                <a:solidFill>
+                  <a:srgbClr val="4070A0"/>
+                </a:solidFill>
+                <a:latin typeface="Courier"/>
+              </a:rPr>
+              <a:t>"5-9"</a:t>
+            </a:r>
+            <a:r>
+              <a:rPr sz="1800">
+                <a:latin typeface="Courier"/>
+              </a:rPr>
+              <a:t>,</a:t>
+            </a:r>
+            <a:r>
+              <a:rPr sz="1800">
+                <a:solidFill>
+                  <a:srgbClr val="4070A0"/>
+                </a:solidFill>
+                <a:latin typeface="Courier"/>
+              </a:rPr>
+              <a:t>"10-14"</a:t>
+            </a:r>
+            <a:r>
+              <a:rPr sz="1800">
+                <a:latin typeface="Courier"/>
+              </a:rPr>
+              <a:t>,</a:t>
+            </a:r>
+            <a:r>
+              <a:rPr sz="1800">
+                <a:solidFill>
+                  <a:srgbClr val="4070A0"/>
+                </a:solidFill>
+                <a:latin typeface="Courier"/>
+              </a:rPr>
+              <a:t>"15-19"</a:t>
+            </a:r>
+            <a:r>
+              <a:rPr sz="1800">
+                <a:latin typeface="Courier"/>
+              </a:rPr>
+              <a:t>,</a:t>
+            </a:r>
+            <a:r>
+              <a:rPr sz="1800">
+                <a:solidFill>
+                  <a:srgbClr val="4070A0"/>
+                </a:solidFill>
+                <a:latin typeface="Courier"/>
+              </a:rPr>
+              <a:t>"&gt;=20"</a:t>
+            </a:r>
+            <a:r>
+              <a:rPr sz="1800">
+                <a:latin typeface="Courier"/>
+              </a:rPr>
+              <a:t>))</a:t>
+            </a:r>
+            <a:br/>
+            <a:br/>
+            <a:r>
+              <a:rPr sz="1800" i="1">
+                <a:solidFill>
+                  <a:srgbClr val="60A0B0"/>
+                </a:solidFill>
+                <a:latin typeface="Courier"/>
+              </a:rPr>
+              <a:t># education data</a:t>
+            </a:r>
+            <a:br/>
+            <a:r>
+              <a:rPr sz="1800">
+                <a:latin typeface="Courier"/>
+              </a:rPr>
+              <a:t>raw_educ &lt;-</a:t>
+            </a:r>
+            <a:r>
+              <a:rPr sz="1800">
+                <a:solidFill>
+                  <a:srgbClr val="4070A0"/>
+                </a:solidFill>
+                <a:latin typeface="Courier"/>
+              </a:rPr>
+              <a:t> </a:t>
+            </a:r>
+            <a:r>
+              <a:rPr sz="1800" b="1">
+                <a:solidFill>
+                  <a:srgbClr val="007020"/>
+                </a:solidFill>
+                <a:latin typeface="Courier"/>
+              </a:rPr>
+              <a:t>read.csv</a:t>
+            </a:r>
+            <a:r>
+              <a:rPr sz="1800">
+                <a:latin typeface="Courier"/>
+              </a:rPr>
+              <a:t>(</a:t>
+            </a:r>
+            <a:r>
+              <a:rPr sz="1800">
+                <a:solidFill>
+                  <a:srgbClr val="902000"/>
+                </a:solidFill>
+                <a:latin typeface="Courier"/>
+              </a:rPr>
+              <a:t>file=</a:t>
+            </a:r>
+            <a:r>
+              <a:rPr sz="1800">
+                <a:solidFill>
+                  <a:srgbClr val="4070A0"/>
+                </a:solidFill>
+                <a:latin typeface="Courier"/>
+              </a:rPr>
+              <a:t>"Education_Income.csv"</a:t>
+            </a:r>
+            <a:r>
+              <a:rPr sz="1800">
+                <a:latin typeface="Courier"/>
+              </a:rPr>
+              <a:t>)</a:t>
+            </a:r>
+            <a:br/>
+            <a:r>
+              <a:rPr sz="1800">
+                <a:latin typeface="Courier"/>
+              </a:rPr>
+              <a:t>education &lt;-</a:t>
+            </a:r>
+            <a:r>
+              <a:rPr sz="1800">
+                <a:solidFill>
+                  <a:srgbClr val="4070A0"/>
+                </a:solidFill>
+                <a:latin typeface="Courier"/>
+              </a:rPr>
+              <a:t> </a:t>
+            </a:r>
+            <a:r>
+              <a:rPr sz="1800">
+                <a:latin typeface="Courier"/>
+              </a:rPr>
+              <a:t>raw_educ </a:t>
+            </a:r>
+            <a:r>
+              <a:rPr sz="1800">
+                <a:solidFill>
+                  <a:srgbClr val="666666"/>
+                </a:solidFill>
+                <a:latin typeface="Courier"/>
+              </a:rPr>
+              <a:t>%&gt;%</a:t>
+            </a:r>
+            <a:r>
+              <a:rPr sz="1800">
+                <a:solidFill>
+                  <a:srgbClr val="4070A0"/>
+                </a:solidFill>
+                <a:latin typeface="Courier"/>
+              </a:rPr>
+              <a:t> </a:t>
+            </a:r>
+            <a:r>
+              <a:rPr sz="1800" b="1">
+                <a:solidFill>
+                  <a:srgbClr val="007020"/>
+                </a:solidFill>
+                <a:latin typeface="Courier"/>
+              </a:rPr>
+              <a:t>rowwise</a:t>
+            </a:r>
+            <a:r>
+              <a:rPr sz="1800">
+                <a:latin typeface="Courier"/>
+              </a:rPr>
+              <a:t>() </a:t>
+            </a:r>
+            <a:r>
+              <a:rPr sz="1800">
+                <a:solidFill>
+                  <a:srgbClr val="666666"/>
+                </a:solidFill>
+                <a:latin typeface="Courier"/>
+              </a:rPr>
+              <a:t>%&gt;%</a:t>
+            </a:r>
+            <a:r>
+              <a:rPr sz="1800">
+                <a:solidFill>
+                  <a:srgbClr val="4070A0"/>
+                </a:solidFill>
+                <a:latin typeface="Courier"/>
+              </a:rPr>
+              <a:t> </a:t>
+            </a:r>
+            <a:r>
+              <a:rPr sz="1800" b="1">
+                <a:solidFill>
+                  <a:srgbClr val="007020"/>
+                </a:solidFill>
+                <a:latin typeface="Courier"/>
+              </a:rPr>
+              <a:t>mutate</a:t>
+            </a:r>
+            <a:r>
+              <a:rPr sz="1800">
+                <a:latin typeface="Courier"/>
+              </a:rPr>
+              <a:t>(</a:t>
+            </a:r>
+            <a:r>
+              <a:rPr sz="1800">
+                <a:solidFill>
+                  <a:srgbClr val="902000"/>
+                </a:solidFill>
+                <a:latin typeface="Courier"/>
+              </a:rPr>
+              <a:t>log_income =</a:t>
+            </a:r>
+            <a:r>
+              <a:rPr sz="1800">
+                <a:latin typeface="Courier"/>
+              </a:rPr>
+              <a:t> </a:t>
+            </a:r>
+            <a:r>
+              <a:rPr sz="1800" b="1">
+                <a:solidFill>
+                  <a:srgbClr val="007020"/>
+                </a:solidFill>
+                <a:latin typeface="Courier"/>
+              </a:rPr>
+              <a:t>log</a:t>
+            </a:r>
+            <a:r>
+              <a:rPr sz="1800">
+                <a:latin typeface="Courier"/>
+              </a:rPr>
+              <a:t>(Income2005))</a:t>
+            </a:r>
+            <a:br/>
+            <a:br/>
+            <a:r>
+              <a:rPr sz="1800" i="1">
+                <a:solidFill>
+                  <a:srgbClr val="60A0B0"/>
+                </a:solidFill>
+                <a:latin typeface="Courier"/>
+              </a:rPr>
+              <a:t># put the education levels in ascending order</a:t>
+            </a:r>
+            <a:br/>
+            <a:r>
+              <a:rPr sz="1800">
+                <a:latin typeface="Courier"/>
+              </a:rPr>
+              <a:t>education</a:t>
+            </a:r>
+            <a:r>
+              <a:rPr sz="1800">
+                <a:solidFill>
+                  <a:srgbClr val="666666"/>
+                </a:solidFill>
+                <a:latin typeface="Courier"/>
+              </a:rPr>
+              <a:t>$</a:t>
+            </a:r>
+            <a:r>
+              <a:rPr sz="1800">
+                <a:latin typeface="Courier"/>
+              </a:rPr>
+              <a:t>Educ &lt;-</a:t>
+            </a:r>
+            <a:r>
+              <a:rPr sz="1800">
+                <a:solidFill>
+                  <a:srgbClr val="4070A0"/>
+                </a:solidFill>
+                <a:latin typeface="Courier"/>
+              </a:rPr>
+              <a:t> </a:t>
+            </a:r>
+            <a:r>
+              <a:rPr sz="1800" b="1">
+                <a:solidFill>
+                  <a:srgbClr val="007020"/>
+                </a:solidFill>
+                <a:latin typeface="Courier"/>
+              </a:rPr>
+              <a:t>factor</a:t>
+            </a:r>
+            <a:r>
+              <a:rPr sz="1800">
+                <a:latin typeface="Courier"/>
+              </a:rPr>
+              <a:t>(education</a:t>
+            </a:r>
+            <a:r>
+              <a:rPr sz="1800">
+                <a:solidFill>
+                  <a:srgbClr val="666666"/>
+                </a:solidFill>
+                <a:latin typeface="Courier"/>
+              </a:rPr>
+              <a:t>$</a:t>
+            </a:r>
+            <a:r>
+              <a:rPr sz="1800">
+                <a:latin typeface="Courier"/>
+              </a:rPr>
+              <a:t>Educ,</a:t>
+            </a:r>
+            <a:r>
+              <a:rPr sz="1800">
+                <a:solidFill>
+                  <a:srgbClr val="902000"/>
+                </a:solidFill>
+                <a:latin typeface="Courier"/>
+              </a:rPr>
+              <a:t>levels=</a:t>
+            </a:r>
+            <a:r>
+              <a:rPr sz="1800" b="1">
+                <a:solidFill>
+                  <a:srgbClr val="007020"/>
+                </a:solidFill>
+                <a:latin typeface="Courier"/>
+              </a:rPr>
+              <a:t>c</a:t>
+            </a:r>
+            <a:r>
+              <a:rPr sz="1800">
+                <a:latin typeface="Courier"/>
+              </a:rPr>
+              <a:t>(</a:t>
+            </a:r>
+            <a:r>
+              <a:rPr sz="1800">
+                <a:solidFill>
+                  <a:srgbClr val="4070A0"/>
+                </a:solidFill>
+                <a:latin typeface="Courier"/>
+              </a:rPr>
+              <a:t>"&lt;12"</a:t>
+            </a:r>
+            <a:r>
+              <a:rPr sz="1800">
+                <a:latin typeface="Courier"/>
+              </a:rPr>
+              <a:t>,</a:t>
+            </a:r>
+            <a:r>
+              <a:rPr sz="1800">
+                <a:solidFill>
+                  <a:srgbClr val="4070A0"/>
+                </a:solidFill>
+                <a:latin typeface="Courier"/>
+              </a:rPr>
+              <a:t>"12"</a:t>
+            </a:r>
+            <a:r>
+              <a:rPr sz="1800">
+                <a:latin typeface="Courier"/>
+              </a:rPr>
+              <a:t>,</a:t>
+            </a:r>
+            <a:r>
+              <a:rPr sz="1800">
+                <a:solidFill>
+                  <a:srgbClr val="4070A0"/>
+                </a:solidFill>
+                <a:latin typeface="Courier"/>
+              </a:rPr>
+              <a:t>"13-15"</a:t>
+            </a:r>
+            <a:r>
+              <a:rPr sz="1800">
+                <a:latin typeface="Courier"/>
+              </a:rPr>
+              <a:t>,</a:t>
+            </a:r>
+            <a:r>
+              <a:rPr sz="1800">
+                <a:solidFill>
+                  <a:srgbClr val="4070A0"/>
+                </a:solidFill>
+                <a:latin typeface="Courier"/>
+              </a:rPr>
+              <a:t>"16"</a:t>
+            </a:r>
+            <a:r>
+              <a:rPr sz="1800">
+                <a:latin typeface="Courier"/>
+              </a:rPr>
+              <a:t>,</a:t>
+            </a:r>
+            <a:r>
+              <a:rPr sz="1800">
+                <a:solidFill>
+                  <a:srgbClr val="4070A0"/>
+                </a:solidFill>
+                <a:latin typeface="Courier"/>
+              </a:rPr>
+              <a:t>"&gt;16"</a:t>
+            </a:r>
+            <a:r>
+              <a:rPr sz="1800">
+                <a:latin typeface="Courier"/>
+              </a:rPr>
+              <a:t>))</a:t>
             </a:r>
           </a:p>
         </p:txBody>
@@ -5400,13 +7994,375 @@
               <a:buNone/>
             </a:pPr>
             <a:r>
-              <a:rPr sz="1800" i="1">
-                <a:solidFill>
-                  <a:srgbClr val="60A0B0"/>
-                </a:solidFill>
-                <a:latin typeface="Courier"/>
-              </a:rPr>
-              <a:t>#plot_ly(BBall, x=~height_inches,y=~weight,z=~year_start,color=~position,size=1) %&gt;% add_markers %&gt;% layout(scene=list(xaxis=list(title="Height"),yaxis=list(title="Weight"),zaxis=list(title="Start Year")))</a:t>
+              <a:rPr sz="1800" b="1">
+                <a:solidFill>
+                  <a:srgbClr val="007020"/>
+                </a:solidFill>
+                <a:latin typeface="Courier"/>
+              </a:rPr>
+              <a:t>plot_ly</a:t>
+            </a:r>
+            <a:r>
+              <a:rPr sz="1800">
+                <a:latin typeface="Courier"/>
+              </a:rPr>
+              <a:t>(BBall, </a:t>
+            </a:r>
+            <a:r>
+              <a:rPr sz="1800">
+                <a:solidFill>
+                  <a:srgbClr val="902000"/>
+                </a:solidFill>
+                <a:latin typeface="Courier"/>
+              </a:rPr>
+              <a:t>x=</a:t>
+            </a:r>
+            <a:r>
+              <a:rPr sz="1800">
+                <a:solidFill>
+                  <a:srgbClr val="666666"/>
+                </a:solidFill>
+                <a:latin typeface="Courier"/>
+              </a:rPr>
+              <a:t>~</a:t>
+            </a:r>
+            <a:r>
+              <a:rPr sz="1800">
+                <a:latin typeface="Courier"/>
+              </a:rPr>
+              <a:t>height_inches,</a:t>
+            </a:r>
+            <a:r>
+              <a:rPr sz="1800">
+                <a:solidFill>
+                  <a:srgbClr val="902000"/>
+                </a:solidFill>
+                <a:latin typeface="Courier"/>
+              </a:rPr>
+              <a:t>y=</a:t>
+            </a:r>
+            <a:r>
+              <a:rPr sz="1800">
+                <a:solidFill>
+                  <a:srgbClr val="666666"/>
+                </a:solidFill>
+                <a:latin typeface="Courier"/>
+              </a:rPr>
+              <a:t>~</a:t>
+            </a:r>
+            <a:r>
+              <a:rPr sz="1800">
+                <a:latin typeface="Courier"/>
+              </a:rPr>
+              <a:t>weight,</a:t>
+            </a:r>
+            <a:r>
+              <a:rPr sz="1800">
+                <a:solidFill>
+                  <a:srgbClr val="902000"/>
+                </a:solidFill>
+                <a:latin typeface="Courier"/>
+              </a:rPr>
+              <a:t>z=</a:t>
+            </a:r>
+            <a:r>
+              <a:rPr sz="1800">
+                <a:solidFill>
+                  <a:srgbClr val="666666"/>
+                </a:solidFill>
+                <a:latin typeface="Courier"/>
+              </a:rPr>
+              <a:t>~</a:t>
+            </a:r>
+            <a:r>
+              <a:rPr sz="1800">
+                <a:latin typeface="Courier"/>
+              </a:rPr>
+              <a:t>year_start,</a:t>
+            </a:r>
+            <a:r>
+              <a:rPr sz="1800">
+                <a:solidFill>
+                  <a:srgbClr val="902000"/>
+                </a:solidFill>
+                <a:latin typeface="Courier"/>
+              </a:rPr>
+              <a:t>color=</a:t>
+            </a:r>
+            <a:r>
+              <a:rPr sz="1800">
+                <a:solidFill>
+                  <a:srgbClr val="666666"/>
+                </a:solidFill>
+                <a:latin typeface="Courier"/>
+              </a:rPr>
+              <a:t>~</a:t>
+            </a:r>
+            <a:r>
+              <a:rPr sz="1800">
+                <a:latin typeface="Courier"/>
+              </a:rPr>
+              <a:t>position,</a:t>
+            </a:r>
+            <a:r>
+              <a:rPr sz="1800">
+                <a:solidFill>
+                  <a:srgbClr val="902000"/>
+                </a:solidFill>
+                <a:latin typeface="Courier"/>
+              </a:rPr>
+              <a:t>size=</a:t>
+            </a:r>
+            <a:r>
+              <a:rPr sz="1800">
+                <a:solidFill>
+                  <a:srgbClr val="40A070"/>
+                </a:solidFill>
+                <a:latin typeface="Courier"/>
+              </a:rPr>
+              <a:t>1</a:t>
+            </a:r>
+            <a:r>
+              <a:rPr sz="1800">
+                <a:latin typeface="Courier"/>
+              </a:rPr>
+              <a:t>) </a:t>
+            </a:r>
+            <a:r>
+              <a:rPr sz="1800">
+                <a:solidFill>
+                  <a:srgbClr val="666666"/>
+                </a:solidFill>
+                <a:latin typeface="Courier"/>
+              </a:rPr>
+              <a:t>%&gt;%</a:t>
+            </a:r>
+            <a:r>
+              <a:rPr sz="1800">
+                <a:solidFill>
+                  <a:srgbClr val="4070A0"/>
+                </a:solidFill>
+                <a:latin typeface="Courier"/>
+              </a:rPr>
+              <a:t> </a:t>
+            </a:r>
+            <a:r>
+              <a:rPr sz="1800">
+                <a:latin typeface="Courier"/>
+              </a:rPr>
+              <a:t>add_markers </a:t>
+            </a:r>
+            <a:r>
+              <a:rPr sz="1800">
+                <a:solidFill>
+                  <a:srgbClr val="666666"/>
+                </a:solidFill>
+                <a:latin typeface="Courier"/>
+              </a:rPr>
+              <a:t>%&gt;%</a:t>
+            </a:r>
+            <a:r>
+              <a:rPr sz="1800">
+                <a:solidFill>
+                  <a:srgbClr val="4070A0"/>
+                </a:solidFill>
+                <a:latin typeface="Courier"/>
+              </a:rPr>
+              <a:t> </a:t>
+            </a:r>
+            <a:r>
+              <a:rPr sz="1800" b="1">
+                <a:solidFill>
+                  <a:srgbClr val="007020"/>
+                </a:solidFill>
+                <a:latin typeface="Courier"/>
+              </a:rPr>
+              <a:t>layout</a:t>
+            </a:r>
+            <a:r>
+              <a:rPr sz="1800">
+                <a:latin typeface="Courier"/>
+              </a:rPr>
+              <a:t>(</a:t>
+            </a:r>
+            <a:r>
+              <a:rPr sz="1800">
+                <a:solidFill>
+                  <a:srgbClr val="902000"/>
+                </a:solidFill>
+                <a:latin typeface="Courier"/>
+              </a:rPr>
+              <a:t>scene=</a:t>
+            </a:r>
+            <a:r>
+              <a:rPr sz="1800" b="1">
+                <a:solidFill>
+                  <a:srgbClr val="007020"/>
+                </a:solidFill>
+                <a:latin typeface="Courier"/>
+              </a:rPr>
+              <a:t>list</a:t>
+            </a:r>
+            <a:r>
+              <a:rPr sz="1800">
+                <a:latin typeface="Courier"/>
+              </a:rPr>
+              <a:t>(</a:t>
+            </a:r>
+            <a:r>
+              <a:rPr sz="1800">
+                <a:solidFill>
+                  <a:srgbClr val="902000"/>
+                </a:solidFill>
+                <a:latin typeface="Courier"/>
+              </a:rPr>
+              <a:t>xaxis=</a:t>
+            </a:r>
+            <a:r>
+              <a:rPr sz="1800" b="1">
+                <a:solidFill>
+                  <a:srgbClr val="007020"/>
+                </a:solidFill>
+                <a:latin typeface="Courier"/>
+              </a:rPr>
+              <a:t>list</a:t>
+            </a:r>
+            <a:r>
+              <a:rPr sz="1800">
+                <a:latin typeface="Courier"/>
+              </a:rPr>
+              <a:t>(</a:t>
+            </a:r>
+            <a:r>
+              <a:rPr sz="1800">
+                <a:solidFill>
+                  <a:srgbClr val="902000"/>
+                </a:solidFill>
+                <a:latin typeface="Courier"/>
+              </a:rPr>
+              <a:t>title=</a:t>
+            </a:r>
+            <a:r>
+              <a:rPr sz="1800">
+                <a:solidFill>
+                  <a:srgbClr val="4070A0"/>
+                </a:solidFill>
+                <a:latin typeface="Courier"/>
+              </a:rPr>
+              <a:t>"Height"</a:t>
+            </a:r>
+            <a:r>
+              <a:rPr sz="1800">
+                <a:latin typeface="Courier"/>
+              </a:rPr>
+              <a:t>),</a:t>
+            </a:r>
+            <a:r>
+              <a:rPr sz="1800">
+                <a:solidFill>
+                  <a:srgbClr val="902000"/>
+                </a:solidFill>
+                <a:latin typeface="Courier"/>
+              </a:rPr>
+              <a:t>yaxis=</a:t>
+            </a:r>
+            <a:r>
+              <a:rPr sz="1800" b="1">
+                <a:solidFill>
+                  <a:srgbClr val="007020"/>
+                </a:solidFill>
+                <a:latin typeface="Courier"/>
+              </a:rPr>
+              <a:t>list</a:t>
+            </a:r>
+            <a:r>
+              <a:rPr sz="1800">
+                <a:latin typeface="Courier"/>
+              </a:rPr>
+              <a:t>(</a:t>
+            </a:r>
+            <a:r>
+              <a:rPr sz="1800">
+                <a:solidFill>
+                  <a:srgbClr val="902000"/>
+                </a:solidFill>
+                <a:latin typeface="Courier"/>
+              </a:rPr>
+              <a:t>title=</a:t>
+            </a:r>
+            <a:r>
+              <a:rPr sz="1800">
+                <a:solidFill>
+                  <a:srgbClr val="4070A0"/>
+                </a:solidFill>
+                <a:latin typeface="Courier"/>
+              </a:rPr>
+              <a:t>"Weight"</a:t>
+            </a:r>
+            <a:r>
+              <a:rPr sz="1800">
+                <a:latin typeface="Courier"/>
+              </a:rPr>
+              <a:t>),</a:t>
+            </a:r>
+            <a:r>
+              <a:rPr sz="1800">
+                <a:solidFill>
+                  <a:srgbClr val="902000"/>
+                </a:solidFill>
+                <a:latin typeface="Courier"/>
+              </a:rPr>
+              <a:t>zaxis=</a:t>
+            </a:r>
+            <a:r>
+              <a:rPr sz="1800" b="1">
+                <a:solidFill>
+                  <a:srgbClr val="007020"/>
+                </a:solidFill>
+                <a:latin typeface="Courier"/>
+              </a:rPr>
+              <a:t>list</a:t>
+            </a:r>
+            <a:r>
+              <a:rPr sz="1800">
+                <a:latin typeface="Courier"/>
+              </a:rPr>
+              <a:t>(</a:t>
+            </a:r>
+            <a:r>
+              <a:rPr sz="1800">
+                <a:solidFill>
+                  <a:srgbClr val="902000"/>
+                </a:solidFill>
+                <a:latin typeface="Courier"/>
+              </a:rPr>
+              <a:t>title=</a:t>
+            </a:r>
+            <a:r>
+              <a:rPr sz="1800">
+                <a:solidFill>
+                  <a:srgbClr val="4070A0"/>
+                </a:solidFill>
+                <a:latin typeface="Courier"/>
+              </a:rPr>
+              <a:t>"Start Year"</a:t>
+            </a:r>
+            <a:r>
+              <a:rPr sz="1800">
+                <a:latin typeface="Courier"/>
+              </a:rPr>
+              <a:t>)))</a:t>
+            </a:r>
+          </a:p>
+          <a:p>
+            <a:pPr lvl="0" marL="1270000" indent="0">
+              <a:buNone/>
+            </a:pPr>
+            <a:r>
+              <a:rPr sz="1800">
+                <a:latin typeface="Courier"/>
+              </a:rPr>
+              <a:t>## Warning: Ignoring 6 observations</a:t>
             </a:r>
           </a:p>
         </p:txBody>

--- a/Unit 2/Richard_Palmer_LiveSession_2.pptx
+++ b/Unit 2/Richard_Palmer_LiveSession_2.pptx
@@ -8911,7 +8911,55 @@
               <a:rPr sz="1800">
                 <a:latin typeface="Courier"/>
               </a:rPr>
-              <a:t>()</a:t>
+              <a:t>() </a:t>
+            </a:r>
+            <a:r>
+              <a:rPr sz="1800">
+                <a:solidFill>
+                  <a:srgbClr val="666666"/>
+                </a:solidFill>
+                <a:latin typeface="Courier"/>
+              </a:rPr>
+              <a:t>+</a:t>
+            </a:r>
+            <a:r>
+              <a:rPr sz="1800">
+                <a:solidFill>
+                  <a:srgbClr val="4070A0"/>
+                </a:solidFill>
+                <a:latin typeface="Courier"/>
+              </a:rPr>
+              <a:t> </a:t>
+            </a:r>
+            <a:r>
+              <a:rPr sz="1800" b="1">
+                <a:solidFill>
+                  <a:srgbClr val="007020"/>
+                </a:solidFill>
+                <a:latin typeface="Courier"/>
+              </a:rPr>
+              <a:t>ggtitle</a:t>
+            </a:r>
+            <a:r>
+              <a:rPr sz="1800">
+                <a:latin typeface="Courier"/>
+              </a:rPr>
+              <a:t>(</a:t>
+            </a:r>
+            <a:r>
+              <a:rPr sz="1800">
+                <a:solidFill>
+                  <a:srgbClr val="4070A0"/>
+                </a:solidFill>
+                <a:latin typeface="Courier"/>
+              </a:rPr>
+              <a:t>"Distribution of log income, grouped by years of education"</a:t>
+            </a:r>
+            <a:r>
+              <a:rPr sz="1800">
+                <a:latin typeface="Courier"/>
+              </a:rPr>
+              <a:t>)</a:t>
             </a:r>
           </a:p>
         </p:txBody>
